--- a/introduction to python_1.pptx
+++ b/introduction to python_1.pptx
@@ -5,7 +5,7 @@
     <p:sldMasterId id="2147483660" r:id="rId1"/>
   </p:sldMasterIdLst>
   <p:notesMasterIdLst>
-    <p:notesMasterId r:id="rId33"/>
+    <p:notesMasterId r:id="rId38"/>
   </p:notesMasterIdLst>
   <p:sldIdLst>
     <p:sldId id="256" r:id="rId2"/>
@@ -20,25 +20,30 @@
     <p:sldId id="261" r:id="rId11"/>
     <p:sldId id="264" r:id="rId12"/>
     <p:sldId id="272" r:id="rId13"/>
-    <p:sldId id="273" r:id="rId14"/>
-    <p:sldId id="274" r:id="rId15"/>
-    <p:sldId id="277" r:id="rId16"/>
-    <p:sldId id="278" r:id="rId17"/>
-    <p:sldId id="269" r:id="rId18"/>
-    <p:sldId id="268" r:id="rId19"/>
-    <p:sldId id="279" r:id="rId20"/>
-    <p:sldId id="280" r:id="rId21"/>
-    <p:sldId id="270" r:id="rId22"/>
-    <p:sldId id="267" r:id="rId23"/>
-    <p:sldId id="282" r:id="rId24"/>
-    <p:sldId id="275" r:id="rId25"/>
-    <p:sldId id="276" r:id="rId26"/>
-    <p:sldId id="283" r:id="rId27"/>
-    <p:sldId id="284" r:id="rId28"/>
-    <p:sldId id="285" r:id="rId29"/>
-    <p:sldId id="287" r:id="rId30"/>
-    <p:sldId id="286" r:id="rId31"/>
-    <p:sldId id="265" r:id="rId32"/>
+    <p:sldId id="288" r:id="rId14"/>
+    <p:sldId id="273" r:id="rId15"/>
+    <p:sldId id="274" r:id="rId16"/>
+    <p:sldId id="277" r:id="rId17"/>
+    <p:sldId id="278" r:id="rId18"/>
+    <p:sldId id="269" r:id="rId19"/>
+    <p:sldId id="268" r:id="rId20"/>
+    <p:sldId id="292" r:id="rId21"/>
+    <p:sldId id="279" r:id="rId22"/>
+    <p:sldId id="280" r:id="rId23"/>
+    <p:sldId id="270" r:id="rId24"/>
+    <p:sldId id="289" r:id="rId25"/>
+    <p:sldId id="267" r:id="rId26"/>
+    <p:sldId id="282" r:id="rId27"/>
+    <p:sldId id="290" r:id="rId28"/>
+    <p:sldId id="275" r:id="rId29"/>
+    <p:sldId id="291" r:id="rId30"/>
+    <p:sldId id="276" r:id="rId31"/>
+    <p:sldId id="283" r:id="rId32"/>
+    <p:sldId id="284" r:id="rId33"/>
+    <p:sldId id="285" r:id="rId34"/>
+    <p:sldId id="287" r:id="rId35"/>
+    <p:sldId id="286" r:id="rId36"/>
+    <p:sldId id="265" r:id="rId37"/>
   </p:sldIdLst>
   <p:sldSz cx="9144000" cy="6858000" type="screen4x3"/>
   <p:notesSz cx="6858000" cy="9144000"/>
@@ -139,7 +144,7 @@
   </p:defaultTextStyle>
   <p:extLst>
     <p:ext uri="{EFAFB233-063F-42B5-8137-9DF3F51BA10A}">
-      <p15:sldGuideLst xmlns:p15="http://schemas.microsoft.com/office/powerpoint/2012/main" xmlns="">
+      <p15:sldGuideLst xmlns="" xmlns:p15="http://schemas.microsoft.com/office/powerpoint/2012/main">
         <p15:guide id="1" orient="horz" pos="2160">
           <p15:clr>
             <a:srgbClr val="A4A3A4"/>
@@ -238,7 +243,7 @@
           <a:p>
             <a:fld id="{431389F4-8C7F-4118-9384-A80B74CB90FA}" type="datetimeFigureOut">
               <a:rPr lang="en-US" smtClean="0"/>
-              <a:t>4/12/2016</a:t>
+              <a:t>4/21/2016</a:t>
             </a:fld>
             <a:endParaRPr lang="en-US"/>
           </a:p>
@@ -552,288 +557,46 @@
           <a:p>
             <a:r>
               <a:rPr lang="en-US" dirty="0" smtClean="0"/>
-              <a:t># Variable substitution.</a:t>
-            </a:r>
-          </a:p>
-          <a:p>
-            <a:r>
-              <a:rPr lang="en-US" dirty="0" err="1" smtClean="0"/>
-              <a:t>i</a:t>
-            </a:r>
-            <a:r>
-              <a:rPr lang="en-US" dirty="0" smtClean="0"/>
-              <a:t> = 100</a:t>
-            </a:r>
-          </a:p>
-          <a:p>
-            <a:r>
-              <a:rPr lang="en-US" dirty="0" smtClean="0"/>
-              <a:t>print(</a:t>
-            </a:r>
-            <a:r>
-              <a:rPr lang="en-US" dirty="0" err="1" smtClean="0"/>
-              <a:t>i</a:t>
-            </a:r>
-            <a:r>
-              <a:rPr lang="en-US" dirty="0" smtClean="0"/>
-              <a:t>)</a:t>
-            </a:r>
-          </a:p>
-          <a:p>
-            <a:endParaRPr lang="en-US" dirty="0" smtClean="0"/>
-          </a:p>
-          <a:p>
-            <a:r>
-              <a:rPr lang="en-US" dirty="0" smtClean="0"/>
-              <a:t># Variable substitution.</a:t>
-            </a:r>
-          </a:p>
-          <a:p>
-            <a:r>
-              <a:rPr lang="en-US" dirty="0" err="1" smtClean="0"/>
-              <a:t>i</a:t>
-            </a:r>
-            <a:r>
-              <a:rPr lang="en-US" dirty="0" smtClean="0"/>
-              <a:t> = 2</a:t>
-            </a:r>
-          </a:p>
-          <a:p>
-            <a:r>
-              <a:rPr lang="en-US" dirty="0" smtClean="0"/>
-              <a:t>print(</a:t>
-            </a:r>
-            <a:r>
-              <a:rPr lang="en-US" dirty="0" err="1" smtClean="0"/>
-              <a:t>i</a:t>
-            </a:r>
-            <a:r>
-              <a:rPr lang="en-US" dirty="0" smtClean="0"/>
-              <a:t>)</a:t>
-            </a:r>
-          </a:p>
-          <a:p>
-            <a:endParaRPr lang="en-US" dirty="0" smtClean="0"/>
-          </a:p>
-          <a:p>
-            <a:r>
-              <a:rPr lang="en-US" dirty="0" smtClean="0"/>
-              <a:t># Multiple Assignment.</a:t>
-            </a:r>
-          </a:p>
-          <a:p>
-            <a:r>
-              <a:rPr lang="en-US" dirty="0" smtClean="0"/>
-              <a:t>a = b = c = d = 5</a:t>
-            </a:r>
-          </a:p>
-          <a:p>
-            <a:r>
-              <a:rPr lang="en-US" dirty="0" smtClean="0"/>
-              <a:t>print(d)</a:t>
-            </a:r>
-          </a:p>
-          <a:p>
-            <a:endParaRPr lang="en-US" dirty="0" smtClean="0"/>
-          </a:p>
-          <a:p>
-            <a:r>
-              <a:rPr lang="en-US" dirty="0" smtClean="0"/>
-              <a:t># Type case a float to int.</a:t>
-            </a:r>
-          </a:p>
-          <a:p>
-            <a:r>
-              <a:rPr lang="en-US" dirty="0" smtClean="0"/>
-              <a:t>w = 5.0</a:t>
-            </a:r>
-          </a:p>
-          <a:p>
-            <a:r>
-              <a:rPr lang="en-US" dirty="0" smtClean="0"/>
-              <a:t>print </a:t>
-            </a:r>
-            <a:r>
-              <a:rPr lang="en-US" dirty="0" err="1" smtClean="0"/>
-              <a:t>int</a:t>
-            </a:r>
-            <a:r>
-              <a:rPr lang="en-US" dirty="0" smtClean="0"/>
-              <a:t>(w)</a:t>
-            </a:r>
-          </a:p>
-          <a:p>
-            <a:endParaRPr lang="en-US" dirty="0" smtClean="0"/>
-          </a:p>
-          <a:p>
-            <a:r>
-              <a:rPr lang="en-US" dirty="0" smtClean="0"/>
-              <a:t># Addition</a:t>
-            </a:r>
-          </a:p>
-          <a:p>
-            <a:r>
-              <a:rPr lang="en-US" dirty="0" smtClean="0"/>
-              <a:t>c = 5 + 10</a:t>
-            </a:r>
-          </a:p>
-          <a:p>
-            <a:r>
-              <a:rPr lang="en-US" dirty="0" smtClean="0"/>
-              <a:t>print(c)</a:t>
-            </a:r>
-          </a:p>
-          <a:p>
-            <a:endParaRPr lang="en-US" dirty="0" smtClean="0"/>
-          </a:p>
-          <a:p>
-            <a:r>
-              <a:rPr lang="en-US" dirty="0" smtClean="0"/>
-              <a:t># Subtraction.</a:t>
-            </a:r>
-          </a:p>
-          <a:p>
-            <a:r>
-              <a:rPr lang="en-US" dirty="0" smtClean="0"/>
-              <a:t>d = 5 - 3</a:t>
-            </a:r>
-          </a:p>
-          <a:p>
-            <a:r>
-              <a:rPr lang="en-US" dirty="0" smtClean="0"/>
-              <a:t>print(d)</a:t>
-            </a:r>
-          </a:p>
-          <a:p>
-            <a:endParaRPr lang="en-US" dirty="0" smtClean="0"/>
-          </a:p>
-          <a:p>
-            <a:r>
-              <a:rPr lang="en-US" dirty="0" smtClean="0"/>
-              <a:t># Multiplication</a:t>
-            </a:r>
-          </a:p>
-          <a:p>
-            <a:r>
-              <a:rPr lang="en-US" dirty="0" smtClean="0"/>
-              <a:t>a = 5 * 5</a:t>
-            </a:r>
-          </a:p>
-          <a:p>
-            <a:endParaRPr lang="en-US" dirty="0" smtClean="0"/>
-          </a:p>
-          <a:p>
-            <a:r>
-              <a:rPr lang="en-US" dirty="0" smtClean="0"/>
-              <a:t># Division.</a:t>
-            </a:r>
-          </a:p>
-          <a:p>
-            <a:r>
-              <a:rPr lang="en-US" dirty="0" smtClean="0"/>
-              <a:t>a = 5/3</a:t>
-            </a:r>
-          </a:p>
-          <a:p>
-            <a:r>
-              <a:rPr lang="en-US" dirty="0" smtClean="0"/>
-              <a:t>print(a)</a:t>
-            </a:r>
-          </a:p>
-          <a:p>
-            <a:endParaRPr lang="en-US" dirty="0" smtClean="0"/>
-          </a:p>
-          <a:p>
-            <a:r>
-              <a:rPr lang="en-US" dirty="0" smtClean="0"/>
-              <a:t>b = 5/3.0</a:t>
-            </a:r>
-          </a:p>
-          <a:p>
-            <a:r>
-              <a:rPr lang="en-US" dirty="0" smtClean="0"/>
-              <a:t>print(b)</a:t>
-            </a:r>
-          </a:p>
-          <a:p>
-            <a:endParaRPr lang="en-US" dirty="0" smtClean="0"/>
-          </a:p>
-          <a:p>
-            <a:r>
-              <a:rPr lang="en-US" dirty="0" smtClean="0"/>
-              <a:t>c = float(5)/3</a:t>
-            </a:r>
-          </a:p>
-          <a:p>
-            <a:r>
-              <a:rPr lang="en-US" dirty="0" smtClean="0"/>
-              <a:t>print(c)</a:t>
-            </a:r>
-          </a:p>
-          <a:p>
-            <a:endParaRPr lang="en-US" dirty="0" smtClean="0"/>
-          </a:p>
-          <a:p>
-            <a:r>
-              <a:rPr lang="en-US" dirty="0" smtClean="0"/>
-              <a:t># Floor division divides one number by another and then rounds the results to</a:t>
-            </a:r>
-          </a:p>
-          <a:p>
-            <a:r>
-              <a:rPr lang="en-US" dirty="0" smtClean="0"/>
-              <a:t># the closest integer that is smaller.</a:t>
-            </a:r>
-          </a:p>
-          <a:p>
-            <a:r>
-              <a:rPr lang="en-US" dirty="0" smtClean="0"/>
-              <a:t>10//3</a:t>
-            </a:r>
-          </a:p>
-          <a:p>
-            <a:endParaRPr lang="en-US" dirty="0" smtClean="0"/>
-          </a:p>
-          <a:p>
-            <a:r>
-              <a:rPr lang="en-US" dirty="0" smtClean="0"/>
-              <a:t># Modulus. Returns remainder.</a:t>
-            </a:r>
-          </a:p>
-          <a:p>
-            <a:r>
-              <a:rPr lang="en-US" dirty="0" smtClean="0"/>
-              <a:t>c = 14%3</a:t>
-            </a:r>
-          </a:p>
-          <a:p>
-            <a:r>
-              <a:rPr lang="en-US" dirty="0" smtClean="0"/>
-              <a:t>print c</a:t>
-            </a:r>
-          </a:p>
-          <a:p>
-            <a:endParaRPr lang="en-US" dirty="0" smtClean="0"/>
-          </a:p>
-          <a:p>
-            <a:r>
-              <a:rPr lang="en-US" dirty="0" smtClean="0"/>
-              <a:t># Exponent</a:t>
-            </a:r>
-          </a:p>
-          <a:p>
-            <a:r>
-              <a:rPr lang="en-US" dirty="0" smtClean="0"/>
-              <a:t>b = 2**2</a:t>
-            </a:r>
-          </a:p>
-          <a:p>
-            <a:r>
-              <a:rPr lang="en-US" dirty="0" smtClean="0"/>
-              <a:t>print(b)</a:t>
-            </a:r>
-          </a:p>
-          <a:p>
+              <a:t>1.</a:t>
+            </a:r>
+            <a:r>
+              <a:rPr lang="en-US" baseline="0" dirty="0" smtClean="0"/>
+              <a:t> </a:t>
+            </a:r>
+            <a:r>
+              <a:rPr lang="en-US" dirty="0" smtClean="0"/>
+              <a:t>Manually</a:t>
+            </a:r>
+          </a:p>
+          <a:p>
+            <a:r>
+              <a:rPr lang="en-US" dirty="0" smtClean="0"/>
+              <a:t>2. Export</a:t>
+            </a:r>
+            <a:r>
+              <a:rPr lang="en-US" baseline="0" dirty="0" smtClean="0"/>
+              <a:t> to excel and update the dbf</a:t>
+            </a:r>
+          </a:p>
+          <a:p>
+            <a:r>
+              <a:rPr lang="en-US" baseline="0" dirty="0" smtClean="0"/>
+              <a:t>3. Select and field calculator </a:t>
+            </a:r>
+          </a:p>
+          <a:p>
+            <a:r>
+              <a:rPr lang="en-US" baseline="0" dirty="0" smtClean="0"/>
+              <a:t>4. </a:t>
+            </a:r>
+            <a:r>
+              <a:rPr lang="en-US" baseline="0" dirty="0" err="1" smtClean="0"/>
+              <a:t>updatecursor</a:t>
+            </a:r>
+            <a:r>
+              <a:rPr lang="en-US" baseline="0" dirty="0" smtClean="0"/>
+              <a:t>.</a:t>
+            </a:r>
             <a:endParaRPr lang="en-US" dirty="0"/>
           </a:p>
         </p:txBody>
@@ -855,7 +618,7 @@
           <a:p>
             <a:fld id="{F21EEE32-4F84-485E-B1B7-980E0A876B73}" type="slidenum">
               <a:rPr lang="en-US" smtClean="0"/>
-              <a:t>12</a:t>
+              <a:t>5</a:t>
             </a:fld>
             <a:endParaRPr lang="en-US"/>
           </a:p>
@@ -864,7 +627,7 @@
     </p:spTree>
     <p:extLst>
       <p:ext uri="{BB962C8B-B14F-4D97-AF65-F5344CB8AC3E}">
-        <p14:creationId xmlns:p14="http://schemas.microsoft.com/office/powerpoint/2010/main" val="139329370"/>
+        <p14:creationId xmlns:p14="http://schemas.microsoft.com/office/powerpoint/2010/main" val="2410655342"/>
       </p:ext>
     </p:extLst>
   </p:cSld>
@@ -920,19 +683,31 @@
           <a:p>
             <a:r>
               <a:rPr lang="en-US" dirty="0" smtClean="0"/>
-              <a:t># Strings</a:t>
-            </a:r>
-          </a:p>
-          <a:p>
-            <a:r>
-              <a:rPr lang="en-US" dirty="0" smtClean="0"/>
-              <a:t>a = "foo"</a:t>
-            </a:r>
-          </a:p>
-          <a:p>
-            <a:r>
-              <a:rPr lang="en-US" dirty="0" smtClean="0"/>
-              <a:t>b = "bat"</a:t>
+              <a:t># Variable substitution.</a:t>
+            </a:r>
+          </a:p>
+          <a:p>
+            <a:r>
+              <a:rPr lang="en-US" dirty="0" err="1" smtClean="0"/>
+              <a:t>i</a:t>
+            </a:r>
+            <a:r>
+              <a:rPr lang="en-US" dirty="0" smtClean="0"/>
+              <a:t> = 100</a:t>
+            </a:r>
+          </a:p>
+          <a:p>
+            <a:r>
+              <a:rPr lang="en-US" dirty="0" smtClean="0"/>
+              <a:t>print(</a:t>
+            </a:r>
+            <a:r>
+              <a:rPr lang="en-US" dirty="0" err="1" smtClean="0"/>
+              <a:t>i</a:t>
+            </a:r>
+            <a:r>
+              <a:rPr lang="en-US" dirty="0" smtClean="0"/>
+              <a:t>)</a:t>
             </a:r>
           </a:p>
           <a:p>
@@ -941,13 +716,225 @@
           <a:p>
             <a:r>
               <a:rPr lang="en-US" dirty="0" smtClean="0"/>
-              <a:t># String concatenation produces a new string.</a:t>
-            </a:r>
-          </a:p>
-          <a:p>
-            <a:r>
-              <a:rPr lang="en-US" dirty="0" smtClean="0"/>
-              <a:t>c = a + b</a:t>
+              <a:t># Variable substitution.</a:t>
+            </a:r>
+          </a:p>
+          <a:p>
+            <a:r>
+              <a:rPr lang="en-US" dirty="0" err="1" smtClean="0"/>
+              <a:t>i</a:t>
+            </a:r>
+            <a:r>
+              <a:rPr lang="en-US" dirty="0" smtClean="0"/>
+              <a:t> = 2</a:t>
+            </a:r>
+          </a:p>
+          <a:p>
+            <a:r>
+              <a:rPr lang="en-US" dirty="0" smtClean="0"/>
+              <a:t>print(</a:t>
+            </a:r>
+            <a:r>
+              <a:rPr lang="en-US" dirty="0" err="1" smtClean="0"/>
+              <a:t>i</a:t>
+            </a:r>
+            <a:r>
+              <a:rPr lang="en-US" dirty="0" smtClean="0"/>
+              <a:t>)</a:t>
+            </a:r>
+          </a:p>
+          <a:p>
+            <a:endParaRPr lang="en-US" dirty="0" smtClean="0"/>
+          </a:p>
+          <a:p>
+            <a:r>
+              <a:rPr lang="en-US" dirty="0" smtClean="0"/>
+              <a:t># Multiple Assignment.</a:t>
+            </a:r>
+          </a:p>
+          <a:p>
+            <a:r>
+              <a:rPr lang="en-US" dirty="0" smtClean="0"/>
+              <a:t>a = b = c = d = 5</a:t>
+            </a:r>
+          </a:p>
+          <a:p>
+            <a:r>
+              <a:rPr lang="en-US" dirty="0" smtClean="0"/>
+              <a:t>print(d)</a:t>
+            </a:r>
+          </a:p>
+          <a:p>
+            <a:endParaRPr lang="en-US" dirty="0" smtClean="0"/>
+          </a:p>
+          <a:p>
+            <a:r>
+              <a:rPr lang="en-US" dirty="0" smtClean="0"/>
+              <a:t># Type case a float to int.</a:t>
+            </a:r>
+          </a:p>
+          <a:p>
+            <a:r>
+              <a:rPr lang="en-US" dirty="0" smtClean="0"/>
+              <a:t>w = 5.0</a:t>
+            </a:r>
+          </a:p>
+          <a:p>
+            <a:r>
+              <a:rPr lang="en-US" dirty="0" smtClean="0"/>
+              <a:t>print </a:t>
+            </a:r>
+            <a:r>
+              <a:rPr lang="en-US" dirty="0" err="1" smtClean="0"/>
+              <a:t>int</a:t>
+            </a:r>
+            <a:r>
+              <a:rPr lang="en-US" dirty="0" smtClean="0"/>
+              <a:t>(w)</a:t>
+            </a:r>
+          </a:p>
+          <a:p>
+            <a:endParaRPr lang="en-US" dirty="0" smtClean="0"/>
+          </a:p>
+          <a:p>
+            <a:r>
+              <a:rPr lang="en-US" dirty="0" smtClean="0"/>
+              <a:t># Addition</a:t>
+            </a:r>
+          </a:p>
+          <a:p>
+            <a:r>
+              <a:rPr lang="en-US" dirty="0" smtClean="0"/>
+              <a:t>c = 5 + 10</a:t>
+            </a:r>
+          </a:p>
+          <a:p>
+            <a:r>
+              <a:rPr lang="en-US" dirty="0" smtClean="0"/>
+              <a:t>print(c)</a:t>
+            </a:r>
+          </a:p>
+          <a:p>
+            <a:endParaRPr lang="en-US" dirty="0" smtClean="0"/>
+          </a:p>
+          <a:p>
+            <a:r>
+              <a:rPr lang="en-US" dirty="0" smtClean="0"/>
+              <a:t># Subtraction.</a:t>
+            </a:r>
+          </a:p>
+          <a:p>
+            <a:r>
+              <a:rPr lang="en-US" dirty="0" smtClean="0"/>
+              <a:t>d = 5 - 3</a:t>
+            </a:r>
+          </a:p>
+          <a:p>
+            <a:r>
+              <a:rPr lang="en-US" dirty="0" smtClean="0"/>
+              <a:t>print(d)</a:t>
+            </a:r>
+          </a:p>
+          <a:p>
+            <a:endParaRPr lang="en-US" dirty="0" smtClean="0"/>
+          </a:p>
+          <a:p>
+            <a:r>
+              <a:rPr lang="en-US" dirty="0" smtClean="0"/>
+              <a:t># Multiplication</a:t>
+            </a:r>
+          </a:p>
+          <a:p>
+            <a:r>
+              <a:rPr lang="en-US" dirty="0" smtClean="0"/>
+              <a:t>a = 5 * 5</a:t>
+            </a:r>
+          </a:p>
+          <a:p>
+            <a:endParaRPr lang="en-US" dirty="0" smtClean="0"/>
+          </a:p>
+          <a:p>
+            <a:r>
+              <a:rPr lang="en-US" dirty="0" smtClean="0"/>
+              <a:t># Division.</a:t>
+            </a:r>
+          </a:p>
+          <a:p>
+            <a:r>
+              <a:rPr lang="en-US" dirty="0" smtClean="0"/>
+              <a:t>a = 5/3</a:t>
+            </a:r>
+          </a:p>
+          <a:p>
+            <a:r>
+              <a:rPr lang="en-US" dirty="0" smtClean="0"/>
+              <a:t>print(a)</a:t>
+            </a:r>
+          </a:p>
+          <a:p>
+            <a:endParaRPr lang="en-US" dirty="0" smtClean="0"/>
+          </a:p>
+          <a:p>
+            <a:r>
+              <a:rPr lang="en-US" dirty="0" smtClean="0"/>
+              <a:t>b = 5/3.0</a:t>
+            </a:r>
+          </a:p>
+          <a:p>
+            <a:r>
+              <a:rPr lang="en-US" dirty="0" smtClean="0"/>
+              <a:t>print(b)</a:t>
+            </a:r>
+          </a:p>
+          <a:p>
+            <a:endParaRPr lang="en-US" dirty="0" smtClean="0"/>
+          </a:p>
+          <a:p>
+            <a:r>
+              <a:rPr lang="en-US" dirty="0" smtClean="0"/>
+              <a:t>c = float(5)/3</a:t>
+            </a:r>
+          </a:p>
+          <a:p>
+            <a:r>
+              <a:rPr lang="en-US" dirty="0" smtClean="0"/>
+              <a:t>print(c)</a:t>
+            </a:r>
+          </a:p>
+          <a:p>
+            <a:endParaRPr lang="en-US" dirty="0" smtClean="0"/>
+          </a:p>
+          <a:p>
+            <a:r>
+              <a:rPr lang="en-US" dirty="0" smtClean="0"/>
+              <a:t># Floor division divides one number by another and then rounds the results to</a:t>
+            </a:r>
+          </a:p>
+          <a:p>
+            <a:r>
+              <a:rPr lang="en-US" dirty="0" smtClean="0"/>
+              <a:t># the closest integer that is smaller.</a:t>
+            </a:r>
+          </a:p>
+          <a:p>
+            <a:r>
+              <a:rPr lang="en-US" dirty="0" smtClean="0"/>
+              <a:t>10//3</a:t>
+            </a:r>
+          </a:p>
+          <a:p>
+            <a:endParaRPr lang="en-US" dirty="0" smtClean="0"/>
+          </a:p>
+          <a:p>
+            <a:r>
+              <a:rPr lang="en-US" dirty="0" smtClean="0"/>
+              <a:t># Modulus. Returns remainder.</a:t>
+            </a:r>
+          </a:p>
+          <a:p>
+            <a:r>
+              <a:rPr lang="en-US" dirty="0" smtClean="0"/>
+              <a:t>c = 14%3</a:t>
             </a:r>
           </a:p>
           <a:p>
@@ -960,259 +947,21 @@
             <a:endParaRPr lang="en-US" dirty="0" smtClean="0"/>
           </a:p>
           <a:p>
-            <a:endParaRPr lang="en-US" dirty="0" smtClean="0"/>
-          </a:p>
-          <a:p>
-            <a:r>
-              <a:rPr lang="en-US" dirty="0" smtClean="0"/>
-              <a:t># Length function.</a:t>
-            </a:r>
-          </a:p>
-          <a:p>
-            <a:r>
-              <a:rPr lang="en-US" dirty="0" smtClean="0"/>
-              <a:t>a = "</a:t>
-            </a:r>
-            <a:r>
-              <a:rPr lang="en-US" dirty="0" err="1" smtClean="0"/>
-              <a:t>Fooo</a:t>
-            </a:r>
-            <a:r>
-              <a:rPr lang="en-US" dirty="0" smtClean="0"/>
-              <a:t>"</a:t>
-            </a:r>
-          </a:p>
-          <a:p>
-            <a:r>
-              <a:rPr lang="en-US" dirty="0" smtClean="0"/>
-              <a:t>print </a:t>
-            </a:r>
-            <a:r>
-              <a:rPr lang="en-US" dirty="0" err="1" smtClean="0"/>
-              <a:t>len</a:t>
-            </a:r>
-            <a:r>
-              <a:rPr lang="en-US" dirty="0" smtClean="0"/>
-              <a:t>(a)</a:t>
-            </a:r>
-          </a:p>
-          <a:p>
-            <a:endParaRPr lang="en-US" dirty="0" smtClean="0"/>
-          </a:p>
-          <a:p>
-            <a:r>
-              <a:rPr lang="en-US" dirty="0" smtClean="0"/>
-              <a:t># Join function.</a:t>
-            </a:r>
-          </a:p>
-          <a:p>
-            <a:r>
-              <a:rPr lang="en-US" dirty="0" smtClean="0"/>
-              <a:t>c = ("A", "B", "C")</a:t>
-            </a:r>
-          </a:p>
-          <a:p>
-            <a:r>
-              <a:rPr lang="en-US" dirty="0" smtClean="0"/>
-              <a:t>print "-".join(c)</a:t>
-            </a:r>
-          </a:p>
-          <a:p>
-            <a:endParaRPr lang="en-US" dirty="0" smtClean="0"/>
-          </a:p>
-          <a:p>
-            <a:r>
-              <a:rPr lang="en-US" dirty="0" smtClean="0"/>
-              <a:t>#print a[5]</a:t>
-            </a:r>
-          </a:p>
-          <a:p>
-            <a:r>
-              <a:rPr lang="en-US" dirty="0" smtClean="0"/>
-              <a:t>print a[2]</a:t>
-            </a:r>
-          </a:p>
-          <a:p>
-            <a:endParaRPr lang="en-US" dirty="0" smtClean="0"/>
-          </a:p>
-          <a:p>
-            <a:r>
-              <a:rPr lang="en-US" dirty="0" smtClean="0"/>
-              <a:t># Replace function.</a:t>
-            </a:r>
-          </a:p>
-          <a:p>
-            <a:r>
-              <a:rPr lang="en-US" dirty="0" smtClean="0"/>
-              <a:t>b = </a:t>
-            </a:r>
-            <a:r>
-              <a:rPr lang="en-US" dirty="0" err="1" smtClean="0"/>
-              <a:t>a.replace</a:t>
-            </a:r>
-            <a:r>
-              <a:rPr lang="en-US" dirty="0" smtClean="0"/>
-              <a:t>("foo", "too")</a:t>
-            </a:r>
-          </a:p>
-          <a:p>
-            <a:r>
-              <a:rPr lang="en-US" dirty="0" smtClean="0"/>
-              <a:t>print b</a:t>
-            </a:r>
-          </a:p>
-          <a:p>
-            <a:endParaRPr lang="en-US" dirty="0" smtClean="0"/>
-          </a:p>
-          <a:p>
-            <a:r>
-              <a:rPr lang="en-US" dirty="0" smtClean="0"/>
-              <a:t># find function.</a:t>
-            </a:r>
-          </a:p>
-          <a:p>
-            <a:r>
-              <a:rPr lang="en-US" dirty="0" smtClean="0"/>
-              <a:t>print </a:t>
-            </a:r>
-            <a:r>
-              <a:rPr lang="en-US" dirty="0" err="1" smtClean="0"/>
-              <a:t>a.find</a:t>
-            </a:r>
-            <a:r>
-              <a:rPr lang="en-US" dirty="0" smtClean="0"/>
-              <a:t>("</a:t>
-            </a:r>
-            <a:r>
-              <a:rPr lang="en-US" dirty="0" err="1" smtClean="0"/>
-              <a:t>fo</a:t>
-            </a:r>
-            <a:r>
-              <a:rPr lang="en-US" dirty="0" smtClean="0"/>
-              <a:t>")</a:t>
-            </a:r>
-          </a:p>
-          <a:p>
-            <a:r>
-              <a:rPr lang="en-US" dirty="0" smtClean="0"/>
-              <a:t># evaluate if </a:t>
-            </a:r>
-            <a:r>
-              <a:rPr lang="en-US" dirty="0" err="1" smtClean="0"/>
-              <a:t>fo</a:t>
-            </a:r>
-            <a:r>
-              <a:rPr lang="en-US" dirty="0" smtClean="0"/>
-              <a:t> is in a.</a:t>
-            </a:r>
-          </a:p>
-          <a:p>
-            <a:r>
-              <a:rPr lang="en-US" dirty="0" smtClean="0"/>
-              <a:t>print "</a:t>
-            </a:r>
-            <a:r>
-              <a:rPr lang="en-US" dirty="0" err="1" smtClean="0"/>
-              <a:t>fo</a:t>
-            </a:r>
-            <a:r>
-              <a:rPr lang="en-US" dirty="0" smtClean="0"/>
-              <a:t>" in a</a:t>
-            </a:r>
-          </a:p>
-          <a:p>
-            <a:endParaRPr lang="en-US" dirty="0" smtClean="0"/>
-          </a:p>
-          <a:p>
-            <a:endParaRPr lang="en-US" dirty="0" smtClean="0"/>
-          </a:p>
-          <a:p>
-            <a:r>
-              <a:rPr lang="en-US" dirty="0" smtClean="0"/>
-              <a:t># Python slicing. Slice start, stop, step</a:t>
-            </a:r>
-          </a:p>
-          <a:p>
-            <a:r>
-              <a:rPr lang="en-US" dirty="0" smtClean="0"/>
-              <a:t># slicing is very powerful and can be used on strings, lists or tuples.</a:t>
-            </a:r>
-          </a:p>
-          <a:p>
-            <a:r>
-              <a:rPr lang="en-US" dirty="0" smtClean="0"/>
-              <a:t># Index starts at 0.</a:t>
-            </a:r>
-          </a:p>
-          <a:p>
-            <a:r>
-              <a:rPr lang="en-US" dirty="0" smtClean="0"/>
-              <a:t>w = "</a:t>
-            </a:r>
-            <a:r>
-              <a:rPr lang="en-US" dirty="0" err="1" smtClean="0"/>
-              <a:t>yadf;lkbdfmbdfklmbmbkm</a:t>
-            </a:r>
-            <a:r>
-              <a:rPr lang="en-US" dirty="0" smtClean="0"/>
-              <a:t>"</a:t>
-            </a:r>
-          </a:p>
-          <a:p>
-            <a:r>
-              <a:rPr lang="en-US" dirty="0" smtClean="0"/>
-              <a:t># Can start at the end of the string, list or tuple.</a:t>
-            </a:r>
-          </a:p>
-          <a:p>
-            <a:r>
-              <a:rPr lang="en-US" dirty="0" smtClean="0"/>
-              <a:t>print w[0:-1]</a:t>
-            </a:r>
-          </a:p>
-          <a:p>
-            <a:r>
-              <a:rPr lang="en-US" dirty="0" smtClean="0"/>
-              <a:t>print w[0:21]</a:t>
-            </a:r>
-          </a:p>
-          <a:p>
-            <a:r>
-              <a:rPr lang="en-US" dirty="0" smtClean="0"/>
-              <a:t>print w[:21]</a:t>
-            </a:r>
-          </a:p>
-          <a:p>
-            <a:r>
-              <a:rPr lang="en-US" dirty="0" smtClean="0"/>
-              <a:t>print w[0:6]</a:t>
-            </a:r>
-          </a:p>
-          <a:p>
-            <a:endParaRPr lang="en-US" dirty="0" smtClean="0"/>
-          </a:p>
-          <a:p>
-            <a:r>
-              <a:rPr lang="en-US" dirty="0" smtClean="0"/>
-              <a:t># Reverse order of string. This works on lists as well.</a:t>
-            </a:r>
-          </a:p>
-          <a:p>
-            <a:r>
-              <a:rPr lang="en-US" dirty="0" smtClean="0"/>
-              <a:t># This can be useful when deleting elements out of a list because one needs</a:t>
-            </a:r>
-          </a:p>
-          <a:p>
-            <a:r>
-              <a:rPr lang="en-US" dirty="0" smtClean="0"/>
-              <a:t># to start at the end of the list first .</a:t>
-            </a:r>
-          </a:p>
-          <a:p>
-            <a:r>
-              <a:rPr lang="en-US" dirty="0" smtClean="0"/>
-              <a:t>print w[21:0:-1]</a:t>
+            <a:r>
+              <a:rPr lang="en-US" dirty="0" smtClean="0"/>
+              <a:t># Exponent</a:t>
+            </a:r>
+          </a:p>
+          <a:p>
+            <a:r>
+              <a:rPr lang="en-US" dirty="0" smtClean="0"/>
+              <a:t>b = 2**2</a:t>
+            </a:r>
+          </a:p>
+          <a:p>
+            <a:r>
+              <a:rPr lang="en-US" dirty="0" smtClean="0"/>
+              <a:t>print(b)</a:t>
             </a:r>
           </a:p>
           <a:p>
@@ -1237,7 +986,7 @@
           <a:p>
             <a:fld id="{F21EEE32-4F84-485E-B1B7-980E0A876B73}" type="slidenum">
               <a:rPr lang="en-US" smtClean="0"/>
-              <a:t>13</a:t>
+              <a:t>12</a:t>
             </a:fld>
             <a:endParaRPr lang="en-US"/>
           </a:p>
@@ -1246,7 +995,7 @@
     </p:spTree>
     <p:extLst>
       <p:ext uri="{BB962C8B-B14F-4D97-AF65-F5344CB8AC3E}">
-        <p14:creationId xmlns:p14="http://schemas.microsoft.com/office/powerpoint/2010/main" val="322021228"/>
+        <p14:creationId xmlns:p14="http://schemas.microsoft.com/office/powerpoint/2010/main" val="139329370"/>
       </p:ext>
     </p:extLst>
   </p:cSld>
@@ -1302,19 +1051,66 @@
           <a:p>
             <a:r>
               <a:rPr lang="en-US" dirty="0" smtClean="0"/>
-              <a:t># List</a:t>
-            </a:r>
-          </a:p>
-          <a:p>
-            <a:r>
-              <a:rPr lang="en-US" dirty="0" smtClean="0"/>
-              <a:t>a = ["apple", "Microsoft", "Samsung"]</a:t>
-            </a:r>
+              <a:t># Strings</a:t>
+            </a:r>
+          </a:p>
+          <a:p>
+            <a:r>
+              <a:rPr lang="en-US" dirty="0" smtClean="0"/>
+              <a:t>a = "foo"</a:t>
+            </a:r>
+          </a:p>
+          <a:p>
+            <a:r>
+              <a:rPr lang="en-US" dirty="0" smtClean="0"/>
+              <a:t>b = "bat"</a:t>
+            </a:r>
+          </a:p>
+          <a:p>
+            <a:endParaRPr lang="en-US" dirty="0" smtClean="0"/>
+          </a:p>
+          <a:p>
+            <a:r>
+              <a:rPr lang="en-US" dirty="0" smtClean="0"/>
+              <a:t># String concatenation produces a new string.</a:t>
+            </a:r>
+          </a:p>
+          <a:p>
+            <a:r>
+              <a:rPr lang="en-US" dirty="0" smtClean="0"/>
+              <a:t>c = a + b</a:t>
+            </a:r>
+          </a:p>
+          <a:p>
+            <a:r>
+              <a:rPr lang="en-US" dirty="0" smtClean="0"/>
+              <a:t>print c</a:t>
+            </a:r>
+          </a:p>
+          <a:p>
+            <a:endParaRPr lang="en-US" dirty="0" smtClean="0"/>
+          </a:p>
+          <a:p>
+            <a:endParaRPr lang="en-US" dirty="0" smtClean="0"/>
           </a:p>
           <a:p>
             <a:r>
               <a:rPr lang="en-US" dirty="0" smtClean="0"/>
               <a:t># Length function.</a:t>
+            </a:r>
+          </a:p>
+          <a:p>
+            <a:r>
+              <a:rPr lang="en-US" dirty="0" smtClean="0"/>
+              <a:t>a = "</a:t>
+            </a:r>
+            <a:r>
+              <a:rPr lang="en-US" dirty="0" err="1" smtClean="0"/>
+              <a:t>Fooo</a:t>
+            </a:r>
+            <a:r>
+              <a:rPr lang="en-US" dirty="0" smtClean="0"/>
+              <a:t>"</a:t>
             </a:r>
           </a:p>
           <a:p>
@@ -1332,15 +1128,87 @@
             </a:r>
           </a:p>
           <a:p>
-            <a:r>
-              <a:rPr lang="en-US" dirty="0" smtClean="0"/>
-              <a:t># Append function. Adds items at the end of the list.</a:t>
-            </a:r>
-          </a:p>
-          <a:p>
+            <a:endParaRPr lang="en-US" dirty="0" smtClean="0"/>
+          </a:p>
+          <a:p>
+            <a:r>
+              <a:rPr lang="en-US" dirty="0" smtClean="0"/>
+              <a:t># Join function.</a:t>
+            </a:r>
+          </a:p>
+          <a:p>
+            <a:r>
+              <a:rPr lang="en-US" dirty="0" smtClean="0"/>
+              <a:t>c = ("A", "B", "C")</a:t>
+            </a:r>
+          </a:p>
+          <a:p>
+            <a:r>
+              <a:rPr lang="en-US" dirty="0" smtClean="0"/>
+              <a:t>print "-".join(c)</a:t>
+            </a:r>
+          </a:p>
+          <a:p>
+            <a:endParaRPr lang="en-US" dirty="0" smtClean="0"/>
+          </a:p>
+          <a:p>
+            <a:r>
+              <a:rPr lang="en-US" dirty="0" smtClean="0"/>
+              <a:t>#print a[5]</a:t>
+            </a:r>
+          </a:p>
+          <a:p>
+            <a:r>
+              <a:rPr lang="en-US" dirty="0" smtClean="0"/>
+              <a:t>print a[2]</a:t>
+            </a:r>
+          </a:p>
+          <a:p>
+            <a:endParaRPr lang="en-US" dirty="0" smtClean="0"/>
+          </a:p>
+          <a:p>
+            <a:r>
+              <a:rPr lang="en-US" dirty="0" smtClean="0"/>
+              <a:t># Replace function.</a:t>
+            </a:r>
+          </a:p>
+          <a:p>
+            <a:r>
+              <a:rPr lang="en-US" dirty="0" smtClean="0"/>
+              <a:t>b = </a:t>
+            </a:r>
             <a:r>
               <a:rPr lang="en-US" dirty="0" err="1" smtClean="0"/>
-              <a:t>a.append</a:t>
+              <a:t>a.replace</a:t>
+            </a:r>
+            <a:r>
+              <a:rPr lang="en-US" dirty="0" smtClean="0"/>
+              <a:t>("foo", "too")</a:t>
+            </a:r>
+          </a:p>
+          <a:p>
+            <a:r>
+              <a:rPr lang="en-US" dirty="0" smtClean="0"/>
+              <a:t>print b</a:t>
+            </a:r>
+          </a:p>
+          <a:p>
+            <a:endParaRPr lang="en-US" dirty="0" smtClean="0"/>
+          </a:p>
+          <a:p>
+            <a:r>
+              <a:rPr lang="en-US" dirty="0" smtClean="0"/>
+              <a:t># find function.</a:t>
+            </a:r>
+          </a:p>
+          <a:p>
+            <a:r>
+              <a:rPr lang="en-US" dirty="0" smtClean="0"/>
+              <a:t>print </a:t>
+            </a:r>
+            <a:r>
+              <a:rPr lang="en-US" dirty="0" err="1" smtClean="0"/>
+              <a:t>a.find</a:t>
             </a:r>
             <a:r>
               <a:rPr lang="en-US" dirty="0" smtClean="0"/>
@@ -1348,7 +1216,7 @@
             </a:r>
             <a:r>
               <a:rPr lang="en-US" dirty="0" err="1" smtClean="0"/>
-              <a:t>lenovo</a:t>
+              <a:t>fo</a:t>
             </a:r>
             <a:r>
               <a:rPr lang="en-US" dirty="0" smtClean="0"/>
@@ -1358,79 +1226,97 @@
           <a:p>
             <a:r>
               <a:rPr lang="en-US" dirty="0" smtClean="0"/>
-              <a:t>print a</a:t>
-            </a:r>
-          </a:p>
-          <a:p>
-            <a:r>
-              <a:rPr lang="en-US" dirty="0" smtClean="0"/>
-              <a:t># Extend the list by appending all items in a given list.</a:t>
-            </a:r>
-          </a:p>
-          <a:p>
+              <a:t># evaluate if </a:t>
+            </a:r>
             <a:r>
               <a:rPr lang="en-US" dirty="0" err="1" smtClean="0"/>
-              <a:t>a.extend</a:t>
-            </a:r>
-            <a:r>
-              <a:rPr lang="en-US" dirty="0" smtClean="0"/>
-              <a:t>("foo")</a:t>
-            </a:r>
-          </a:p>
-          <a:p>
-            <a:r>
-              <a:rPr lang="en-US" dirty="0" smtClean="0"/>
-              <a:t>print a</a:t>
-            </a:r>
-          </a:p>
-          <a:p>
-            <a:r>
-              <a:rPr lang="en-US" dirty="0" smtClean="0"/>
-              <a:t># Remove item in list.</a:t>
-            </a:r>
-          </a:p>
-          <a:p>
+              <a:t>fo</a:t>
+            </a:r>
+            <a:r>
+              <a:rPr lang="en-US" dirty="0" smtClean="0"/>
+              <a:t> is in a.</a:t>
+            </a:r>
+          </a:p>
+          <a:p>
+            <a:r>
+              <a:rPr lang="en-US" dirty="0" smtClean="0"/>
+              <a:t>print "</a:t>
+            </a:r>
             <a:r>
               <a:rPr lang="en-US" dirty="0" err="1" smtClean="0"/>
-              <a:t>a.pop</a:t>
-            </a:r>
-            <a:r>
-              <a:rPr lang="en-US" dirty="0" smtClean="0"/>
-              <a:t>(</a:t>
+              <a:t>fo</a:t>
+            </a:r>
+            <a:r>
+              <a:rPr lang="en-US" dirty="0" smtClean="0"/>
+              <a:t>" in a</a:t>
+            </a:r>
+          </a:p>
+          <a:p>
+            <a:endParaRPr lang="en-US" dirty="0" smtClean="0"/>
+          </a:p>
+          <a:p>
+            <a:endParaRPr lang="en-US" dirty="0" smtClean="0"/>
+          </a:p>
+          <a:p>
+            <a:r>
+              <a:rPr lang="en-US" dirty="0" smtClean="0"/>
+              <a:t># Python slicing. Slice start, stop, step</a:t>
+            </a:r>
+          </a:p>
+          <a:p>
+            <a:r>
+              <a:rPr lang="en-US" dirty="0" smtClean="0"/>
+              <a:t># slicing is very powerful and can be used on strings, lists or tuples.</a:t>
+            </a:r>
+          </a:p>
+          <a:p>
+            <a:r>
+              <a:rPr lang="en-US" dirty="0" smtClean="0"/>
+              <a:t># Index starts at 0.</a:t>
+            </a:r>
+          </a:p>
+          <a:p>
+            <a:r>
+              <a:rPr lang="en-US" dirty="0" smtClean="0"/>
+              <a:t>w = "</a:t>
             </a:r>
             <a:r>
               <a:rPr lang="en-US" dirty="0" err="1" smtClean="0"/>
-              <a:t>a.index</a:t>
-            </a:r>
-            <a:r>
-              <a:rPr lang="en-US" dirty="0" smtClean="0"/>
-              <a:t>("Samsung"))</a:t>
-            </a:r>
-          </a:p>
-          <a:p>
-            <a:r>
-              <a:rPr lang="en-US" dirty="0" smtClean="0"/>
-              <a:t>print a</a:t>
-            </a:r>
-          </a:p>
-          <a:p>
-            <a:r>
-              <a:rPr lang="en-US" dirty="0" smtClean="0"/>
-              <a:t># Get index of item in list.</a:t>
-            </a:r>
-          </a:p>
-          <a:p>
-            <a:r>
-              <a:rPr lang="en-US" dirty="0" smtClean="0"/>
-              <a:t>print </a:t>
-            </a:r>
-            <a:r>
-              <a:rPr lang="en-US" dirty="0" err="1" smtClean="0"/>
-              <a:t>a.index</a:t>
-            </a:r>
-            <a:r>
-              <a:rPr lang="en-US" dirty="0" smtClean="0"/>
-              <a:t>("apple")</a:t>
+              <a:t>yadf;lkbdfmbdfklmbmbkm</a:t>
+            </a:r>
+            <a:r>
+              <a:rPr lang="en-US" dirty="0" smtClean="0"/>
+              <a:t>"</a:t>
+            </a:r>
+          </a:p>
+          <a:p>
+            <a:r>
+              <a:rPr lang="en-US" dirty="0" smtClean="0"/>
+              <a:t># Can start at the end of the string, list or tuple.</a:t>
+            </a:r>
+          </a:p>
+          <a:p>
+            <a:r>
+              <a:rPr lang="en-US" dirty="0" smtClean="0"/>
+              <a:t>print w[0:-1]</a:t>
+            </a:r>
+          </a:p>
+          <a:p>
+            <a:r>
+              <a:rPr lang="en-US" dirty="0" smtClean="0"/>
+              <a:t>print w[0:21]</a:t>
+            </a:r>
+          </a:p>
+          <a:p>
+            <a:r>
+              <a:rPr lang="en-US" dirty="0" smtClean="0"/>
+              <a:t>print w[:21]</a:t>
+            </a:r>
+          </a:p>
+          <a:p>
+            <a:r>
+              <a:rPr lang="en-US" dirty="0" smtClean="0"/>
+              <a:t>print w[0:6]</a:t>
             </a:r>
           </a:p>
           <a:p>
@@ -1439,83 +1325,28 @@
           <a:p>
             <a:r>
               <a:rPr lang="en-US" dirty="0" smtClean="0"/>
-              <a:t>a = ["apple", "Microsoft", "Samsung"]</a:t>
-            </a:r>
-          </a:p>
-          <a:p>
-            <a:r>
-              <a:rPr lang="en-US" dirty="0" smtClean="0"/>
-              <a:t># List reverse function. This can also be done using slicing.</a:t>
-            </a:r>
-          </a:p>
-          <a:p>
-            <a:r>
-              <a:rPr lang="en-US" dirty="0" err="1" smtClean="0"/>
-              <a:t>a.reverse</a:t>
-            </a:r>
-            <a:r>
-              <a:rPr lang="en-US" dirty="0" smtClean="0"/>
-              <a:t>()</a:t>
-            </a:r>
-          </a:p>
-          <a:p>
-            <a:r>
-              <a:rPr lang="en-US" dirty="0" smtClean="0"/>
-              <a:t>print a</a:t>
-            </a:r>
-          </a:p>
-          <a:p>
-            <a:r>
-              <a:rPr lang="en-US" dirty="0" smtClean="0"/>
-              <a:t># Nested list</a:t>
-            </a:r>
-          </a:p>
-          <a:p>
-            <a:r>
-              <a:rPr lang="en-US" dirty="0" smtClean="0"/>
-              <a:t>a = [["john", "smith", "GIS programmer", 60,000],</a:t>
-            </a:r>
-          </a:p>
-          <a:p>
-            <a:r>
-              <a:rPr lang="en-US" dirty="0" smtClean="0"/>
-              <a:t>    ["Will", "Smith", "Actor", 1000000]]</a:t>
-            </a:r>
-          </a:p>
-          <a:p>
-            <a:endParaRPr lang="en-US" dirty="0" smtClean="0"/>
-          </a:p>
-          <a:p>
-            <a:r>
-              <a:rPr lang="en-US" dirty="0" smtClean="0"/>
-              <a:t># Create a list from a comma delimited string.</a:t>
-            </a:r>
-          </a:p>
-          <a:p>
-            <a:r>
-              <a:rPr lang="en-US" dirty="0" smtClean="0"/>
-              <a:t>string = "John, Smith, GIS programmer"</a:t>
-            </a:r>
-          </a:p>
-          <a:p>
-            <a:r>
-              <a:rPr lang="en-US" dirty="0" smtClean="0"/>
-              <a:t>w = </a:t>
-            </a:r>
-            <a:r>
-              <a:rPr lang="en-US" dirty="0" err="1" smtClean="0"/>
-              <a:t>string.split</a:t>
-            </a:r>
-            <a:r>
-              <a:rPr lang="en-US" dirty="0" smtClean="0"/>
-              <a:t>(",")</a:t>
-            </a:r>
-          </a:p>
-          <a:p>
-            <a:r>
-              <a:rPr lang="en-US" dirty="0" smtClean="0"/>
-              <a:t>print w</a:t>
-            </a:r>
+              <a:t># Reverse order of string. This works on lists as well.</a:t>
+            </a:r>
+          </a:p>
+          <a:p>
+            <a:r>
+              <a:rPr lang="en-US" dirty="0" smtClean="0"/>
+              <a:t># This can be useful when deleting elements out of a list because one needs</a:t>
+            </a:r>
+          </a:p>
+          <a:p>
+            <a:r>
+              <a:rPr lang="en-US" dirty="0" smtClean="0"/>
+              <a:t># to start at the end of the list first .</a:t>
+            </a:r>
+          </a:p>
+          <a:p>
+            <a:r>
+              <a:rPr lang="en-US" dirty="0" smtClean="0"/>
+              <a:t>print w[21:0:-1]</a:t>
+            </a:r>
+          </a:p>
+          <a:p>
             <a:endParaRPr lang="en-US" dirty="0"/>
           </a:p>
         </p:txBody>
@@ -1546,7 +1377,7 @@
     </p:spTree>
     <p:extLst>
       <p:ext uri="{BB962C8B-B14F-4D97-AF65-F5344CB8AC3E}">
-        <p14:creationId xmlns:p14="http://schemas.microsoft.com/office/powerpoint/2010/main" val="906097159"/>
+        <p14:creationId xmlns:p14="http://schemas.microsoft.com/office/powerpoint/2010/main" val="322021228"/>
       </p:ext>
     </p:extLst>
   </p:cSld>
@@ -1602,7 +1433,219 @@
           <a:p>
             <a:r>
               <a:rPr lang="en-US" dirty="0" smtClean="0"/>
-              <a:t>http://psung.blogspot.com/2007/12/for-else-in-python.html</a:t>
+              <a:t># List</a:t>
+            </a:r>
+          </a:p>
+          <a:p>
+            <a:r>
+              <a:rPr lang="en-US" dirty="0" smtClean="0"/>
+              <a:t>a = ["apple", "Microsoft", "Samsung"]</a:t>
+            </a:r>
+          </a:p>
+          <a:p>
+            <a:r>
+              <a:rPr lang="en-US" dirty="0" smtClean="0"/>
+              <a:t># Length function.</a:t>
+            </a:r>
+          </a:p>
+          <a:p>
+            <a:r>
+              <a:rPr lang="en-US" dirty="0" smtClean="0"/>
+              <a:t>print </a:t>
+            </a:r>
+            <a:r>
+              <a:rPr lang="en-US" dirty="0" err="1" smtClean="0"/>
+              <a:t>len</a:t>
+            </a:r>
+            <a:r>
+              <a:rPr lang="en-US" dirty="0" smtClean="0"/>
+              <a:t>(a)</a:t>
+            </a:r>
+          </a:p>
+          <a:p>
+            <a:r>
+              <a:rPr lang="en-US" dirty="0" smtClean="0"/>
+              <a:t># Append function. Adds items at the end of the list.</a:t>
+            </a:r>
+          </a:p>
+          <a:p>
+            <a:r>
+              <a:rPr lang="en-US" dirty="0" err="1" smtClean="0"/>
+              <a:t>a.append</a:t>
+            </a:r>
+            <a:r>
+              <a:rPr lang="en-US" dirty="0" smtClean="0"/>
+              <a:t>("</a:t>
+            </a:r>
+            <a:r>
+              <a:rPr lang="en-US" dirty="0" err="1" smtClean="0"/>
+              <a:t>lenovo</a:t>
+            </a:r>
+            <a:r>
+              <a:rPr lang="en-US" dirty="0" smtClean="0"/>
+              <a:t>")</a:t>
+            </a:r>
+          </a:p>
+          <a:p>
+            <a:r>
+              <a:rPr lang="en-US" dirty="0" smtClean="0"/>
+              <a:t>print a</a:t>
+            </a:r>
+          </a:p>
+          <a:p>
+            <a:r>
+              <a:rPr lang="en-US" dirty="0" smtClean="0"/>
+              <a:t># Extend the list by appending all items in a given list.</a:t>
+            </a:r>
+          </a:p>
+          <a:p>
+            <a:r>
+              <a:rPr lang="en-US" dirty="0" err="1" smtClean="0"/>
+              <a:t>a.extend</a:t>
+            </a:r>
+            <a:r>
+              <a:rPr lang="en-US" dirty="0" smtClean="0"/>
+              <a:t>("foo")</a:t>
+            </a:r>
+          </a:p>
+          <a:p>
+            <a:r>
+              <a:rPr lang="en-US" dirty="0" smtClean="0"/>
+              <a:t>print a</a:t>
+            </a:r>
+          </a:p>
+          <a:p>
+            <a:r>
+              <a:rPr lang="en-US" dirty="0" smtClean="0"/>
+              <a:t># Remove item in list.</a:t>
+            </a:r>
+          </a:p>
+          <a:p>
+            <a:r>
+              <a:rPr lang="en-US" dirty="0" err="1" smtClean="0"/>
+              <a:t>a.pop</a:t>
+            </a:r>
+            <a:r>
+              <a:rPr lang="en-US" dirty="0" smtClean="0"/>
+              <a:t>(</a:t>
+            </a:r>
+            <a:r>
+              <a:rPr lang="en-US" dirty="0" err="1" smtClean="0"/>
+              <a:t>a.index</a:t>
+            </a:r>
+            <a:r>
+              <a:rPr lang="en-US" dirty="0" smtClean="0"/>
+              <a:t>("Samsung"))</a:t>
+            </a:r>
+          </a:p>
+          <a:p>
+            <a:r>
+              <a:rPr lang="en-US" dirty="0" smtClean="0"/>
+              <a:t>print a</a:t>
+            </a:r>
+          </a:p>
+          <a:p>
+            <a:r>
+              <a:rPr lang="en-US" dirty="0" smtClean="0"/>
+              <a:t># Get index of item in list.</a:t>
+            </a:r>
+          </a:p>
+          <a:p>
+            <a:r>
+              <a:rPr lang="en-US" dirty="0" smtClean="0"/>
+              <a:t>print </a:t>
+            </a:r>
+            <a:r>
+              <a:rPr lang="en-US" dirty="0" err="1" smtClean="0"/>
+              <a:t>a.index</a:t>
+            </a:r>
+            <a:r>
+              <a:rPr lang="en-US" dirty="0" smtClean="0"/>
+              <a:t>("apple")</a:t>
+            </a:r>
+          </a:p>
+          <a:p>
+            <a:endParaRPr lang="en-US" dirty="0" smtClean="0"/>
+          </a:p>
+          <a:p>
+            <a:r>
+              <a:rPr lang="en-US" dirty="0" smtClean="0"/>
+              <a:t>a = ["apple", "Microsoft", "Samsung"]</a:t>
+            </a:r>
+          </a:p>
+          <a:p>
+            <a:r>
+              <a:rPr lang="en-US" dirty="0" smtClean="0"/>
+              <a:t># List reverse function. This can also be done using slicing.</a:t>
+            </a:r>
+          </a:p>
+          <a:p>
+            <a:r>
+              <a:rPr lang="en-US" dirty="0" err="1" smtClean="0"/>
+              <a:t>a.reverse</a:t>
+            </a:r>
+            <a:r>
+              <a:rPr lang="en-US" dirty="0" smtClean="0"/>
+              <a:t>()</a:t>
+            </a:r>
+          </a:p>
+          <a:p>
+            <a:r>
+              <a:rPr lang="en-US" dirty="0" smtClean="0"/>
+              <a:t>print a</a:t>
+            </a:r>
+          </a:p>
+          <a:p>
+            <a:r>
+              <a:rPr lang="en-US" dirty="0" smtClean="0"/>
+              <a:t># Nested list</a:t>
+            </a:r>
+          </a:p>
+          <a:p>
+            <a:r>
+              <a:rPr lang="en-US" dirty="0" smtClean="0"/>
+              <a:t>a = [["john", "smith", "GIS programmer", 60,000],</a:t>
+            </a:r>
+          </a:p>
+          <a:p>
+            <a:r>
+              <a:rPr lang="en-US" dirty="0" smtClean="0"/>
+              <a:t>    ["Will", "Smith", "Actor", 1000000]]</a:t>
+            </a:r>
+          </a:p>
+          <a:p>
+            <a:endParaRPr lang="en-US" dirty="0" smtClean="0"/>
+          </a:p>
+          <a:p>
+            <a:r>
+              <a:rPr lang="en-US" dirty="0" smtClean="0"/>
+              <a:t># Create a list from a comma delimited string.</a:t>
+            </a:r>
+          </a:p>
+          <a:p>
+            <a:r>
+              <a:rPr lang="en-US" dirty="0" smtClean="0"/>
+              <a:t>string = "John, Smith, GIS programmer"</a:t>
+            </a:r>
+          </a:p>
+          <a:p>
+            <a:r>
+              <a:rPr lang="en-US" dirty="0" smtClean="0"/>
+              <a:t>w = </a:t>
+            </a:r>
+            <a:r>
+              <a:rPr lang="en-US" dirty="0" err="1" smtClean="0"/>
+              <a:t>string.split</a:t>
+            </a:r>
+            <a:r>
+              <a:rPr lang="en-US" dirty="0" smtClean="0"/>
+              <a:t>(",")</a:t>
+            </a:r>
+          </a:p>
+          <a:p>
+            <a:r>
+              <a:rPr lang="en-US" dirty="0" smtClean="0"/>
+              <a:t>print w</a:t>
             </a:r>
             <a:endParaRPr lang="en-US" dirty="0"/>
           </a:p>
@@ -1625,7 +1668,7 @@
           <a:p>
             <a:fld id="{F21EEE32-4F84-485E-B1B7-980E0A876B73}" type="slidenum">
               <a:rPr lang="en-US" smtClean="0"/>
-              <a:t>22</a:t>
+              <a:t>15</a:t>
             </a:fld>
             <a:endParaRPr lang="en-US"/>
           </a:p>
@@ -1634,7 +1677,7 @@
     </p:spTree>
     <p:extLst>
       <p:ext uri="{BB962C8B-B14F-4D97-AF65-F5344CB8AC3E}">
-        <p14:creationId xmlns:p14="http://schemas.microsoft.com/office/powerpoint/2010/main" val="4252036393"/>
+        <p14:creationId xmlns:p14="http://schemas.microsoft.com/office/powerpoint/2010/main" val="906097159"/>
       </p:ext>
     </p:extLst>
   </p:cSld>
@@ -1689,8 +1732,8 @@
           <a:lstStyle/>
           <a:p>
             <a:r>
-              <a:rPr lang="en-US" dirty="0" smtClean="0"/>
-              <a:t>https://desktop.arcgis.com/en/desktop/latest/tools/analysis-toolbox/buffer.htm</a:t>
+              <a:rPr lang="en-US" smtClean="0"/>
+              <a:t>http://www.python-course.eu/exception_handling.php</a:t>
             </a:r>
           </a:p>
           <a:p>
@@ -1715,7 +1758,185 @@
           <a:p>
             <a:fld id="{F21EEE32-4F84-485E-B1B7-980E0A876B73}" type="slidenum">
               <a:rPr lang="en-US" smtClean="0"/>
-              <a:t>24</a:t>
+              <a:t>20</a:t>
+            </a:fld>
+            <a:endParaRPr lang="en-US"/>
+          </a:p>
+        </p:txBody>
+      </p:sp>
+    </p:spTree>
+    <p:extLst>
+      <p:ext uri="{BB962C8B-B14F-4D97-AF65-F5344CB8AC3E}">
+        <p14:creationId xmlns:p14="http://schemas.microsoft.com/office/powerpoint/2010/main" val="2330886983"/>
+      </p:ext>
+    </p:extLst>
+  </p:cSld>
+  <p:clrMapOvr>
+    <a:masterClrMapping/>
+  </p:clrMapOvr>
+</p:notes>
+</file>
+
+<file path=ppt/notesSlides/notesSlide6.xml><?xml version="1.0" encoding="utf-8"?>
+<p:notes xmlns:a="http://schemas.openxmlformats.org/drawingml/2006/main" xmlns:r="http://schemas.openxmlformats.org/officeDocument/2006/relationships" xmlns:p="http://schemas.openxmlformats.org/presentationml/2006/main">
+  <p:cSld>
+    <p:spTree>
+      <p:nvGrpSpPr>
+        <p:cNvPr id="1" name=""/>
+        <p:cNvGrpSpPr/>
+        <p:nvPr/>
+      </p:nvGrpSpPr>
+      <p:grpSpPr>
+        <a:xfrm>
+          <a:off x="0" y="0"/>
+          <a:ext cx="0" cy="0"/>
+          <a:chOff x="0" y="0"/>
+          <a:chExt cx="0" cy="0"/>
+        </a:xfrm>
+      </p:grpSpPr>
+      <p:sp>
+        <p:nvSpPr>
+          <p:cNvPr id="2" name="Slide Image Placeholder 1"/>
+          <p:cNvSpPr>
+            <a:spLocks noGrp="1" noRot="1" noChangeAspect="1"/>
+          </p:cNvSpPr>
+          <p:nvPr>
+            <p:ph type="sldImg"/>
+          </p:nvPr>
+        </p:nvSpPr>
+        <p:spPr/>
+      </p:sp>
+      <p:sp>
+        <p:nvSpPr>
+          <p:cNvPr id="3" name="Notes Placeholder 2"/>
+          <p:cNvSpPr>
+            <a:spLocks noGrp="1"/>
+          </p:cNvSpPr>
+          <p:nvPr>
+            <p:ph type="body" idx="1"/>
+          </p:nvPr>
+        </p:nvSpPr>
+        <p:spPr/>
+        <p:txBody>
+          <a:bodyPr/>
+          <a:lstStyle/>
+          <a:p>
+            <a:r>
+              <a:rPr lang="en-US" dirty="0" smtClean="0"/>
+              <a:t>http://psung.blogspot.com/2007/12/for-else-in-python.html</a:t>
+            </a:r>
+            <a:endParaRPr lang="en-US" dirty="0"/>
+          </a:p>
+        </p:txBody>
+      </p:sp>
+      <p:sp>
+        <p:nvSpPr>
+          <p:cNvPr id="4" name="Slide Number Placeholder 3"/>
+          <p:cNvSpPr>
+            <a:spLocks noGrp="1"/>
+          </p:cNvSpPr>
+          <p:nvPr>
+            <p:ph type="sldNum" sz="quarter" idx="10"/>
+          </p:nvPr>
+        </p:nvSpPr>
+        <p:spPr/>
+        <p:txBody>
+          <a:bodyPr/>
+          <a:lstStyle/>
+          <a:p>
+            <a:fld id="{F21EEE32-4F84-485E-B1B7-980E0A876B73}" type="slidenum">
+              <a:rPr lang="en-US" smtClean="0"/>
+              <a:t>25</a:t>
+            </a:fld>
+            <a:endParaRPr lang="en-US"/>
+          </a:p>
+        </p:txBody>
+      </p:sp>
+    </p:spTree>
+    <p:extLst>
+      <p:ext uri="{BB962C8B-B14F-4D97-AF65-F5344CB8AC3E}">
+        <p14:creationId xmlns:p14="http://schemas.microsoft.com/office/powerpoint/2010/main" val="4252036393"/>
+      </p:ext>
+    </p:extLst>
+  </p:cSld>
+  <p:clrMapOvr>
+    <a:masterClrMapping/>
+  </p:clrMapOvr>
+</p:notes>
+</file>
+
+<file path=ppt/notesSlides/notesSlide7.xml><?xml version="1.0" encoding="utf-8"?>
+<p:notes xmlns:a="http://schemas.openxmlformats.org/drawingml/2006/main" xmlns:r="http://schemas.openxmlformats.org/officeDocument/2006/relationships" xmlns:p="http://schemas.openxmlformats.org/presentationml/2006/main">
+  <p:cSld>
+    <p:spTree>
+      <p:nvGrpSpPr>
+        <p:cNvPr id="1" name=""/>
+        <p:cNvGrpSpPr/>
+        <p:nvPr/>
+      </p:nvGrpSpPr>
+      <p:grpSpPr>
+        <a:xfrm>
+          <a:off x="0" y="0"/>
+          <a:ext cx="0" cy="0"/>
+          <a:chOff x="0" y="0"/>
+          <a:chExt cx="0" cy="0"/>
+        </a:xfrm>
+      </p:grpSpPr>
+      <p:sp>
+        <p:nvSpPr>
+          <p:cNvPr id="2" name="Slide Image Placeholder 1"/>
+          <p:cNvSpPr>
+            <a:spLocks noGrp="1" noRot="1" noChangeAspect="1"/>
+          </p:cNvSpPr>
+          <p:nvPr>
+            <p:ph type="sldImg"/>
+          </p:nvPr>
+        </p:nvSpPr>
+        <p:spPr/>
+      </p:sp>
+      <p:sp>
+        <p:nvSpPr>
+          <p:cNvPr id="3" name="Notes Placeholder 2"/>
+          <p:cNvSpPr>
+            <a:spLocks noGrp="1"/>
+          </p:cNvSpPr>
+          <p:nvPr>
+            <p:ph type="body" idx="1"/>
+          </p:nvPr>
+        </p:nvSpPr>
+        <p:spPr/>
+        <p:txBody>
+          <a:bodyPr/>
+          <a:lstStyle/>
+          <a:p>
+            <a:r>
+              <a:rPr lang="en-US" dirty="0" smtClean="0"/>
+              <a:t>https://desktop.arcgis.com/en/desktop/latest/tools/analysis-toolbox/buffer.htm</a:t>
+            </a:r>
+          </a:p>
+          <a:p>
+            <a:endParaRPr lang="en-US" dirty="0"/>
+          </a:p>
+        </p:txBody>
+      </p:sp>
+      <p:sp>
+        <p:nvSpPr>
+          <p:cNvPr id="4" name="Slide Number Placeholder 3"/>
+          <p:cNvSpPr>
+            <a:spLocks noGrp="1"/>
+          </p:cNvSpPr>
+          <p:nvPr>
+            <p:ph type="sldNum" sz="quarter" idx="10"/>
+          </p:nvPr>
+        </p:nvSpPr>
+        <p:spPr/>
+        <p:txBody>
+          <a:bodyPr/>
+          <a:lstStyle/>
+          <a:p>
+            <a:fld id="{F21EEE32-4F84-485E-B1B7-980E0A876B73}" type="slidenum">
+              <a:rPr lang="en-US" smtClean="0"/>
+              <a:t>28</a:t>
             </a:fld>
             <a:endParaRPr lang="en-US"/>
           </a:p>
@@ -1845,7 +2066,7 @@
           <a:p>
             <a:fld id="{9508567B-B8CC-4477-AED9-11BA2E0DD480}" type="datetimeFigureOut">
               <a:rPr lang="en-US" smtClean="0"/>
-              <a:t>4/12/2016</a:t>
+              <a:t>4/21/2016</a:t>
             </a:fld>
             <a:endParaRPr lang="en-US"/>
           </a:p>
@@ -2071,7 +2292,7 @@
           <a:p>
             <a:fld id="{9508567B-B8CC-4477-AED9-11BA2E0DD480}" type="datetimeFigureOut">
               <a:rPr lang="en-US" smtClean="0"/>
-              <a:t>4/12/2016</a:t>
+              <a:t>4/21/2016</a:t>
             </a:fld>
             <a:endParaRPr lang="en-US"/>
           </a:p>
@@ -2246,7 +2467,7 @@
           <a:p>
             <a:fld id="{9508567B-B8CC-4477-AED9-11BA2E0DD480}" type="datetimeFigureOut">
               <a:rPr lang="en-US" smtClean="0"/>
-              <a:t>4/12/2016</a:t>
+              <a:t>4/21/2016</a:t>
             </a:fld>
             <a:endParaRPr lang="en-US"/>
           </a:p>
@@ -2411,7 +2632,7 @@
           <a:p>
             <a:fld id="{9508567B-B8CC-4477-AED9-11BA2E0DD480}" type="datetimeFigureOut">
               <a:rPr lang="en-US" smtClean="0"/>
-              <a:t>4/12/2016</a:t>
+              <a:t>4/21/2016</a:t>
             </a:fld>
             <a:endParaRPr lang="en-US"/>
           </a:p>
@@ -2655,7 +2876,7 @@
           <a:p>
             <a:fld id="{9508567B-B8CC-4477-AED9-11BA2E0DD480}" type="datetimeFigureOut">
               <a:rPr lang="en-US" smtClean="0"/>
-              <a:t>4/12/2016</a:t>
+              <a:t>4/21/2016</a:t>
             </a:fld>
             <a:endParaRPr lang="en-US"/>
           </a:p>
@@ -2919,7 +3140,7 @@
           <a:p>
             <a:fld id="{9508567B-B8CC-4477-AED9-11BA2E0DD480}" type="datetimeFigureOut">
               <a:rPr lang="en-US" smtClean="0"/>
-              <a:t>4/12/2016</a:t>
+              <a:t>4/21/2016</a:t>
             </a:fld>
             <a:endParaRPr lang="en-US"/>
           </a:p>
@@ -3293,7 +3514,7 @@
           <a:p>
             <a:fld id="{9508567B-B8CC-4477-AED9-11BA2E0DD480}" type="datetimeFigureOut">
               <a:rPr lang="en-US" smtClean="0"/>
-              <a:t>4/12/2016</a:t>
+              <a:t>4/21/2016</a:t>
             </a:fld>
             <a:endParaRPr lang="en-US"/>
           </a:p>
@@ -3406,7 +3627,7 @@
           <a:p>
             <a:fld id="{9508567B-B8CC-4477-AED9-11BA2E0DD480}" type="datetimeFigureOut">
               <a:rPr lang="en-US" smtClean="0"/>
-              <a:t>4/12/2016</a:t>
+              <a:t>4/21/2016</a:t>
             </a:fld>
             <a:endParaRPr lang="en-US"/>
           </a:p>
@@ -3496,7 +3717,7 @@
           <a:p>
             <a:fld id="{9508567B-B8CC-4477-AED9-11BA2E0DD480}" type="datetimeFigureOut">
               <a:rPr lang="en-US" smtClean="0"/>
-              <a:t>4/12/2016</a:t>
+              <a:t>4/21/2016</a:t>
             </a:fld>
             <a:endParaRPr lang="en-US"/>
           </a:p>
@@ -3754,7 +3975,7 @@
           <a:p>
             <a:fld id="{9508567B-B8CC-4477-AED9-11BA2E0DD480}" type="datetimeFigureOut">
               <a:rPr lang="en-US" smtClean="0"/>
-              <a:t>4/12/2016</a:t>
+              <a:t>4/21/2016</a:t>
             </a:fld>
             <a:endParaRPr lang="en-US"/>
           </a:p>
@@ -4018,7 +4239,7 @@
           <a:p>
             <a:fld id="{9508567B-B8CC-4477-AED9-11BA2E0DD480}" type="datetimeFigureOut">
               <a:rPr lang="en-US" smtClean="0"/>
-              <a:t>4/12/2016</a:t>
+              <a:t>4/21/2016</a:t>
             </a:fld>
             <a:endParaRPr lang="en-US"/>
           </a:p>
@@ -4235,7 +4456,7 @@
           <a:p>
             <a:fld id="{9508567B-B8CC-4477-AED9-11BA2E0DD480}" type="datetimeFigureOut">
               <a:rPr lang="en-US" smtClean="0"/>
-              <a:t>4/12/2016</a:t>
+              <a:t>4/21/2016</a:t>
             </a:fld>
             <a:endParaRPr lang="en-US"/>
           </a:p>
@@ -4816,24 +5037,14 @@
           <a:p>
             <a:r>
               <a:rPr lang="en-US" dirty="0" smtClean="0"/>
-              <a:t>String - are text defined between quotes either single or double </a:t>
-            </a:r>
-            <a:r>
-              <a:rPr lang="en-US" dirty="0" smtClean="0"/>
-              <a:t>quotes </a:t>
-            </a:r>
-            <a:endParaRPr lang="en-US" dirty="0" smtClean="0"/>
-          </a:p>
-          <a:p>
-            <a:r>
-              <a:rPr lang="en-US" dirty="0" smtClean="0"/>
-              <a:t>List is a comma-separated values between </a:t>
-            </a:r>
-            <a:r>
-              <a:rPr lang="en-US" dirty="0" smtClean="0"/>
-              <a:t>brackets</a:t>
-            </a:r>
-            <a:endParaRPr lang="en-US" dirty="0" smtClean="0"/>
+              <a:t>String - are text defined between quotes either single or double quotes </a:t>
+            </a:r>
+          </a:p>
+          <a:p>
+            <a:r>
+              <a:rPr lang="en-US" dirty="0" smtClean="0"/>
+              <a:t>List is a comma-separated values between brackets</a:t>
+            </a:r>
           </a:p>
           <a:p>
             <a:pPr marL="137160" indent="0">
@@ -4847,13 +5058,8 @@
           <a:p>
             <a:r>
               <a:rPr lang="en-US" dirty="0" smtClean="0"/>
-              <a:t>Tuple is a sequence of immutable python </a:t>
-            </a:r>
-            <a:r>
-              <a:rPr lang="en-US" dirty="0" smtClean="0"/>
-              <a:t>objects </a:t>
-            </a:r>
-            <a:endParaRPr lang="en-US" dirty="0" smtClean="0"/>
+              <a:t>Tuple is a sequence of immutable python objects </a:t>
+            </a:r>
           </a:p>
           <a:p>
             <a:pPr marL="137160" indent="0">
@@ -4864,22 +5070,13 @@
           <a:p>
             <a:r>
               <a:rPr lang="en-US" dirty="0" smtClean="0"/>
-              <a:t>Sets is a collection of unique </a:t>
-            </a:r>
-            <a:r>
-              <a:rPr lang="en-US" dirty="0" smtClean="0"/>
-              <a:t>elements </a:t>
-            </a:r>
-            <a:endParaRPr lang="en-US" dirty="0" smtClean="0"/>
-          </a:p>
-          <a:p>
-            <a:r>
-              <a:rPr lang="en-US" dirty="0" smtClean="0"/>
-              <a:t>Dictionary stores keys and values. Values can be looked up using the key. Think of the key as a primary key in a database. Keys have to be </a:t>
-            </a:r>
-            <a:r>
-              <a:rPr lang="en-US" dirty="0" smtClean="0"/>
-              <a:t>unique </a:t>
+              <a:t>Sets is a collection of unique elements </a:t>
+            </a:r>
+          </a:p>
+          <a:p>
+            <a:r>
+              <a:rPr lang="en-US" dirty="0" smtClean="0"/>
+              <a:t>Dictionary stores keys and values. Values can be looked up using the key. Think of the key as a primary key in a database. Keys have to be unique </a:t>
             </a:r>
             <a:endParaRPr lang="en-US" dirty="0"/>
           </a:p>
@@ -5199,93 +5396,112 @@
       </p:sp>
       <p:pic>
         <p:nvPicPr>
-          <p:cNvPr id="6" name="Picture 5"/>
+          <p:cNvPr id="1026" name="Picture 2"/>
           <p:cNvPicPr>
-            <a:picLocks noChangeAspect="1"/>
+            <a:picLocks noGrp="1" noChangeAspect="1" noChangeArrowheads="1"/>
+          </p:cNvPicPr>
+          <p:nvPr>
+            <p:ph idx="1"/>
+          </p:nvPr>
+        </p:nvPicPr>
+        <p:blipFill>
+          <a:blip r:embed="rId3">
+            <a:extLst>
+              <a:ext uri="{28A0092B-C50C-407E-A947-70E740481C1C}">
+                <a14:useLocalDpi xmlns:a14="http://schemas.microsoft.com/office/drawing/2010/main" val="0"/>
+              </a:ext>
+            </a:extLst>
+          </a:blip>
+          <a:srcRect/>
+          <a:stretch>
+            <a:fillRect/>
+          </a:stretch>
+        </p:blipFill>
+        <p:spPr bwMode="auto">
+          <a:xfrm>
+            <a:off x="762000" y="1295400"/>
+            <a:ext cx="1933333" cy="4704762"/>
+          </a:xfrm>
+          <a:prstGeom prst="rect">
+            <a:avLst/>
+          </a:prstGeom>
+          <a:noFill/>
+          <a:ln>
+            <a:noFill/>
+          </a:ln>
+          <a:extLst>
+            <a:ext uri="{909E8E84-426E-40DD-AFC4-6F175D3DCCD1}">
+              <a14:hiddenFill xmlns:a14="http://schemas.microsoft.com/office/drawing/2010/main">
+                <a:solidFill>
+                  <a:schemeClr val="accent1"/>
+                </a:solidFill>
+              </a14:hiddenFill>
+            </a:ext>
+            <a:ext uri="{91240B29-F687-4F45-9708-019B960494DF}">
+              <a14:hiddenLine xmlns:a14="http://schemas.microsoft.com/office/drawing/2010/main" w="9525">
+                <a:solidFill>
+                  <a:schemeClr val="tx1"/>
+                </a:solidFill>
+                <a:miter lim="800000"/>
+                <a:headEnd/>
+                <a:tailEnd/>
+              </a14:hiddenLine>
+            </a:ext>
+          </a:extLst>
+        </p:spPr>
+      </p:pic>
+      <p:pic>
+        <p:nvPicPr>
+          <p:cNvPr id="1027" name="Picture 3"/>
+          <p:cNvPicPr>
+            <a:picLocks noChangeAspect="1" noChangeArrowheads="1"/>
           </p:cNvPicPr>
           <p:nvPr/>
         </p:nvPicPr>
         <p:blipFill>
-          <a:blip r:embed="rId3"/>
+          <a:blip r:embed="rId4">
+            <a:extLst>
+              <a:ext uri="{28A0092B-C50C-407E-A947-70E740481C1C}">
+                <a14:useLocalDpi xmlns:a14="http://schemas.microsoft.com/office/drawing/2010/main" val="0"/>
+              </a:ext>
+            </a:extLst>
+          </a:blip>
+          <a:srcRect/>
           <a:stretch>
             <a:fillRect/>
           </a:stretch>
         </p:blipFill>
-        <p:spPr>
+        <p:spPr bwMode="auto">
           <a:xfrm>
-            <a:off x="7174073" y="990600"/>
-            <a:ext cx="1952381" cy="5638800"/>
+            <a:off x="2895600" y="1331716"/>
+            <a:ext cx="6088317" cy="4688084"/>
           </a:xfrm>
           <a:prstGeom prst="rect">
             <a:avLst/>
           </a:prstGeom>
-        </p:spPr>
-      </p:pic>
-      <p:sp>
-        <p:nvSpPr>
-          <p:cNvPr id="13" name="Content Placeholder 12"/>
-          <p:cNvSpPr>
-            <a:spLocks noGrp="1"/>
-          </p:cNvSpPr>
-          <p:nvPr>
-            <p:ph idx="1"/>
-          </p:nvPr>
-        </p:nvSpPr>
-        <p:spPr/>
-        <p:txBody>
-          <a:bodyPr/>
-          <a:lstStyle/>
-          <a:p>
-            <a:endParaRPr lang="en-US" dirty="0"/>
-          </a:p>
-        </p:txBody>
-      </p:sp>
-      <p:pic>
-        <p:nvPicPr>
-          <p:cNvPr id="3" name="Picture 2"/>
-          <p:cNvPicPr>
-            <a:picLocks noChangeAspect="1"/>
-          </p:cNvPicPr>
-          <p:nvPr/>
-        </p:nvPicPr>
-        <p:blipFill>
-          <a:blip r:embed="rId4"/>
-          <a:stretch>
-            <a:fillRect/>
-          </a:stretch>
-        </p:blipFill>
-        <p:spPr>
-          <a:xfrm>
-            <a:off x="48552" y="18836"/>
-            <a:ext cx="1847619" cy="4685714"/>
-          </a:xfrm>
-          <a:prstGeom prst="rect">
-            <a:avLst/>
-          </a:prstGeom>
-        </p:spPr>
-      </p:pic>
-      <p:pic>
-        <p:nvPicPr>
-          <p:cNvPr id="8" name="Picture 7"/>
-          <p:cNvPicPr>
-            <a:picLocks noChangeAspect="1"/>
-          </p:cNvPicPr>
-          <p:nvPr/>
-        </p:nvPicPr>
-        <p:blipFill>
-          <a:blip r:embed="rId5"/>
-          <a:stretch>
-            <a:fillRect/>
-          </a:stretch>
-        </p:blipFill>
-        <p:spPr>
-          <a:xfrm>
-            <a:off x="1897883" y="3181781"/>
-            <a:ext cx="5276190" cy="3447619"/>
-          </a:xfrm>
-          <a:prstGeom prst="rect">
-            <a:avLst/>
-          </a:prstGeom>
+          <a:noFill/>
+          <a:ln>
+            <a:noFill/>
+          </a:ln>
+          <a:extLst>
+            <a:ext uri="{909E8E84-426E-40DD-AFC4-6F175D3DCCD1}">
+              <a14:hiddenFill xmlns:a14="http://schemas.microsoft.com/office/drawing/2010/main">
+                <a:solidFill>
+                  <a:schemeClr val="accent1"/>
+                </a:solidFill>
+              </a14:hiddenFill>
+            </a:ext>
+            <a:ext uri="{91240B29-F687-4F45-9708-019B960494DF}">
+              <a14:hiddenLine xmlns:a14="http://schemas.microsoft.com/office/drawing/2010/main" w="9525">
+                <a:solidFill>
+                  <a:schemeClr val="tx1"/>
+                </a:solidFill>
+                <a:miter lim="800000"/>
+                <a:headEnd/>
+                <a:tailEnd/>
+              </a14:hiddenLine>
+            </a:ext>
+          </a:extLst>
         </p:spPr>
       </p:pic>
     </p:spTree>
@@ -5335,6 +5551,115 @@
           <a:p>
             <a:r>
               <a:rPr lang="en-US" dirty="0" smtClean="0"/>
+              <a:t>Python Operators</a:t>
+            </a:r>
+            <a:endParaRPr lang="en-US" dirty="0"/>
+          </a:p>
+        </p:txBody>
+      </p:sp>
+      <p:pic>
+        <p:nvPicPr>
+          <p:cNvPr id="2050" name="Picture 2"/>
+          <p:cNvPicPr>
+            <a:picLocks noGrp="1" noChangeAspect="1" noChangeArrowheads="1"/>
+          </p:cNvPicPr>
+          <p:nvPr>
+            <p:ph idx="1"/>
+          </p:nvPr>
+        </p:nvPicPr>
+        <p:blipFill>
+          <a:blip r:embed="rId2">
+            <a:extLst>
+              <a:ext uri="{28A0092B-C50C-407E-A947-70E740481C1C}">
+                <a14:useLocalDpi xmlns:a14="http://schemas.microsoft.com/office/drawing/2010/main" val="0"/>
+              </a:ext>
+            </a:extLst>
+          </a:blip>
+          <a:srcRect/>
+          <a:stretch>
+            <a:fillRect/>
+          </a:stretch>
+        </p:blipFill>
+        <p:spPr bwMode="auto">
+          <a:xfrm>
+            <a:off x="2209800" y="1204366"/>
+            <a:ext cx="4318296" cy="5636428"/>
+          </a:xfrm>
+          <a:prstGeom prst="rect">
+            <a:avLst/>
+          </a:prstGeom>
+          <a:noFill/>
+          <a:ln>
+            <a:noFill/>
+          </a:ln>
+          <a:extLst>
+            <a:ext uri="{909E8E84-426E-40DD-AFC4-6F175D3DCCD1}">
+              <a14:hiddenFill xmlns:a14="http://schemas.microsoft.com/office/drawing/2010/main">
+                <a:solidFill>
+                  <a:schemeClr val="accent1"/>
+                </a:solidFill>
+              </a14:hiddenFill>
+            </a:ext>
+            <a:ext uri="{91240B29-F687-4F45-9708-019B960494DF}">
+              <a14:hiddenLine xmlns:a14="http://schemas.microsoft.com/office/drawing/2010/main" w="9525">
+                <a:solidFill>
+                  <a:schemeClr val="tx1"/>
+                </a:solidFill>
+                <a:miter lim="800000"/>
+                <a:headEnd/>
+                <a:tailEnd/>
+              </a14:hiddenLine>
+            </a:ext>
+          </a:extLst>
+        </p:spPr>
+      </p:pic>
+    </p:spTree>
+    <p:extLst>
+      <p:ext uri="{BB962C8B-B14F-4D97-AF65-F5344CB8AC3E}">
+        <p14:creationId xmlns:p14="http://schemas.microsoft.com/office/powerpoint/2010/main" val="4048873333"/>
+      </p:ext>
+    </p:extLst>
+  </p:cSld>
+  <p:clrMapOvr>
+    <a:masterClrMapping/>
+  </p:clrMapOvr>
+</p:sld>
+</file>
+
+<file path=ppt/slides/slide14.xml><?xml version="1.0" encoding="utf-8"?>
+<p:sld xmlns:a="http://schemas.openxmlformats.org/drawingml/2006/main" xmlns:r="http://schemas.openxmlformats.org/officeDocument/2006/relationships" xmlns:p="http://schemas.openxmlformats.org/presentationml/2006/main">
+  <p:cSld>
+    <p:spTree>
+      <p:nvGrpSpPr>
+        <p:cNvPr id="1" name=""/>
+        <p:cNvGrpSpPr/>
+        <p:nvPr/>
+      </p:nvGrpSpPr>
+      <p:grpSpPr>
+        <a:xfrm>
+          <a:off x="0" y="0"/>
+          <a:ext cx="0" cy="0"/>
+          <a:chOff x="0" y="0"/>
+          <a:chExt cx="0" cy="0"/>
+        </a:xfrm>
+      </p:grpSpPr>
+      <p:sp>
+        <p:nvSpPr>
+          <p:cNvPr id="2" name="Title 1"/>
+          <p:cNvSpPr>
+            <a:spLocks noGrp="1"/>
+          </p:cNvSpPr>
+          <p:nvPr>
+            <p:ph type="title"/>
+          </p:nvPr>
+        </p:nvSpPr>
+        <p:spPr/>
+        <p:txBody>
+          <a:bodyPr/>
+          <a:lstStyle/>
+          <a:p>
+            <a:r>
+              <a:rPr lang="en-US" dirty="0" smtClean="0"/>
               <a:t>String</a:t>
             </a:r>
             <a:endParaRPr lang="en-US" dirty="0"/>
@@ -5403,26 +5728,56 @@
       </p:sp>
       <p:pic>
         <p:nvPicPr>
-          <p:cNvPr id="5" name="Picture 4"/>
+          <p:cNvPr id="3074" name="Picture 2"/>
           <p:cNvPicPr>
-            <a:picLocks noChangeAspect="1"/>
+            <a:picLocks noChangeAspect="1" noChangeArrowheads="1"/>
           </p:cNvPicPr>
           <p:nvPr/>
         </p:nvPicPr>
         <p:blipFill>
-          <a:blip r:embed="rId5"/>
+          <a:blip r:embed="rId5">
+            <a:extLst>
+              <a:ext uri="{28A0092B-C50C-407E-A947-70E740481C1C}">
+                <a14:useLocalDpi xmlns:a14="http://schemas.microsoft.com/office/drawing/2010/main" val="0"/>
+              </a:ext>
+            </a:extLst>
+          </a:blip>
+          <a:srcRect/>
           <a:stretch>
             <a:fillRect/>
           </a:stretch>
         </p:blipFill>
-        <p:spPr>
+        <p:spPr bwMode="auto">
           <a:xfrm>
-            <a:off x="2960052" y="2590800"/>
-            <a:ext cx="3223895" cy="4235244"/>
+            <a:off x="3276600" y="2575714"/>
+            <a:ext cx="3566609" cy="4272762"/>
           </a:xfrm>
           <a:prstGeom prst="rect">
             <a:avLst/>
           </a:prstGeom>
+          <a:noFill/>
+          <a:ln>
+            <a:noFill/>
+          </a:ln>
+          <a:extLst>
+            <a:ext uri="{909E8E84-426E-40DD-AFC4-6F175D3DCCD1}">
+              <a14:hiddenFill xmlns:a14="http://schemas.microsoft.com/office/drawing/2010/main">
+                <a:solidFill>
+                  <a:schemeClr val="accent1"/>
+                </a:solidFill>
+              </a14:hiddenFill>
+            </a:ext>
+            <a:ext uri="{91240B29-F687-4F45-9708-019B960494DF}">
+              <a14:hiddenLine xmlns:a14="http://schemas.microsoft.com/office/drawing/2010/main" w="9525">
+                <a:solidFill>
+                  <a:schemeClr val="tx1"/>
+                </a:solidFill>
+                <a:miter lim="800000"/>
+                <a:headEnd/>
+                <a:tailEnd/>
+              </a14:hiddenLine>
+            </a:ext>
+          </a:extLst>
         </p:spPr>
       </p:pic>
     </p:spTree>
@@ -5438,7 +5793,7 @@
 </p:sld>
 </file>
 
-<file path=ppt/slides/slide14.xml><?xml version="1.0" encoding="utf-8"?>
+<file path=ppt/slides/slide15.xml><?xml version="1.0" encoding="utf-8"?>
 <p:sld xmlns:a="http://schemas.openxmlformats.org/drawingml/2006/main" xmlns:r="http://schemas.openxmlformats.org/officeDocument/2006/relationships" xmlns:p="http://schemas.openxmlformats.org/presentationml/2006/main">
   <p:cSld>
     <p:spTree>
@@ -5579,120 +5934,6 @@
 </p:sld>
 </file>
 
-<file path=ppt/slides/slide15.xml><?xml version="1.0" encoding="utf-8"?>
-<p:sld xmlns:a="http://schemas.openxmlformats.org/drawingml/2006/main" xmlns:r="http://schemas.openxmlformats.org/officeDocument/2006/relationships" xmlns:p="http://schemas.openxmlformats.org/presentationml/2006/main">
-  <p:cSld>
-    <p:spTree>
-      <p:nvGrpSpPr>
-        <p:cNvPr id="1" name=""/>
-        <p:cNvGrpSpPr/>
-        <p:nvPr/>
-      </p:nvGrpSpPr>
-      <p:grpSpPr>
-        <a:xfrm>
-          <a:off x="0" y="0"/>
-          <a:ext cx="0" cy="0"/>
-          <a:chOff x="0" y="0"/>
-          <a:chExt cx="0" cy="0"/>
-        </a:xfrm>
-      </p:grpSpPr>
-      <p:sp>
-        <p:nvSpPr>
-          <p:cNvPr id="2" name="Title 1"/>
-          <p:cNvSpPr>
-            <a:spLocks noGrp="1"/>
-          </p:cNvSpPr>
-          <p:nvPr>
-            <p:ph type="title"/>
-          </p:nvPr>
-        </p:nvSpPr>
-        <p:spPr/>
-        <p:txBody>
-          <a:bodyPr/>
-          <a:lstStyle/>
-          <a:p>
-            <a:r>
-              <a:rPr lang="en-US" dirty="0" smtClean="0"/>
-              <a:t>Tuple</a:t>
-            </a:r>
-            <a:endParaRPr lang="en-US" dirty="0"/>
-          </a:p>
-        </p:txBody>
-      </p:sp>
-      <p:sp>
-        <p:nvSpPr>
-          <p:cNvPr id="3" name="Content Placeholder 2"/>
-          <p:cNvSpPr>
-            <a:spLocks noGrp="1"/>
-          </p:cNvSpPr>
-          <p:nvPr>
-            <p:ph idx="1"/>
-          </p:nvPr>
-        </p:nvSpPr>
-        <p:spPr/>
-        <p:txBody>
-          <a:bodyPr/>
-          <a:lstStyle/>
-          <a:p>
-            <a:r>
-              <a:rPr lang="en-US" dirty="0">
-                <a:hlinkClick r:id="rId2"/>
-              </a:rPr>
-              <a:t>http://</a:t>
-            </a:r>
-            <a:r>
-              <a:rPr lang="en-US" dirty="0" smtClean="0">
-                <a:hlinkClick r:id="rId2"/>
-              </a:rPr>
-              <a:t>www.tutorialspoint.com/python/python_tuples.htm</a:t>
-            </a:r>
-            <a:endParaRPr lang="en-US" dirty="0" smtClean="0"/>
-          </a:p>
-          <a:p>
-            <a:pPr marL="137160" indent="0">
-              <a:buNone/>
-            </a:pPr>
-            <a:endParaRPr lang="en-US" dirty="0"/>
-          </a:p>
-        </p:txBody>
-      </p:sp>
-      <p:pic>
-        <p:nvPicPr>
-          <p:cNvPr id="4" name="Picture 3"/>
-          <p:cNvPicPr>
-            <a:picLocks noChangeAspect="1"/>
-          </p:cNvPicPr>
-          <p:nvPr/>
-        </p:nvPicPr>
-        <p:blipFill>
-          <a:blip r:embed="rId3"/>
-          <a:stretch>
-            <a:fillRect/>
-          </a:stretch>
-        </p:blipFill>
-        <p:spPr>
-          <a:xfrm>
-            <a:off x="2133600" y="2895600"/>
-            <a:ext cx="5123809" cy="2542857"/>
-          </a:xfrm>
-          <a:prstGeom prst="rect">
-            <a:avLst/>
-          </a:prstGeom>
-        </p:spPr>
-      </p:pic>
-    </p:spTree>
-    <p:extLst>
-      <p:ext uri="{BB962C8B-B14F-4D97-AF65-F5344CB8AC3E}">
-        <p14:creationId xmlns:p14="http://schemas.microsoft.com/office/powerpoint/2010/main" val="653094879"/>
-      </p:ext>
-    </p:extLst>
-  </p:cSld>
-  <p:clrMapOvr>
-    <a:masterClrMapping/>
-  </p:clrMapOvr>
-</p:sld>
-</file>
-
 <file path=ppt/slides/slide16.xml><?xml version="1.0" encoding="utf-8"?>
 <p:sld xmlns:a="http://schemas.openxmlformats.org/drawingml/2006/main" xmlns:r="http://schemas.openxmlformats.org/officeDocument/2006/relationships" xmlns:p="http://schemas.openxmlformats.org/presentationml/2006/main">
   <p:cSld>
@@ -5727,6 +5968,150 @@
           <a:p>
             <a:r>
               <a:rPr lang="en-US" dirty="0" smtClean="0"/>
+              <a:t>Tuple</a:t>
+            </a:r>
+            <a:endParaRPr lang="en-US" dirty="0"/>
+          </a:p>
+        </p:txBody>
+      </p:sp>
+      <p:sp>
+        <p:nvSpPr>
+          <p:cNvPr id="3" name="Content Placeholder 2"/>
+          <p:cNvSpPr>
+            <a:spLocks noGrp="1"/>
+          </p:cNvSpPr>
+          <p:nvPr>
+            <p:ph idx="1"/>
+          </p:nvPr>
+        </p:nvSpPr>
+        <p:spPr/>
+        <p:txBody>
+          <a:bodyPr/>
+          <a:lstStyle/>
+          <a:p>
+            <a:r>
+              <a:rPr lang="en-US" dirty="0">
+                <a:hlinkClick r:id="rId2"/>
+              </a:rPr>
+              <a:t>http://</a:t>
+            </a:r>
+            <a:r>
+              <a:rPr lang="en-US" dirty="0" smtClean="0">
+                <a:hlinkClick r:id="rId2"/>
+              </a:rPr>
+              <a:t>www.tutorialspoint.com/python/python_tuples.htm</a:t>
+            </a:r>
+            <a:endParaRPr lang="en-US" dirty="0" smtClean="0"/>
+          </a:p>
+          <a:p>
+            <a:pPr marL="137160" indent="0">
+              <a:buNone/>
+            </a:pPr>
+            <a:endParaRPr lang="en-US" dirty="0"/>
+          </a:p>
+        </p:txBody>
+      </p:sp>
+      <p:pic>
+        <p:nvPicPr>
+          <p:cNvPr id="4098" name="Picture 2"/>
+          <p:cNvPicPr>
+            <a:picLocks noChangeAspect="1" noChangeArrowheads="1"/>
+          </p:cNvPicPr>
+          <p:nvPr/>
+        </p:nvPicPr>
+        <p:blipFill>
+          <a:blip r:embed="rId3">
+            <a:extLst>
+              <a:ext uri="{28A0092B-C50C-407E-A947-70E740481C1C}">
+                <a14:useLocalDpi xmlns:a14="http://schemas.microsoft.com/office/drawing/2010/main" val="0"/>
+              </a:ext>
+            </a:extLst>
+          </a:blip>
+          <a:srcRect/>
+          <a:stretch>
+            <a:fillRect/>
+          </a:stretch>
+        </p:blipFill>
+        <p:spPr bwMode="auto">
+          <a:xfrm>
+            <a:off x="2209800" y="3124200"/>
+            <a:ext cx="5133975" cy="2800350"/>
+          </a:xfrm>
+          <a:prstGeom prst="rect">
+            <a:avLst/>
+          </a:prstGeom>
+          <a:noFill/>
+          <a:ln>
+            <a:noFill/>
+          </a:ln>
+          <a:extLst>
+            <a:ext uri="{909E8E84-426E-40DD-AFC4-6F175D3DCCD1}">
+              <a14:hiddenFill xmlns:a14="http://schemas.microsoft.com/office/drawing/2010/main">
+                <a:solidFill>
+                  <a:schemeClr val="accent1"/>
+                </a:solidFill>
+              </a14:hiddenFill>
+            </a:ext>
+            <a:ext uri="{91240B29-F687-4F45-9708-019B960494DF}">
+              <a14:hiddenLine xmlns:a14="http://schemas.microsoft.com/office/drawing/2010/main" w="9525">
+                <a:solidFill>
+                  <a:schemeClr val="tx1"/>
+                </a:solidFill>
+                <a:miter lim="800000"/>
+                <a:headEnd/>
+                <a:tailEnd/>
+              </a14:hiddenLine>
+            </a:ext>
+          </a:extLst>
+        </p:spPr>
+      </p:pic>
+    </p:spTree>
+    <p:extLst>
+      <p:ext uri="{BB962C8B-B14F-4D97-AF65-F5344CB8AC3E}">
+        <p14:creationId xmlns:p14="http://schemas.microsoft.com/office/powerpoint/2010/main" val="653094879"/>
+      </p:ext>
+    </p:extLst>
+  </p:cSld>
+  <p:clrMapOvr>
+    <a:masterClrMapping/>
+  </p:clrMapOvr>
+</p:sld>
+</file>
+
+<file path=ppt/slides/slide17.xml><?xml version="1.0" encoding="utf-8"?>
+<p:sld xmlns:a="http://schemas.openxmlformats.org/drawingml/2006/main" xmlns:r="http://schemas.openxmlformats.org/officeDocument/2006/relationships" xmlns:p="http://schemas.openxmlformats.org/presentationml/2006/main">
+  <p:cSld>
+    <p:spTree>
+      <p:nvGrpSpPr>
+        <p:cNvPr id="1" name=""/>
+        <p:cNvGrpSpPr/>
+        <p:nvPr/>
+      </p:nvGrpSpPr>
+      <p:grpSpPr>
+        <a:xfrm>
+          <a:off x="0" y="0"/>
+          <a:ext cx="0" cy="0"/>
+          <a:chOff x="0" y="0"/>
+          <a:chExt cx="0" cy="0"/>
+        </a:xfrm>
+      </p:grpSpPr>
+      <p:sp>
+        <p:nvSpPr>
+          <p:cNvPr id="2" name="Title 1"/>
+          <p:cNvSpPr>
+            <a:spLocks noGrp="1"/>
+          </p:cNvSpPr>
+          <p:nvPr>
+            <p:ph type="title"/>
+          </p:nvPr>
+        </p:nvSpPr>
+        <p:spPr/>
+        <p:txBody>
+          <a:bodyPr/>
+          <a:lstStyle/>
+          <a:p>
+            <a:r>
+              <a:rPr lang="en-US" dirty="0" smtClean="0"/>
               <a:t>Dictionary</a:t>
             </a:r>
             <a:endParaRPr lang="en-US" dirty="0"/>
@@ -5765,13 +6150,8 @@
           <a:p>
             <a:r>
               <a:rPr lang="en-US" dirty="0" smtClean="0"/>
-              <a:t>Order does not matter in a </a:t>
-            </a:r>
-            <a:r>
-              <a:rPr lang="en-US" dirty="0" smtClean="0"/>
-              <a:t>dictionary</a:t>
-            </a:r>
-            <a:endParaRPr lang="en-US" dirty="0" smtClean="0"/>
+              <a:t>Order does not matter in a dictionary</a:t>
+            </a:r>
           </a:p>
           <a:p>
             <a:pPr marL="137160" indent="0">
@@ -5789,26 +6169,56 @@
       </p:sp>
       <p:pic>
         <p:nvPicPr>
-          <p:cNvPr id="4" name="Picture 3"/>
+          <p:cNvPr id="5122" name="Picture 2"/>
           <p:cNvPicPr>
-            <a:picLocks noChangeAspect="1"/>
+            <a:picLocks noChangeAspect="1" noChangeArrowheads="1"/>
           </p:cNvPicPr>
           <p:nvPr/>
         </p:nvPicPr>
         <p:blipFill>
-          <a:blip r:embed="rId3"/>
+          <a:blip r:embed="rId3">
+            <a:extLst>
+              <a:ext uri="{28A0092B-C50C-407E-A947-70E740481C1C}">
+                <a14:useLocalDpi xmlns:a14="http://schemas.microsoft.com/office/drawing/2010/main" val="0"/>
+              </a:ext>
+            </a:extLst>
+          </a:blip>
+          <a:srcRect/>
           <a:stretch>
             <a:fillRect/>
           </a:stretch>
         </p:blipFill>
-        <p:spPr>
+        <p:spPr bwMode="auto">
           <a:xfrm>
-            <a:off x="1972000" y="3352800"/>
-            <a:ext cx="5200000" cy="2257143"/>
+            <a:off x="1905000" y="3724275"/>
+            <a:ext cx="5057775" cy="2552700"/>
           </a:xfrm>
           <a:prstGeom prst="rect">
             <a:avLst/>
           </a:prstGeom>
+          <a:noFill/>
+          <a:ln>
+            <a:noFill/>
+          </a:ln>
+          <a:extLst>
+            <a:ext uri="{909E8E84-426E-40DD-AFC4-6F175D3DCCD1}">
+              <a14:hiddenFill xmlns:a14="http://schemas.microsoft.com/office/drawing/2010/main">
+                <a:solidFill>
+                  <a:schemeClr val="accent1"/>
+                </a:solidFill>
+              </a14:hiddenFill>
+            </a:ext>
+            <a:ext uri="{91240B29-F687-4F45-9708-019B960494DF}">
+              <a14:hiddenLine xmlns:a14="http://schemas.microsoft.com/office/drawing/2010/main" w="9525">
+                <a:solidFill>
+                  <a:schemeClr val="tx1"/>
+                </a:solidFill>
+                <a:miter lim="800000"/>
+                <a:headEnd/>
+                <a:tailEnd/>
+              </a14:hiddenLine>
+            </a:ext>
+          </a:extLst>
         </p:spPr>
       </p:pic>
     </p:spTree>
@@ -5824,7 +6234,7 @@
 </p:sld>
 </file>
 
-<file path=ppt/slides/slide17.xml><?xml version="1.0" encoding="utf-8"?>
+<file path=ppt/slides/slide18.xml><?xml version="1.0" encoding="utf-8"?>
 <p:sld xmlns:a="http://schemas.openxmlformats.org/drawingml/2006/main" xmlns:r="http://schemas.openxmlformats.org/officeDocument/2006/relationships" xmlns:p="http://schemas.openxmlformats.org/presentationml/2006/main">
   <p:cSld>
     <p:spTree>
@@ -5903,154 +6313,6 @@
 </p:sld>
 </file>
 
-<file path=ppt/slides/slide18.xml><?xml version="1.0" encoding="utf-8"?>
-<p:sld xmlns:a="http://schemas.openxmlformats.org/drawingml/2006/main" xmlns:r="http://schemas.openxmlformats.org/officeDocument/2006/relationships" xmlns:p="http://schemas.openxmlformats.org/presentationml/2006/main">
-  <p:cSld>
-    <p:spTree>
-      <p:nvGrpSpPr>
-        <p:cNvPr id="1" name=""/>
-        <p:cNvGrpSpPr/>
-        <p:nvPr/>
-      </p:nvGrpSpPr>
-      <p:grpSpPr>
-        <a:xfrm>
-          <a:off x="0" y="0"/>
-          <a:ext cx="0" cy="0"/>
-          <a:chOff x="0" y="0"/>
-          <a:chExt cx="0" cy="0"/>
-        </a:xfrm>
-      </p:grpSpPr>
-      <p:sp>
-        <p:nvSpPr>
-          <p:cNvPr id="2" name="Title 1"/>
-          <p:cNvSpPr>
-            <a:spLocks noGrp="1"/>
-          </p:cNvSpPr>
-          <p:nvPr>
-            <p:ph type="title"/>
-          </p:nvPr>
-        </p:nvSpPr>
-        <p:spPr/>
-        <p:txBody>
-          <a:bodyPr>
-            <a:normAutofit fontScale="90000"/>
-          </a:bodyPr>
-          <a:lstStyle/>
-          <a:p>
-            <a:r>
-              <a:rPr lang="en-US" dirty="0" smtClean="0"/>
-              <a:t>If else Boolean logic</a:t>
-            </a:r>
-            <a:br>
-              <a:rPr lang="en-US" dirty="0" smtClean="0"/>
-            </a:br>
-            <a:r>
-              <a:rPr lang="en-US" dirty="0" smtClean="0"/>
-              <a:t>Control flow</a:t>
-            </a:r>
-            <a:endParaRPr lang="en-US" dirty="0"/>
-          </a:p>
-        </p:txBody>
-      </p:sp>
-      <p:sp>
-        <p:nvSpPr>
-          <p:cNvPr id="3" name="Content Placeholder 2"/>
-          <p:cNvSpPr>
-            <a:spLocks noGrp="1"/>
-          </p:cNvSpPr>
-          <p:nvPr>
-            <p:ph idx="1"/>
-          </p:nvPr>
-        </p:nvSpPr>
-        <p:spPr>
-          <a:xfrm>
-            <a:off x="457200" y="1444677"/>
-            <a:ext cx="8229600" cy="4709160"/>
-          </a:xfrm>
-        </p:spPr>
-        <p:txBody>
-          <a:bodyPr/>
-          <a:lstStyle/>
-          <a:p>
-            <a:r>
-              <a:rPr lang="en-US" dirty="0" smtClean="0"/>
-              <a:t>Boolean logic using if else logic is a way of making decisions with </a:t>
-            </a:r>
-            <a:r>
-              <a:rPr lang="en-US" dirty="0" smtClean="0"/>
-              <a:t>code</a:t>
-            </a:r>
-            <a:endParaRPr lang="en-US" dirty="0" smtClean="0"/>
-          </a:p>
-          <a:p>
-            <a:endParaRPr lang="en-US" dirty="0"/>
-          </a:p>
-          <a:p>
-            <a:endParaRPr lang="en-US" dirty="0" smtClean="0"/>
-          </a:p>
-        </p:txBody>
-      </p:sp>
-      <p:pic>
-        <p:nvPicPr>
-          <p:cNvPr id="5" name="Picture 4"/>
-          <p:cNvPicPr>
-            <a:picLocks noChangeAspect="1"/>
-          </p:cNvPicPr>
-          <p:nvPr/>
-        </p:nvPicPr>
-        <p:blipFill>
-          <a:blip r:embed="rId2"/>
-          <a:stretch>
-            <a:fillRect/>
-          </a:stretch>
-        </p:blipFill>
-        <p:spPr>
-          <a:xfrm>
-            <a:off x="0" y="2371116"/>
-            <a:ext cx="3415117" cy="4486884"/>
-          </a:xfrm>
-          <a:prstGeom prst="rect">
-            <a:avLst/>
-          </a:prstGeom>
-        </p:spPr>
-      </p:pic>
-      <p:pic>
-        <p:nvPicPr>
-          <p:cNvPr id="8" name="Picture 7"/>
-          <p:cNvPicPr>
-            <a:picLocks noChangeAspect="1"/>
-          </p:cNvPicPr>
-          <p:nvPr/>
-        </p:nvPicPr>
-        <p:blipFill>
-          <a:blip r:embed="rId3"/>
-          <a:stretch>
-            <a:fillRect/>
-          </a:stretch>
-        </p:blipFill>
-        <p:spPr>
-          <a:xfrm>
-            <a:off x="5039238" y="3048000"/>
-            <a:ext cx="4104762" cy="2933333"/>
-          </a:xfrm>
-          <a:prstGeom prst="rect">
-            <a:avLst/>
-          </a:prstGeom>
-        </p:spPr>
-      </p:pic>
-    </p:spTree>
-    <p:extLst>
-      <p:ext uri="{BB962C8B-B14F-4D97-AF65-F5344CB8AC3E}">
-        <p14:creationId xmlns:p14="http://schemas.microsoft.com/office/powerpoint/2010/main" val="3649138749"/>
-      </p:ext>
-    </p:extLst>
-  </p:cSld>
-  <p:clrMapOvr>
-    <a:masterClrMapping/>
-  </p:clrMapOvr>
-</p:sld>
-</file>
-
 <file path=ppt/slides/slide19.xml><?xml version="1.0" encoding="utf-8"?>
 <p:sld xmlns:a="http://schemas.openxmlformats.org/drawingml/2006/main" xmlns:r="http://schemas.openxmlformats.org/officeDocument/2006/relationships" xmlns:p="http://schemas.openxmlformats.org/presentationml/2006/main">
   <p:cSld>
@@ -6080,12 +6342,21 @@
         </p:nvSpPr>
         <p:spPr/>
         <p:txBody>
-          <a:bodyPr/>
-          <a:lstStyle/>
-          <a:p>
-            <a:r>
-              <a:rPr lang="en-US" dirty="0" smtClean="0"/>
-              <a:t>Exercise 1</a:t>
+          <a:bodyPr>
+            <a:normAutofit fontScale="90000"/>
+          </a:bodyPr>
+          <a:lstStyle/>
+          <a:p>
+            <a:r>
+              <a:rPr lang="en-US" dirty="0" smtClean="0"/>
+              <a:t>If else Boolean logic</a:t>
+            </a:r>
+            <a:br>
+              <a:rPr lang="en-US" dirty="0" smtClean="0"/>
+            </a:br>
+            <a:r>
+              <a:rPr lang="en-US" dirty="0" smtClean="0"/>
+              <a:t>Control flow</a:t>
             </a:r>
             <a:endParaRPr lang="en-US" dirty="0"/>
           </a:p>
@@ -6103,100 +6374,139 @@
         </p:nvSpPr>
         <p:spPr>
           <a:xfrm>
-            <a:off x="457200" y="1417638"/>
-            <a:ext cx="8229600" cy="4419600"/>
+            <a:off x="457200" y="1444677"/>
+            <a:ext cx="8229600" cy="4709160"/>
           </a:xfrm>
         </p:spPr>
         <p:txBody>
-          <a:bodyPr>
-            <a:normAutofit fontScale="92500" lnSpcReduction="10000"/>
-          </a:bodyPr>
-          <a:lstStyle/>
-          <a:p>
-            <a:pPr marL="137160" indent="0">
-              <a:buNone/>
-            </a:pPr>
+          <a:bodyPr/>
+          <a:lstStyle/>
+          <a:p>
+            <a:r>
+              <a:rPr lang="en-US" dirty="0" smtClean="0"/>
+              <a:t>Boolean logic using if else logic is a way of making decisions with code</a:t>
+            </a:r>
+          </a:p>
+          <a:p>
+            <a:endParaRPr lang="en-US" dirty="0"/>
+          </a:p>
+          <a:p>
             <a:endParaRPr lang="en-US" dirty="0" smtClean="0"/>
           </a:p>
-          <a:p>
-            <a:r>
-              <a:rPr lang="en-US" dirty="0" smtClean="0"/>
-              <a:t>Create code to test if a feature class exists or </a:t>
-            </a:r>
-            <a:r>
-              <a:rPr lang="en-US" dirty="0" smtClean="0"/>
-              <a:t>not </a:t>
-            </a:r>
-          </a:p>
-          <a:p>
-            <a:r>
-              <a:rPr lang="en-US" dirty="0" smtClean="0"/>
-              <a:t>If </a:t>
-            </a:r>
-            <a:r>
-              <a:rPr lang="en-US" dirty="0"/>
-              <a:t>the file exists then test the features shape type. </a:t>
-            </a:r>
-            <a:r>
-              <a:rPr lang="en-US" dirty="0" smtClean="0"/>
-              <a:t>If the shape type is not a point, line or polygon then print message stating the user must select new file. If the shape type is </a:t>
-            </a:r>
-            <a:r>
-              <a:rPr lang="en-US" dirty="0"/>
-              <a:t>point, line or </a:t>
-            </a:r>
-            <a:r>
-              <a:rPr lang="en-US" dirty="0" smtClean="0"/>
-              <a:t>polygon, then print the shape type. </a:t>
-            </a:r>
-          </a:p>
-          <a:p>
-            <a:r>
-              <a:rPr lang="en-US" dirty="0"/>
-              <a:t>If the file does not exist then print </a:t>
-            </a:r>
-            <a:r>
-              <a:rPr lang="en-US" dirty="0" smtClean="0"/>
-              <a:t>message</a:t>
-            </a:r>
-            <a:endParaRPr lang="en-US" dirty="0" smtClean="0"/>
-          </a:p>
-          <a:p>
-            <a:r>
-              <a:rPr lang="en-US" dirty="0" smtClean="0">
-                <a:hlinkClick r:id="rId2"/>
-              </a:rPr>
-              <a:t>http</a:t>
-            </a:r>
-            <a:r>
-              <a:rPr lang="en-US" dirty="0">
-                <a:hlinkClick r:id="rId2"/>
-              </a:rPr>
-              <a:t>://resources.arcgis.com/EN/HELP/MAIN/10.1/index.html#/FeatureClass_properties/018v00000011000000</a:t>
-            </a:r>
-            <a:r>
-              <a:rPr lang="en-US" dirty="0" smtClean="0">
-                <a:hlinkClick r:id="rId2"/>
-              </a:rPr>
-              <a:t>/</a:t>
-            </a:r>
-            <a:endParaRPr lang="en-US" dirty="0" smtClean="0"/>
-          </a:p>
-          <a:p>
-            <a:endParaRPr lang="en-US" dirty="0"/>
-          </a:p>
-          <a:p>
-            <a:endParaRPr lang="en-US" dirty="0" smtClean="0"/>
-          </a:p>
-          <a:p>
-            <a:endParaRPr lang="en-US" dirty="0"/>
-          </a:p>
-        </p:txBody>
-      </p:sp>
+        </p:txBody>
+      </p:sp>
+      <p:pic>
+        <p:nvPicPr>
+          <p:cNvPr id="6146" name="Picture 2"/>
+          <p:cNvPicPr>
+            <a:picLocks noChangeAspect="1" noChangeArrowheads="1"/>
+          </p:cNvPicPr>
+          <p:nvPr/>
+        </p:nvPicPr>
+        <p:blipFill>
+          <a:blip r:embed="rId2">
+            <a:extLst>
+              <a:ext uri="{28A0092B-C50C-407E-A947-70E740481C1C}">
+                <a14:useLocalDpi xmlns:a14="http://schemas.microsoft.com/office/drawing/2010/main" val="0"/>
+              </a:ext>
+            </a:extLst>
+          </a:blip>
+          <a:srcRect/>
+          <a:stretch>
+            <a:fillRect/>
+          </a:stretch>
+        </p:blipFill>
+        <p:spPr bwMode="auto">
+          <a:xfrm>
+            <a:off x="415920" y="2357406"/>
+            <a:ext cx="3508128" cy="4271994"/>
+          </a:xfrm>
+          <a:prstGeom prst="rect">
+            <a:avLst/>
+          </a:prstGeom>
+          <a:noFill/>
+          <a:ln>
+            <a:noFill/>
+          </a:ln>
+          <a:extLst>
+            <a:ext uri="{909E8E84-426E-40DD-AFC4-6F175D3DCCD1}">
+              <a14:hiddenFill xmlns:a14="http://schemas.microsoft.com/office/drawing/2010/main">
+                <a:solidFill>
+                  <a:schemeClr val="accent1"/>
+                </a:solidFill>
+              </a14:hiddenFill>
+            </a:ext>
+            <a:ext uri="{91240B29-F687-4F45-9708-019B960494DF}">
+              <a14:hiddenLine xmlns:a14="http://schemas.microsoft.com/office/drawing/2010/main" w="9525">
+                <a:solidFill>
+                  <a:schemeClr val="tx1"/>
+                </a:solidFill>
+                <a:miter lim="800000"/>
+                <a:headEnd/>
+                <a:tailEnd/>
+              </a14:hiddenLine>
+            </a:ext>
+          </a:extLst>
+        </p:spPr>
+      </p:pic>
+      <p:pic>
+        <p:nvPicPr>
+          <p:cNvPr id="6147" name="Picture 3"/>
+          <p:cNvPicPr>
+            <a:picLocks noChangeAspect="1" noChangeArrowheads="1"/>
+          </p:cNvPicPr>
+          <p:nvPr/>
+        </p:nvPicPr>
+        <p:blipFill>
+          <a:blip r:embed="rId3">
+            <a:extLst>
+              <a:ext uri="{28A0092B-C50C-407E-A947-70E740481C1C}">
+                <a14:useLocalDpi xmlns:a14="http://schemas.microsoft.com/office/drawing/2010/main" val="0"/>
+              </a:ext>
+            </a:extLst>
+          </a:blip>
+          <a:srcRect/>
+          <a:stretch>
+            <a:fillRect/>
+          </a:stretch>
+        </p:blipFill>
+        <p:spPr bwMode="auto">
+          <a:xfrm>
+            <a:off x="4543425" y="2357405"/>
+            <a:ext cx="4171950" cy="4281519"/>
+          </a:xfrm>
+          <a:prstGeom prst="rect">
+            <a:avLst/>
+          </a:prstGeom>
+          <a:noFill/>
+          <a:ln>
+            <a:noFill/>
+          </a:ln>
+          <a:extLst>
+            <a:ext uri="{909E8E84-426E-40DD-AFC4-6F175D3DCCD1}">
+              <a14:hiddenFill xmlns:a14="http://schemas.microsoft.com/office/drawing/2010/main">
+                <a:solidFill>
+                  <a:schemeClr val="accent1"/>
+                </a:solidFill>
+              </a14:hiddenFill>
+            </a:ext>
+            <a:ext uri="{91240B29-F687-4F45-9708-019B960494DF}">
+              <a14:hiddenLine xmlns:a14="http://schemas.microsoft.com/office/drawing/2010/main" w="9525">
+                <a:solidFill>
+                  <a:schemeClr val="tx1"/>
+                </a:solidFill>
+                <a:miter lim="800000"/>
+                <a:headEnd/>
+                <a:tailEnd/>
+              </a14:hiddenLine>
+            </a:ext>
+          </a:extLst>
+        </p:spPr>
+      </p:pic>
     </p:spTree>
     <p:extLst>
       <p:ext uri="{BB962C8B-B14F-4D97-AF65-F5344CB8AC3E}">
-        <p14:creationId xmlns:p14="http://schemas.microsoft.com/office/powerpoint/2010/main" val="818206851"/>
+        <p14:creationId xmlns:p14="http://schemas.microsoft.com/office/powerpoint/2010/main" val="3649138749"/>
       </p:ext>
     </p:extLst>
   </p:cSld>
@@ -6422,11 +6732,11 @@
             </a:r>
             <a:r>
               <a:rPr lang="en-US" dirty="0" smtClean="0"/>
-              <a:t>term</a:t>
+              <a:t>term.” </a:t>
             </a:r>
             <a:r>
               <a:rPr lang="en-US" dirty="0"/>
-              <a:t>” (Randy </a:t>
+              <a:t>(Randy </a:t>
             </a:r>
             <a:r>
               <a:rPr lang="en-US" dirty="0" err="1" smtClean="0"/>
@@ -6516,7 +6826,7 @@
           <a:p>
             <a:r>
               <a:rPr lang="en-US" dirty="0" smtClean="0"/>
-              <a:t>Exercise 1</a:t>
+              <a:t>Error Handling</a:t>
             </a:r>
             <a:endParaRPr lang="en-US" dirty="0"/>
           </a:p>
@@ -6532,52 +6842,84 @@
             <p:ph idx="1"/>
           </p:nvPr>
         </p:nvSpPr>
-        <p:spPr>
-          <a:xfrm>
-            <a:off x="472611" y="1219200"/>
-            <a:ext cx="8229600" cy="4709160"/>
-          </a:xfrm>
-        </p:spPr>
-        <p:txBody>
-          <a:bodyPr/>
-          <a:lstStyle/>
-          <a:p>
-            <a:r>
-              <a:rPr lang="en-US" dirty="0" smtClean="0"/>
-              <a:t>Expand the logic to handle if a feature class exists and test the shape type of a feature class.</a:t>
-            </a:r>
+        <p:spPr/>
+        <p:txBody>
+          <a:bodyPr/>
+          <a:lstStyle/>
+          <a:p>
+            <a:r>
+              <a:rPr lang="en-US" dirty="0"/>
+              <a:t>An exception is an error that happens during the execution of a program</a:t>
+            </a:r>
+            <a:r>
+              <a:rPr lang="en-US" dirty="0" smtClean="0"/>
+              <a:t>.</a:t>
+            </a:r>
+            <a:br>
+              <a:rPr lang="en-US" dirty="0" smtClean="0"/>
+            </a:br>
             <a:endParaRPr lang="en-US" dirty="0"/>
           </a:p>
         </p:txBody>
       </p:sp>
       <p:pic>
         <p:nvPicPr>
-          <p:cNvPr id="5" name="Picture 4"/>
+          <p:cNvPr id="13314" name="Picture 2"/>
           <p:cNvPicPr>
-            <a:picLocks noChangeAspect="1"/>
+            <a:picLocks noChangeAspect="1" noChangeArrowheads="1"/>
           </p:cNvPicPr>
           <p:nvPr/>
         </p:nvPicPr>
         <p:blipFill>
-          <a:blip r:embed="rId2"/>
+          <a:blip r:embed="rId3">
+            <a:extLst>
+              <a:ext uri="{28A0092B-C50C-407E-A947-70E740481C1C}">
+                <a14:useLocalDpi xmlns:a14="http://schemas.microsoft.com/office/drawing/2010/main" val="0"/>
+              </a:ext>
+            </a:extLst>
+          </a:blip>
+          <a:srcRect/>
           <a:stretch>
             <a:fillRect/>
           </a:stretch>
         </p:blipFill>
-        <p:spPr>
+        <p:spPr bwMode="auto">
           <a:xfrm>
-            <a:off x="457200" y="3124200"/>
-            <a:ext cx="8318791" cy="3505200"/>
+            <a:off x="1143000" y="2590800"/>
+            <a:ext cx="6737350" cy="3997988"/>
           </a:xfrm>
           <a:prstGeom prst="rect">
             <a:avLst/>
           </a:prstGeom>
+          <a:noFill/>
+          <a:ln>
+            <a:noFill/>
+          </a:ln>
+          <a:extLst>
+            <a:ext uri="{909E8E84-426E-40DD-AFC4-6F175D3DCCD1}">
+              <a14:hiddenFill xmlns:a14="http://schemas.microsoft.com/office/drawing/2010/main">
+                <a:solidFill>
+                  <a:schemeClr val="accent1"/>
+                </a:solidFill>
+              </a14:hiddenFill>
+            </a:ext>
+            <a:ext uri="{91240B29-F687-4F45-9708-019B960494DF}">
+              <a14:hiddenLine xmlns:a14="http://schemas.microsoft.com/office/drawing/2010/main" w="9525">
+                <a:solidFill>
+                  <a:schemeClr val="tx1"/>
+                </a:solidFill>
+                <a:miter lim="800000"/>
+                <a:headEnd/>
+                <a:tailEnd/>
+              </a14:hiddenLine>
+            </a:ext>
+          </a:extLst>
         </p:spPr>
       </p:pic>
     </p:spTree>
     <p:extLst>
       <p:ext uri="{BB962C8B-B14F-4D97-AF65-F5344CB8AC3E}">
-        <p14:creationId xmlns:p14="http://schemas.microsoft.com/office/powerpoint/2010/main" val="673601366"/>
+        <p14:creationId xmlns:p14="http://schemas.microsoft.com/office/powerpoint/2010/main" val="2338846062"/>
       </p:ext>
     </p:extLst>
   </p:cSld>
@@ -6621,7 +6963,185 @@
           <a:p>
             <a:r>
               <a:rPr lang="en-US" dirty="0" smtClean="0"/>
-              <a:t>Exercise 1 Answer</a:t>
+              <a:t>Exercise 1</a:t>
+            </a:r>
+            <a:endParaRPr lang="en-US" dirty="0"/>
+          </a:p>
+        </p:txBody>
+      </p:sp>
+      <p:sp>
+        <p:nvSpPr>
+          <p:cNvPr id="3" name="Content Placeholder 2"/>
+          <p:cNvSpPr>
+            <a:spLocks noGrp="1"/>
+          </p:cNvSpPr>
+          <p:nvPr>
+            <p:ph idx="1"/>
+          </p:nvPr>
+        </p:nvSpPr>
+        <p:spPr>
+          <a:xfrm>
+            <a:off x="457200" y="1417638"/>
+            <a:ext cx="8229600" cy="4419600"/>
+          </a:xfrm>
+        </p:spPr>
+        <p:txBody>
+          <a:bodyPr>
+            <a:normAutofit fontScale="92500" lnSpcReduction="10000"/>
+          </a:bodyPr>
+          <a:lstStyle/>
+          <a:p>
+            <a:pPr marL="137160" indent="0">
+              <a:buNone/>
+            </a:pPr>
+            <a:endParaRPr lang="en-US" dirty="0" smtClean="0"/>
+          </a:p>
+          <a:p>
+            <a:r>
+              <a:rPr lang="en-US" dirty="0" smtClean="0"/>
+              <a:t>Create code to test if a feature class exists or not. </a:t>
+            </a:r>
+          </a:p>
+          <a:p>
+            <a:r>
+              <a:rPr lang="en-US" dirty="0" smtClean="0"/>
+              <a:t>If </a:t>
+            </a:r>
+            <a:r>
+              <a:rPr lang="en-US" dirty="0"/>
+              <a:t>the file exists then test the features shape type. </a:t>
+            </a:r>
+            <a:r>
+              <a:rPr lang="en-US" dirty="0" smtClean="0"/>
+              <a:t>If the shape type is not a point, line or polygon, then print message stating the user must select new file. If the shape type is </a:t>
+            </a:r>
+            <a:r>
+              <a:rPr lang="en-US" dirty="0"/>
+              <a:t>point, line or </a:t>
+            </a:r>
+            <a:r>
+              <a:rPr lang="en-US" dirty="0" smtClean="0"/>
+              <a:t>polygon, then print the shape type. </a:t>
+            </a:r>
+          </a:p>
+          <a:p>
+            <a:r>
+              <a:rPr lang="en-US" dirty="0"/>
+              <a:t>If the file does not exist then print </a:t>
+            </a:r>
+            <a:r>
+              <a:rPr lang="en-US" dirty="0" smtClean="0"/>
+              <a:t>message.</a:t>
+            </a:r>
+          </a:p>
+          <a:p>
+            <a:r>
+              <a:rPr lang="en-US" dirty="0" smtClean="0">
+                <a:hlinkClick r:id="rId2"/>
+              </a:rPr>
+              <a:t>http</a:t>
+            </a:r>
+            <a:r>
+              <a:rPr lang="en-US" dirty="0">
+                <a:hlinkClick r:id="rId2"/>
+              </a:rPr>
+              <a:t>://resources.arcgis.com/EN/HELP/MAIN/10.1/index.html#/FeatureClass_properties/018v00000011000000</a:t>
+            </a:r>
+            <a:r>
+              <a:rPr lang="en-US" dirty="0" smtClean="0">
+                <a:hlinkClick r:id="rId2"/>
+              </a:rPr>
+              <a:t>/</a:t>
+            </a:r>
+            <a:endParaRPr lang="en-US" dirty="0" smtClean="0"/>
+          </a:p>
+          <a:p>
+            <a:endParaRPr lang="en-US" dirty="0"/>
+          </a:p>
+          <a:p>
+            <a:endParaRPr lang="en-US" dirty="0" smtClean="0"/>
+          </a:p>
+          <a:p>
+            <a:endParaRPr lang="en-US" dirty="0"/>
+          </a:p>
+        </p:txBody>
+      </p:sp>
+    </p:spTree>
+    <p:extLst>
+      <p:ext uri="{BB962C8B-B14F-4D97-AF65-F5344CB8AC3E}">
+        <p14:creationId xmlns:p14="http://schemas.microsoft.com/office/powerpoint/2010/main" val="818206851"/>
+      </p:ext>
+    </p:extLst>
+  </p:cSld>
+  <p:clrMapOvr>
+    <a:masterClrMapping/>
+  </p:clrMapOvr>
+</p:sld>
+</file>
+
+<file path=ppt/slides/slide22.xml><?xml version="1.0" encoding="utf-8"?>
+<p:sld xmlns:a="http://schemas.openxmlformats.org/drawingml/2006/main" xmlns:r="http://schemas.openxmlformats.org/officeDocument/2006/relationships" xmlns:p="http://schemas.openxmlformats.org/presentationml/2006/main">
+  <p:cSld>
+    <p:spTree>
+      <p:nvGrpSpPr>
+        <p:cNvPr id="1" name=""/>
+        <p:cNvGrpSpPr/>
+        <p:nvPr/>
+      </p:nvGrpSpPr>
+      <p:grpSpPr>
+        <a:xfrm>
+          <a:off x="0" y="0"/>
+          <a:ext cx="0" cy="0"/>
+          <a:chOff x="0" y="0"/>
+          <a:chExt cx="0" cy="0"/>
+        </a:xfrm>
+      </p:grpSpPr>
+      <p:sp>
+        <p:nvSpPr>
+          <p:cNvPr id="2" name="Title 1"/>
+          <p:cNvSpPr>
+            <a:spLocks noGrp="1"/>
+          </p:cNvSpPr>
+          <p:nvPr>
+            <p:ph type="title"/>
+          </p:nvPr>
+        </p:nvSpPr>
+        <p:spPr/>
+        <p:txBody>
+          <a:bodyPr/>
+          <a:lstStyle/>
+          <a:p>
+            <a:r>
+              <a:rPr lang="en-US" dirty="0" smtClean="0"/>
+              <a:t>Exercise 1</a:t>
+            </a:r>
+            <a:endParaRPr lang="en-US" dirty="0"/>
+          </a:p>
+        </p:txBody>
+      </p:sp>
+      <p:sp>
+        <p:nvSpPr>
+          <p:cNvPr id="3" name="Content Placeholder 2"/>
+          <p:cNvSpPr>
+            <a:spLocks noGrp="1"/>
+          </p:cNvSpPr>
+          <p:nvPr>
+            <p:ph idx="1"/>
+          </p:nvPr>
+        </p:nvSpPr>
+        <p:spPr>
+          <a:xfrm>
+            <a:off x="472611" y="1219200"/>
+            <a:ext cx="8229600" cy="4709160"/>
+          </a:xfrm>
+        </p:spPr>
+        <p:txBody>
+          <a:bodyPr/>
+          <a:lstStyle/>
+          <a:p>
+            <a:r>
+              <a:rPr lang="en-US" dirty="0" smtClean="0"/>
+              <a:t>Expand the logic to handle if a feature class exists and test the shape type of a feature class.</a:t>
             </a:r>
             <a:endParaRPr lang="en-US" dirty="0"/>
           </a:p>
@@ -6629,13 +7149,11 @@
       </p:sp>
       <p:pic>
         <p:nvPicPr>
-          <p:cNvPr id="2050" name="Picture 2"/>
+          <p:cNvPr id="1026" name="Picture 2"/>
           <p:cNvPicPr>
-            <a:picLocks noGrp="1" noChangeAspect="1" noChangeArrowheads="1"/>
+            <a:picLocks noChangeAspect="1" noChangeArrowheads="1"/>
           </p:cNvPicPr>
-          <p:nvPr>
-            <p:ph idx="1"/>
-          </p:nvPr>
+          <p:nvPr/>
         </p:nvPicPr>
         <p:blipFill>
           <a:blip r:embed="rId2">
@@ -6652,8 +7170,160 @@
         </p:blipFill>
         <p:spPr bwMode="auto">
           <a:xfrm>
-            <a:off x="990600" y="1295401"/>
-            <a:ext cx="7391840" cy="2590800"/>
+            <a:off x="1143000" y="2500313"/>
+            <a:ext cx="7333127" cy="3119437"/>
+          </a:xfrm>
+          <a:prstGeom prst="rect">
+            <a:avLst/>
+          </a:prstGeom>
+          <a:noFill/>
+          <a:ln>
+            <a:noFill/>
+          </a:ln>
+          <a:extLst>
+            <a:ext uri="{909E8E84-426E-40DD-AFC4-6F175D3DCCD1}">
+              <a14:hiddenFill xmlns:a14="http://schemas.microsoft.com/office/drawing/2010/main">
+                <a:solidFill>
+                  <a:schemeClr val="accent1"/>
+                </a:solidFill>
+              </a14:hiddenFill>
+            </a:ext>
+            <a:ext uri="{91240B29-F687-4F45-9708-019B960494DF}">
+              <a14:hiddenLine xmlns:a14="http://schemas.microsoft.com/office/drawing/2010/main" w="9525">
+                <a:solidFill>
+                  <a:schemeClr val="tx1"/>
+                </a:solidFill>
+                <a:miter lim="800000"/>
+                <a:headEnd/>
+                <a:tailEnd/>
+              </a14:hiddenLine>
+            </a:ext>
+          </a:extLst>
+        </p:spPr>
+      </p:pic>
+    </p:spTree>
+    <p:extLst>
+      <p:ext uri="{BB962C8B-B14F-4D97-AF65-F5344CB8AC3E}">
+        <p14:creationId xmlns:p14="http://schemas.microsoft.com/office/powerpoint/2010/main" val="673601366"/>
+      </p:ext>
+    </p:extLst>
+  </p:cSld>
+  <p:clrMapOvr>
+    <a:masterClrMapping/>
+  </p:clrMapOvr>
+</p:sld>
+</file>
+
+<file path=ppt/slides/slide23.xml><?xml version="1.0" encoding="utf-8"?>
+<p:sld xmlns:a="http://schemas.openxmlformats.org/drawingml/2006/main" xmlns:r="http://schemas.openxmlformats.org/officeDocument/2006/relationships" xmlns:p="http://schemas.openxmlformats.org/presentationml/2006/main">
+  <p:cSld>
+    <p:spTree>
+      <p:nvGrpSpPr>
+        <p:cNvPr id="1" name=""/>
+        <p:cNvGrpSpPr/>
+        <p:nvPr/>
+      </p:nvGrpSpPr>
+      <p:grpSpPr>
+        <a:xfrm>
+          <a:off x="0" y="0"/>
+          <a:ext cx="0" cy="0"/>
+          <a:chOff x="0" y="0"/>
+          <a:chExt cx="0" cy="0"/>
+        </a:xfrm>
+      </p:grpSpPr>
+      <p:sp>
+        <p:nvSpPr>
+          <p:cNvPr id="2" name="Title 1"/>
+          <p:cNvSpPr>
+            <a:spLocks noGrp="1"/>
+          </p:cNvSpPr>
+          <p:nvPr>
+            <p:ph type="title"/>
+          </p:nvPr>
+        </p:nvSpPr>
+        <p:spPr/>
+        <p:txBody>
+          <a:bodyPr/>
+          <a:lstStyle/>
+          <a:p>
+            <a:r>
+              <a:rPr lang="en-US" dirty="0" smtClean="0"/>
+              <a:t>Exercise 1 Answer</a:t>
+            </a:r>
+            <a:endParaRPr lang="en-US" dirty="0"/>
+          </a:p>
+        </p:txBody>
+      </p:sp>
+      <p:sp>
+        <p:nvSpPr>
+          <p:cNvPr id="3" name="Content Placeholder 2"/>
+          <p:cNvSpPr>
+            <a:spLocks noGrp="1"/>
+          </p:cNvSpPr>
+          <p:nvPr>
+            <p:ph idx="1"/>
+          </p:nvPr>
+        </p:nvSpPr>
+        <p:spPr>
+          <a:xfrm>
+            <a:off x="457200" y="1600200"/>
+            <a:ext cx="8229600" cy="3124200"/>
+          </a:xfrm>
+        </p:spPr>
+        <p:txBody>
+          <a:bodyPr/>
+          <a:lstStyle/>
+          <a:p>
+            <a:pPr lvl="0"/>
+            <a:r>
+              <a:rPr lang="en-US" dirty="0">
+                <a:solidFill>
+                  <a:prstClr val="white"/>
+                </a:solidFill>
+              </a:rPr>
+              <a:t>Both answers are technically correct. Why is one answer better then another</a:t>
+            </a:r>
+            <a:r>
+              <a:rPr lang="en-US" dirty="0" smtClean="0">
+                <a:solidFill>
+                  <a:prstClr val="white"/>
+                </a:solidFill>
+              </a:rPr>
+              <a:t>?</a:t>
+            </a:r>
+            <a:endParaRPr lang="en-US" dirty="0">
+              <a:solidFill>
+                <a:prstClr val="white"/>
+              </a:solidFill>
+            </a:endParaRPr>
+          </a:p>
+        </p:txBody>
+      </p:sp>
+      <p:pic>
+        <p:nvPicPr>
+          <p:cNvPr id="7170" name="Picture 2"/>
+          <p:cNvPicPr>
+            <a:picLocks noChangeAspect="1" noChangeArrowheads="1"/>
+          </p:cNvPicPr>
+          <p:nvPr/>
+        </p:nvPicPr>
+        <p:blipFill>
+          <a:blip r:embed="rId2">
+            <a:extLst>
+              <a:ext uri="{28A0092B-C50C-407E-A947-70E740481C1C}">
+                <a14:useLocalDpi xmlns:a14="http://schemas.microsoft.com/office/drawing/2010/main" val="0"/>
+              </a:ext>
+            </a:extLst>
+          </a:blip>
+          <a:srcRect/>
+          <a:stretch>
+            <a:fillRect/>
+          </a:stretch>
+        </p:blipFill>
+        <p:spPr bwMode="auto">
+          <a:xfrm>
+            <a:off x="1905000" y="2590800"/>
+            <a:ext cx="5133975" cy="2657475"/>
           </a:xfrm>
           <a:prstGeom prst="rect">
             <a:avLst/>
@@ -6685,7 +7355,7 @@
       </p:pic>
       <p:pic>
         <p:nvPicPr>
-          <p:cNvPr id="2051" name="Picture 3"/>
+          <p:cNvPr id="7171" name="Picture 3"/>
           <p:cNvPicPr>
             <a:picLocks noChangeAspect="1" noChangeArrowheads="1"/>
           </p:cNvPicPr>
@@ -6706,8 +7376,8 @@
         </p:blipFill>
         <p:spPr bwMode="auto">
           <a:xfrm>
-            <a:off x="990600" y="3962400"/>
-            <a:ext cx="7391400" cy="2000250"/>
+            <a:off x="1876425" y="5353051"/>
+            <a:ext cx="5153025" cy="1352550"/>
           </a:xfrm>
           <a:prstGeom prst="rect">
             <a:avLst/>
@@ -6737,56 +7407,6 @@
           </a:extLst>
         </p:spPr>
       </p:pic>
-      <p:sp>
-        <p:nvSpPr>
-          <p:cNvPr id="6" name="Rectangle 5"/>
-          <p:cNvSpPr/>
-          <p:nvPr/>
-        </p:nvSpPr>
-        <p:spPr>
-          <a:xfrm>
-            <a:off x="609600" y="5903893"/>
-            <a:ext cx="7674077" cy="954107"/>
-          </a:xfrm>
-          <a:prstGeom prst="rect">
-            <a:avLst/>
-          </a:prstGeom>
-        </p:spPr>
-        <p:txBody>
-          <a:bodyPr wrap="square">
-            <a:spAutoFit/>
-          </a:bodyPr>
-          <a:lstStyle/>
-          <a:p>
-            <a:pPr marL="548640" lvl="0" indent="-411480">
-              <a:spcBef>
-                <a:spcPct val="20000"/>
-              </a:spcBef>
-              <a:buClr>
-                <a:prstClr val="white">
-                  <a:shade val="95000"/>
-                </a:prstClr>
-              </a:buClr>
-              <a:buSzPct val="65000"/>
-              <a:buFont typeface="Wingdings 2"/>
-              <a:buChar char=""/>
-            </a:pPr>
-            <a:r>
-              <a:rPr lang="en-US" sz="2800" dirty="0">
-                <a:solidFill>
-                  <a:prstClr val="white"/>
-                </a:solidFill>
-              </a:rPr>
-              <a:t>Both answers are technically correct. Why is one answer better then another?</a:t>
-            </a:r>
-            <a:endParaRPr lang="en-US" sz="2800" dirty="0">
-              <a:solidFill>
-                <a:prstClr val="white"/>
-              </a:solidFill>
-            </a:endParaRPr>
-          </a:p>
-        </p:txBody>
-      </p:sp>
     </p:spTree>
     <p:extLst>
       <p:ext uri="{BB962C8B-B14F-4D97-AF65-F5344CB8AC3E}">
@@ -6800,7 +7420,7 @@
 </p:sld>
 </file>
 
-<file path=ppt/slides/slide22.xml><?xml version="1.0" encoding="utf-8"?>
+<file path=ppt/slides/slide24.xml><?xml version="1.0" encoding="utf-8"?>
 <p:sld xmlns:a="http://schemas.openxmlformats.org/drawingml/2006/main" xmlns:r="http://schemas.openxmlformats.org/officeDocument/2006/relationships" xmlns:p="http://schemas.openxmlformats.org/presentationml/2006/main">
   <p:cSld>
     <p:spTree>
@@ -6834,139 +7454,72 @@
           <a:p>
             <a:r>
               <a:rPr lang="en-US" dirty="0" smtClean="0"/>
-              <a:t>Loops</a:t>
+              <a:t>File path locations </a:t>
             </a:r>
             <a:endParaRPr lang="en-US" dirty="0"/>
-          </a:p>
-        </p:txBody>
-      </p:sp>
-      <p:sp>
-        <p:nvSpPr>
-          <p:cNvPr id="3" name="Content Placeholder 2"/>
-          <p:cNvSpPr>
-            <a:spLocks noGrp="1"/>
-          </p:cNvSpPr>
-          <p:nvPr>
-            <p:ph idx="1"/>
-          </p:nvPr>
-        </p:nvSpPr>
-        <p:spPr>
-          <a:xfrm>
-            <a:off x="457200" y="1219200"/>
-            <a:ext cx="8229600" cy="4709160"/>
-          </a:xfrm>
-        </p:spPr>
-        <p:txBody>
-          <a:bodyPr/>
-          <a:lstStyle/>
-          <a:p>
-            <a:r>
-              <a:rPr lang="en-US" dirty="0" smtClean="0"/>
-              <a:t>Loops allow one to iterate over a group of statements multiple </a:t>
-            </a:r>
-            <a:r>
-              <a:rPr lang="en-US" dirty="0" smtClean="0"/>
-              <a:t>times</a:t>
-            </a:r>
-            <a:endParaRPr lang="en-US" dirty="0" smtClean="0"/>
-          </a:p>
-          <a:p>
-            <a:r>
-              <a:rPr lang="en-US" dirty="0" smtClean="0"/>
-              <a:t>For loop</a:t>
-            </a:r>
-          </a:p>
-          <a:p>
-            <a:endParaRPr lang="en-US" dirty="0"/>
-          </a:p>
-          <a:p>
-            <a:r>
-              <a:rPr lang="en-US" dirty="0" smtClean="0"/>
-              <a:t>While loop </a:t>
-            </a:r>
-            <a:br>
-              <a:rPr lang="en-US" dirty="0" smtClean="0"/>
-            </a:br>
-            <a:endParaRPr lang="en-US" dirty="0" smtClean="0"/>
           </a:p>
         </p:txBody>
       </p:sp>
       <p:pic>
         <p:nvPicPr>
-          <p:cNvPr id="6" name="Picture 5"/>
+          <p:cNvPr id="8194" name="Picture 2"/>
           <p:cNvPicPr>
-            <a:picLocks noChangeAspect="1"/>
+            <a:picLocks noGrp="1" noChangeAspect="1" noChangeArrowheads="1"/>
           </p:cNvPicPr>
-          <p:nvPr/>
+          <p:nvPr>
+            <p:ph idx="1"/>
+          </p:nvPr>
         </p:nvPicPr>
         <p:blipFill>
-          <a:blip r:embed="rId3"/>
+          <a:blip r:embed="rId2">
+            <a:extLst>
+              <a:ext uri="{28A0092B-C50C-407E-A947-70E740481C1C}">
+                <a14:useLocalDpi xmlns:a14="http://schemas.microsoft.com/office/drawing/2010/main" val="0"/>
+              </a:ext>
+            </a:extLst>
+          </a:blip>
+          <a:srcRect/>
           <a:stretch>
             <a:fillRect/>
           </a:stretch>
         </p:blipFill>
-        <p:spPr>
+        <p:spPr bwMode="auto">
           <a:xfrm>
-            <a:off x="3852187" y="2468703"/>
-            <a:ext cx="5295238" cy="2647619"/>
+            <a:off x="1371600" y="1676400"/>
+            <a:ext cx="6249721" cy="3639948"/>
           </a:xfrm>
           <a:prstGeom prst="rect">
             <a:avLst/>
           </a:prstGeom>
-        </p:spPr>
-      </p:pic>
-      <p:pic>
-        <p:nvPicPr>
-          <p:cNvPr id="8" name="Picture 7"/>
-          <p:cNvPicPr>
-            <a:picLocks noChangeAspect="1"/>
-          </p:cNvPicPr>
-          <p:nvPr/>
-        </p:nvPicPr>
-        <p:blipFill>
-          <a:blip r:embed="rId4"/>
-          <a:stretch>
-            <a:fillRect/>
-          </a:stretch>
-        </p:blipFill>
-        <p:spPr>
-          <a:xfrm>
-            <a:off x="490591" y="3792513"/>
-            <a:ext cx="2961905" cy="2552381"/>
-          </a:xfrm>
-          <a:prstGeom prst="rect">
-            <a:avLst/>
-          </a:prstGeom>
-        </p:spPr>
-      </p:pic>
-      <p:pic>
-        <p:nvPicPr>
-          <p:cNvPr id="4" name="Picture 3"/>
-          <p:cNvPicPr>
-            <a:picLocks noChangeAspect="1"/>
-          </p:cNvPicPr>
-          <p:nvPr/>
-        </p:nvPicPr>
-        <p:blipFill>
-          <a:blip r:embed="rId5"/>
-          <a:stretch>
-            <a:fillRect/>
-          </a:stretch>
-        </p:blipFill>
-        <p:spPr>
-          <a:xfrm>
-            <a:off x="5486400" y="5591522"/>
-            <a:ext cx="2361905" cy="495238"/>
-          </a:xfrm>
-          <a:prstGeom prst="rect">
-            <a:avLst/>
-          </a:prstGeom>
+          <a:noFill/>
+          <a:ln>
+            <a:noFill/>
+          </a:ln>
+          <a:extLst>
+            <a:ext uri="{909E8E84-426E-40DD-AFC4-6F175D3DCCD1}">
+              <a14:hiddenFill xmlns:a14="http://schemas.microsoft.com/office/drawing/2010/main">
+                <a:solidFill>
+                  <a:schemeClr val="accent1"/>
+                </a:solidFill>
+              </a14:hiddenFill>
+            </a:ext>
+            <a:ext uri="{91240B29-F687-4F45-9708-019B960494DF}">
+              <a14:hiddenLine xmlns:a14="http://schemas.microsoft.com/office/drawing/2010/main" w="9525">
+                <a:solidFill>
+                  <a:schemeClr val="tx1"/>
+                </a:solidFill>
+                <a:miter lim="800000"/>
+                <a:headEnd/>
+                <a:tailEnd/>
+              </a14:hiddenLine>
+            </a:ext>
+          </a:extLst>
         </p:spPr>
       </p:pic>
     </p:spTree>
     <p:extLst>
       <p:ext uri="{BB962C8B-B14F-4D97-AF65-F5344CB8AC3E}">
-        <p14:creationId xmlns:p14="http://schemas.microsoft.com/office/powerpoint/2010/main" val="1548040291"/>
+        <p14:creationId xmlns:p14="http://schemas.microsoft.com/office/powerpoint/2010/main" val="860894905"/>
       </p:ext>
     </p:extLst>
   </p:cSld>
@@ -6976,7 +7529,7 @@
 </p:sld>
 </file>
 
-<file path=ppt/slides/slide23.xml><?xml version="1.0" encoding="utf-8"?>
+<file path=ppt/slides/slide25.xml><?xml version="1.0" encoding="utf-8"?>
 <p:sld xmlns:a="http://schemas.openxmlformats.org/drawingml/2006/main" xmlns:r="http://schemas.openxmlformats.org/officeDocument/2006/relationships" xmlns:p="http://schemas.openxmlformats.org/presentationml/2006/main">
   <p:cSld>
     <p:spTree>
@@ -7010,41 +7563,61 @@
           <a:p>
             <a:r>
               <a:rPr lang="en-US" dirty="0" smtClean="0"/>
-              <a:t>Loops: For else</a:t>
+              <a:t>Loops</a:t>
             </a:r>
             <a:endParaRPr lang="en-US" dirty="0"/>
+          </a:p>
+        </p:txBody>
+      </p:sp>
+      <p:sp>
+        <p:nvSpPr>
+          <p:cNvPr id="3" name="Content Placeholder 2"/>
+          <p:cNvSpPr>
+            <a:spLocks noGrp="1"/>
+          </p:cNvSpPr>
+          <p:nvPr>
+            <p:ph idx="1"/>
+          </p:nvPr>
+        </p:nvSpPr>
+        <p:spPr>
+          <a:xfrm>
+            <a:off x="457200" y="1219200"/>
+            <a:ext cx="8229600" cy="4709160"/>
+          </a:xfrm>
+        </p:spPr>
+        <p:txBody>
+          <a:bodyPr/>
+          <a:lstStyle/>
+          <a:p>
+            <a:r>
+              <a:rPr lang="en-US" dirty="0" smtClean="0"/>
+              <a:t>Loops allow one to iterate over a group of statements multiple times</a:t>
+            </a:r>
+          </a:p>
+          <a:p>
+            <a:r>
+              <a:rPr lang="en-US" dirty="0" smtClean="0"/>
+              <a:t>For loop</a:t>
+            </a:r>
+          </a:p>
+          <a:p>
+            <a:endParaRPr lang="en-US" dirty="0"/>
+          </a:p>
+          <a:p>
+            <a:r>
+              <a:rPr lang="en-US" dirty="0" smtClean="0"/>
+              <a:t>While loop </a:t>
+            </a:r>
+            <a:br>
+              <a:rPr lang="en-US" dirty="0" smtClean="0"/>
+            </a:br>
+            <a:endParaRPr lang="en-US" dirty="0" smtClean="0"/>
           </a:p>
         </p:txBody>
       </p:sp>
       <p:pic>
         <p:nvPicPr>
-          <p:cNvPr id="4" name="Content Placeholder 3"/>
-          <p:cNvPicPr>
-            <a:picLocks noGrp="1" noChangeAspect="1"/>
-          </p:cNvPicPr>
-          <p:nvPr>
-            <p:ph idx="1"/>
-          </p:nvPr>
-        </p:nvPicPr>
-        <p:blipFill>
-          <a:blip r:embed="rId2"/>
-          <a:stretch>
-            <a:fillRect/>
-          </a:stretch>
-        </p:blipFill>
-        <p:spPr>
-          <a:xfrm>
-            <a:off x="2286285" y="1445036"/>
-            <a:ext cx="4571429" cy="1733333"/>
-          </a:xfrm>
-          <a:prstGeom prst="rect">
-            <a:avLst/>
-          </a:prstGeom>
-        </p:spPr>
-      </p:pic>
-      <p:pic>
-        <p:nvPicPr>
-          <p:cNvPr id="3074" name="Picture 2"/>
+          <p:cNvPr id="9218" name="Picture 2"/>
           <p:cNvPicPr>
             <a:picLocks noChangeAspect="1" noChangeArrowheads="1"/>
           </p:cNvPicPr>
@@ -7065,8 +7638,246 @@
         </p:blipFill>
         <p:spPr bwMode="auto">
           <a:xfrm>
-            <a:off x="2133600" y="4236320"/>
-            <a:ext cx="4762500" cy="1304925"/>
+            <a:off x="228600" y="3647815"/>
+            <a:ext cx="3581400" cy="3067547"/>
+          </a:xfrm>
+          <a:prstGeom prst="rect">
+            <a:avLst/>
+          </a:prstGeom>
+          <a:noFill/>
+          <a:ln>
+            <a:noFill/>
+          </a:ln>
+          <a:extLst>
+            <a:ext uri="{909E8E84-426E-40DD-AFC4-6F175D3DCCD1}">
+              <a14:hiddenFill xmlns:a14="http://schemas.microsoft.com/office/drawing/2010/main">
+                <a:solidFill>
+                  <a:schemeClr val="accent1"/>
+                </a:solidFill>
+              </a14:hiddenFill>
+            </a:ext>
+            <a:ext uri="{91240B29-F687-4F45-9708-019B960494DF}">
+              <a14:hiddenLine xmlns:a14="http://schemas.microsoft.com/office/drawing/2010/main" w="9525">
+                <a:solidFill>
+                  <a:schemeClr val="tx1"/>
+                </a:solidFill>
+                <a:miter lim="800000"/>
+                <a:headEnd/>
+                <a:tailEnd/>
+              </a14:hiddenLine>
+            </a:ext>
+          </a:extLst>
+        </p:spPr>
+      </p:pic>
+      <p:pic>
+        <p:nvPicPr>
+          <p:cNvPr id="9219" name="Picture 3"/>
+          <p:cNvPicPr>
+            <a:picLocks noChangeAspect="1" noChangeArrowheads="1"/>
+          </p:cNvPicPr>
+          <p:nvPr/>
+        </p:nvPicPr>
+        <p:blipFill>
+          <a:blip r:embed="rId4">
+            <a:extLst>
+              <a:ext uri="{28A0092B-C50C-407E-A947-70E740481C1C}">
+                <a14:useLocalDpi xmlns:a14="http://schemas.microsoft.com/office/drawing/2010/main" val="0"/>
+              </a:ext>
+            </a:extLst>
+          </a:blip>
+          <a:srcRect/>
+          <a:stretch>
+            <a:fillRect/>
+          </a:stretch>
+        </p:blipFill>
+        <p:spPr bwMode="auto">
+          <a:xfrm>
+            <a:off x="3971924" y="2123815"/>
+            <a:ext cx="5172075" cy="2400300"/>
+          </a:xfrm>
+          <a:prstGeom prst="rect">
+            <a:avLst/>
+          </a:prstGeom>
+          <a:noFill/>
+          <a:ln>
+            <a:noFill/>
+          </a:ln>
+          <a:extLst>
+            <a:ext uri="{909E8E84-426E-40DD-AFC4-6F175D3DCCD1}">
+              <a14:hiddenFill xmlns:a14="http://schemas.microsoft.com/office/drawing/2010/main">
+                <a:solidFill>
+                  <a:schemeClr val="accent1"/>
+                </a:solidFill>
+              </a14:hiddenFill>
+            </a:ext>
+            <a:ext uri="{91240B29-F687-4F45-9708-019B960494DF}">
+              <a14:hiddenLine xmlns:a14="http://schemas.microsoft.com/office/drawing/2010/main" w="9525">
+                <a:solidFill>
+                  <a:schemeClr val="tx1"/>
+                </a:solidFill>
+                <a:miter lim="800000"/>
+                <a:headEnd/>
+                <a:tailEnd/>
+              </a14:hiddenLine>
+            </a:ext>
+          </a:extLst>
+        </p:spPr>
+      </p:pic>
+      <p:pic>
+        <p:nvPicPr>
+          <p:cNvPr id="9220" name="Picture 4"/>
+          <p:cNvPicPr>
+            <a:picLocks noChangeAspect="1" noChangeArrowheads="1"/>
+          </p:cNvPicPr>
+          <p:nvPr/>
+        </p:nvPicPr>
+        <p:blipFill>
+          <a:blip r:embed="rId5">
+            <a:extLst>
+              <a:ext uri="{28A0092B-C50C-407E-A947-70E740481C1C}">
+                <a14:useLocalDpi xmlns:a14="http://schemas.microsoft.com/office/drawing/2010/main" val="0"/>
+              </a:ext>
+            </a:extLst>
+          </a:blip>
+          <a:srcRect/>
+          <a:stretch>
+            <a:fillRect/>
+          </a:stretch>
+        </p:blipFill>
+        <p:spPr bwMode="auto">
+          <a:xfrm>
+            <a:off x="4648198" y="5029199"/>
+            <a:ext cx="3819525" cy="1266825"/>
+          </a:xfrm>
+          <a:prstGeom prst="rect">
+            <a:avLst/>
+          </a:prstGeom>
+          <a:noFill/>
+          <a:ln>
+            <a:noFill/>
+          </a:ln>
+          <a:extLst>
+            <a:ext uri="{909E8E84-426E-40DD-AFC4-6F175D3DCCD1}">
+              <a14:hiddenFill xmlns:a14="http://schemas.microsoft.com/office/drawing/2010/main">
+                <a:solidFill>
+                  <a:schemeClr val="accent1"/>
+                </a:solidFill>
+              </a14:hiddenFill>
+            </a:ext>
+            <a:ext uri="{91240B29-F687-4F45-9708-019B960494DF}">
+              <a14:hiddenLine xmlns:a14="http://schemas.microsoft.com/office/drawing/2010/main" w="9525">
+                <a:solidFill>
+                  <a:schemeClr val="tx1"/>
+                </a:solidFill>
+                <a:miter lim="800000"/>
+                <a:headEnd/>
+                <a:tailEnd/>
+              </a14:hiddenLine>
+            </a:ext>
+          </a:extLst>
+        </p:spPr>
+      </p:pic>
+    </p:spTree>
+    <p:extLst>
+      <p:ext uri="{BB962C8B-B14F-4D97-AF65-F5344CB8AC3E}">
+        <p14:creationId xmlns:p14="http://schemas.microsoft.com/office/powerpoint/2010/main" val="1548040291"/>
+      </p:ext>
+    </p:extLst>
+  </p:cSld>
+  <p:clrMapOvr>
+    <a:masterClrMapping/>
+  </p:clrMapOvr>
+</p:sld>
+</file>
+
+<file path=ppt/slides/slide26.xml><?xml version="1.0" encoding="utf-8"?>
+<p:sld xmlns:a="http://schemas.openxmlformats.org/drawingml/2006/main" xmlns:r="http://schemas.openxmlformats.org/officeDocument/2006/relationships" xmlns:p="http://schemas.openxmlformats.org/presentationml/2006/main">
+  <p:cSld>
+    <p:spTree>
+      <p:nvGrpSpPr>
+        <p:cNvPr id="1" name=""/>
+        <p:cNvGrpSpPr/>
+        <p:nvPr/>
+      </p:nvGrpSpPr>
+      <p:grpSpPr>
+        <a:xfrm>
+          <a:off x="0" y="0"/>
+          <a:ext cx="0" cy="0"/>
+          <a:chOff x="0" y="0"/>
+          <a:chExt cx="0" cy="0"/>
+        </a:xfrm>
+      </p:grpSpPr>
+      <p:sp>
+        <p:nvSpPr>
+          <p:cNvPr id="2" name="Title 1"/>
+          <p:cNvSpPr>
+            <a:spLocks noGrp="1"/>
+          </p:cNvSpPr>
+          <p:nvPr>
+            <p:ph type="title"/>
+          </p:nvPr>
+        </p:nvSpPr>
+        <p:spPr/>
+        <p:txBody>
+          <a:bodyPr/>
+          <a:lstStyle/>
+          <a:p>
+            <a:r>
+              <a:rPr lang="en-US" dirty="0" smtClean="0"/>
+              <a:t>Loops: For else</a:t>
+            </a:r>
+            <a:endParaRPr lang="en-US" dirty="0"/>
+          </a:p>
+        </p:txBody>
+      </p:sp>
+      <p:sp>
+        <p:nvSpPr>
+          <p:cNvPr id="3" name="Content Placeholder 2"/>
+          <p:cNvSpPr>
+            <a:spLocks noGrp="1"/>
+          </p:cNvSpPr>
+          <p:nvPr>
+            <p:ph idx="1"/>
+          </p:nvPr>
+        </p:nvSpPr>
+        <p:spPr/>
+        <p:txBody>
+          <a:bodyPr/>
+          <a:lstStyle/>
+          <a:p>
+            <a:r>
+              <a:rPr lang="en-US" dirty="0" smtClean="0"/>
+              <a:t>For else tests if the loop finishes. This can be useful because sometimes one wants to know if the loop finishes. </a:t>
+            </a:r>
+            <a:endParaRPr lang="en-US" dirty="0"/>
+          </a:p>
+        </p:txBody>
+      </p:sp>
+      <p:pic>
+        <p:nvPicPr>
+          <p:cNvPr id="10242" name="Picture 2"/>
+          <p:cNvPicPr>
+            <a:picLocks noChangeAspect="1" noChangeArrowheads="1"/>
+          </p:cNvPicPr>
+          <p:nvPr/>
+        </p:nvPicPr>
+        <p:blipFill>
+          <a:blip r:embed="rId2">
+            <a:extLst>
+              <a:ext uri="{28A0092B-C50C-407E-A947-70E740481C1C}">
+                <a14:useLocalDpi xmlns:a14="http://schemas.microsoft.com/office/drawing/2010/main" val="0"/>
+              </a:ext>
+            </a:extLst>
+          </a:blip>
+          <a:srcRect/>
+          <a:stretch>
+            <a:fillRect/>
+          </a:stretch>
+        </p:blipFill>
+        <p:spPr bwMode="auto">
+          <a:xfrm>
+            <a:off x="2214563" y="3200400"/>
+            <a:ext cx="4772025" cy="3076575"/>
           </a:xfrm>
           <a:prstGeom prst="rect">
             <a:avLst/>
@@ -7109,7 +7920,7 @@
 </p:sld>
 </file>
 
-<file path=ppt/slides/slide24.xml><?xml version="1.0" encoding="utf-8"?>
+<file path=ppt/slides/slide27.xml><?xml version="1.0" encoding="utf-8"?>
 <p:sld xmlns:a="http://schemas.openxmlformats.org/drawingml/2006/main" xmlns:r="http://schemas.openxmlformats.org/officeDocument/2006/relationships" xmlns:p="http://schemas.openxmlformats.org/presentationml/2006/main">
   <p:cSld>
     <p:spTree>
@@ -7143,288 +7954,7 @@
           <a:p>
             <a:r>
               <a:rPr lang="en-US" dirty="0" smtClean="0"/>
-              <a:t>Exercise 2</a:t>
-            </a:r>
-            <a:endParaRPr lang="en-US" dirty="0"/>
-          </a:p>
-        </p:txBody>
-      </p:sp>
-      <p:sp>
-        <p:nvSpPr>
-          <p:cNvPr id="3" name="Content Placeholder 2"/>
-          <p:cNvSpPr>
-            <a:spLocks noGrp="1"/>
-          </p:cNvSpPr>
-          <p:nvPr>
-            <p:ph idx="1"/>
-          </p:nvPr>
-        </p:nvSpPr>
-        <p:spPr/>
-        <p:txBody>
-          <a:bodyPr>
-            <a:normAutofit fontScale="70000" lnSpcReduction="20000"/>
-          </a:bodyPr>
-          <a:lstStyle/>
-          <a:p>
-            <a:r>
-              <a:rPr lang="en-US" dirty="0"/>
-              <a:t>Use a for loop or while loop </a:t>
-            </a:r>
-            <a:r>
-              <a:rPr lang="en-US" dirty="0" smtClean="0"/>
-              <a:t>to iterate over a </a:t>
-            </a:r>
-            <a:r>
-              <a:rPr lang="en-US" dirty="0" smtClean="0"/>
-              <a:t>list</a:t>
-            </a:r>
-            <a:endParaRPr lang="en-US" dirty="0" smtClean="0"/>
-          </a:p>
-          <a:p>
-            <a:r>
-              <a:rPr lang="en-US" dirty="0" smtClean="0"/>
-              <a:t>Project the data to State plane </a:t>
-            </a:r>
-            <a:r>
-              <a:rPr lang="en-US" dirty="0" smtClean="0"/>
-              <a:t>north</a:t>
-            </a:r>
-            <a:endParaRPr lang="en-US" dirty="0" smtClean="0"/>
-          </a:p>
-          <a:p>
-            <a:r>
-              <a:rPr lang="en-US" dirty="0" smtClean="0"/>
-              <a:t>Test if the feature class </a:t>
-            </a:r>
-            <a:r>
-              <a:rPr lang="en-US" dirty="0" smtClean="0"/>
-              <a:t>exists</a:t>
-            </a:r>
-            <a:endParaRPr lang="en-US" dirty="0" smtClean="0"/>
-          </a:p>
-          <a:p>
-            <a:r>
-              <a:rPr lang="en-US" dirty="0" smtClean="0"/>
-              <a:t>If the feature class is a point feature class, then buffer each point by 50 </a:t>
-            </a:r>
-            <a:r>
-              <a:rPr lang="en-US" dirty="0" smtClean="0"/>
-              <a:t>meters</a:t>
-            </a:r>
-            <a:endParaRPr lang="en-US" dirty="0" smtClean="0"/>
-          </a:p>
-          <a:p>
-            <a:r>
-              <a:rPr lang="en-US" dirty="0" smtClean="0"/>
-              <a:t>If the feature class is a line shapefile, then buffer the line by 100 </a:t>
-            </a:r>
-            <a:r>
-              <a:rPr lang="en-US" dirty="0" smtClean="0"/>
-              <a:t>feet</a:t>
-            </a:r>
-            <a:endParaRPr lang="en-US" dirty="0" smtClean="0"/>
-          </a:p>
-          <a:p>
-            <a:r>
-              <a:rPr lang="en-US" dirty="0"/>
-              <a:t>If the </a:t>
-            </a:r>
-            <a:r>
-              <a:rPr lang="en-US" dirty="0" smtClean="0"/>
-              <a:t>feature class </a:t>
-            </a:r>
-            <a:r>
-              <a:rPr lang="en-US" dirty="0"/>
-              <a:t>is a </a:t>
-            </a:r>
-            <a:r>
-              <a:rPr lang="en-US" dirty="0" smtClean="0"/>
-              <a:t>polygon </a:t>
-            </a:r>
-            <a:r>
-              <a:rPr lang="en-US" dirty="0"/>
-              <a:t>shapefile, then buffer the </a:t>
-            </a:r>
-            <a:r>
-              <a:rPr lang="en-US" dirty="0" smtClean="0"/>
-              <a:t>polygon </a:t>
-            </a:r>
-            <a:r>
-              <a:rPr lang="en-US" dirty="0"/>
-              <a:t>by </a:t>
-            </a:r>
-            <a:r>
-              <a:rPr lang="en-US" dirty="0" smtClean="0"/>
-              <a:t>200 </a:t>
-            </a:r>
-            <a:r>
-              <a:rPr lang="en-US" dirty="0" smtClean="0"/>
-              <a:t>feet</a:t>
-            </a:r>
-            <a:endParaRPr lang="en-US" dirty="0" smtClean="0"/>
-          </a:p>
-          <a:p>
-            <a:r>
-              <a:rPr lang="en-US" dirty="0" smtClean="0"/>
-              <a:t>Code must be commented. </a:t>
-            </a:r>
-          </a:p>
-          <a:p>
-            <a:r>
-              <a:rPr lang="en-US" dirty="0"/>
-              <a:t>Hint combine the code from </a:t>
-            </a:r>
-            <a:r>
-              <a:rPr lang="en-US" dirty="0" smtClean="0"/>
-              <a:t>exercise 1.</a:t>
-            </a:r>
-          </a:p>
-          <a:p>
-            <a:pPr lvl="1"/>
-            <a:r>
-              <a:rPr lang="en-US" dirty="0" err="1"/>
-              <a:t>arcpy.Buffer_analysis</a:t>
-            </a:r>
-            <a:r>
-              <a:rPr lang="en-US" dirty="0"/>
-              <a:t>(</a:t>
-            </a:r>
-            <a:r>
-              <a:rPr lang="en-US" dirty="0" err="1"/>
-              <a:t>in_features</a:t>
-            </a:r>
-            <a:r>
-              <a:rPr lang="en-US" dirty="0"/>
-              <a:t>="roads", </a:t>
-            </a:r>
-            <a:r>
-              <a:rPr lang="en-US" dirty="0" err="1"/>
-              <a:t>out_feature_class</a:t>
-            </a:r>
-            <a:r>
-              <a:rPr lang="en-US" dirty="0"/>
-              <a:t>="C:/output/majorrdsBuffered", </a:t>
-            </a:r>
-            <a:r>
-              <a:rPr lang="en-US" dirty="0" err="1"/>
-              <a:t>buffer_distance_or_field</a:t>
-            </a:r>
-            <a:r>
-              <a:rPr lang="en-US" dirty="0"/>
-              <a:t>="100 Feet", </a:t>
-            </a:r>
-            <a:r>
-              <a:rPr lang="en-US" dirty="0" err="1"/>
-              <a:t>line_side</a:t>
-            </a:r>
-            <a:r>
-              <a:rPr lang="en-US" dirty="0"/>
-              <a:t>="FULL", </a:t>
-            </a:r>
-            <a:r>
-              <a:rPr lang="en-US" dirty="0" err="1"/>
-              <a:t>line_end_type</a:t>
-            </a:r>
-            <a:r>
-              <a:rPr lang="en-US" dirty="0"/>
-              <a:t>="ROUND", </a:t>
-            </a:r>
-            <a:r>
-              <a:rPr lang="en-US" dirty="0" err="1"/>
-              <a:t>dissolve_option</a:t>
-            </a:r>
-            <a:r>
-              <a:rPr lang="en-US" dirty="0"/>
-              <a:t>="LIST", </a:t>
-            </a:r>
-            <a:r>
-              <a:rPr lang="en-US" dirty="0" err="1"/>
-              <a:t>dissolve_field</a:t>
-            </a:r>
-            <a:r>
-              <a:rPr lang="en-US" dirty="0"/>
-              <a:t>="Distance", method=None</a:t>
-            </a:r>
-            <a:r>
-              <a:rPr lang="en-US" dirty="0" smtClean="0"/>
-              <a:t>)</a:t>
-            </a:r>
-          </a:p>
-          <a:p>
-            <a:pPr lvl="1"/>
-            <a:r>
-              <a:rPr lang="en-US" dirty="0" smtClean="0">
-                <a:hlinkClick r:id="rId3"/>
-              </a:rPr>
-              <a:t>buffer tool</a:t>
-            </a:r>
-            <a:endParaRPr lang="en-US" dirty="0" smtClean="0"/>
-          </a:p>
-          <a:p>
-            <a:pPr lvl="1"/>
-            <a:endParaRPr lang="en-US" dirty="0"/>
-          </a:p>
-          <a:p>
-            <a:pPr lvl="1"/>
-            <a:endParaRPr lang="en-US" dirty="0" smtClean="0"/>
-          </a:p>
-        </p:txBody>
-      </p:sp>
-    </p:spTree>
-    <p:extLst>
-      <p:ext uri="{BB962C8B-B14F-4D97-AF65-F5344CB8AC3E}">
-        <p14:creationId xmlns:p14="http://schemas.microsoft.com/office/powerpoint/2010/main" val="3444955446"/>
-      </p:ext>
-    </p:extLst>
-  </p:cSld>
-  <p:clrMapOvr>
-    <a:masterClrMapping/>
-  </p:clrMapOvr>
-  <p:timing>
-    <p:tnLst>
-      <p:par>
-        <p:cTn id="1" dur="indefinite" restart="never" nodeType="tmRoot"/>
-      </p:par>
-    </p:tnLst>
-  </p:timing>
-</p:sld>
-</file>
-
-<file path=ppt/slides/slide25.xml><?xml version="1.0" encoding="utf-8"?>
-<p:sld xmlns:a="http://schemas.openxmlformats.org/drawingml/2006/main" xmlns:r="http://schemas.openxmlformats.org/officeDocument/2006/relationships" xmlns:p="http://schemas.openxmlformats.org/presentationml/2006/main">
-  <p:cSld>
-    <p:spTree>
-      <p:nvGrpSpPr>
-        <p:cNvPr id="1" name=""/>
-        <p:cNvGrpSpPr/>
-        <p:nvPr/>
-      </p:nvGrpSpPr>
-      <p:grpSpPr>
-        <a:xfrm>
-          <a:off x="0" y="0"/>
-          <a:ext cx="0" cy="0"/>
-          <a:chOff x="0" y="0"/>
-          <a:chExt cx="0" cy="0"/>
-        </a:xfrm>
-      </p:grpSpPr>
-      <p:sp>
-        <p:nvSpPr>
-          <p:cNvPr id="2" name="Title 1"/>
-          <p:cNvSpPr>
-            <a:spLocks noGrp="1"/>
-          </p:cNvSpPr>
-          <p:nvPr>
-            <p:ph type="title"/>
-          </p:nvPr>
-        </p:nvSpPr>
-        <p:spPr/>
-        <p:txBody>
-          <a:bodyPr/>
-          <a:lstStyle/>
-          <a:p>
-            <a:r>
-              <a:rPr lang="en-US" dirty="0" smtClean="0"/>
-              <a:t>Exercise 2 Answer </a:t>
+              <a:t>Continue </a:t>
             </a:r>
             <a:endParaRPr lang="en-US" dirty="0"/>
           </a:p>
@@ -7432,7 +7962,7 @@
       </p:sp>
       <p:pic>
         <p:nvPicPr>
-          <p:cNvPr id="1026" name="Picture 2"/>
+          <p:cNvPr id="11266" name="Picture 2"/>
           <p:cNvPicPr>
             <a:picLocks noGrp="1" noChangeAspect="1" noChangeArrowheads="1"/>
           </p:cNvPicPr>
@@ -7455,8 +7985,8 @@
         </p:blipFill>
         <p:spPr bwMode="auto">
           <a:xfrm>
-            <a:off x="600571" y="2002081"/>
-            <a:ext cx="7942858" cy="3904762"/>
+            <a:off x="1981200" y="1828800"/>
+            <a:ext cx="5390477" cy="2392281"/>
           </a:xfrm>
           <a:prstGeom prst="rect">
             <a:avLst/>
@@ -7489,202 +8019,7 @@
     </p:spTree>
     <p:extLst>
       <p:ext uri="{BB962C8B-B14F-4D97-AF65-F5344CB8AC3E}">
-        <p14:creationId xmlns:p14="http://schemas.microsoft.com/office/powerpoint/2010/main" val="4187381128"/>
-      </p:ext>
-    </p:extLst>
-  </p:cSld>
-  <p:clrMapOvr>
-    <a:masterClrMapping/>
-  </p:clrMapOvr>
-  <p:timing>
-    <p:tnLst>
-      <p:par>
-        <p:cTn id="1" dur="indefinite" restart="never" nodeType="tmRoot"/>
-      </p:par>
-    </p:tnLst>
-  </p:timing>
-</p:sld>
-</file>
-
-<file path=ppt/slides/slide26.xml><?xml version="1.0" encoding="utf-8"?>
-<p:sld xmlns:a="http://schemas.openxmlformats.org/drawingml/2006/main" xmlns:r="http://schemas.openxmlformats.org/officeDocument/2006/relationships" xmlns:p="http://schemas.openxmlformats.org/presentationml/2006/main">
-  <p:cSld>
-    <p:spTree>
-      <p:nvGrpSpPr>
-        <p:cNvPr id="1" name=""/>
-        <p:cNvGrpSpPr/>
-        <p:nvPr/>
-      </p:nvGrpSpPr>
-      <p:grpSpPr>
-        <a:xfrm>
-          <a:off x="0" y="0"/>
-          <a:ext cx="0" cy="0"/>
-          <a:chOff x="0" y="0"/>
-          <a:chExt cx="0" cy="0"/>
-        </a:xfrm>
-      </p:grpSpPr>
-      <p:sp>
-        <p:nvSpPr>
-          <p:cNvPr id="2" name="Title 1"/>
-          <p:cNvSpPr>
-            <a:spLocks noGrp="1"/>
-          </p:cNvSpPr>
-          <p:nvPr>
-            <p:ph type="title"/>
-          </p:nvPr>
-        </p:nvSpPr>
-        <p:spPr/>
-        <p:txBody>
-          <a:bodyPr/>
-          <a:lstStyle/>
-          <a:p>
-            <a:r>
-              <a:rPr lang="en-US" dirty="0"/>
-              <a:t>F</a:t>
-            </a:r>
-            <a:r>
-              <a:rPr lang="en-US" dirty="0" smtClean="0"/>
-              <a:t>unctions</a:t>
-            </a:r>
-            <a:endParaRPr lang="en-US" dirty="0"/>
-          </a:p>
-        </p:txBody>
-      </p:sp>
-      <p:sp>
-        <p:nvSpPr>
-          <p:cNvPr id="3" name="Content Placeholder 2"/>
-          <p:cNvSpPr>
-            <a:spLocks noGrp="1"/>
-          </p:cNvSpPr>
-          <p:nvPr>
-            <p:ph idx="1"/>
-          </p:nvPr>
-        </p:nvSpPr>
-        <p:spPr/>
-        <p:txBody>
-          <a:bodyPr>
-            <a:normAutofit fontScale="92500"/>
-          </a:bodyPr>
-          <a:lstStyle/>
-          <a:p>
-            <a:r>
-              <a:rPr lang="en-US" dirty="0" smtClean="0"/>
-              <a:t>Functions are organized blocks of code that are used to preform a single action. Functions allow code to be reused. We have already called functions. Now we will learn more about functions and how to create user-defined </a:t>
-            </a:r>
-            <a:r>
-              <a:rPr lang="en-US" dirty="0" smtClean="0"/>
-              <a:t>functions</a:t>
-            </a:r>
-            <a:endParaRPr lang="en-US" dirty="0" smtClean="0"/>
-          </a:p>
-          <a:p>
-            <a:r>
-              <a:rPr lang="en-US" dirty="0" smtClean="0"/>
-              <a:t>When dealing with function variable scope is very important. Variables within functions are local. Variable outside of functions are global. This is a very important concept because one does not want another function to be able to modify that </a:t>
-            </a:r>
-            <a:r>
-              <a:rPr lang="en-US" dirty="0" smtClean="0"/>
-              <a:t>variable </a:t>
-            </a:r>
-            <a:endParaRPr lang="en-US" dirty="0"/>
-          </a:p>
-        </p:txBody>
-      </p:sp>
-    </p:spTree>
-    <p:extLst>
-      <p:ext uri="{BB962C8B-B14F-4D97-AF65-F5344CB8AC3E}">
-        <p14:creationId xmlns:p14="http://schemas.microsoft.com/office/powerpoint/2010/main" val="2395134763"/>
-      </p:ext>
-    </p:extLst>
-  </p:cSld>
-  <p:clrMapOvr>
-    <a:masterClrMapping/>
-  </p:clrMapOvr>
-</p:sld>
-</file>
-
-<file path=ppt/slides/slide27.xml><?xml version="1.0" encoding="utf-8"?>
-<p:sld xmlns:a="http://schemas.openxmlformats.org/drawingml/2006/main" xmlns:r="http://schemas.openxmlformats.org/officeDocument/2006/relationships" xmlns:p="http://schemas.openxmlformats.org/presentationml/2006/main">
-  <p:cSld>
-    <p:spTree>
-      <p:nvGrpSpPr>
-        <p:cNvPr id="1" name=""/>
-        <p:cNvGrpSpPr/>
-        <p:nvPr/>
-      </p:nvGrpSpPr>
-      <p:grpSpPr>
-        <a:xfrm>
-          <a:off x="0" y="0"/>
-          <a:ext cx="0" cy="0"/>
-          <a:chOff x="0" y="0"/>
-          <a:chExt cx="0" cy="0"/>
-        </a:xfrm>
-      </p:grpSpPr>
-      <p:sp>
-        <p:nvSpPr>
-          <p:cNvPr id="2" name="Title 1"/>
-          <p:cNvSpPr>
-            <a:spLocks noGrp="1"/>
-          </p:cNvSpPr>
-          <p:nvPr>
-            <p:ph type="title"/>
-          </p:nvPr>
-        </p:nvSpPr>
-        <p:spPr/>
-        <p:txBody>
-          <a:bodyPr/>
-          <a:lstStyle/>
-          <a:p>
-            <a:r>
-              <a:rPr lang="en-US" dirty="0" smtClean="0"/>
-              <a:t>Functions </a:t>
-            </a:r>
-            <a:endParaRPr lang="en-US" dirty="0"/>
-          </a:p>
-        </p:txBody>
-      </p:sp>
-      <p:sp>
-        <p:nvSpPr>
-          <p:cNvPr id="3" name="Content Placeholder 2"/>
-          <p:cNvSpPr>
-            <a:spLocks noGrp="1"/>
-          </p:cNvSpPr>
-          <p:nvPr>
-            <p:ph idx="1"/>
-          </p:nvPr>
-        </p:nvSpPr>
-        <p:spPr/>
-        <p:txBody>
-          <a:bodyPr/>
-          <a:lstStyle/>
-          <a:p>
-            <a:r>
-              <a:rPr lang="en-US" dirty="0" smtClean="0"/>
-              <a:t>Functions can be imported into other scripts. This prevents having the same logic in every script. If we had an error function and we had that function in every script that would be bad because if that function ever changes, then one would have to update it in every </a:t>
-            </a:r>
-            <a:r>
-              <a:rPr lang="en-US" dirty="0" smtClean="0"/>
-              <a:t>script</a:t>
-            </a:r>
-            <a:endParaRPr lang="en-US" dirty="0" smtClean="0"/>
-          </a:p>
-          <a:p>
-            <a:r>
-              <a:rPr lang="en-US" dirty="0" smtClean="0"/>
-              <a:t>We will now go through how to import a user-defined </a:t>
-            </a:r>
-            <a:r>
-              <a:rPr lang="en-US" dirty="0" smtClean="0"/>
-              <a:t>function</a:t>
-            </a:r>
-            <a:endParaRPr lang="en-US" dirty="0"/>
-          </a:p>
-        </p:txBody>
-      </p:sp>
-    </p:spTree>
-    <p:extLst>
-      <p:ext uri="{BB962C8B-B14F-4D97-AF65-F5344CB8AC3E}">
-        <p14:creationId xmlns:p14="http://schemas.microsoft.com/office/powerpoint/2010/main" val="674891976"/>
+        <p14:creationId xmlns:p14="http://schemas.microsoft.com/office/powerpoint/2010/main" val="2333491889"/>
       </p:ext>
     </p:extLst>
   </p:cSld>
@@ -7728,7 +8063,7 @@
           <a:p>
             <a:r>
               <a:rPr lang="en-US" dirty="0" smtClean="0"/>
-              <a:t>Exercise 3</a:t>
+              <a:t>Exercise 2</a:t>
             </a:r>
             <a:endParaRPr lang="en-US" dirty="0"/>
           </a:p>
@@ -7746,62 +8081,202 @@
         </p:nvSpPr>
         <p:spPr/>
         <p:txBody>
-          <a:bodyPr/>
-          <a:lstStyle/>
-          <a:p>
-            <a:r>
-              <a:rPr lang="en-US" dirty="0" smtClean="0"/>
-              <a:t>Take exercise 2 and modify the code to create a function with two parameters. The first parameter should be an input list. The second parameter should be the </a:t>
-            </a:r>
-            <a:r>
-              <a:rPr lang="en-US" dirty="0" err="1" smtClean="0"/>
-              <a:t>prj</a:t>
-            </a:r>
-            <a:r>
-              <a:rPr lang="en-US" dirty="0" smtClean="0"/>
-              <a:t> </a:t>
-            </a:r>
-            <a:r>
-              <a:rPr lang="en-US" dirty="0" smtClean="0"/>
-              <a:t>file</a:t>
+          <a:bodyPr>
+            <a:normAutofit fontScale="70000" lnSpcReduction="20000"/>
+          </a:bodyPr>
+          <a:lstStyle/>
+          <a:p>
+            <a:r>
+              <a:rPr lang="en-US" dirty="0"/>
+              <a:t>Use a for loop or while loop </a:t>
+            </a:r>
+            <a:r>
+              <a:rPr lang="en-US" dirty="0" smtClean="0"/>
+              <a:t>to iterate over a list</a:t>
+            </a:r>
+          </a:p>
+          <a:p>
+            <a:r>
+              <a:rPr lang="en-US" dirty="0" smtClean="0"/>
+              <a:t>Project the data to State plane north</a:t>
+            </a:r>
+          </a:p>
+          <a:p>
+            <a:r>
+              <a:rPr lang="en-US" dirty="0" smtClean="0"/>
+              <a:t>Test if the feature class exists</a:t>
+            </a:r>
+          </a:p>
+          <a:p>
+            <a:r>
+              <a:rPr lang="en-US" dirty="0" smtClean="0"/>
+              <a:t>If the feature class is a point feature class, then buffer each point by 50 meters</a:t>
+            </a:r>
+          </a:p>
+          <a:p>
+            <a:r>
+              <a:rPr lang="en-US" dirty="0" smtClean="0"/>
+              <a:t>If the feature class is a line shapefile, then buffer the line by 100 feet</a:t>
+            </a:r>
+          </a:p>
+          <a:p>
+            <a:r>
+              <a:rPr lang="en-US" dirty="0"/>
+              <a:t>If the </a:t>
+            </a:r>
+            <a:r>
+              <a:rPr lang="en-US" dirty="0" smtClean="0"/>
+              <a:t>feature class </a:t>
+            </a:r>
+            <a:r>
+              <a:rPr lang="en-US" dirty="0"/>
+              <a:t>is a </a:t>
+            </a:r>
+            <a:r>
+              <a:rPr lang="en-US" dirty="0" smtClean="0"/>
+              <a:t>polygon </a:t>
+            </a:r>
+            <a:r>
+              <a:rPr lang="en-US" dirty="0"/>
+              <a:t>shapefile, then buffer the </a:t>
+            </a:r>
+            <a:r>
+              <a:rPr lang="en-US" dirty="0" smtClean="0"/>
+              <a:t>polygon </a:t>
+            </a:r>
+            <a:r>
+              <a:rPr lang="en-US" dirty="0"/>
+              <a:t>by </a:t>
+            </a:r>
+            <a:r>
+              <a:rPr lang="en-US" dirty="0" smtClean="0"/>
+              <a:t>200 feet</a:t>
+            </a:r>
+          </a:p>
+          <a:p>
+            <a:r>
+              <a:rPr lang="en-US" dirty="0" smtClean="0"/>
+              <a:t>Code must be commented. </a:t>
+            </a:r>
+          </a:p>
+          <a:p>
+            <a:r>
+              <a:rPr lang="en-US" dirty="0"/>
+              <a:t>Hint combine the code from </a:t>
+            </a:r>
+            <a:r>
+              <a:rPr lang="en-US" dirty="0" smtClean="0"/>
+              <a:t>exercise 1.</a:t>
+            </a:r>
+          </a:p>
+          <a:p>
+            <a:pPr lvl="1"/>
+            <a:r>
+              <a:rPr lang="en-US" dirty="0" err="1"/>
+              <a:t>arcpy.Buffer_analysis</a:t>
+            </a:r>
+            <a:r>
+              <a:rPr lang="en-US" dirty="0"/>
+              <a:t>(</a:t>
+            </a:r>
+            <a:r>
+              <a:rPr lang="en-US" dirty="0" err="1"/>
+              <a:t>in_features</a:t>
+            </a:r>
+            <a:r>
+              <a:rPr lang="en-US" dirty="0"/>
+              <a:t>="roads", </a:t>
+            </a:r>
+            <a:r>
+              <a:rPr lang="en-US" dirty="0" err="1"/>
+              <a:t>out_feature_class</a:t>
+            </a:r>
+            <a:r>
+              <a:rPr lang="en-US" dirty="0"/>
+              <a:t>="C:/output/majorrdsBuffered", </a:t>
+            </a:r>
+            <a:r>
+              <a:rPr lang="en-US" dirty="0" err="1"/>
+              <a:t>buffer_distance_or_field</a:t>
+            </a:r>
+            <a:r>
+              <a:rPr lang="en-US" dirty="0"/>
+              <a:t>="100 Feet", </a:t>
+            </a:r>
+            <a:r>
+              <a:rPr lang="en-US" dirty="0" err="1"/>
+              <a:t>line_side</a:t>
+            </a:r>
+            <a:r>
+              <a:rPr lang="en-US" dirty="0"/>
+              <a:t>="FULL", </a:t>
+            </a:r>
+            <a:r>
+              <a:rPr lang="en-US" dirty="0" err="1"/>
+              <a:t>line_end_type</a:t>
+            </a:r>
+            <a:r>
+              <a:rPr lang="en-US" dirty="0"/>
+              <a:t>="ROUND", </a:t>
+            </a:r>
+            <a:r>
+              <a:rPr lang="en-US" dirty="0" err="1"/>
+              <a:t>dissolve_option</a:t>
+            </a:r>
+            <a:r>
+              <a:rPr lang="en-US" dirty="0"/>
+              <a:t>="LIST", </a:t>
+            </a:r>
+            <a:r>
+              <a:rPr lang="en-US" dirty="0" err="1"/>
+              <a:t>dissolve_field</a:t>
+            </a:r>
+            <a:r>
+              <a:rPr lang="en-US" dirty="0"/>
+              <a:t>="Distance", method=None</a:t>
+            </a:r>
+            <a:r>
+              <a:rPr lang="en-US" dirty="0" smtClean="0"/>
+              <a:t>)</a:t>
+            </a:r>
+          </a:p>
+          <a:p>
+            <a:pPr lvl="1"/>
+            <a:r>
+              <a:rPr lang="en-US" dirty="0" smtClean="0">
+                <a:hlinkClick r:id="rId3"/>
+              </a:rPr>
+              <a:t>buffer tool</a:t>
             </a:r>
             <a:endParaRPr lang="en-US" dirty="0" smtClean="0"/>
           </a:p>
           <a:p>
-            <a:r>
-              <a:rPr lang="en-US" dirty="0" smtClean="0"/>
-              <a:t>Call the </a:t>
-            </a:r>
-            <a:r>
-              <a:rPr lang="en-US" dirty="0" smtClean="0"/>
-              <a:t>function</a:t>
-            </a:r>
+            <a:pPr lvl="1"/>
+            <a:endParaRPr lang="en-US" dirty="0"/>
+          </a:p>
+          <a:p>
+            <a:pPr lvl="1"/>
             <a:endParaRPr lang="en-US" dirty="0" smtClean="0"/>
-          </a:p>
-          <a:p>
-            <a:pPr lvl="1"/>
-            <a:r>
-              <a:rPr lang="en-US" dirty="0" smtClean="0"/>
-              <a:t>Bonus points if you write the files to a different </a:t>
-            </a:r>
-            <a:r>
-              <a:rPr lang="en-US" dirty="0" smtClean="0"/>
-              <a:t>workspace</a:t>
-            </a:r>
-            <a:endParaRPr lang="en-US" dirty="0"/>
           </a:p>
         </p:txBody>
       </p:sp>
     </p:spTree>
     <p:extLst>
       <p:ext uri="{BB962C8B-B14F-4D97-AF65-F5344CB8AC3E}">
-        <p14:creationId xmlns:p14="http://schemas.microsoft.com/office/powerpoint/2010/main" val="3074213982"/>
+        <p14:creationId xmlns:p14="http://schemas.microsoft.com/office/powerpoint/2010/main" val="3444955446"/>
       </p:ext>
     </p:extLst>
   </p:cSld>
   <p:clrMapOvr>
     <a:masterClrMapping/>
   </p:clrMapOvr>
+  <p:timing>
+    <p:tnLst>
+      <p:par>
+        <p:cTn id="1" dur="indefinite" restart="never" nodeType="tmRoot"/>
+      </p:par>
+    </p:tnLst>
+  </p:timing>
 </p:sld>
 </file>
 
@@ -7839,99 +8314,72 @@
           <a:p>
             <a:r>
               <a:rPr lang="en-US" dirty="0" smtClean="0"/>
-              <a:t>Classes</a:t>
+              <a:t>Exercise 2 </a:t>
             </a:r>
             <a:endParaRPr lang="en-US" dirty="0"/>
           </a:p>
         </p:txBody>
       </p:sp>
-      <p:sp>
-        <p:nvSpPr>
-          <p:cNvPr id="3" name="Content Placeholder 2"/>
-          <p:cNvSpPr>
-            <a:spLocks noGrp="1"/>
-          </p:cNvSpPr>
+      <p:pic>
+        <p:nvPicPr>
+          <p:cNvPr id="12290" name="Picture 2"/>
+          <p:cNvPicPr>
+            <a:picLocks noGrp="1" noChangeAspect="1" noChangeArrowheads="1"/>
+          </p:cNvPicPr>
           <p:nvPr>
             <p:ph idx="1"/>
           </p:nvPr>
-        </p:nvSpPr>
-        <p:spPr/>
-        <p:txBody>
-          <a:bodyPr>
-            <a:normAutofit fontScale="92500" lnSpcReduction="20000"/>
-          </a:bodyPr>
-          <a:lstStyle/>
-          <a:p>
-            <a:r>
-              <a:rPr lang="en-US" dirty="0"/>
-              <a:t>Simply a logical grouping of data and functions (the latter of which are frequently referred to as "methods" when defined within a class</a:t>
-            </a:r>
-            <a:r>
-              <a:rPr lang="en-US" dirty="0" smtClean="0"/>
-              <a:t>)</a:t>
-            </a:r>
-            <a:endParaRPr lang="en-US" dirty="0" smtClean="0"/>
-          </a:p>
-          <a:p>
-            <a:r>
-              <a:rPr lang="en-US" dirty="0" smtClean="0"/>
-              <a:t>Classes allow one to create their own data containers and model the real </a:t>
-            </a:r>
-            <a:r>
-              <a:rPr lang="en-US" dirty="0" smtClean="0"/>
-              <a:t>world</a:t>
-            </a:r>
-            <a:endParaRPr lang="en-US" dirty="0" smtClean="0"/>
-          </a:p>
-          <a:p>
-            <a:r>
-              <a:rPr lang="en-US" dirty="0" smtClean="0"/>
-              <a:t>Vehicles (SUV, sedan, truck, and bike) or bank accounts. With vehicles each type has special </a:t>
-            </a:r>
-            <a:r>
-              <a:rPr lang="en-US" dirty="0" smtClean="0"/>
-              <a:t>attributes</a:t>
-            </a:r>
-            <a:endParaRPr lang="en-US" dirty="0" smtClean="0"/>
-          </a:p>
-          <a:p>
-            <a:r>
-              <a:rPr lang="en-US" dirty="0"/>
-              <a:t>Classes can be thought of as blueprints for creating </a:t>
-            </a:r>
-            <a:r>
-              <a:rPr lang="en-US" dirty="0" smtClean="0"/>
-              <a:t>objects </a:t>
-            </a:r>
-            <a:endParaRPr lang="en-US" dirty="0" smtClean="0"/>
-          </a:p>
-          <a:p>
-            <a:r>
-              <a:rPr lang="en-US" dirty="0">
-                <a:hlinkClick r:id="rId2"/>
-              </a:rPr>
-              <a:t>https://www.jeffknupp.com/blog/2014/06/18/improve-your-python-python-classes-and-object-oriented-programming</a:t>
-            </a:r>
-            <a:r>
-              <a:rPr lang="en-US" dirty="0" smtClean="0">
-                <a:hlinkClick r:id="rId2"/>
-              </a:rPr>
-              <a:t>/</a:t>
-            </a:r>
-            <a:endParaRPr lang="en-US" dirty="0" smtClean="0"/>
-          </a:p>
-          <a:p>
-            <a:pPr marL="137160" indent="0">
-              <a:buNone/>
-            </a:pPr>
-            <a:endParaRPr lang="en-US" dirty="0"/>
-          </a:p>
-        </p:txBody>
-      </p:sp>
+        </p:nvPicPr>
+        <p:blipFill>
+          <a:blip r:embed="rId2">
+            <a:extLst>
+              <a:ext uri="{28A0092B-C50C-407E-A947-70E740481C1C}">
+                <a14:useLocalDpi xmlns:a14="http://schemas.microsoft.com/office/drawing/2010/main" val="0"/>
+              </a:ext>
+            </a:extLst>
+          </a:blip>
+          <a:srcRect/>
+          <a:stretch>
+            <a:fillRect/>
+          </a:stretch>
+        </p:blipFill>
+        <p:spPr bwMode="auto">
+          <a:xfrm>
+            <a:off x="1828800" y="2286000"/>
+            <a:ext cx="6548143" cy="1363605"/>
+          </a:xfrm>
+          <a:prstGeom prst="rect">
+            <a:avLst/>
+          </a:prstGeom>
+          <a:noFill/>
+          <a:ln>
+            <a:noFill/>
+          </a:ln>
+          <a:extLst>
+            <a:ext uri="{909E8E84-426E-40DD-AFC4-6F175D3DCCD1}">
+              <a14:hiddenFill xmlns:a14="http://schemas.microsoft.com/office/drawing/2010/main">
+                <a:solidFill>
+                  <a:schemeClr val="accent1"/>
+                </a:solidFill>
+              </a14:hiddenFill>
+            </a:ext>
+            <a:ext uri="{91240B29-F687-4F45-9708-019B960494DF}">
+              <a14:hiddenLine xmlns:a14="http://schemas.microsoft.com/office/drawing/2010/main" w="9525">
+                <a:solidFill>
+                  <a:schemeClr val="tx1"/>
+                </a:solidFill>
+                <a:miter lim="800000"/>
+                <a:headEnd/>
+                <a:tailEnd/>
+              </a14:hiddenLine>
+            </a:ext>
+          </a:extLst>
+        </p:spPr>
+      </p:pic>
     </p:spTree>
     <p:extLst>
       <p:ext uri="{BB962C8B-B14F-4D97-AF65-F5344CB8AC3E}">
-        <p14:creationId xmlns:p14="http://schemas.microsoft.com/office/powerpoint/2010/main" val="2869413297"/>
+        <p14:creationId xmlns:p14="http://schemas.microsoft.com/office/powerpoint/2010/main" val="1611491576"/>
       </p:ext>
     </p:extLst>
   </p:cSld>
@@ -8006,19 +8454,19 @@
             </a:r>
             <a:r>
               <a:rPr lang="en-US" dirty="0" smtClean="0"/>
-              <a:t>programming language </a:t>
-            </a:r>
-          </a:p>
-          <a:p>
-            <a:r>
-              <a:rPr lang="en-US" dirty="0" smtClean="0"/>
-              <a:t>Everything is an object</a:t>
-            </a:r>
-          </a:p>
-          <a:p>
-            <a:r>
-              <a:rPr lang="en-US" dirty="0" smtClean="0"/>
-              <a:t>Python is very flexible because of this fact  </a:t>
+              <a:t>programming language. </a:t>
+            </a:r>
+          </a:p>
+          <a:p>
+            <a:r>
+              <a:rPr lang="en-US" dirty="0" smtClean="0"/>
+              <a:t>Everything is an object.</a:t>
+            </a:r>
+          </a:p>
+          <a:p>
+            <a:r>
+              <a:rPr lang="en-US" dirty="0" smtClean="0"/>
+              <a:t>Python is very flexible because of this fact.  </a:t>
             </a:r>
             <a:endParaRPr lang="en-US" dirty="0"/>
           </a:p>
@@ -8071,6 +8519,476 @@
           <a:p>
             <a:r>
               <a:rPr lang="en-US" dirty="0" smtClean="0"/>
+              <a:t>Exercise 2 Answer </a:t>
+            </a:r>
+            <a:endParaRPr lang="en-US" dirty="0"/>
+          </a:p>
+        </p:txBody>
+      </p:sp>
+      <p:sp>
+        <p:nvSpPr>
+          <p:cNvPr id="3" name="Content Placeholder 2"/>
+          <p:cNvSpPr>
+            <a:spLocks noGrp="1"/>
+          </p:cNvSpPr>
+          <p:nvPr>
+            <p:ph idx="1"/>
+          </p:nvPr>
+        </p:nvSpPr>
+        <p:spPr/>
+        <p:txBody>
+          <a:bodyPr/>
+          <a:lstStyle/>
+          <a:p>
+            <a:endParaRPr lang="en-US"/>
+          </a:p>
+        </p:txBody>
+      </p:sp>
+    </p:spTree>
+    <p:extLst>
+      <p:ext uri="{BB962C8B-B14F-4D97-AF65-F5344CB8AC3E}">
+        <p14:creationId xmlns:p14="http://schemas.microsoft.com/office/powerpoint/2010/main" val="4187381128"/>
+      </p:ext>
+    </p:extLst>
+  </p:cSld>
+  <p:clrMapOvr>
+    <a:masterClrMapping/>
+  </p:clrMapOvr>
+  <p:timing>
+    <p:tnLst>
+      <p:par>
+        <p:cTn id="1" dur="indefinite" restart="never" nodeType="tmRoot"/>
+      </p:par>
+    </p:tnLst>
+  </p:timing>
+</p:sld>
+</file>
+
+<file path=ppt/slides/slide31.xml><?xml version="1.0" encoding="utf-8"?>
+<p:sld xmlns:a="http://schemas.openxmlformats.org/drawingml/2006/main" xmlns:r="http://schemas.openxmlformats.org/officeDocument/2006/relationships" xmlns:p="http://schemas.openxmlformats.org/presentationml/2006/main">
+  <p:cSld>
+    <p:spTree>
+      <p:nvGrpSpPr>
+        <p:cNvPr id="1" name=""/>
+        <p:cNvGrpSpPr/>
+        <p:nvPr/>
+      </p:nvGrpSpPr>
+      <p:grpSpPr>
+        <a:xfrm>
+          <a:off x="0" y="0"/>
+          <a:ext cx="0" cy="0"/>
+          <a:chOff x="0" y="0"/>
+          <a:chExt cx="0" cy="0"/>
+        </a:xfrm>
+      </p:grpSpPr>
+      <p:sp>
+        <p:nvSpPr>
+          <p:cNvPr id="2" name="Title 1"/>
+          <p:cNvSpPr>
+            <a:spLocks noGrp="1"/>
+          </p:cNvSpPr>
+          <p:nvPr>
+            <p:ph type="title"/>
+          </p:nvPr>
+        </p:nvSpPr>
+        <p:spPr/>
+        <p:txBody>
+          <a:bodyPr/>
+          <a:lstStyle/>
+          <a:p>
+            <a:r>
+              <a:rPr lang="en-US" dirty="0"/>
+              <a:t>F</a:t>
+            </a:r>
+            <a:r>
+              <a:rPr lang="en-US" dirty="0" smtClean="0"/>
+              <a:t>unctions</a:t>
+            </a:r>
+            <a:endParaRPr lang="en-US" dirty="0"/>
+          </a:p>
+        </p:txBody>
+      </p:sp>
+      <p:sp>
+        <p:nvSpPr>
+          <p:cNvPr id="3" name="Content Placeholder 2"/>
+          <p:cNvSpPr>
+            <a:spLocks noGrp="1"/>
+          </p:cNvSpPr>
+          <p:nvPr>
+            <p:ph idx="1"/>
+          </p:nvPr>
+        </p:nvSpPr>
+        <p:spPr/>
+        <p:txBody>
+          <a:bodyPr>
+            <a:normAutofit fontScale="92500"/>
+          </a:bodyPr>
+          <a:lstStyle/>
+          <a:p>
+            <a:r>
+              <a:rPr lang="en-US" dirty="0" smtClean="0"/>
+              <a:t>Functions are organized blocks of code that are used to preform a single action. Functions allow code to be reused. We have already called functions. Now we will learn more about functions and how to create user-defined functions</a:t>
+            </a:r>
+          </a:p>
+          <a:p>
+            <a:r>
+              <a:rPr lang="en-US" dirty="0" smtClean="0"/>
+              <a:t>When dealing with function variable scope is very important. Variables within functions are local. Variable outside of functions are global. This is a very important concept because one does not want another function to be able to modify that variable </a:t>
+            </a:r>
+            <a:endParaRPr lang="en-US" dirty="0"/>
+          </a:p>
+        </p:txBody>
+      </p:sp>
+    </p:spTree>
+    <p:extLst>
+      <p:ext uri="{BB962C8B-B14F-4D97-AF65-F5344CB8AC3E}">
+        <p14:creationId xmlns:p14="http://schemas.microsoft.com/office/powerpoint/2010/main" val="2395134763"/>
+      </p:ext>
+    </p:extLst>
+  </p:cSld>
+  <p:clrMapOvr>
+    <a:masterClrMapping/>
+  </p:clrMapOvr>
+</p:sld>
+</file>
+
+<file path=ppt/slides/slide32.xml><?xml version="1.0" encoding="utf-8"?>
+<p:sld xmlns:a="http://schemas.openxmlformats.org/drawingml/2006/main" xmlns:r="http://schemas.openxmlformats.org/officeDocument/2006/relationships" xmlns:p="http://schemas.openxmlformats.org/presentationml/2006/main">
+  <p:cSld>
+    <p:spTree>
+      <p:nvGrpSpPr>
+        <p:cNvPr id="1" name=""/>
+        <p:cNvGrpSpPr/>
+        <p:nvPr/>
+      </p:nvGrpSpPr>
+      <p:grpSpPr>
+        <a:xfrm>
+          <a:off x="0" y="0"/>
+          <a:ext cx="0" cy="0"/>
+          <a:chOff x="0" y="0"/>
+          <a:chExt cx="0" cy="0"/>
+        </a:xfrm>
+      </p:grpSpPr>
+      <p:sp>
+        <p:nvSpPr>
+          <p:cNvPr id="2" name="Title 1"/>
+          <p:cNvSpPr>
+            <a:spLocks noGrp="1"/>
+          </p:cNvSpPr>
+          <p:nvPr>
+            <p:ph type="title"/>
+          </p:nvPr>
+        </p:nvSpPr>
+        <p:spPr/>
+        <p:txBody>
+          <a:bodyPr/>
+          <a:lstStyle/>
+          <a:p>
+            <a:r>
+              <a:rPr lang="en-US" dirty="0" smtClean="0"/>
+              <a:t>Functions </a:t>
+            </a:r>
+            <a:endParaRPr lang="en-US" dirty="0"/>
+          </a:p>
+        </p:txBody>
+      </p:sp>
+      <p:sp>
+        <p:nvSpPr>
+          <p:cNvPr id="3" name="Content Placeholder 2"/>
+          <p:cNvSpPr>
+            <a:spLocks noGrp="1"/>
+          </p:cNvSpPr>
+          <p:nvPr>
+            <p:ph idx="1"/>
+          </p:nvPr>
+        </p:nvSpPr>
+        <p:spPr/>
+        <p:txBody>
+          <a:bodyPr/>
+          <a:lstStyle/>
+          <a:p>
+            <a:r>
+              <a:rPr lang="en-US" dirty="0" smtClean="0"/>
+              <a:t>Functions can be imported into other scripts. This prevents having the same logic in every script. If we had an error function and we had that function in every script that would be bad because if that function ever changes, then one would have to update it in every script</a:t>
+            </a:r>
+          </a:p>
+          <a:p>
+            <a:r>
+              <a:rPr lang="en-US" dirty="0" smtClean="0"/>
+              <a:t>We will now go through how to import a user-defined function</a:t>
+            </a:r>
+            <a:endParaRPr lang="en-US" dirty="0"/>
+          </a:p>
+        </p:txBody>
+      </p:sp>
+    </p:spTree>
+    <p:extLst>
+      <p:ext uri="{BB962C8B-B14F-4D97-AF65-F5344CB8AC3E}">
+        <p14:creationId xmlns:p14="http://schemas.microsoft.com/office/powerpoint/2010/main" val="674891976"/>
+      </p:ext>
+    </p:extLst>
+  </p:cSld>
+  <p:clrMapOvr>
+    <a:masterClrMapping/>
+  </p:clrMapOvr>
+</p:sld>
+</file>
+
+<file path=ppt/slides/slide33.xml><?xml version="1.0" encoding="utf-8"?>
+<p:sld xmlns:a="http://schemas.openxmlformats.org/drawingml/2006/main" xmlns:r="http://schemas.openxmlformats.org/officeDocument/2006/relationships" xmlns:p="http://schemas.openxmlformats.org/presentationml/2006/main">
+  <p:cSld>
+    <p:spTree>
+      <p:nvGrpSpPr>
+        <p:cNvPr id="1" name=""/>
+        <p:cNvGrpSpPr/>
+        <p:nvPr/>
+      </p:nvGrpSpPr>
+      <p:grpSpPr>
+        <a:xfrm>
+          <a:off x="0" y="0"/>
+          <a:ext cx="0" cy="0"/>
+          <a:chOff x="0" y="0"/>
+          <a:chExt cx="0" cy="0"/>
+        </a:xfrm>
+      </p:grpSpPr>
+      <p:sp>
+        <p:nvSpPr>
+          <p:cNvPr id="2" name="Title 1"/>
+          <p:cNvSpPr>
+            <a:spLocks noGrp="1"/>
+          </p:cNvSpPr>
+          <p:nvPr>
+            <p:ph type="title"/>
+          </p:nvPr>
+        </p:nvSpPr>
+        <p:spPr/>
+        <p:txBody>
+          <a:bodyPr/>
+          <a:lstStyle/>
+          <a:p>
+            <a:r>
+              <a:rPr lang="en-US" dirty="0" smtClean="0"/>
+              <a:t>Exercise 3</a:t>
+            </a:r>
+            <a:endParaRPr lang="en-US" dirty="0"/>
+          </a:p>
+        </p:txBody>
+      </p:sp>
+      <p:sp>
+        <p:nvSpPr>
+          <p:cNvPr id="3" name="Content Placeholder 2"/>
+          <p:cNvSpPr>
+            <a:spLocks noGrp="1"/>
+          </p:cNvSpPr>
+          <p:nvPr>
+            <p:ph idx="1"/>
+          </p:nvPr>
+        </p:nvSpPr>
+        <p:spPr/>
+        <p:txBody>
+          <a:bodyPr/>
+          <a:lstStyle/>
+          <a:p>
+            <a:r>
+              <a:rPr lang="en-US" dirty="0" smtClean="0"/>
+              <a:t>Take exercise 2 and modify the code to create a function with two parameters. The first parameter should be an input list. The second parameter should be the </a:t>
+            </a:r>
+            <a:r>
+              <a:rPr lang="en-US" dirty="0" err="1" smtClean="0"/>
+              <a:t>prj</a:t>
+            </a:r>
+            <a:r>
+              <a:rPr lang="en-US" dirty="0" smtClean="0"/>
+              <a:t> file</a:t>
+            </a:r>
+          </a:p>
+          <a:p>
+            <a:r>
+              <a:rPr lang="en-US" dirty="0" smtClean="0"/>
+              <a:t>Call the function</a:t>
+            </a:r>
+          </a:p>
+          <a:p>
+            <a:pPr lvl="1"/>
+            <a:r>
+              <a:rPr lang="en-US" dirty="0" smtClean="0"/>
+              <a:t>Bonus points if you write the files to a different workspace</a:t>
+            </a:r>
+            <a:endParaRPr lang="en-US" dirty="0"/>
+          </a:p>
+        </p:txBody>
+      </p:sp>
+    </p:spTree>
+    <p:extLst>
+      <p:ext uri="{BB962C8B-B14F-4D97-AF65-F5344CB8AC3E}">
+        <p14:creationId xmlns:p14="http://schemas.microsoft.com/office/powerpoint/2010/main" val="3074213982"/>
+      </p:ext>
+    </p:extLst>
+  </p:cSld>
+  <p:clrMapOvr>
+    <a:masterClrMapping/>
+  </p:clrMapOvr>
+</p:sld>
+</file>
+
+<file path=ppt/slides/slide34.xml><?xml version="1.0" encoding="utf-8"?>
+<p:sld xmlns:a="http://schemas.openxmlformats.org/drawingml/2006/main" xmlns:r="http://schemas.openxmlformats.org/officeDocument/2006/relationships" xmlns:p="http://schemas.openxmlformats.org/presentationml/2006/main">
+  <p:cSld>
+    <p:spTree>
+      <p:nvGrpSpPr>
+        <p:cNvPr id="1" name=""/>
+        <p:cNvGrpSpPr/>
+        <p:nvPr/>
+      </p:nvGrpSpPr>
+      <p:grpSpPr>
+        <a:xfrm>
+          <a:off x="0" y="0"/>
+          <a:ext cx="0" cy="0"/>
+          <a:chOff x="0" y="0"/>
+          <a:chExt cx="0" cy="0"/>
+        </a:xfrm>
+      </p:grpSpPr>
+      <p:sp>
+        <p:nvSpPr>
+          <p:cNvPr id="2" name="Title 1"/>
+          <p:cNvSpPr>
+            <a:spLocks noGrp="1"/>
+          </p:cNvSpPr>
+          <p:nvPr>
+            <p:ph type="title"/>
+          </p:nvPr>
+        </p:nvSpPr>
+        <p:spPr/>
+        <p:txBody>
+          <a:bodyPr/>
+          <a:lstStyle/>
+          <a:p>
+            <a:r>
+              <a:rPr lang="en-US" dirty="0" smtClean="0"/>
+              <a:t>Classes</a:t>
+            </a:r>
+            <a:endParaRPr lang="en-US" dirty="0"/>
+          </a:p>
+        </p:txBody>
+      </p:sp>
+      <p:sp>
+        <p:nvSpPr>
+          <p:cNvPr id="3" name="Content Placeholder 2"/>
+          <p:cNvSpPr>
+            <a:spLocks noGrp="1"/>
+          </p:cNvSpPr>
+          <p:nvPr>
+            <p:ph idx="1"/>
+          </p:nvPr>
+        </p:nvSpPr>
+        <p:spPr/>
+        <p:txBody>
+          <a:bodyPr>
+            <a:normAutofit fontScale="92500" lnSpcReduction="20000"/>
+          </a:bodyPr>
+          <a:lstStyle/>
+          <a:p>
+            <a:r>
+              <a:rPr lang="en-US" dirty="0"/>
+              <a:t>Simply a logical grouping of data and functions (the latter of which are frequently referred to as "methods" when defined within a class</a:t>
+            </a:r>
+            <a:r>
+              <a:rPr lang="en-US" dirty="0" smtClean="0"/>
+              <a:t>)</a:t>
+            </a:r>
+          </a:p>
+          <a:p>
+            <a:r>
+              <a:rPr lang="en-US" dirty="0" smtClean="0"/>
+              <a:t>Classes allow one to create their own data containers and model the real world</a:t>
+            </a:r>
+          </a:p>
+          <a:p>
+            <a:r>
+              <a:rPr lang="en-US" dirty="0" smtClean="0"/>
+              <a:t>Vehicles (SUV, sedan, truck, and bike) or bank accounts. With vehicles each type has special attributes</a:t>
+            </a:r>
+          </a:p>
+          <a:p>
+            <a:r>
+              <a:rPr lang="en-US" dirty="0"/>
+              <a:t>Classes can be thought of as blueprints for creating </a:t>
+            </a:r>
+            <a:r>
+              <a:rPr lang="en-US" dirty="0" smtClean="0"/>
+              <a:t>objects </a:t>
+            </a:r>
+          </a:p>
+          <a:p>
+            <a:r>
+              <a:rPr lang="en-US" dirty="0">
+                <a:hlinkClick r:id="rId2"/>
+              </a:rPr>
+              <a:t>https://www.jeffknupp.com/blog/2014/06/18/improve-your-python-python-classes-and-object-oriented-programming</a:t>
+            </a:r>
+            <a:r>
+              <a:rPr lang="en-US" dirty="0" smtClean="0">
+                <a:hlinkClick r:id="rId2"/>
+              </a:rPr>
+              <a:t>/</a:t>
+            </a:r>
+            <a:endParaRPr lang="en-US" dirty="0" smtClean="0"/>
+          </a:p>
+          <a:p>
+            <a:pPr marL="137160" indent="0">
+              <a:buNone/>
+            </a:pPr>
+            <a:endParaRPr lang="en-US" dirty="0"/>
+          </a:p>
+        </p:txBody>
+      </p:sp>
+    </p:spTree>
+    <p:extLst>
+      <p:ext uri="{BB962C8B-B14F-4D97-AF65-F5344CB8AC3E}">
+        <p14:creationId xmlns:p14="http://schemas.microsoft.com/office/powerpoint/2010/main" val="2869413297"/>
+      </p:ext>
+    </p:extLst>
+  </p:cSld>
+  <p:clrMapOvr>
+    <a:masterClrMapping/>
+  </p:clrMapOvr>
+</p:sld>
+</file>
+
+<file path=ppt/slides/slide35.xml><?xml version="1.0" encoding="utf-8"?>
+<p:sld xmlns:a="http://schemas.openxmlformats.org/drawingml/2006/main" xmlns:r="http://schemas.openxmlformats.org/officeDocument/2006/relationships" xmlns:p="http://schemas.openxmlformats.org/presentationml/2006/main">
+  <p:cSld>
+    <p:spTree>
+      <p:nvGrpSpPr>
+        <p:cNvPr id="1" name=""/>
+        <p:cNvGrpSpPr/>
+        <p:nvPr/>
+      </p:nvGrpSpPr>
+      <p:grpSpPr>
+        <a:xfrm>
+          <a:off x="0" y="0"/>
+          <a:ext cx="0" cy="0"/>
+          <a:chOff x="0" y="0"/>
+          <a:chExt cx="0" cy="0"/>
+        </a:xfrm>
+      </p:grpSpPr>
+      <p:sp>
+        <p:nvSpPr>
+          <p:cNvPr id="2" name="Title 1"/>
+          <p:cNvSpPr>
+            <a:spLocks noGrp="1"/>
+          </p:cNvSpPr>
+          <p:nvPr>
+            <p:ph type="title"/>
+          </p:nvPr>
+        </p:nvSpPr>
+        <p:spPr/>
+        <p:txBody>
+          <a:bodyPr/>
+          <a:lstStyle/>
+          <a:p>
+            <a:r>
+              <a:rPr lang="en-US" dirty="0" smtClean="0"/>
               <a:t>Mapping package</a:t>
             </a:r>
             <a:endParaRPr lang="en-US" dirty="0"/>
@@ -8110,13 +9028,8 @@
             </a:r>
             <a:r>
               <a:rPr lang="en-US" dirty="0" smtClean="0"/>
-              <a:t> </a:t>
-            </a:r>
-            <a:r>
-              <a:rPr lang="en-US" dirty="0" smtClean="0"/>
-              <a:t>files</a:t>
-            </a:r>
-            <a:endParaRPr lang="en-US" dirty="0" smtClean="0"/>
+              <a:t> files</a:t>
+            </a:r>
           </a:p>
           <a:p>
             <a:endParaRPr lang="en-US" dirty="0"/>
@@ -8160,7 +9073,7 @@
 </p:sld>
 </file>
 
-<file path=ppt/slides/slide31.xml><?xml version="1.0" encoding="utf-8"?>
+<file path=ppt/slides/slide36.xml><?xml version="1.0" encoding="utf-8"?>
 <p:sld xmlns:a="http://schemas.openxmlformats.org/drawingml/2006/main" xmlns:r="http://schemas.openxmlformats.org/officeDocument/2006/relationships" xmlns:p="http://schemas.openxmlformats.org/presentationml/2006/main">
   <p:cSld>
     <p:spTree>
@@ -8235,13 +9148,8 @@
             </a:r>
             <a:r>
               <a:rPr lang="en-US" dirty="0" smtClean="0"/>
-              <a:t>I challenge each one of you to program at least 1 hour a </a:t>
-            </a:r>
-            <a:r>
-              <a:rPr lang="en-US" dirty="0" smtClean="0"/>
-              <a:t>week</a:t>
-            </a:r>
-            <a:endParaRPr lang="en-US" dirty="0" smtClean="0"/>
+              <a:t>I challenge each one of you to program at least 1 hour a week</a:t>
+            </a:r>
           </a:p>
           <a:p>
             <a:r>
@@ -8256,18 +9164,12 @@
               <a:rPr lang="en-US" dirty="0" smtClean="0"/>
               <a:t>areas </a:t>
             </a:r>
-            <a:endParaRPr lang="en-US" dirty="0" smtClean="0"/>
-          </a:p>
-          <a:p>
-            <a:r>
-              <a:rPr lang="en-US" dirty="0" smtClean="0"/>
-              <a:t>Everyone has taken this class for a reason, take what you have learned today and build on </a:t>
-            </a:r>
-            <a:r>
-              <a:rPr lang="en-US" dirty="0" smtClean="0"/>
-              <a:t>it</a:t>
-            </a:r>
-            <a:endParaRPr lang="en-US" dirty="0" smtClean="0"/>
+          </a:p>
+          <a:p>
+            <a:r>
+              <a:rPr lang="en-US" dirty="0" smtClean="0"/>
+              <a:t>Everyone has taken this class for a reason, take what you have learned today and build on it</a:t>
+            </a:r>
           </a:p>
           <a:p>
             <a:r>
@@ -8292,11 +9194,7 @@
             </a:r>
             <a:r>
               <a:rPr lang="en-US" smtClean="0"/>
-              <a:t>sys </a:t>
-            </a:r>
-            <a:r>
-              <a:rPr lang="en-US" smtClean="0"/>
-              <a:t>module</a:t>
+              <a:t>sys module</a:t>
             </a:r>
             <a:endParaRPr lang="en-US" dirty="0"/>
           </a:p>
@@ -8368,7 +9266,7 @@
         <p:spPr/>
         <p:txBody>
           <a:bodyPr>
-            <a:normAutofit fontScale="92500" lnSpcReduction="20000"/>
+            <a:normAutofit fontScale="85000" lnSpcReduction="10000"/>
           </a:bodyPr>
           <a:lstStyle/>
           <a:p>
@@ -8388,7 +9286,7 @@
             </a:r>
             <a:r>
               <a:rPr lang="en-US" dirty="0" smtClean="0"/>
-              <a:t>lines</a:t>
+              <a:t>lines.</a:t>
             </a:r>
           </a:p>
           <a:p>
@@ -8402,7 +9300,7 @@
             </a:r>
             <a:r>
               <a:rPr lang="en-US" dirty="0" smtClean="0"/>
-              <a:t>braces like Java</a:t>
+              <a:t>braces like Java.</a:t>
             </a:r>
           </a:p>
           <a:p>
@@ -8416,7 +9314,7 @@
             </a:r>
             <a:r>
               <a:rPr lang="en-US" dirty="0" smtClean="0"/>
-              <a:t>characters when writing python code. This is for readability </a:t>
+              <a:t>characters when writing python code. This is for readability.</a:t>
             </a:r>
           </a:p>
           <a:p>
@@ -8430,18 +9328,21 @@
             </a:r>
             <a:r>
               <a:rPr lang="en-US" dirty="0" smtClean="0"/>
-              <a:t>statements </a:t>
-            </a:r>
-            <a:endParaRPr lang="en-US" dirty="0"/>
-          </a:p>
-          <a:p>
+              <a:t>statements. </a:t>
+            </a:r>
+          </a:p>
+          <a:p>
+            <a:r>
+              <a:rPr lang="en-US" dirty="0" smtClean="0"/>
+              <a:t>Do </a:t>
+            </a:r>
             <a:r>
               <a:rPr lang="en-US" dirty="0"/>
-              <a:t>Do not be afraid to make mistakes. This is how we </a:t>
-            </a:r>
-            <a:r>
-              <a:rPr lang="en-US" dirty="0" smtClean="0"/>
-              <a:t>learn. Never assume the black box is coded correctly </a:t>
+              <a:t>not be afraid to make mistakes. This is how we </a:t>
+            </a:r>
+            <a:r>
+              <a:rPr lang="en-US" dirty="0" smtClean="0"/>
+              <a:t>learn. Never assume the black box is coded correctly. </a:t>
             </a:r>
             <a:endParaRPr lang="en-US" dirty="0"/>
           </a:p>
@@ -8516,41 +9417,35 @@
         <p:spPr/>
         <p:txBody>
           <a:bodyPr>
-            <a:normAutofit fontScale="92500"/>
+            <a:normAutofit fontScale="92500" lnSpcReduction="20000"/>
           </a:bodyPr>
           <a:lstStyle/>
           <a:p>
             <a:r>
               <a:rPr lang="en-US" dirty="0" smtClean="0"/>
-              <a:t>How can we update a an attribute value in a feature class? I can think of at least 4 </a:t>
-            </a:r>
-            <a:r>
-              <a:rPr lang="en-US" dirty="0" smtClean="0"/>
-              <a:t>methods </a:t>
-            </a:r>
-            <a:r>
-              <a:rPr lang="en-US" dirty="0" smtClean="0"/>
-              <a:t>to update a value in a feature class. Can you come up with the methods? </a:t>
-            </a:r>
-          </a:p>
-          <a:p>
-            <a:r>
-              <a:rPr lang="en-US" dirty="0" smtClean="0"/>
-              <a:t>In programing there are many different methods to solve the problem. It is important to understand those methods </a:t>
-            </a:r>
-            <a:r>
-              <a:rPr lang="en-US" dirty="0" smtClean="0"/>
-              <a:t>and </a:t>
-            </a:r>
-            <a:r>
-              <a:rPr lang="en-US" dirty="0" smtClean="0"/>
-              <a:t>choose a </a:t>
-            </a:r>
-            <a:r>
-              <a:rPr lang="en-US" dirty="0" smtClean="0"/>
-              <a:t>solution</a:t>
+              <a:t>How can we update a an attribute value in a feature class? I can think of at least 4 methods to update a value in a feature class. Can you come up with the methods? </a:t>
+            </a:r>
+          </a:p>
+          <a:p>
+            <a:r>
+              <a:rPr lang="en-US" dirty="0"/>
+              <a:t>Curiosity is critical to programming. </a:t>
+            </a:r>
+            <a:r>
+              <a:rPr lang="en-US" dirty="0" smtClean="0"/>
+              <a:t>Always </a:t>
+            </a:r>
+            <a:r>
+              <a:rPr lang="en-US" dirty="0"/>
+              <a:t>try to understand how the code works. </a:t>
             </a:r>
             <a:endParaRPr lang="en-US" dirty="0" smtClean="0"/>
+          </a:p>
+          <a:p>
+            <a:r>
+              <a:rPr lang="en-US" dirty="0" smtClean="0"/>
+              <a:t>In programing there are many different methods to solve the problem. It is important to understand those methods and choose a solution.</a:t>
+            </a:r>
           </a:p>
           <a:p>
             <a:r>
@@ -8567,19 +9462,7 @@
             </a:r>
             <a:r>
               <a:rPr lang="en-US" dirty="0" smtClean="0"/>
-              <a:t> can be used to solve the same problem.  There are many different ways to solve the problem</a:t>
-            </a:r>
-            <a:r>
-              <a:rPr lang="en-US" dirty="0" smtClean="0"/>
-              <a:t>. This is very important to keep in mind. Never be afraid to test different solutions</a:t>
-            </a:r>
-            <a:r>
-              <a:rPr lang="en-US" dirty="0" smtClean="0"/>
-              <a:t>. </a:t>
-            </a:r>
-            <a:r>
-              <a:rPr lang="en-US" dirty="0" smtClean="0"/>
-              <a:t> </a:t>
+              <a:t> can be used to solve the same problem.  There are many different ways to solve the problem. Never be afraid to test different solutions.  </a:t>
             </a:r>
             <a:endParaRPr lang="en-US" dirty="0"/>
           </a:p>
@@ -8668,7 +9551,7 @@
             <a:pPr lvl="1"/>
             <a:r>
               <a:rPr lang="en-US" dirty="0" smtClean="0"/>
-              <a:t>One would be surprised at how many times people lose sight of the original problem one set out to solve </a:t>
+              <a:t>One would be surprised at how many times people lose sight of the original problem one set out to solve. </a:t>
             </a:r>
           </a:p>
           <a:p>
@@ -8683,7 +9566,7 @@
             </a:r>
             <a:r>
               <a:rPr lang="en-US" dirty="0" smtClean="0"/>
-              <a:t>realizes they have over looked some logic that now has to be added, but you have to have a plan in order to change the plan</a:t>
+              <a:t>realizes they have over looked some logic that now has to be added, but you have to have a plan in order to change the plan.</a:t>
             </a:r>
           </a:p>
           <a:p>
@@ -8693,7 +9576,7 @@
             </a:r>
             <a:r>
               <a:rPr lang="en-US" dirty="0" smtClean="0"/>
-              <a:t>pseudocode and test the steps manually before starting coding. Test the workflow logic before starting coding and make sure the workflow actually answers the question</a:t>
+              <a:t>pseudocode and test the steps manually before starting coding. Test the workflow logic before starting coding and make sure the workflow actually answers the question.</a:t>
             </a:r>
           </a:p>
           <a:p>
@@ -8706,7 +9589,7 @@
           <a:p>
             <a:r>
               <a:rPr lang="en-US" dirty="0" smtClean="0"/>
-              <a:t>Writing good clean code the first time is always faster than having to rewrite code later</a:t>
+              <a:t>Writing good clean code the first time is always faster than having to rewrite code later.</a:t>
             </a:r>
           </a:p>
           <a:p>
@@ -8816,7 +9699,7 @@
             </a:r>
             <a:r>
               <a:rPr lang="en-US" dirty="0" smtClean="0"/>
-              <a:t> so” (</a:t>
+              <a:t> so.” (</a:t>
             </a:r>
             <a:r>
               <a:rPr lang="en-US" dirty="0" err="1" smtClean="0"/>
@@ -8824,24 +9707,19 @@
             </a:r>
             <a:r>
               <a:rPr lang="en-US" dirty="0" smtClean="0"/>
-              <a:t> Ward</a:t>
-            </a:r>
-            <a:r>
-              <a:rPr lang="en-US" dirty="0" smtClean="0"/>
-              <a:t>)</a:t>
-            </a:r>
-            <a:endParaRPr lang="en-US" dirty="0" smtClean="0"/>
-          </a:p>
-          <a:p>
-            <a:r>
-              <a:rPr lang="en-US" dirty="0" smtClean="0"/>
-              <a:t>How many sides does a raster cell have</a:t>
-            </a:r>
-          </a:p>
-          <a:p>
-            <a:r>
-              <a:rPr lang="en-US" dirty="0" smtClean="0"/>
-              <a:t>Which map would show more area a large scale map or a small scale map </a:t>
+              <a:t> Ward)</a:t>
+            </a:r>
+          </a:p>
+          <a:p>
+            <a:r>
+              <a:rPr lang="en-US" dirty="0" smtClean="0"/>
+              <a:t>How many sides does a raster cell have?</a:t>
+            </a:r>
+          </a:p>
+          <a:p>
+            <a:r>
+              <a:rPr lang="en-US" dirty="0" smtClean="0"/>
+              <a:t>Which map would show more area a large scale map or a small scale map? </a:t>
             </a:r>
           </a:p>
         </p:txBody>
@@ -9695,7 +10573,7 @@
   <a:extraClrSchemeLst/>
   <a:extLst>
     <a:ext uri="{05A4C25C-085E-4340-85A3-A5531E510DB2}">
-      <thm15:themeFamily xmlns:thm15="http://schemas.microsoft.com/office/thememl/2012/main" xmlns="" name="Office Theme" id="{62F939B6-93AF-4DB8-9C6B-D6C7DFDC589F}" vid="{4A3C46E8-61CC-4603-A589-7422A47A8E4A}"/>
+      <thm15:themeFamily xmlns="" xmlns:thm15="http://schemas.microsoft.com/office/thememl/2012/main" name="Office Theme" id="{62F939B6-93AF-4DB8-9C6B-D6C7DFDC589F}" vid="{4A3C46E8-61CC-4603-A589-7422A47A8E4A}"/>
     </a:ext>
   </a:extLst>
 </a:theme>

--- a/introduction to python_1.pptx
+++ b/introduction to python_1.pptx
@@ -5,7 +5,7 @@
     <p:sldMasterId id="2147483660" r:id="rId1"/>
   </p:sldMasterIdLst>
   <p:notesMasterIdLst>
-    <p:notesMasterId r:id="rId38"/>
+    <p:notesMasterId r:id="rId39"/>
   </p:notesMasterIdLst>
   <p:sldIdLst>
     <p:sldId id="256" r:id="rId2"/>
@@ -41,9 +41,10 @@
     <p:sldId id="283" r:id="rId32"/>
     <p:sldId id="284" r:id="rId33"/>
     <p:sldId id="285" r:id="rId34"/>
-    <p:sldId id="287" r:id="rId35"/>
-    <p:sldId id="286" r:id="rId36"/>
-    <p:sldId id="265" r:id="rId37"/>
+    <p:sldId id="293" r:id="rId35"/>
+    <p:sldId id="287" r:id="rId36"/>
+    <p:sldId id="286" r:id="rId37"/>
+    <p:sldId id="265" r:id="rId38"/>
   </p:sldIdLst>
   <p:sldSz cx="9144000" cy="6858000" type="screen4x3"/>
   <p:notesSz cx="6858000" cy="9144000"/>
@@ -144,7 +145,7 @@
   </p:defaultTextStyle>
   <p:extLst>
     <p:ext uri="{EFAFB233-063F-42B5-8137-9DF3F51BA10A}">
-      <p15:sldGuideLst xmlns="" xmlns:p15="http://schemas.microsoft.com/office/powerpoint/2012/main">
+      <p15:sldGuideLst xmlns:p15="http://schemas.microsoft.com/office/powerpoint/2012/main" xmlns="">
         <p15:guide id="1" orient="horz" pos="2160">
           <p15:clr>
             <a:srgbClr val="A4A3A4"/>
@@ -1946,6 +1947,94 @@
     <p:extLst>
       <p:ext uri="{BB962C8B-B14F-4D97-AF65-F5344CB8AC3E}">
         <p14:creationId xmlns:p14="http://schemas.microsoft.com/office/powerpoint/2010/main" val="11097698"/>
+      </p:ext>
+    </p:extLst>
+  </p:cSld>
+  <p:clrMapOvr>
+    <a:masterClrMapping/>
+  </p:clrMapOvr>
+</p:notes>
+</file>
+
+<file path=ppt/notesSlides/notesSlide8.xml><?xml version="1.0" encoding="utf-8"?>
+<p:notes xmlns:a="http://schemas.openxmlformats.org/drawingml/2006/main" xmlns:r="http://schemas.openxmlformats.org/officeDocument/2006/relationships" xmlns:p="http://schemas.openxmlformats.org/presentationml/2006/main">
+  <p:cSld>
+    <p:spTree>
+      <p:nvGrpSpPr>
+        <p:cNvPr id="1" name=""/>
+        <p:cNvGrpSpPr/>
+        <p:nvPr/>
+      </p:nvGrpSpPr>
+      <p:grpSpPr>
+        <a:xfrm>
+          <a:off x="0" y="0"/>
+          <a:ext cx="0" cy="0"/>
+          <a:chOff x="0" y="0"/>
+          <a:chExt cx="0" cy="0"/>
+        </a:xfrm>
+      </p:grpSpPr>
+      <p:sp>
+        <p:nvSpPr>
+          <p:cNvPr id="2" name="Slide Image Placeholder 1"/>
+          <p:cNvSpPr>
+            <a:spLocks noGrp="1" noRot="1" noChangeAspect="1"/>
+          </p:cNvSpPr>
+          <p:nvPr>
+            <p:ph type="sldImg"/>
+          </p:nvPr>
+        </p:nvSpPr>
+        <p:spPr/>
+      </p:sp>
+      <p:sp>
+        <p:nvSpPr>
+          <p:cNvPr id="3" name="Notes Placeholder 2"/>
+          <p:cNvSpPr>
+            <a:spLocks noGrp="1"/>
+          </p:cNvSpPr>
+          <p:nvPr>
+            <p:ph type="body" idx="1"/>
+          </p:nvPr>
+        </p:nvSpPr>
+        <p:spPr/>
+        <p:txBody>
+          <a:bodyPr/>
+          <a:lstStyle/>
+          <a:p>
+            <a:r>
+              <a:rPr lang="en-US" dirty="0" smtClean="0"/>
+              <a:t>http://www.python-course.eu/object_oriented_programming.php</a:t>
+            </a:r>
+            <a:endParaRPr lang="en-US" dirty="0"/>
+          </a:p>
+        </p:txBody>
+      </p:sp>
+      <p:sp>
+        <p:nvSpPr>
+          <p:cNvPr id="4" name="Slide Number Placeholder 3"/>
+          <p:cNvSpPr>
+            <a:spLocks noGrp="1"/>
+          </p:cNvSpPr>
+          <p:nvPr>
+            <p:ph type="sldNum" sz="quarter" idx="10"/>
+          </p:nvPr>
+        </p:nvSpPr>
+        <p:spPr/>
+        <p:txBody>
+          <a:bodyPr/>
+          <a:lstStyle/>
+          <a:p>
+            <a:fld id="{F21EEE32-4F84-485E-B1B7-980E0A876B73}" type="slidenum">
+              <a:rPr lang="en-US" smtClean="0"/>
+              <a:t>31</a:t>
+            </a:fld>
+            <a:endParaRPr lang="en-US"/>
+          </a:p>
+        </p:txBody>
+      </p:sp>
+    </p:spTree>
+    <p:extLst>
+      <p:ext uri="{BB962C8B-B14F-4D97-AF65-F5344CB8AC3E}">
+        <p14:creationId xmlns:p14="http://schemas.microsoft.com/office/powerpoint/2010/main" val="3600123966"/>
       </p:ext>
     </p:extLst>
   </p:cSld>
@@ -8525,25 +8614,116 @@
           </a:p>
         </p:txBody>
       </p:sp>
-      <p:sp>
-        <p:nvSpPr>
-          <p:cNvPr id="3" name="Content Placeholder 2"/>
-          <p:cNvSpPr>
-            <a:spLocks noGrp="1"/>
-          </p:cNvSpPr>
+      <p:pic>
+        <p:nvPicPr>
+          <p:cNvPr id="1026" name="Picture 2"/>
+          <p:cNvPicPr>
+            <a:picLocks noGrp="1" noChangeAspect="1" noChangeArrowheads="1"/>
+          </p:cNvPicPr>
           <p:nvPr>
             <p:ph idx="1"/>
           </p:nvPr>
-        </p:nvSpPr>
-        <p:spPr/>
-        <p:txBody>
-          <a:bodyPr/>
-          <a:lstStyle/>
-          <a:p>
-            <a:endParaRPr lang="en-US"/>
-          </a:p>
-        </p:txBody>
-      </p:sp>
+        </p:nvPicPr>
+        <p:blipFill>
+          <a:blip r:embed="rId2">
+            <a:extLst>
+              <a:ext uri="{28A0092B-C50C-407E-A947-70E740481C1C}">
+                <a14:useLocalDpi xmlns:a14="http://schemas.microsoft.com/office/drawing/2010/main" val="0"/>
+              </a:ext>
+            </a:extLst>
+          </a:blip>
+          <a:srcRect/>
+          <a:stretch>
+            <a:fillRect/>
+          </a:stretch>
+        </p:blipFill>
+        <p:spPr bwMode="auto">
+          <a:xfrm>
+            <a:off x="0" y="1600200"/>
+            <a:ext cx="4438559" cy="4708525"/>
+          </a:xfrm>
+          <a:prstGeom prst="rect">
+            <a:avLst/>
+          </a:prstGeom>
+          <a:noFill/>
+          <a:ln>
+            <a:noFill/>
+          </a:ln>
+          <a:extLst>
+            <a:ext uri="{909E8E84-426E-40DD-AFC4-6F175D3DCCD1}">
+              <a14:hiddenFill xmlns:a14="http://schemas.microsoft.com/office/drawing/2010/main">
+                <a:solidFill>
+                  <a:schemeClr val="accent1"/>
+                </a:solidFill>
+              </a14:hiddenFill>
+            </a:ext>
+            <a:ext uri="{91240B29-F687-4F45-9708-019B960494DF}">
+              <a14:hiddenLine xmlns:a14="http://schemas.microsoft.com/office/drawing/2010/main" w="9525">
+                <a:solidFill>
+                  <a:schemeClr val="tx1"/>
+                </a:solidFill>
+                <a:miter lim="800000"/>
+                <a:headEnd/>
+                <a:tailEnd/>
+              </a14:hiddenLine>
+            </a:ext>
+          </a:extLst>
+        </p:spPr>
+      </p:pic>
+      <p:pic>
+        <p:nvPicPr>
+          <p:cNvPr id="1027" name="Picture 3"/>
+          <p:cNvPicPr>
+            <a:picLocks noChangeAspect="1" noChangeArrowheads="1"/>
+          </p:cNvPicPr>
+          <p:nvPr/>
+        </p:nvPicPr>
+        <p:blipFill>
+          <a:blip r:embed="rId3">
+            <a:extLst>
+              <a:ext uri="{28A0092B-C50C-407E-A947-70E740481C1C}">
+                <a14:useLocalDpi xmlns:a14="http://schemas.microsoft.com/office/drawing/2010/main" val="0"/>
+              </a:ext>
+            </a:extLst>
+          </a:blip>
+          <a:srcRect/>
+          <a:stretch>
+            <a:fillRect/>
+          </a:stretch>
+        </p:blipFill>
+        <p:spPr bwMode="auto">
+          <a:xfrm>
+            <a:off x="4495800" y="1600200"/>
+            <a:ext cx="4657725" cy="4724400"/>
+          </a:xfrm>
+          <a:prstGeom prst="rect">
+            <a:avLst/>
+          </a:prstGeom>
+          <a:noFill/>
+          <a:ln>
+            <a:noFill/>
+          </a:ln>
+          <a:extLst>
+            <a:ext uri="{909E8E84-426E-40DD-AFC4-6F175D3DCCD1}">
+              <a14:hiddenFill xmlns:a14="http://schemas.microsoft.com/office/drawing/2010/main">
+                <a:solidFill>
+                  <a:schemeClr val="accent1"/>
+                </a:solidFill>
+              </a14:hiddenFill>
+            </a:ext>
+            <a:ext uri="{91240B29-F687-4F45-9708-019B960494DF}">
+              <a14:hiddenLine xmlns:a14="http://schemas.microsoft.com/office/drawing/2010/main" w="9525">
+                <a:solidFill>
+                  <a:schemeClr val="tx1"/>
+                </a:solidFill>
+                <a:miter lim="800000"/>
+                <a:headEnd/>
+                <a:tailEnd/>
+              </a14:hiddenLine>
+            </a:ext>
+          </a:extLst>
+        </p:spPr>
+      </p:pic>
     </p:spTree>
     <p:extLst>
       <p:ext uri="{BB962C8B-B14F-4D97-AF65-F5344CB8AC3E}">
@@ -8621,19 +8801,51 @@
         <p:spPr/>
         <p:txBody>
           <a:bodyPr>
-            <a:normAutofit fontScale="92500"/>
+            <a:normAutofit fontScale="92500" lnSpcReduction="10000"/>
           </a:bodyPr>
           <a:lstStyle/>
           <a:p>
             <a:r>
               <a:rPr lang="en-US" dirty="0" smtClean="0"/>
-              <a:t>Functions are organized blocks of code that are used to preform a single action. Functions allow code to be reused. We have already called functions. Now we will learn more about functions and how to create user-defined functions</a:t>
-            </a:r>
-          </a:p>
-          <a:p>
-            <a:r>
-              <a:rPr lang="en-US" dirty="0" smtClean="0"/>
-              <a:t>When dealing with function variable scope is very important. Variables within functions are local. Variable outside of functions are global. This is a very important concept because one does not want another function to be able to modify that variable </a:t>
+              <a:t>Functions are organized blocks of code that are used to preform a single action. Functions allow code to be reused. We have already called functions. Now we will learn more about functions and how to create user-defined </a:t>
+            </a:r>
+            <a:r>
+              <a:rPr lang="en-US" dirty="0" smtClean="0"/>
+              <a:t>functions.</a:t>
+            </a:r>
+            <a:endParaRPr lang="en-US" dirty="0" smtClean="0"/>
+          </a:p>
+          <a:p>
+            <a:r>
+              <a:rPr lang="en-US" dirty="0" smtClean="0"/>
+              <a:t>When dealing with function variable scope is very important. Variables within functions are local. Variable outside of functions are global. This is a very important concept because one does not want another function to be able to modify that </a:t>
+            </a:r>
+            <a:r>
+              <a:rPr lang="en-US" dirty="0" smtClean="0"/>
+              <a:t>variable.</a:t>
+            </a:r>
+          </a:p>
+          <a:p>
+            <a:pPr lvl="1"/>
+            <a:r>
+              <a:rPr lang="en-US" dirty="0" smtClean="0"/>
+              <a:t>This is known </a:t>
+            </a:r>
+            <a:r>
+              <a:rPr lang="en-US" dirty="0"/>
+              <a:t>as </a:t>
+            </a:r>
+            <a:r>
+              <a:rPr lang="en-US" dirty="0" smtClean="0"/>
+              <a:t>encapsulation. </a:t>
+            </a:r>
+            <a:r>
+              <a:rPr lang="en-US" dirty="0"/>
+              <a:t>Generally speaking encapsulation is the mechanism for restricting the access to some of an object's </a:t>
+            </a:r>
+            <a:r>
+              <a:rPr lang="en-US" dirty="0" smtClean="0"/>
+              <a:t>components.</a:t>
             </a:r>
             <a:endParaRPr lang="en-US" dirty="0"/>
           </a:p>
@@ -8715,7 +8927,11 @@
           <a:p>
             <a:r>
               <a:rPr lang="en-US" dirty="0" smtClean="0"/>
-              <a:t>We will now go through how to import a user-defined function</a:t>
+              <a:t>We will now go through how to import a user-defined </a:t>
+            </a:r>
+            <a:r>
+              <a:rPr lang="en-US" dirty="0" smtClean="0"/>
+              <a:t>function.</a:t>
             </a:r>
             <a:endParaRPr lang="en-US" dirty="0"/>
           </a:p>
@@ -8791,16 +9007,13 @@
           <a:p>
             <a:r>
               <a:rPr lang="en-US" dirty="0" smtClean="0"/>
-              <a:t>Take exercise 2 and modify the code to create a function with two parameters. The first parameter should be an input list. The second parameter should be the </a:t>
-            </a:r>
-            <a:r>
-              <a:rPr lang="en-US" dirty="0" err="1" smtClean="0"/>
-              <a:t>prj</a:t>
-            </a:r>
-            <a:r>
-              <a:rPr lang="en-US" dirty="0" smtClean="0"/>
-              <a:t> file</a:t>
-            </a:r>
+              <a:t>Take exercise 2 and modify the code to create a function with two parameters. The first parameter should be an input list. The second parameter should </a:t>
+            </a:r>
+            <a:r>
+              <a:rPr lang="en-US" dirty="0" smtClean="0"/>
+              <a:t>be the projection code.</a:t>
+            </a:r>
+            <a:endParaRPr lang="en-US" dirty="0" smtClean="0"/>
           </a:p>
           <a:p>
             <a:r>
@@ -8812,7 +9025,11 @@
             <a:pPr lvl="1"/>
             <a:r>
               <a:rPr lang="en-US" dirty="0" smtClean="0"/>
-              <a:t>Bonus points if you write the files to a different workspace</a:t>
+              <a:t>Bonus points if you write the files to a different </a:t>
+            </a:r>
+            <a:r>
+              <a:rPr lang="en-US" dirty="0" smtClean="0"/>
+              <a:t>workspace.</a:t>
             </a:r>
             <a:endParaRPr lang="en-US" dirty="0"/>
           </a:p>
@@ -8865,6 +9082,115 @@
           <a:p>
             <a:r>
               <a:rPr lang="en-US" dirty="0" smtClean="0"/>
+              <a:t>Function answer</a:t>
+            </a:r>
+            <a:endParaRPr lang="en-US" dirty="0"/>
+          </a:p>
+        </p:txBody>
+      </p:sp>
+      <p:pic>
+        <p:nvPicPr>
+          <p:cNvPr id="2050" name="Picture 2"/>
+          <p:cNvPicPr>
+            <a:picLocks noGrp="1" noChangeAspect="1" noChangeArrowheads="1"/>
+          </p:cNvPicPr>
+          <p:nvPr>
+            <p:ph idx="1"/>
+          </p:nvPr>
+        </p:nvPicPr>
+        <p:blipFill>
+          <a:blip r:embed="rId2">
+            <a:extLst>
+              <a:ext uri="{28A0092B-C50C-407E-A947-70E740481C1C}">
+                <a14:useLocalDpi xmlns:a14="http://schemas.microsoft.com/office/drawing/2010/main" val="0"/>
+              </a:ext>
+            </a:extLst>
+          </a:blip>
+          <a:srcRect/>
+          <a:stretch>
+            <a:fillRect/>
+          </a:stretch>
+        </p:blipFill>
+        <p:spPr bwMode="auto">
+          <a:xfrm>
+            <a:off x="2209800" y="1600200"/>
+            <a:ext cx="4871370" cy="5028780"/>
+          </a:xfrm>
+          <a:prstGeom prst="rect">
+            <a:avLst/>
+          </a:prstGeom>
+          <a:noFill/>
+          <a:ln>
+            <a:noFill/>
+          </a:ln>
+          <a:extLst>
+            <a:ext uri="{909E8E84-426E-40DD-AFC4-6F175D3DCCD1}">
+              <a14:hiddenFill xmlns:a14="http://schemas.microsoft.com/office/drawing/2010/main">
+                <a:solidFill>
+                  <a:schemeClr val="accent1"/>
+                </a:solidFill>
+              </a14:hiddenFill>
+            </a:ext>
+            <a:ext uri="{91240B29-F687-4F45-9708-019B960494DF}">
+              <a14:hiddenLine xmlns:a14="http://schemas.microsoft.com/office/drawing/2010/main" w="9525">
+                <a:solidFill>
+                  <a:schemeClr val="tx1"/>
+                </a:solidFill>
+                <a:miter lim="800000"/>
+                <a:headEnd/>
+                <a:tailEnd/>
+              </a14:hiddenLine>
+            </a:ext>
+          </a:extLst>
+        </p:spPr>
+      </p:pic>
+    </p:spTree>
+    <p:extLst>
+      <p:ext uri="{BB962C8B-B14F-4D97-AF65-F5344CB8AC3E}">
+        <p14:creationId xmlns:p14="http://schemas.microsoft.com/office/powerpoint/2010/main" val="2328389187"/>
+      </p:ext>
+    </p:extLst>
+  </p:cSld>
+  <p:clrMapOvr>
+    <a:masterClrMapping/>
+  </p:clrMapOvr>
+</p:sld>
+</file>
+
+<file path=ppt/slides/slide35.xml><?xml version="1.0" encoding="utf-8"?>
+<p:sld xmlns:a="http://schemas.openxmlformats.org/drawingml/2006/main" xmlns:r="http://schemas.openxmlformats.org/officeDocument/2006/relationships" xmlns:p="http://schemas.openxmlformats.org/presentationml/2006/main">
+  <p:cSld>
+    <p:spTree>
+      <p:nvGrpSpPr>
+        <p:cNvPr id="1" name=""/>
+        <p:cNvGrpSpPr/>
+        <p:nvPr/>
+      </p:nvGrpSpPr>
+      <p:grpSpPr>
+        <a:xfrm>
+          <a:off x="0" y="0"/>
+          <a:ext cx="0" cy="0"/>
+          <a:chOff x="0" y="0"/>
+          <a:chExt cx="0" cy="0"/>
+        </a:xfrm>
+      </p:grpSpPr>
+      <p:sp>
+        <p:nvSpPr>
+          <p:cNvPr id="2" name="Title 1"/>
+          <p:cNvSpPr>
+            <a:spLocks noGrp="1"/>
+          </p:cNvSpPr>
+          <p:nvPr>
+            <p:ph type="title"/>
+          </p:nvPr>
+        </p:nvSpPr>
+        <p:spPr/>
+        <p:txBody>
+          <a:bodyPr/>
+          <a:lstStyle/>
+          <a:p>
+            <a:r>
+              <a:rPr lang="en-US" dirty="0" smtClean="0"/>
               <a:t>Classes</a:t>
             </a:r>
             <a:endParaRPr lang="en-US" dirty="0"/>
@@ -8884,7 +9210,7 @@
         <p:spPr/>
         <p:txBody>
           <a:bodyPr>
-            <a:normAutofit fontScale="92500" lnSpcReduction="20000"/>
+            <a:normAutofit fontScale="92500" lnSpcReduction="10000"/>
           </a:bodyPr>
           <a:lstStyle/>
           <a:p>
@@ -8894,20 +9220,31 @@
             </a:r>
             <a:r>
               <a:rPr lang="en-US" dirty="0" smtClean="0"/>
-              <a:t>)</a:t>
-            </a:r>
-          </a:p>
-          <a:p>
-            <a:r>
-              <a:rPr lang="en-US" dirty="0" smtClean="0"/>
-              <a:t>Classes allow one to create their own data containers and model the real world</a:t>
-            </a:r>
-          </a:p>
-          <a:p>
-            <a:r>
-              <a:rPr lang="en-US" dirty="0" smtClean="0"/>
-              <a:t>Vehicles (SUV, sedan, truck, and bike) or bank accounts. With vehicles each type has special attributes</a:t>
-            </a:r>
+              <a:t>).</a:t>
+            </a:r>
+            <a:endParaRPr lang="en-US" dirty="0" smtClean="0"/>
+          </a:p>
+          <a:p>
+            <a:r>
+              <a:rPr lang="en-US" dirty="0" smtClean="0"/>
+              <a:t>Classes allow one to create their own data containers and model the real </a:t>
+            </a:r>
+            <a:r>
+              <a:rPr lang="en-US" dirty="0" smtClean="0"/>
+              <a:t>world.</a:t>
+            </a:r>
+            <a:endParaRPr lang="en-US" dirty="0" smtClean="0"/>
+          </a:p>
+          <a:p>
+            <a:r>
+              <a:rPr lang="en-US" dirty="0" smtClean="0"/>
+              <a:t>Vehicles (SUV, sedan, truck, and bike) or bank accounts. With vehicles each type has special </a:t>
+            </a:r>
+            <a:r>
+              <a:rPr lang="en-US" dirty="0" smtClean="0"/>
+              <a:t>attributes.</a:t>
+            </a:r>
+            <a:endParaRPr lang="en-US" dirty="0" smtClean="0"/>
           </a:p>
           <a:p>
             <a:r>
@@ -8924,13 +9261,13 @@
               <a:rPr lang="en-US" dirty="0">
                 <a:hlinkClick r:id="rId2"/>
               </a:rPr>
-              <a:t>https://www.jeffknupp.com/blog/2014/06/18/improve-your-python-python-classes-and-object-oriented-programming</a:t>
+              <a:t>http://</a:t>
             </a:r>
             <a:r>
               <a:rPr lang="en-US" dirty="0" smtClean="0">
                 <a:hlinkClick r:id="rId2"/>
               </a:rPr>
-              <a:t>/</a:t>
+              <a:t>www.python-course.eu/python3_multiple_inheritance.php</a:t>
             </a:r>
             <a:endParaRPr lang="en-US" dirty="0" smtClean="0"/>
           </a:p>
@@ -8955,7 +9292,7 @@
 </p:sld>
 </file>
 
-<file path=ppt/slides/slide35.xml><?xml version="1.0" encoding="utf-8"?>
+<file path=ppt/slides/slide36.xml><?xml version="1.0" encoding="utf-8"?>
 <p:sld xmlns:a="http://schemas.openxmlformats.org/drawingml/2006/main" xmlns:r="http://schemas.openxmlformats.org/officeDocument/2006/relationships" xmlns:p="http://schemas.openxmlformats.org/presentationml/2006/main">
   <p:cSld>
     <p:spTree>
@@ -9073,7 +9410,7 @@
 </p:sld>
 </file>
 
-<file path=ppt/slides/slide36.xml><?xml version="1.0" encoding="utf-8"?>
+<file path=ppt/slides/slide37.xml><?xml version="1.0" encoding="utf-8"?>
 <p:sld xmlns:a="http://schemas.openxmlformats.org/drawingml/2006/main" xmlns:r="http://schemas.openxmlformats.org/officeDocument/2006/relationships" xmlns:p="http://schemas.openxmlformats.org/presentationml/2006/main">
   <p:cSld>
     <p:spTree>
@@ -9126,7 +9463,7 @@
         <p:spPr/>
         <p:txBody>
           <a:bodyPr>
-            <a:normAutofit lnSpcReduction="10000"/>
+            <a:normAutofit fontScale="92500" lnSpcReduction="10000"/>
           </a:bodyPr>
           <a:lstStyle/>
           <a:p>
@@ -9164,6 +9501,11 @@
               <a:rPr lang="en-US" dirty="0" smtClean="0"/>
               <a:t>areas </a:t>
             </a:r>
+            <a:r>
+              <a:rPr lang="en-US" dirty="0" smtClean="0"/>
+              <a:t>.</a:t>
+            </a:r>
+            <a:endParaRPr lang="en-US" dirty="0" smtClean="0"/>
           </a:p>
           <a:p>
             <a:r>
@@ -9190,11 +9532,21 @@
             </a:r>
             <a:r>
               <a:rPr lang="en-US" dirty="0" smtClean="0"/>
-              <a:t> module and </a:t>
+              <a:t> module and sys </a:t>
             </a:r>
             <a:r>
               <a:rPr lang="en-US" smtClean="0"/>
-              <a:t>sys module</a:t>
+              <a:t>module.</a:t>
+            </a:r>
+          </a:p>
+          <a:p>
+            <a:r>
+              <a:rPr lang="en-US" smtClean="0"/>
+              <a:t> </a:t>
+            </a:r>
+            <a:r>
+              <a:rPr lang="en-US" dirty="0" smtClean="0"/>
+              <a:t>Look at functions and classes more. </a:t>
             </a:r>
             <a:endParaRPr lang="en-US" dirty="0"/>
           </a:p>
@@ -10573,7 +10925,7 @@
   <a:extraClrSchemeLst/>
   <a:extLst>
     <a:ext uri="{05A4C25C-085E-4340-85A3-A5531E510DB2}">
-      <thm15:themeFamily xmlns="" xmlns:thm15="http://schemas.microsoft.com/office/thememl/2012/main" name="Office Theme" id="{62F939B6-93AF-4DB8-9C6B-D6C7DFDC589F}" vid="{4A3C46E8-61CC-4603-A589-7422A47A8E4A}"/>
+      <thm15:themeFamily xmlns:thm15="http://schemas.microsoft.com/office/thememl/2012/main" xmlns="" name="Office Theme" id="{62F939B6-93AF-4DB8-9C6B-D6C7DFDC589F}" vid="{4A3C46E8-61CC-4603-A589-7422A47A8E4A}"/>
     </a:ext>
   </a:extLst>
 </a:theme>

--- a/introduction to python_1.pptx
+++ b/introduction to python_1.pptx
@@ -145,7 +145,7 @@
   </p:defaultTextStyle>
   <p:extLst>
     <p:ext uri="{EFAFB233-063F-42B5-8137-9DF3F51BA10A}">
-      <p15:sldGuideLst xmlns:p15="http://schemas.microsoft.com/office/powerpoint/2012/main" xmlns="">
+      <p15:sldGuideLst xmlns:p15="http://schemas.microsoft.com/office/powerpoint/2012/main">
         <p15:guide id="1" orient="horz" pos="2160">
           <p15:clr>
             <a:srgbClr val="A4A3A4"/>
@@ -244,7 +244,7 @@
           <a:p>
             <a:fld id="{431389F4-8C7F-4118-9384-A80B74CB90FA}" type="datetimeFigureOut">
               <a:rPr lang="en-US" smtClean="0"/>
-              <a:t>4/21/2016</a:t>
+              <a:t>12/7/2016</a:t>
             </a:fld>
             <a:endParaRPr lang="en-US"/>
           </a:p>
@@ -308,38 +308,37 @@
           <a:p>
             <a:pPr lvl="0"/>
             <a:r>
-              <a:rPr lang="en-US" smtClean="0"/>
+              <a:rPr lang="en-US"/>
               <a:t>Click to edit Master text styles</a:t>
             </a:r>
           </a:p>
           <a:p>
             <a:pPr lvl="1"/>
             <a:r>
-              <a:rPr lang="en-US" smtClean="0"/>
+              <a:rPr lang="en-US"/>
               <a:t>Second level</a:t>
             </a:r>
           </a:p>
           <a:p>
             <a:pPr lvl="2"/>
             <a:r>
-              <a:rPr lang="en-US" smtClean="0"/>
+              <a:rPr lang="en-US"/>
               <a:t>Third level</a:t>
             </a:r>
           </a:p>
           <a:p>
             <a:pPr lvl="3"/>
             <a:r>
-              <a:rPr lang="en-US" smtClean="0"/>
+              <a:rPr lang="en-US"/>
               <a:t>Fourth level</a:t>
             </a:r>
           </a:p>
           <a:p>
             <a:pPr lvl="4"/>
             <a:r>
-              <a:rPr lang="en-US" smtClean="0"/>
+              <a:rPr lang="en-US"/>
               <a:t>Fifth level</a:t>
             </a:r>
-            <a:endParaRPr lang="en-US"/>
           </a:p>
         </p:txBody>
       </p:sp>
@@ -557,45 +556,45 @@
           <a:lstStyle/>
           <a:p>
             <a:r>
-              <a:rPr lang="en-US" dirty="0" smtClean="0"/>
+              <a:rPr lang="en-US" dirty="0"/>
               <a:t>1.</a:t>
             </a:r>
             <a:r>
-              <a:rPr lang="en-US" baseline="0" dirty="0" smtClean="0"/>
+              <a:rPr lang="en-US" baseline="0" dirty="0"/>
               <a:t> </a:t>
             </a:r>
             <a:r>
-              <a:rPr lang="en-US" dirty="0" smtClean="0"/>
+              <a:rPr lang="en-US" dirty="0"/>
               <a:t>Manually</a:t>
             </a:r>
           </a:p>
           <a:p>
             <a:r>
-              <a:rPr lang="en-US" dirty="0" smtClean="0"/>
+              <a:rPr lang="en-US" dirty="0"/>
               <a:t>2. Export</a:t>
             </a:r>
             <a:r>
-              <a:rPr lang="en-US" baseline="0" dirty="0" smtClean="0"/>
+              <a:rPr lang="en-US" baseline="0" dirty="0"/>
               <a:t> to excel and update the dbf</a:t>
             </a:r>
           </a:p>
           <a:p>
             <a:r>
-              <a:rPr lang="en-US" baseline="0" dirty="0" smtClean="0"/>
+              <a:rPr lang="en-US" baseline="0" dirty="0"/>
               <a:t>3. Select and field calculator </a:t>
             </a:r>
           </a:p>
           <a:p>
             <a:r>
-              <a:rPr lang="en-US" baseline="0" dirty="0" smtClean="0"/>
+              <a:rPr lang="en-US" baseline="0" dirty="0"/>
               <a:t>4. </a:t>
             </a:r>
             <a:r>
-              <a:rPr lang="en-US" baseline="0" dirty="0" err="1" smtClean="0"/>
+              <a:rPr lang="en-US" baseline="0" dirty="0" err="1"/>
               <a:t>updatecursor</a:t>
             </a:r>
             <a:r>
-              <a:rPr lang="en-US" baseline="0" dirty="0" smtClean="0"/>
+              <a:rPr lang="en-US" baseline="0" dirty="0"/>
               <a:t>.</a:t>
             </a:r>
             <a:endParaRPr lang="en-US" dirty="0"/>
@@ -683,285 +682,285 @@
           <a:lstStyle/>
           <a:p>
             <a:r>
-              <a:rPr lang="en-US" dirty="0" smtClean="0"/>
+              <a:rPr lang="en-US" dirty="0"/>
               <a:t># Variable substitution.</a:t>
             </a:r>
           </a:p>
           <a:p>
             <a:r>
-              <a:rPr lang="en-US" dirty="0" err="1" smtClean="0"/>
+              <a:rPr lang="en-US" dirty="0" err="1"/>
               <a:t>i</a:t>
             </a:r>
             <a:r>
-              <a:rPr lang="en-US" dirty="0" smtClean="0"/>
+              <a:rPr lang="en-US" dirty="0"/>
               <a:t> = 100</a:t>
             </a:r>
           </a:p>
           <a:p>
             <a:r>
-              <a:rPr lang="en-US" dirty="0" smtClean="0"/>
+              <a:rPr lang="en-US" dirty="0"/>
               <a:t>print(</a:t>
             </a:r>
             <a:r>
-              <a:rPr lang="en-US" dirty="0" err="1" smtClean="0"/>
+              <a:rPr lang="en-US" dirty="0" err="1"/>
               <a:t>i</a:t>
             </a:r>
             <a:r>
-              <a:rPr lang="en-US" dirty="0" smtClean="0"/>
+              <a:rPr lang="en-US" dirty="0"/>
               <a:t>)</a:t>
             </a:r>
           </a:p>
           <a:p>
-            <a:endParaRPr lang="en-US" dirty="0" smtClean="0"/>
-          </a:p>
-          <a:p>
-            <a:r>
-              <a:rPr lang="en-US" dirty="0" smtClean="0"/>
+            <a:endParaRPr lang="en-US" dirty="0"/>
+          </a:p>
+          <a:p>
+            <a:r>
+              <a:rPr lang="en-US" dirty="0"/>
               <a:t># Variable substitution.</a:t>
             </a:r>
           </a:p>
           <a:p>
             <a:r>
-              <a:rPr lang="en-US" dirty="0" err="1" smtClean="0"/>
+              <a:rPr lang="en-US" dirty="0" err="1"/>
               <a:t>i</a:t>
             </a:r>
             <a:r>
-              <a:rPr lang="en-US" dirty="0" smtClean="0"/>
+              <a:rPr lang="en-US" dirty="0"/>
               <a:t> = 2</a:t>
             </a:r>
           </a:p>
           <a:p>
             <a:r>
-              <a:rPr lang="en-US" dirty="0" smtClean="0"/>
+              <a:rPr lang="en-US" dirty="0"/>
               <a:t>print(</a:t>
             </a:r>
             <a:r>
-              <a:rPr lang="en-US" dirty="0" err="1" smtClean="0"/>
+              <a:rPr lang="en-US" dirty="0" err="1"/>
               <a:t>i</a:t>
             </a:r>
             <a:r>
-              <a:rPr lang="en-US" dirty="0" smtClean="0"/>
+              <a:rPr lang="en-US" dirty="0"/>
               <a:t>)</a:t>
             </a:r>
           </a:p>
           <a:p>
-            <a:endParaRPr lang="en-US" dirty="0" smtClean="0"/>
-          </a:p>
-          <a:p>
-            <a:r>
-              <a:rPr lang="en-US" dirty="0" smtClean="0"/>
+            <a:endParaRPr lang="en-US" dirty="0"/>
+          </a:p>
+          <a:p>
+            <a:r>
+              <a:rPr lang="en-US" dirty="0"/>
               <a:t># Multiple Assignment.</a:t>
             </a:r>
           </a:p>
           <a:p>
             <a:r>
-              <a:rPr lang="en-US" dirty="0" smtClean="0"/>
+              <a:rPr lang="en-US" dirty="0"/>
               <a:t>a = b = c = d = 5</a:t>
             </a:r>
           </a:p>
           <a:p>
             <a:r>
-              <a:rPr lang="en-US" dirty="0" smtClean="0"/>
+              <a:rPr lang="en-US" dirty="0"/>
               <a:t>print(d)</a:t>
             </a:r>
           </a:p>
           <a:p>
-            <a:endParaRPr lang="en-US" dirty="0" smtClean="0"/>
-          </a:p>
-          <a:p>
-            <a:r>
-              <a:rPr lang="en-US" dirty="0" smtClean="0"/>
+            <a:endParaRPr lang="en-US" dirty="0"/>
+          </a:p>
+          <a:p>
+            <a:r>
+              <a:rPr lang="en-US" dirty="0"/>
               <a:t># Type case a float to int.</a:t>
             </a:r>
           </a:p>
           <a:p>
             <a:r>
-              <a:rPr lang="en-US" dirty="0" smtClean="0"/>
+              <a:rPr lang="en-US" dirty="0"/>
               <a:t>w = 5.0</a:t>
             </a:r>
           </a:p>
           <a:p>
             <a:r>
-              <a:rPr lang="en-US" dirty="0" smtClean="0"/>
+              <a:rPr lang="en-US" dirty="0"/>
               <a:t>print </a:t>
             </a:r>
             <a:r>
-              <a:rPr lang="en-US" dirty="0" err="1" smtClean="0"/>
+              <a:rPr lang="en-US" dirty="0" err="1"/>
               <a:t>int</a:t>
             </a:r>
             <a:r>
-              <a:rPr lang="en-US" dirty="0" smtClean="0"/>
+              <a:rPr lang="en-US" dirty="0"/>
               <a:t>(w)</a:t>
             </a:r>
           </a:p>
           <a:p>
-            <a:endParaRPr lang="en-US" dirty="0" smtClean="0"/>
-          </a:p>
-          <a:p>
-            <a:r>
-              <a:rPr lang="en-US" dirty="0" smtClean="0"/>
+            <a:endParaRPr lang="en-US" dirty="0"/>
+          </a:p>
+          <a:p>
+            <a:r>
+              <a:rPr lang="en-US" dirty="0"/>
               <a:t># Addition</a:t>
             </a:r>
           </a:p>
           <a:p>
             <a:r>
-              <a:rPr lang="en-US" dirty="0" smtClean="0"/>
+              <a:rPr lang="en-US" dirty="0"/>
               <a:t>c = 5 + 10</a:t>
             </a:r>
           </a:p>
           <a:p>
             <a:r>
-              <a:rPr lang="en-US" dirty="0" smtClean="0"/>
+              <a:rPr lang="en-US" dirty="0"/>
               <a:t>print(c)</a:t>
             </a:r>
           </a:p>
           <a:p>
-            <a:endParaRPr lang="en-US" dirty="0" smtClean="0"/>
-          </a:p>
-          <a:p>
-            <a:r>
-              <a:rPr lang="en-US" dirty="0" smtClean="0"/>
+            <a:endParaRPr lang="en-US" dirty="0"/>
+          </a:p>
+          <a:p>
+            <a:r>
+              <a:rPr lang="en-US" dirty="0"/>
               <a:t># Subtraction.</a:t>
             </a:r>
           </a:p>
           <a:p>
             <a:r>
-              <a:rPr lang="en-US" dirty="0" smtClean="0"/>
+              <a:rPr lang="en-US" dirty="0"/>
               <a:t>d = 5 - 3</a:t>
             </a:r>
           </a:p>
           <a:p>
             <a:r>
-              <a:rPr lang="en-US" dirty="0" smtClean="0"/>
+              <a:rPr lang="en-US" dirty="0"/>
               <a:t>print(d)</a:t>
             </a:r>
           </a:p>
           <a:p>
-            <a:endParaRPr lang="en-US" dirty="0" smtClean="0"/>
-          </a:p>
-          <a:p>
-            <a:r>
-              <a:rPr lang="en-US" dirty="0" smtClean="0"/>
+            <a:endParaRPr lang="en-US" dirty="0"/>
+          </a:p>
+          <a:p>
+            <a:r>
+              <a:rPr lang="en-US" dirty="0"/>
               <a:t># Multiplication</a:t>
             </a:r>
           </a:p>
           <a:p>
             <a:r>
-              <a:rPr lang="en-US" dirty="0" smtClean="0"/>
+              <a:rPr lang="en-US" dirty="0"/>
               <a:t>a = 5 * 5</a:t>
             </a:r>
           </a:p>
           <a:p>
-            <a:endParaRPr lang="en-US" dirty="0" smtClean="0"/>
-          </a:p>
-          <a:p>
-            <a:r>
-              <a:rPr lang="en-US" dirty="0" smtClean="0"/>
+            <a:endParaRPr lang="en-US" dirty="0"/>
+          </a:p>
+          <a:p>
+            <a:r>
+              <a:rPr lang="en-US" dirty="0"/>
               <a:t># Division.</a:t>
             </a:r>
           </a:p>
           <a:p>
             <a:r>
-              <a:rPr lang="en-US" dirty="0" smtClean="0"/>
+              <a:rPr lang="en-US" dirty="0"/>
               <a:t>a = 5/3</a:t>
             </a:r>
           </a:p>
           <a:p>
             <a:r>
-              <a:rPr lang="en-US" dirty="0" smtClean="0"/>
+              <a:rPr lang="en-US" dirty="0"/>
               <a:t>print(a)</a:t>
             </a:r>
           </a:p>
           <a:p>
-            <a:endParaRPr lang="en-US" dirty="0" smtClean="0"/>
-          </a:p>
-          <a:p>
-            <a:r>
-              <a:rPr lang="en-US" dirty="0" smtClean="0"/>
+            <a:endParaRPr lang="en-US" dirty="0"/>
+          </a:p>
+          <a:p>
+            <a:r>
+              <a:rPr lang="en-US" dirty="0"/>
               <a:t>b = 5/3.0</a:t>
             </a:r>
           </a:p>
           <a:p>
             <a:r>
-              <a:rPr lang="en-US" dirty="0" smtClean="0"/>
+              <a:rPr lang="en-US" dirty="0"/>
               <a:t>print(b)</a:t>
             </a:r>
           </a:p>
           <a:p>
-            <a:endParaRPr lang="en-US" dirty="0" smtClean="0"/>
-          </a:p>
-          <a:p>
-            <a:r>
-              <a:rPr lang="en-US" dirty="0" smtClean="0"/>
+            <a:endParaRPr lang="en-US" dirty="0"/>
+          </a:p>
+          <a:p>
+            <a:r>
+              <a:rPr lang="en-US" dirty="0"/>
               <a:t>c = float(5)/3</a:t>
             </a:r>
           </a:p>
           <a:p>
             <a:r>
-              <a:rPr lang="en-US" dirty="0" smtClean="0"/>
+              <a:rPr lang="en-US" dirty="0"/>
               <a:t>print(c)</a:t>
             </a:r>
           </a:p>
           <a:p>
-            <a:endParaRPr lang="en-US" dirty="0" smtClean="0"/>
-          </a:p>
-          <a:p>
-            <a:r>
-              <a:rPr lang="en-US" dirty="0" smtClean="0"/>
+            <a:endParaRPr lang="en-US" dirty="0"/>
+          </a:p>
+          <a:p>
+            <a:r>
+              <a:rPr lang="en-US" dirty="0"/>
               <a:t># Floor division divides one number by another and then rounds the results to</a:t>
             </a:r>
           </a:p>
           <a:p>
             <a:r>
-              <a:rPr lang="en-US" dirty="0" smtClean="0"/>
+              <a:rPr lang="en-US" dirty="0"/>
               <a:t># the closest integer that is smaller.</a:t>
             </a:r>
           </a:p>
           <a:p>
             <a:r>
-              <a:rPr lang="en-US" dirty="0" smtClean="0"/>
+              <a:rPr lang="en-US" dirty="0"/>
               <a:t>10//3</a:t>
             </a:r>
           </a:p>
           <a:p>
-            <a:endParaRPr lang="en-US" dirty="0" smtClean="0"/>
-          </a:p>
-          <a:p>
-            <a:r>
-              <a:rPr lang="en-US" dirty="0" smtClean="0"/>
+            <a:endParaRPr lang="en-US" dirty="0"/>
+          </a:p>
+          <a:p>
+            <a:r>
+              <a:rPr lang="en-US" dirty="0"/>
               <a:t># Modulus. Returns remainder.</a:t>
             </a:r>
           </a:p>
           <a:p>
             <a:r>
-              <a:rPr lang="en-US" dirty="0" smtClean="0"/>
+              <a:rPr lang="en-US" dirty="0"/>
               <a:t>c = 14%3</a:t>
             </a:r>
           </a:p>
           <a:p>
             <a:r>
-              <a:rPr lang="en-US" dirty="0" smtClean="0"/>
+              <a:rPr lang="en-US" dirty="0"/>
               <a:t>print c</a:t>
             </a:r>
           </a:p>
           <a:p>
-            <a:endParaRPr lang="en-US" dirty="0" smtClean="0"/>
-          </a:p>
-          <a:p>
-            <a:r>
-              <a:rPr lang="en-US" dirty="0" smtClean="0"/>
+            <a:endParaRPr lang="en-US" dirty="0"/>
+          </a:p>
+          <a:p>
+            <a:r>
+              <a:rPr lang="en-US" dirty="0"/>
               <a:t># Exponent</a:t>
             </a:r>
           </a:p>
           <a:p>
             <a:r>
-              <a:rPr lang="en-US" dirty="0" smtClean="0"/>
+              <a:rPr lang="en-US" dirty="0"/>
               <a:t>b = 2**2</a:t>
             </a:r>
           </a:p>
           <a:p>
             <a:r>
-              <a:rPr lang="en-US" dirty="0" smtClean="0"/>
+              <a:rPr lang="en-US" dirty="0"/>
               <a:t>print(b)</a:t>
             </a:r>
           </a:p>
@@ -1051,299 +1050,299 @@
           <a:lstStyle/>
           <a:p>
             <a:r>
-              <a:rPr lang="en-US" dirty="0" smtClean="0"/>
+              <a:rPr lang="en-US" dirty="0"/>
               <a:t># Strings</a:t>
             </a:r>
           </a:p>
           <a:p>
             <a:r>
-              <a:rPr lang="en-US" dirty="0" smtClean="0"/>
+              <a:rPr lang="en-US" dirty="0"/>
               <a:t>a = "foo"</a:t>
             </a:r>
           </a:p>
           <a:p>
             <a:r>
-              <a:rPr lang="en-US" dirty="0" smtClean="0"/>
+              <a:rPr lang="en-US" dirty="0"/>
               <a:t>b = "bat"</a:t>
             </a:r>
           </a:p>
           <a:p>
-            <a:endParaRPr lang="en-US" dirty="0" smtClean="0"/>
-          </a:p>
-          <a:p>
-            <a:r>
-              <a:rPr lang="en-US" dirty="0" smtClean="0"/>
+            <a:endParaRPr lang="en-US" dirty="0"/>
+          </a:p>
+          <a:p>
+            <a:r>
+              <a:rPr lang="en-US" dirty="0"/>
               <a:t># String concatenation produces a new string.</a:t>
             </a:r>
           </a:p>
           <a:p>
             <a:r>
-              <a:rPr lang="en-US" dirty="0" smtClean="0"/>
+              <a:rPr lang="en-US" dirty="0"/>
               <a:t>c = a + b</a:t>
             </a:r>
           </a:p>
           <a:p>
             <a:r>
-              <a:rPr lang="en-US" dirty="0" smtClean="0"/>
+              <a:rPr lang="en-US" dirty="0"/>
               <a:t>print c</a:t>
             </a:r>
           </a:p>
           <a:p>
-            <a:endParaRPr lang="en-US" dirty="0" smtClean="0"/>
-          </a:p>
-          <a:p>
-            <a:endParaRPr lang="en-US" dirty="0" smtClean="0"/>
-          </a:p>
-          <a:p>
-            <a:r>
-              <a:rPr lang="en-US" dirty="0" smtClean="0"/>
+            <a:endParaRPr lang="en-US" dirty="0"/>
+          </a:p>
+          <a:p>
+            <a:endParaRPr lang="en-US" dirty="0"/>
+          </a:p>
+          <a:p>
+            <a:r>
+              <a:rPr lang="en-US" dirty="0"/>
               <a:t># Length function.</a:t>
             </a:r>
           </a:p>
           <a:p>
             <a:r>
-              <a:rPr lang="en-US" dirty="0" smtClean="0"/>
+              <a:rPr lang="en-US" dirty="0"/>
               <a:t>a = "</a:t>
             </a:r>
             <a:r>
-              <a:rPr lang="en-US" dirty="0" err="1" smtClean="0"/>
+              <a:rPr lang="en-US" dirty="0" err="1"/>
               <a:t>Fooo</a:t>
             </a:r>
             <a:r>
-              <a:rPr lang="en-US" dirty="0" smtClean="0"/>
+              <a:rPr lang="en-US" dirty="0"/>
               <a:t>"</a:t>
             </a:r>
           </a:p>
           <a:p>
             <a:r>
-              <a:rPr lang="en-US" dirty="0" smtClean="0"/>
+              <a:rPr lang="en-US" dirty="0"/>
               <a:t>print </a:t>
             </a:r>
             <a:r>
-              <a:rPr lang="en-US" dirty="0" err="1" smtClean="0"/>
+              <a:rPr lang="en-US" dirty="0" err="1"/>
               <a:t>len</a:t>
             </a:r>
             <a:r>
-              <a:rPr lang="en-US" dirty="0" smtClean="0"/>
+              <a:rPr lang="en-US" dirty="0"/>
               <a:t>(a)</a:t>
             </a:r>
           </a:p>
           <a:p>
-            <a:endParaRPr lang="en-US" dirty="0" smtClean="0"/>
-          </a:p>
-          <a:p>
-            <a:r>
-              <a:rPr lang="en-US" dirty="0" smtClean="0"/>
+            <a:endParaRPr lang="en-US" dirty="0"/>
+          </a:p>
+          <a:p>
+            <a:r>
+              <a:rPr lang="en-US" dirty="0"/>
               <a:t># Join function.</a:t>
             </a:r>
           </a:p>
           <a:p>
             <a:r>
-              <a:rPr lang="en-US" dirty="0" smtClean="0"/>
+              <a:rPr lang="en-US" dirty="0"/>
               <a:t>c = ("A", "B", "C")</a:t>
             </a:r>
           </a:p>
           <a:p>
             <a:r>
-              <a:rPr lang="en-US" dirty="0" smtClean="0"/>
+              <a:rPr lang="en-US" dirty="0"/>
               <a:t>print "-".join(c)</a:t>
             </a:r>
           </a:p>
           <a:p>
-            <a:endParaRPr lang="en-US" dirty="0" smtClean="0"/>
-          </a:p>
-          <a:p>
-            <a:r>
-              <a:rPr lang="en-US" dirty="0" smtClean="0"/>
+            <a:endParaRPr lang="en-US" dirty="0"/>
+          </a:p>
+          <a:p>
+            <a:r>
+              <a:rPr lang="en-US" dirty="0"/>
               <a:t>#print a[5]</a:t>
             </a:r>
           </a:p>
           <a:p>
             <a:r>
-              <a:rPr lang="en-US" dirty="0" smtClean="0"/>
+              <a:rPr lang="en-US" dirty="0"/>
               <a:t>print a[2]</a:t>
             </a:r>
           </a:p>
           <a:p>
-            <a:endParaRPr lang="en-US" dirty="0" smtClean="0"/>
-          </a:p>
-          <a:p>
-            <a:r>
-              <a:rPr lang="en-US" dirty="0" smtClean="0"/>
+            <a:endParaRPr lang="en-US" dirty="0"/>
+          </a:p>
+          <a:p>
+            <a:r>
+              <a:rPr lang="en-US" dirty="0"/>
               <a:t># Replace function.</a:t>
             </a:r>
           </a:p>
           <a:p>
             <a:r>
-              <a:rPr lang="en-US" dirty="0" smtClean="0"/>
+              <a:rPr lang="en-US" dirty="0"/>
               <a:t>b = </a:t>
             </a:r>
             <a:r>
-              <a:rPr lang="en-US" dirty="0" err="1" smtClean="0"/>
+              <a:rPr lang="en-US" dirty="0" err="1"/>
               <a:t>a.replace</a:t>
             </a:r>
             <a:r>
-              <a:rPr lang="en-US" dirty="0" smtClean="0"/>
+              <a:rPr lang="en-US" dirty="0"/>
               <a:t>("foo", "too")</a:t>
             </a:r>
           </a:p>
           <a:p>
             <a:r>
-              <a:rPr lang="en-US" dirty="0" smtClean="0"/>
+              <a:rPr lang="en-US" dirty="0"/>
               <a:t>print b</a:t>
             </a:r>
           </a:p>
           <a:p>
-            <a:endParaRPr lang="en-US" dirty="0" smtClean="0"/>
-          </a:p>
-          <a:p>
-            <a:r>
-              <a:rPr lang="en-US" dirty="0" smtClean="0"/>
+            <a:endParaRPr lang="en-US" dirty="0"/>
+          </a:p>
+          <a:p>
+            <a:r>
+              <a:rPr lang="en-US" dirty="0"/>
               <a:t># find function.</a:t>
             </a:r>
           </a:p>
           <a:p>
             <a:r>
-              <a:rPr lang="en-US" dirty="0" smtClean="0"/>
+              <a:rPr lang="en-US" dirty="0"/>
               <a:t>print </a:t>
             </a:r>
             <a:r>
-              <a:rPr lang="en-US" dirty="0" err="1" smtClean="0"/>
+              <a:rPr lang="en-US" dirty="0" err="1"/>
               <a:t>a.find</a:t>
             </a:r>
             <a:r>
-              <a:rPr lang="en-US" dirty="0" smtClean="0"/>
+              <a:rPr lang="en-US" dirty="0"/>
               <a:t>("</a:t>
             </a:r>
             <a:r>
-              <a:rPr lang="en-US" dirty="0" err="1" smtClean="0"/>
+              <a:rPr lang="en-US" dirty="0" err="1"/>
               <a:t>fo</a:t>
             </a:r>
             <a:r>
-              <a:rPr lang="en-US" dirty="0" smtClean="0"/>
+              <a:rPr lang="en-US" dirty="0"/>
               <a:t>")</a:t>
             </a:r>
           </a:p>
           <a:p>
             <a:r>
-              <a:rPr lang="en-US" dirty="0" smtClean="0"/>
+              <a:rPr lang="en-US" dirty="0"/>
               <a:t># evaluate if </a:t>
             </a:r>
             <a:r>
-              <a:rPr lang="en-US" dirty="0" err="1" smtClean="0"/>
+              <a:rPr lang="en-US" dirty="0" err="1"/>
               <a:t>fo</a:t>
             </a:r>
             <a:r>
-              <a:rPr lang="en-US" dirty="0" smtClean="0"/>
+              <a:rPr lang="en-US" dirty="0"/>
               <a:t> is in a.</a:t>
             </a:r>
           </a:p>
           <a:p>
             <a:r>
-              <a:rPr lang="en-US" dirty="0" smtClean="0"/>
+              <a:rPr lang="en-US" dirty="0"/>
               <a:t>print "</a:t>
             </a:r>
             <a:r>
-              <a:rPr lang="en-US" dirty="0" err="1" smtClean="0"/>
+              <a:rPr lang="en-US" dirty="0" err="1"/>
               <a:t>fo</a:t>
             </a:r>
             <a:r>
-              <a:rPr lang="en-US" dirty="0" smtClean="0"/>
+              <a:rPr lang="en-US" dirty="0"/>
               <a:t>" in a</a:t>
             </a:r>
           </a:p>
           <a:p>
-            <a:endParaRPr lang="en-US" dirty="0" smtClean="0"/>
-          </a:p>
-          <a:p>
-            <a:endParaRPr lang="en-US" dirty="0" smtClean="0"/>
-          </a:p>
-          <a:p>
-            <a:r>
-              <a:rPr lang="en-US" dirty="0" smtClean="0"/>
+            <a:endParaRPr lang="en-US" dirty="0"/>
+          </a:p>
+          <a:p>
+            <a:endParaRPr lang="en-US" dirty="0"/>
+          </a:p>
+          <a:p>
+            <a:r>
+              <a:rPr lang="en-US" dirty="0"/>
               <a:t># Python slicing. Slice start, stop, step</a:t>
             </a:r>
           </a:p>
           <a:p>
             <a:r>
-              <a:rPr lang="en-US" dirty="0" smtClean="0"/>
+              <a:rPr lang="en-US" dirty="0"/>
               <a:t># slicing is very powerful and can be used on strings, lists or tuples.</a:t>
             </a:r>
           </a:p>
           <a:p>
             <a:r>
-              <a:rPr lang="en-US" dirty="0" smtClean="0"/>
+              <a:rPr lang="en-US" dirty="0"/>
               <a:t># Index starts at 0.</a:t>
             </a:r>
           </a:p>
           <a:p>
             <a:r>
-              <a:rPr lang="en-US" dirty="0" smtClean="0"/>
+              <a:rPr lang="en-US" dirty="0"/>
               <a:t>w = "</a:t>
             </a:r>
             <a:r>
-              <a:rPr lang="en-US" dirty="0" err="1" smtClean="0"/>
+              <a:rPr lang="en-US" dirty="0" err="1"/>
               <a:t>yadf;lkbdfmbdfklmbmbkm</a:t>
             </a:r>
             <a:r>
-              <a:rPr lang="en-US" dirty="0" smtClean="0"/>
+              <a:rPr lang="en-US" dirty="0"/>
               <a:t>"</a:t>
             </a:r>
           </a:p>
           <a:p>
             <a:r>
-              <a:rPr lang="en-US" dirty="0" smtClean="0"/>
+              <a:rPr lang="en-US" dirty="0"/>
               <a:t># Can start at the end of the string, list or tuple.</a:t>
             </a:r>
           </a:p>
           <a:p>
             <a:r>
-              <a:rPr lang="en-US" dirty="0" smtClean="0"/>
+              <a:rPr lang="en-US" dirty="0"/>
               <a:t>print w[0:-1]</a:t>
             </a:r>
           </a:p>
           <a:p>
             <a:r>
-              <a:rPr lang="en-US" dirty="0" smtClean="0"/>
+              <a:rPr lang="en-US" dirty="0"/>
               <a:t>print w[0:21]</a:t>
             </a:r>
           </a:p>
           <a:p>
             <a:r>
-              <a:rPr lang="en-US" dirty="0" smtClean="0"/>
+              <a:rPr lang="en-US" dirty="0"/>
               <a:t>print w[:21]</a:t>
             </a:r>
           </a:p>
           <a:p>
             <a:r>
-              <a:rPr lang="en-US" dirty="0" smtClean="0"/>
+              <a:rPr lang="en-US" dirty="0"/>
               <a:t>print w[0:6]</a:t>
             </a:r>
           </a:p>
           <a:p>
-            <a:endParaRPr lang="en-US" dirty="0" smtClean="0"/>
-          </a:p>
-          <a:p>
-            <a:r>
-              <a:rPr lang="en-US" dirty="0" smtClean="0"/>
+            <a:endParaRPr lang="en-US" dirty="0"/>
+          </a:p>
+          <a:p>
+            <a:r>
+              <a:rPr lang="en-US" dirty="0"/>
               <a:t># Reverse order of string. This works on lists as well.</a:t>
             </a:r>
           </a:p>
           <a:p>
             <a:r>
-              <a:rPr lang="en-US" dirty="0" smtClean="0"/>
+              <a:rPr lang="en-US" dirty="0"/>
               <a:t># This can be useful when deleting elements out of a list because one needs</a:t>
             </a:r>
           </a:p>
           <a:p>
             <a:r>
-              <a:rPr lang="en-US" dirty="0" smtClean="0"/>
+              <a:rPr lang="en-US" dirty="0"/>
               <a:t># to start at the end of the list first .</a:t>
             </a:r>
           </a:p>
           <a:p>
             <a:r>
-              <a:rPr lang="en-US" dirty="0" smtClean="0"/>
+              <a:rPr lang="en-US" dirty="0"/>
               <a:t>print w[21:0:-1]</a:t>
             </a:r>
           </a:p>
@@ -1433,222 +1432,221 @@
           <a:lstStyle/>
           <a:p>
             <a:r>
-              <a:rPr lang="en-US" dirty="0" smtClean="0"/>
+              <a:rPr lang="en-US" dirty="0"/>
               <a:t># List</a:t>
             </a:r>
           </a:p>
           <a:p>
             <a:r>
-              <a:rPr lang="en-US" dirty="0" smtClean="0"/>
+              <a:rPr lang="en-US" dirty="0"/>
               <a:t>a = ["apple", "Microsoft", "Samsung"]</a:t>
             </a:r>
           </a:p>
           <a:p>
             <a:r>
-              <a:rPr lang="en-US" dirty="0" smtClean="0"/>
+              <a:rPr lang="en-US" dirty="0"/>
               <a:t># Length function.</a:t>
             </a:r>
           </a:p>
           <a:p>
             <a:r>
-              <a:rPr lang="en-US" dirty="0" smtClean="0"/>
+              <a:rPr lang="en-US" dirty="0"/>
               <a:t>print </a:t>
             </a:r>
             <a:r>
-              <a:rPr lang="en-US" dirty="0" err="1" smtClean="0"/>
+              <a:rPr lang="en-US" dirty="0" err="1"/>
               <a:t>len</a:t>
             </a:r>
             <a:r>
-              <a:rPr lang="en-US" dirty="0" smtClean="0"/>
+              <a:rPr lang="en-US" dirty="0"/>
               <a:t>(a)</a:t>
             </a:r>
           </a:p>
           <a:p>
             <a:r>
-              <a:rPr lang="en-US" dirty="0" smtClean="0"/>
+              <a:rPr lang="en-US" dirty="0"/>
               <a:t># Append function. Adds items at the end of the list.</a:t>
             </a:r>
           </a:p>
           <a:p>
             <a:r>
-              <a:rPr lang="en-US" dirty="0" err="1" smtClean="0"/>
+              <a:rPr lang="en-US" dirty="0" err="1"/>
               <a:t>a.append</a:t>
             </a:r>
             <a:r>
-              <a:rPr lang="en-US" dirty="0" smtClean="0"/>
+              <a:rPr lang="en-US" dirty="0"/>
               <a:t>("</a:t>
             </a:r>
             <a:r>
-              <a:rPr lang="en-US" dirty="0" err="1" smtClean="0"/>
+              <a:rPr lang="en-US" dirty="0" err="1"/>
               <a:t>lenovo</a:t>
             </a:r>
             <a:r>
-              <a:rPr lang="en-US" dirty="0" smtClean="0"/>
+              <a:rPr lang="en-US" dirty="0"/>
               <a:t>")</a:t>
             </a:r>
           </a:p>
           <a:p>
             <a:r>
-              <a:rPr lang="en-US" dirty="0" smtClean="0"/>
+              <a:rPr lang="en-US" dirty="0"/>
               <a:t>print a</a:t>
             </a:r>
           </a:p>
           <a:p>
             <a:r>
-              <a:rPr lang="en-US" dirty="0" smtClean="0"/>
+              <a:rPr lang="en-US" dirty="0"/>
               <a:t># Extend the list by appending all items in a given list.</a:t>
             </a:r>
           </a:p>
           <a:p>
             <a:r>
-              <a:rPr lang="en-US" dirty="0" err="1" smtClean="0"/>
+              <a:rPr lang="en-US" dirty="0" err="1"/>
               <a:t>a.extend</a:t>
             </a:r>
             <a:r>
-              <a:rPr lang="en-US" dirty="0" smtClean="0"/>
+              <a:rPr lang="en-US" dirty="0"/>
               <a:t>("foo")</a:t>
             </a:r>
           </a:p>
           <a:p>
             <a:r>
-              <a:rPr lang="en-US" dirty="0" smtClean="0"/>
+              <a:rPr lang="en-US" dirty="0"/>
               <a:t>print a</a:t>
             </a:r>
           </a:p>
           <a:p>
             <a:r>
-              <a:rPr lang="en-US" dirty="0" smtClean="0"/>
+              <a:rPr lang="en-US" dirty="0"/>
               <a:t># Remove item in list.</a:t>
             </a:r>
           </a:p>
           <a:p>
             <a:r>
-              <a:rPr lang="en-US" dirty="0" err="1" smtClean="0"/>
+              <a:rPr lang="en-US" dirty="0" err="1"/>
               <a:t>a.pop</a:t>
             </a:r>
             <a:r>
-              <a:rPr lang="en-US" dirty="0" smtClean="0"/>
+              <a:rPr lang="en-US" dirty="0"/>
               <a:t>(</a:t>
             </a:r>
             <a:r>
-              <a:rPr lang="en-US" dirty="0" err="1" smtClean="0"/>
+              <a:rPr lang="en-US" dirty="0" err="1"/>
               <a:t>a.index</a:t>
             </a:r>
             <a:r>
-              <a:rPr lang="en-US" dirty="0" smtClean="0"/>
+              <a:rPr lang="en-US" dirty="0"/>
               <a:t>("Samsung"))</a:t>
             </a:r>
           </a:p>
           <a:p>
             <a:r>
-              <a:rPr lang="en-US" dirty="0" smtClean="0"/>
+              <a:rPr lang="en-US" dirty="0"/>
               <a:t>print a</a:t>
             </a:r>
           </a:p>
           <a:p>
             <a:r>
-              <a:rPr lang="en-US" dirty="0" smtClean="0"/>
+              <a:rPr lang="en-US" dirty="0"/>
               <a:t># Get index of item in list.</a:t>
             </a:r>
           </a:p>
           <a:p>
             <a:r>
-              <a:rPr lang="en-US" dirty="0" smtClean="0"/>
+              <a:rPr lang="en-US" dirty="0"/>
               <a:t>print </a:t>
             </a:r>
             <a:r>
-              <a:rPr lang="en-US" dirty="0" err="1" smtClean="0"/>
+              <a:rPr lang="en-US" dirty="0" err="1"/>
               <a:t>a.index</a:t>
             </a:r>
             <a:r>
-              <a:rPr lang="en-US" dirty="0" smtClean="0"/>
+              <a:rPr lang="en-US" dirty="0"/>
               <a:t>("apple")</a:t>
             </a:r>
           </a:p>
           <a:p>
-            <a:endParaRPr lang="en-US" dirty="0" smtClean="0"/>
-          </a:p>
-          <a:p>
-            <a:r>
-              <a:rPr lang="en-US" dirty="0" smtClean="0"/>
+            <a:endParaRPr lang="en-US" dirty="0"/>
+          </a:p>
+          <a:p>
+            <a:r>
+              <a:rPr lang="en-US" dirty="0"/>
               <a:t>a = ["apple", "Microsoft", "Samsung"]</a:t>
             </a:r>
           </a:p>
           <a:p>
             <a:r>
-              <a:rPr lang="en-US" dirty="0" smtClean="0"/>
+              <a:rPr lang="en-US" dirty="0"/>
               <a:t># List reverse function. This can also be done using slicing.</a:t>
             </a:r>
           </a:p>
           <a:p>
             <a:r>
-              <a:rPr lang="en-US" dirty="0" err="1" smtClean="0"/>
+              <a:rPr lang="en-US" dirty="0" err="1"/>
               <a:t>a.reverse</a:t>
             </a:r>
             <a:r>
-              <a:rPr lang="en-US" dirty="0" smtClean="0"/>
+              <a:rPr lang="en-US" dirty="0"/>
               <a:t>()</a:t>
             </a:r>
           </a:p>
           <a:p>
             <a:r>
-              <a:rPr lang="en-US" dirty="0" smtClean="0"/>
+              <a:rPr lang="en-US" dirty="0"/>
               <a:t>print a</a:t>
             </a:r>
           </a:p>
           <a:p>
             <a:r>
-              <a:rPr lang="en-US" dirty="0" smtClean="0"/>
+              <a:rPr lang="en-US" dirty="0"/>
               <a:t># Nested list</a:t>
             </a:r>
           </a:p>
           <a:p>
             <a:r>
-              <a:rPr lang="en-US" dirty="0" smtClean="0"/>
+              <a:rPr lang="en-US" dirty="0"/>
               <a:t>a = [["john", "smith", "GIS programmer", 60,000],</a:t>
             </a:r>
           </a:p>
           <a:p>
             <a:r>
-              <a:rPr lang="en-US" dirty="0" smtClean="0"/>
+              <a:rPr lang="en-US" dirty="0"/>
               <a:t>    ["Will", "Smith", "Actor", 1000000]]</a:t>
             </a:r>
           </a:p>
           <a:p>
-            <a:endParaRPr lang="en-US" dirty="0" smtClean="0"/>
-          </a:p>
-          <a:p>
-            <a:r>
-              <a:rPr lang="en-US" dirty="0" smtClean="0"/>
+            <a:endParaRPr lang="en-US" dirty="0"/>
+          </a:p>
+          <a:p>
+            <a:r>
+              <a:rPr lang="en-US" dirty="0"/>
               <a:t># Create a list from a comma delimited string.</a:t>
             </a:r>
           </a:p>
           <a:p>
             <a:r>
-              <a:rPr lang="en-US" dirty="0" smtClean="0"/>
+              <a:rPr lang="en-US" dirty="0"/>
               <a:t>string = "John, Smith, GIS programmer"</a:t>
             </a:r>
           </a:p>
           <a:p>
             <a:r>
-              <a:rPr lang="en-US" dirty="0" smtClean="0"/>
+              <a:rPr lang="en-US" dirty="0"/>
               <a:t>w = </a:t>
             </a:r>
             <a:r>
-              <a:rPr lang="en-US" dirty="0" err="1" smtClean="0"/>
+              <a:rPr lang="en-US" dirty="0" err="1"/>
               <a:t>string.split</a:t>
             </a:r>
             <a:r>
-              <a:rPr lang="en-US" dirty="0" smtClean="0"/>
+              <a:rPr lang="en-US" dirty="0"/>
               <a:t>(",")</a:t>
             </a:r>
           </a:p>
           <a:p>
             <a:r>
-              <a:rPr lang="en-US" dirty="0" smtClean="0"/>
+              <a:rPr lang="en-US" dirty="0"/>
               <a:t>print w</a:t>
             </a:r>
-            <a:endParaRPr lang="en-US" dirty="0"/>
           </a:p>
         </p:txBody>
       </p:sp>
@@ -1733,7 +1731,7 @@
           <a:lstStyle/>
           <a:p>
             <a:r>
-              <a:rPr lang="en-US" smtClean="0"/>
+              <a:rPr lang="en-US"/>
               <a:t>http://www.python-course.eu/exception_handling.php</a:t>
             </a:r>
           </a:p>
@@ -1823,10 +1821,9 @@
           <a:lstStyle/>
           <a:p>
             <a:r>
-              <a:rPr lang="en-US" dirty="0" smtClean="0"/>
+              <a:rPr lang="en-US" dirty="0"/>
               <a:t>http://psung.blogspot.com/2007/12/for-else-in-python.html</a:t>
             </a:r>
-            <a:endParaRPr lang="en-US" dirty="0"/>
           </a:p>
         </p:txBody>
       </p:sp>
@@ -1911,7 +1908,7 @@
           <a:lstStyle/>
           <a:p>
             <a:r>
-              <a:rPr lang="en-US" dirty="0" smtClean="0"/>
+              <a:rPr lang="en-US" dirty="0"/>
               <a:t>https://desktop.arcgis.com/en/desktop/latest/tools/analysis-toolbox/buffer.htm</a:t>
             </a:r>
           </a:p>
@@ -2001,10 +1998,9 @@
           <a:lstStyle/>
           <a:p>
             <a:r>
-              <a:rPr lang="en-US" dirty="0" smtClean="0"/>
+              <a:rPr lang="en-US" dirty="0"/>
               <a:t>http://www.python-course.eu/object_oriented_programming.php</a:t>
             </a:r>
-            <a:endParaRPr lang="en-US" dirty="0"/>
           </a:p>
         </p:txBody>
       </p:sp>
@@ -2131,10 +2127,9 @@
           </a:lstStyle>
           <a:p>
             <a:r>
-              <a:rPr kumimoji="0" lang="en-US" smtClean="0"/>
+              <a:rPr kumimoji="0" lang="en-US"/>
               <a:t>Click to edit Master title style</a:t>
             </a:r>
-            <a:endParaRPr kumimoji="0" lang="en-US"/>
           </a:p>
         </p:txBody>
       </p:sp>
@@ -2155,7 +2150,7 @@
           <a:p>
             <a:fld id="{9508567B-B8CC-4477-AED9-11BA2E0DD480}" type="datetimeFigureOut">
               <a:rPr lang="en-US" smtClean="0"/>
-              <a:t>4/21/2016</a:t>
+              <a:t>12/7/2016</a:t>
             </a:fld>
             <a:endParaRPr lang="en-US"/>
           </a:p>
@@ -2257,10 +2252,9 @@
           </a:lstStyle>
           <a:p>
             <a:r>
-              <a:rPr kumimoji="0" lang="en-US" smtClean="0"/>
+              <a:rPr kumimoji="0" lang="en-US"/>
               <a:t>Click to edit Master subtitle style</a:t>
             </a:r>
-            <a:endParaRPr kumimoji="0" lang="en-US"/>
           </a:p>
         </p:txBody>
       </p:sp>
@@ -2305,10 +2299,9 @@
           <a:lstStyle/>
           <a:p>
             <a:r>
-              <a:rPr kumimoji="0" lang="en-US" smtClean="0"/>
+              <a:rPr kumimoji="0" lang="en-US"/>
               <a:t>Click to edit Master title style</a:t>
             </a:r>
-            <a:endParaRPr kumimoji="0" lang="en-US"/>
           </a:p>
         </p:txBody>
       </p:sp>
@@ -2329,35 +2322,35 @@
           <a:p>
             <a:pPr lvl="0" eaLnBrk="1" latinLnBrk="0" hangingPunct="1"/>
             <a:r>
-              <a:rPr lang="en-US" smtClean="0"/>
+              <a:rPr lang="en-US"/>
               <a:t>Click to edit Master text styles</a:t>
             </a:r>
           </a:p>
           <a:p>
             <a:pPr lvl="1" eaLnBrk="1" latinLnBrk="0" hangingPunct="1"/>
             <a:r>
-              <a:rPr lang="en-US" smtClean="0"/>
+              <a:rPr lang="en-US"/>
               <a:t>Second level</a:t>
             </a:r>
           </a:p>
           <a:p>
             <a:pPr lvl="2" eaLnBrk="1" latinLnBrk="0" hangingPunct="1"/>
             <a:r>
-              <a:rPr lang="en-US" smtClean="0"/>
+              <a:rPr lang="en-US"/>
               <a:t>Third level</a:t>
             </a:r>
           </a:p>
           <a:p>
             <a:pPr lvl="3" eaLnBrk="1" latinLnBrk="0" hangingPunct="1"/>
             <a:r>
-              <a:rPr lang="en-US" smtClean="0"/>
+              <a:rPr lang="en-US"/>
               <a:t>Fourth level</a:t>
             </a:r>
           </a:p>
           <a:p>
             <a:pPr lvl="4" eaLnBrk="1" latinLnBrk="0" hangingPunct="1"/>
             <a:r>
-              <a:rPr lang="en-US" smtClean="0"/>
+              <a:rPr lang="en-US"/>
               <a:t>Fifth level</a:t>
             </a:r>
             <a:endParaRPr kumimoji="0" lang="en-US"/>
@@ -2381,7 +2374,7 @@
           <a:p>
             <a:fld id="{9508567B-B8CC-4477-AED9-11BA2E0DD480}" type="datetimeFigureOut">
               <a:rPr lang="en-US" smtClean="0"/>
-              <a:t>4/21/2016</a:t>
+              <a:t>12/7/2016</a:t>
             </a:fld>
             <a:endParaRPr lang="en-US"/>
           </a:p>
@@ -2475,10 +2468,9 @@
           <a:lstStyle/>
           <a:p>
             <a:r>
-              <a:rPr kumimoji="0" lang="en-US" smtClean="0"/>
+              <a:rPr kumimoji="0" lang="en-US"/>
               <a:t>Click to edit Master title style</a:t>
             </a:r>
-            <a:endParaRPr kumimoji="0" lang="en-US"/>
           </a:p>
         </p:txBody>
       </p:sp>
@@ -2504,35 +2496,35 @@
           <a:p>
             <a:pPr lvl="0" eaLnBrk="1" latinLnBrk="0" hangingPunct="1"/>
             <a:r>
-              <a:rPr lang="en-US" smtClean="0"/>
+              <a:rPr lang="en-US"/>
               <a:t>Click to edit Master text styles</a:t>
             </a:r>
           </a:p>
           <a:p>
             <a:pPr lvl="1" eaLnBrk="1" latinLnBrk="0" hangingPunct="1"/>
             <a:r>
-              <a:rPr lang="en-US" smtClean="0"/>
+              <a:rPr lang="en-US"/>
               <a:t>Second level</a:t>
             </a:r>
           </a:p>
           <a:p>
             <a:pPr lvl="2" eaLnBrk="1" latinLnBrk="0" hangingPunct="1"/>
             <a:r>
-              <a:rPr lang="en-US" smtClean="0"/>
+              <a:rPr lang="en-US"/>
               <a:t>Third level</a:t>
             </a:r>
           </a:p>
           <a:p>
             <a:pPr lvl="3" eaLnBrk="1" latinLnBrk="0" hangingPunct="1"/>
             <a:r>
-              <a:rPr lang="en-US" smtClean="0"/>
+              <a:rPr lang="en-US"/>
               <a:t>Fourth level</a:t>
             </a:r>
           </a:p>
           <a:p>
             <a:pPr lvl="4" eaLnBrk="1" latinLnBrk="0" hangingPunct="1"/>
             <a:r>
-              <a:rPr lang="en-US" smtClean="0"/>
+              <a:rPr lang="en-US"/>
               <a:t>Fifth level</a:t>
             </a:r>
             <a:endParaRPr kumimoji="0" lang="en-US"/>
@@ -2556,7 +2548,7 @@
           <a:p>
             <a:fld id="{9508567B-B8CC-4477-AED9-11BA2E0DD480}" type="datetimeFigureOut">
               <a:rPr lang="en-US" smtClean="0"/>
-              <a:t>4/21/2016</a:t>
+              <a:t>12/7/2016</a:t>
             </a:fld>
             <a:endParaRPr lang="en-US"/>
           </a:p>
@@ -2645,10 +2637,9 @@
           <a:lstStyle/>
           <a:p>
             <a:r>
-              <a:rPr kumimoji="0" lang="en-US" smtClean="0"/>
+              <a:rPr kumimoji="0" lang="en-US"/>
               <a:t>Click to edit Master title style</a:t>
             </a:r>
-            <a:endParaRPr kumimoji="0" lang="en-US"/>
           </a:p>
         </p:txBody>
       </p:sp>
@@ -2669,35 +2660,35 @@
           <a:p>
             <a:pPr lvl="0" eaLnBrk="1" latinLnBrk="0" hangingPunct="1"/>
             <a:r>
-              <a:rPr lang="en-US" smtClean="0"/>
+              <a:rPr lang="en-US"/>
               <a:t>Click to edit Master text styles</a:t>
             </a:r>
           </a:p>
           <a:p>
             <a:pPr lvl="1" eaLnBrk="1" latinLnBrk="0" hangingPunct="1"/>
             <a:r>
-              <a:rPr lang="en-US" smtClean="0"/>
+              <a:rPr lang="en-US"/>
               <a:t>Second level</a:t>
             </a:r>
           </a:p>
           <a:p>
             <a:pPr lvl="2" eaLnBrk="1" latinLnBrk="0" hangingPunct="1"/>
             <a:r>
-              <a:rPr lang="en-US" smtClean="0"/>
+              <a:rPr lang="en-US"/>
               <a:t>Third level</a:t>
             </a:r>
           </a:p>
           <a:p>
             <a:pPr lvl="3" eaLnBrk="1" latinLnBrk="0" hangingPunct="1"/>
             <a:r>
-              <a:rPr lang="en-US" smtClean="0"/>
+              <a:rPr lang="en-US"/>
               <a:t>Fourth level</a:t>
             </a:r>
           </a:p>
           <a:p>
             <a:pPr lvl="4" eaLnBrk="1" latinLnBrk="0" hangingPunct="1"/>
             <a:r>
-              <a:rPr lang="en-US" smtClean="0"/>
+              <a:rPr lang="en-US"/>
               <a:t>Fifth level</a:t>
             </a:r>
             <a:endParaRPr kumimoji="0" lang="en-US"/>
@@ -2721,7 +2712,7 @@
           <a:p>
             <a:fld id="{9508567B-B8CC-4477-AED9-11BA2E0DD480}" type="datetimeFigureOut">
               <a:rPr lang="en-US" smtClean="0"/>
-              <a:t>4/21/2016</a:t>
+              <a:t>12/7/2016</a:t>
             </a:fld>
             <a:endParaRPr lang="en-US"/>
           </a:p>
@@ -2864,10 +2855,9 @@
           </a:lstStyle>
           <a:p>
             <a:r>
-              <a:rPr kumimoji="0" lang="en-US" smtClean="0"/>
+              <a:rPr kumimoji="0" lang="en-US"/>
               <a:t>Click to edit Master title style</a:t>
             </a:r>
-            <a:endParaRPr kumimoji="0" lang="en-US"/>
           </a:p>
         </p:txBody>
       </p:sp>
@@ -2942,7 +2932,7 @@
           <a:p>
             <a:pPr lvl="0" eaLnBrk="1" latinLnBrk="0" hangingPunct="1"/>
             <a:r>
-              <a:rPr kumimoji="0" lang="en-US" smtClean="0"/>
+              <a:rPr kumimoji="0" lang="en-US"/>
               <a:t>Click to edit Master text styles</a:t>
             </a:r>
           </a:p>
@@ -2965,7 +2955,7 @@
           <a:p>
             <a:fld id="{9508567B-B8CC-4477-AED9-11BA2E0DD480}" type="datetimeFigureOut">
               <a:rPr lang="en-US" smtClean="0"/>
-              <a:t>4/21/2016</a:t>
+              <a:t>12/7/2016</a:t>
             </a:fld>
             <a:endParaRPr lang="en-US"/>
           </a:p>
@@ -3059,10 +3049,9 @@
           <a:lstStyle/>
           <a:p>
             <a:r>
-              <a:rPr kumimoji="0" lang="en-US" smtClean="0"/>
+              <a:rPr kumimoji="0" lang="en-US"/>
               <a:t>Click to edit Master title style</a:t>
             </a:r>
-            <a:endParaRPr kumimoji="0" lang="en-US"/>
           </a:p>
         </p:txBody>
       </p:sp>
@@ -3104,35 +3093,35 @@
           <a:p>
             <a:pPr lvl="0" eaLnBrk="1" latinLnBrk="0" hangingPunct="1"/>
             <a:r>
-              <a:rPr lang="en-US" smtClean="0"/>
+              <a:rPr lang="en-US"/>
               <a:t>Click to edit Master text styles</a:t>
             </a:r>
           </a:p>
           <a:p>
             <a:pPr lvl="1" eaLnBrk="1" latinLnBrk="0" hangingPunct="1"/>
             <a:r>
-              <a:rPr lang="en-US" smtClean="0"/>
+              <a:rPr lang="en-US"/>
               <a:t>Second level</a:t>
             </a:r>
           </a:p>
           <a:p>
             <a:pPr lvl="2" eaLnBrk="1" latinLnBrk="0" hangingPunct="1"/>
             <a:r>
-              <a:rPr lang="en-US" smtClean="0"/>
+              <a:rPr lang="en-US"/>
               <a:t>Third level</a:t>
             </a:r>
           </a:p>
           <a:p>
             <a:pPr lvl="3" eaLnBrk="1" latinLnBrk="0" hangingPunct="1"/>
             <a:r>
-              <a:rPr lang="en-US" smtClean="0"/>
+              <a:rPr lang="en-US"/>
               <a:t>Fourth level</a:t>
             </a:r>
           </a:p>
           <a:p>
             <a:pPr lvl="4" eaLnBrk="1" latinLnBrk="0" hangingPunct="1"/>
             <a:r>
-              <a:rPr lang="en-US" smtClean="0"/>
+              <a:rPr lang="en-US"/>
               <a:t>Fifth level</a:t>
             </a:r>
             <a:endParaRPr kumimoji="0" lang="en-US"/>
@@ -3177,35 +3166,35 @@
           <a:p>
             <a:pPr lvl="0" eaLnBrk="1" latinLnBrk="0" hangingPunct="1"/>
             <a:r>
-              <a:rPr lang="en-US" smtClean="0"/>
+              <a:rPr lang="en-US"/>
               <a:t>Click to edit Master text styles</a:t>
             </a:r>
           </a:p>
           <a:p>
             <a:pPr lvl="1" eaLnBrk="1" latinLnBrk="0" hangingPunct="1"/>
             <a:r>
-              <a:rPr lang="en-US" smtClean="0"/>
+              <a:rPr lang="en-US"/>
               <a:t>Second level</a:t>
             </a:r>
           </a:p>
           <a:p>
             <a:pPr lvl="2" eaLnBrk="1" latinLnBrk="0" hangingPunct="1"/>
             <a:r>
-              <a:rPr lang="en-US" smtClean="0"/>
+              <a:rPr lang="en-US"/>
               <a:t>Third level</a:t>
             </a:r>
           </a:p>
           <a:p>
             <a:pPr lvl="3" eaLnBrk="1" latinLnBrk="0" hangingPunct="1"/>
             <a:r>
-              <a:rPr lang="en-US" smtClean="0"/>
+              <a:rPr lang="en-US"/>
               <a:t>Fourth level</a:t>
             </a:r>
           </a:p>
           <a:p>
             <a:pPr lvl="4" eaLnBrk="1" latinLnBrk="0" hangingPunct="1"/>
             <a:r>
-              <a:rPr lang="en-US" smtClean="0"/>
+              <a:rPr lang="en-US"/>
               <a:t>Fifth level</a:t>
             </a:r>
             <a:endParaRPr kumimoji="0" lang="en-US"/>
@@ -3229,7 +3218,7 @@
           <a:p>
             <a:fld id="{9508567B-B8CC-4477-AED9-11BA2E0DD480}" type="datetimeFigureOut">
               <a:rPr lang="en-US" smtClean="0"/>
-              <a:t>4/21/2016</a:t>
+              <a:t>12/7/2016</a:t>
             </a:fld>
             <a:endParaRPr lang="en-US"/>
           </a:p>
@@ -3327,10 +3316,9 @@
           </a:lstStyle>
           <a:p>
             <a:r>
-              <a:rPr kumimoji="0" lang="en-US" smtClean="0"/>
+              <a:rPr kumimoji="0" lang="en-US"/>
               <a:t>Click to edit Master title style</a:t>
             </a:r>
-            <a:endParaRPr kumimoji="0" lang="en-US"/>
           </a:p>
         </p:txBody>
       </p:sp>
@@ -3381,7 +3369,7 @@
           <a:p>
             <a:pPr lvl="0" eaLnBrk="1" latinLnBrk="0" hangingPunct="1"/>
             <a:r>
-              <a:rPr kumimoji="0" lang="en-US" smtClean="0"/>
+              <a:rPr kumimoji="0" lang="en-US"/>
               <a:t>Click to edit Master text styles</a:t>
             </a:r>
           </a:p>
@@ -3434,7 +3422,7 @@
           <a:p>
             <a:pPr lvl="0" eaLnBrk="1" latinLnBrk="0" hangingPunct="1"/>
             <a:r>
-              <a:rPr kumimoji="0" lang="en-US" smtClean="0"/>
+              <a:rPr kumimoji="0" lang="en-US"/>
               <a:t>Click to edit Master text styles</a:t>
             </a:r>
           </a:p>
@@ -3478,35 +3466,35 @@
           <a:p>
             <a:pPr lvl="0" eaLnBrk="1" latinLnBrk="0" hangingPunct="1"/>
             <a:r>
-              <a:rPr lang="en-US" smtClean="0"/>
+              <a:rPr lang="en-US"/>
               <a:t>Click to edit Master text styles</a:t>
             </a:r>
           </a:p>
           <a:p>
             <a:pPr lvl="1" eaLnBrk="1" latinLnBrk="0" hangingPunct="1"/>
             <a:r>
-              <a:rPr lang="en-US" smtClean="0"/>
+              <a:rPr lang="en-US"/>
               <a:t>Second level</a:t>
             </a:r>
           </a:p>
           <a:p>
             <a:pPr lvl="2" eaLnBrk="1" latinLnBrk="0" hangingPunct="1"/>
             <a:r>
-              <a:rPr lang="en-US" smtClean="0"/>
+              <a:rPr lang="en-US"/>
               <a:t>Third level</a:t>
             </a:r>
           </a:p>
           <a:p>
             <a:pPr lvl="3" eaLnBrk="1" latinLnBrk="0" hangingPunct="1"/>
             <a:r>
-              <a:rPr lang="en-US" smtClean="0"/>
+              <a:rPr lang="en-US"/>
               <a:t>Fourth level</a:t>
             </a:r>
           </a:p>
           <a:p>
             <a:pPr lvl="4" eaLnBrk="1" latinLnBrk="0" hangingPunct="1"/>
             <a:r>
-              <a:rPr lang="en-US" smtClean="0"/>
+              <a:rPr lang="en-US"/>
               <a:t>Fifth level</a:t>
             </a:r>
             <a:endParaRPr kumimoji="0" lang="en-US"/>
@@ -3551,35 +3539,35 @@
           <a:p>
             <a:pPr lvl="0" eaLnBrk="1" latinLnBrk="0" hangingPunct="1"/>
             <a:r>
-              <a:rPr lang="en-US" smtClean="0"/>
+              <a:rPr lang="en-US"/>
               <a:t>Click to edit Master text styles</a:t>
             </a:r>
           </a:p>
           <a:p>
             <a:pPr lvl="1" eaLnBrk="1" latinLnBrk="0" hangingPunct="1"/>
             <a:r>
-              <a:rPr lang="en-US" smtClean="0"/>
+              <a:rPr lang="en-US"/>
               <a:t>Second level</a:t>
             </a:r>
           </a:p>
           <a:p>
             <a:pPr lvl="2" eaLnBrk="1" latinLnBrk="0" hangingPunct="1"/>
             <a:r>
-              <a:rPr lang="en-US" smtClean="0"/>
+              <a:rPr lang="en-US"/>
               <a:t>Third level</a:t>
             </a:r>
           </a:p>
           <a:p>
             <a:pPr lvl="3" eaLnBrk="1" latinLnBrk="0" hangingPunct="1"/>
             <a:r>
-              <a:rPr lang="en-US" smtClean="0"/>
+              <a:rPr lang="en-US"/>
               <a:t>Fourth level</a:t>
             </a:r>
           </a:p>
           <a:p>
             <a:pPr lvl="4" eaLnBrk="1" latinLnBrk="0" hangingPunct="1"/>
             <a:r>
-              <a:rPr lang="en-US" smtClean="0"/>
+              <a:rPr lang="en-US"/>
               <a:t>Fifth level</a:t>
             </a:r>
             <a:endParaRPr kumimoji="0" lang="en-US"/>
@@ -3603,7 +3591,7 @@
           <a:p>
             <a:fld id="{9508567B-B8CC-4477-AED9-11BA2E0DD480}" type="datetimeFigureOut">
               <a:rPr lang="en-US" smtClean="0"/>
-              <a:t>4/21/2016</a:t>
+              <a:t>12/7/2016</a:t>
             </a:fld>
             <a:endParaRPr lang="en-US"/>
           </a:p>
@@ -3692,10 +3680,9 @@
           <a:lstStyle/>
           <a:p>
             <a:r>
-              <a:rPr kumimoji="0" lang="en-US" smtClean="0"/>
+              <a:rPr kumimoji="0" lang="en-US"/>
               <a:t>Click to edit Master title style</a:t>
             </a:r>
-            <a:endParaRPr kumimoji="0" lang="en-US"/>
           </a:p>
         </p:txBody>
       </p:sp>
@@ -3716,7 +3703,7 @@
           <a:p>
             <a:fld id="{9508567B-B8CC-4477-AED9-11BA2E0DD480}" type="datetimeFigureOut">
               <a:rPr lang="en-US" smtClean="0"/>
-              <a:t>4/21/2016</a:t>
+              <a:t>12/7/2016</a:t>
             </a:fld>
             <a:endParaRPr lang="en-US"/>
           </a:p>
@@ -3806,7 +3793,7 @@
           <a:p>
             <a:fld id="{9508567B-B8CC-4477-AED9-11BA2E0DD480}" type="datetimeFigureOut">
               <a:rPr lang="en-US" smtClean="0"/>
-              <a:t>4/21/2016</a:t>
+              <a:t>12/7/2016</a:t>
             </a:fld>
             <a:endParaRPr lang="en-US"/>
           </a:p>
@@ -3918,10 +3905,9 @@
           </a:lstStyle>
           <a:p>
             <a:r>
-              <a:rPr kumimoji="0" lang="en-US" smtClean="0"/>
+              <a:rPr kumimoji="0" lang="en-US"/>
               <a:t>Click to edit Master title style</a:t>
             </a:r>
-            <a:endParaRPr kumimoji="0" lang="en-US"/>
           </a:p>
         </p:txBody>
       </p:sp>
@@ -3968,7 +3954,7 @@
           <a:p>
             <a:pPr lvl="0" eaLnBrk="1" latinLnBrk="0" hangingPunct="1"/>
             <a:r>
-              <a:rPr kumimoji="0" lang="en-US" smtClean="0"/>
+              <a:rPr kumimoji="0" lang="en-US"/>
               <a:t>Click to edit Master text styles</a:t>
             </a:r>
           </a:p>
@@ -4012,35 +3998,35 @@
           <a:p>
             <a:pPr lvl="0" eaLnBrk="1" latinLnBrk="0" hangingPunct="1"/>
             <a:r>
-              <a:rPr lang="en-US" smtClean="0"/>
+              <a:rPr lang="en-US"/>
               <a:t>Click to edit Master text styles</a:t>
             </a:r>
           </a:p>
           <a:p>
             <a:pPr lvl="1" eaLnBrk="1" latinLnBrk="0" hangingPunct="1"/>
             <a:r>
-              <a:rPr lang="en-US" smtClean="0"/>
+              <a:rPr lang="en-US"/>
               <a:t>Second level</a:t>
             </a:r>
           </a:p>
           <a:p>
             <a:pPr lvl="2" eaLnBrk="1" latinLnBrk="0" hangingPunct="1"/>
             <a:r>
-              <a:rPr lang="en-US" smtClean="0"/>
+              <a:rPr lang="en-US"/>
               <a:t>Third level</a:t>
             </a:r>
           </a:p>
           <a:p>
             <a:pPr lvl="3" eaLnBrk="1" latinLnBrk="0" hangingPunct="1"/>
             <a:r>
-              <a:rPr lang="en-US" smtClean="0"/>
+              <a:rPr lang="en-US"/>
               <a:t>Fourth level</a:t>
             </a:r>
           </a:p>
           <a:p>
             <a:pPr lvl="4" eaLnBrk="1" latinLnBrk="0" hangingPunct="1"/>
             <a:r>
-              <a:rPr lang="en-US" smtClean="0"/>
+              <a:rPr lang="en-US"/>
               <a:t>Fifth level</a:t>
             </a:r>
             <a:endParaRPr kumimoji="0" lang="en-US"/>
@@ -4064,7 +4050,7 @@
           <a:p>
             <a:fld id="{9508567B-B8CC-4477-AED9-11BA2E0DD480}" type="datetimeFigureOut">
               <a:rPr lang="en-US" smtClean="0"/>
-              <a:t>4/21/2016</a:t>
+              <a:t>12/7/2016</a:t>
             </a:fld>
             <a:endParaRPr lang="en-US"/>
           </a:p>
@@ -4165,10 +4151,9 @@
           </a:lstStyle>
           <a:p>
             <a:r>
-              <a:rPr kumimoji="0" lang="en-US" smtClean="0"/>
+              <a:rPr kumimoji="0" lang="en-US"/>
               <a:t>Click to edit Master title style</a:t>
             </a:r>
-            <a:endParaRPr kumimoji="0" lang="en-US"/>
           </a:p>
         </p:txBody>
       </p:sp>
@@ -4245,7 +4230,7 @@
           <a:p>
             <a:pPr marL="0" algn="l" rtl="0" eaLnBrk="1" latinLnBrk="0" hangingPunct="1"/>
             <a:r>
-              <a:rPr kumimoji="0" lang="en-US" smtClean="0">
+              <a:rPr kumimoji="0" lang="en-US">
                 <a:solidFill>
                   <a:schemeClr val="lt1"/>
                 </a:solidFill>
@@ -4305,7 +4290,7 @@
           <a:p>
             <a:pPr lvl="0" eaLnBrk="1" latinLnBrk="0" hangingPunct="1"/>
             <a:r>
-              <a:rPr kumimoji="0" lang="en-US" smtClean="0"/>
+              <a:rPr kumimoji="0" lang="en-US"/>
               <a:t>Click to edit Master text styles</a:t>
             </a:r>
           </a:p>
@@ -4328,7 +4313,7 @@
           <a:p>
             <a:fld id="{9508567B-B8CC-4477-AED9-11BA2E0DD480}" type="datetimeFigureOut">
               <a:rPr lang="en-US" smtClean="0"/>
-              <a:t>4/21/2016</a:t>
+              <a:t>12/7/2016</a:t>
             </a:fld>
             <a:endParaRPr lang="en-US"/>
           </a:p>
@@ -4441,10 +4426,9 @@
           <a:lstStyle/>
           <a:p>
             <a:r>
-              <a:rPr kumimoji="0" lang="en-US" smtClean="0"/>
+              <a:rPr kumimoji="0" lang="en-US"/>
               <a:t>Click to edit Master title style</a:t>
             </a:r>
-            <a:endParaRPr kumimoji="0" lang="en-US"/>
           </a:p>
         </p:txBody>
       </p:sp>
@@ -4475,38 +4459,37 @@
           <a:p>
             <a:pPr lvl="0" eaLnBrk="1" latinLnBrk="0" hangingPunct="1"/>
             <a:r>
-              <a:rPr kumimoji="0" lang="en-US" smtClean="0"/>
+              <a:rPr kumimoji="0" lang="en-US"/>
               <a:t>Click to edit Master text styles</a:t>
             </a:r>
           </a:p>
           <a:p>
             <a:pPr lvl="1" eaLnBrk="1" latinLnBrk="0" hangingPunct="1"/>
             <a:r>
-              <a:rPr kumimoji="0" lang="en-US" smtClean="0"/>
+              <a:rPr kumimoji="0" lang="en-US"/>
               <a:t>Second level</a:t>
             </a:r>
           </a:p>
           <a:p>
             <a:pPr lvl="2" eaLnBrk="1" latinLnBrk="0" hangingPunct="1"/>
             <a:r>
-              <a:rPr kumimoji="0" lang="en-US" smtClean="0"/>
+              <a:rPr kumimoji="0" lang="en-US"/>
               <a:t>Third level</a:t>
             </a:r>
           </a:p>
           <a:p>
             <a:pPr lvl="3" eaLnBrk="1" latinLnBrk="0" hangingPunct="1"/>
             <a:r>
-              <a:rPr kumimoji="0" lang="en-US" smtClean="0"/>
+              <a:rPr kumimoji="0" lang="en-US"/>
               <a:t>Fourth level</a:t>
             </a:r>
           </a:p>
           <a:p>
             <a:pPr lvl="4" eaLnBrk="1" latinLnBrk="0" hangingPunct="1"/>
             <a:r>
-              <a:rPr kumimoji="0" lang="en-US" smtClean="0"/>
+              <a:rPr kumimoji="0" lang="en-US"/>
               <a:t>Fifth level</a:t>
             </a:r>
-            <a:endParaRPr kumimoji="0" lang="en-US"/>
           </a:p>
         </p:txBody>
       </p:sp>
@@ -4545,7 +4528,7 @@
           <a:p>
             <a:fld id="{9508567B-B8CC-4477-AED9-11BA2E0DD480}" type="datetimeFigureOut">
               <a:rPr lang="en-US" smtClean="0"/>
-              <a:t>4/21/2016</a:t>
+              <a:t>12/7/2016</a:t>
             </a:fld>
             <a:endParaRPr lang="en-US"/>
           </a:p>
@@ -4991,49 +4974,49 @@
           <a:lstStyle/>
           <a:p>
             <a:r>
-              <a:rPr lang="en-US" dirty="0" smtClean="0"/>
+              <a:rPr lang="en-US" dirty="0"/>
               <a:t>introduction to python</a:t>
             </a:r>
+          </a:p>
+        </p:txBody>
+      </p:sp>
+      <p:sp>
+        <p:nvSpPr>
+          <p:cNvPr id="3" name="Subtitle 2"/>
+          <p:cNvSpPr>
+            <a:spLocks noGrp="1"/>
+          </p:cNvSpPr>
+          <p:nvPr>
+            <p:ph type="subTitle" idx="1"/>
+          </p:nvPr>
+        </p:nvSpPr>
+        <p:spPr/>
+        <p:txBody>
+          <a:bodyPr/>
+          <a:lstStyle/>
+          <a:p>
+            <a:r>
+              <a:rPr lang="en-US" dirty="0"/>
+              <a:t>RM-URISA </a:t>
+            </a:r>
+          </a:p>
+          <a:p>
+            <a:r>
+              <a:rPr lang="en-US" dirty="0"/>
+              <a:t>By Luke </a:t>
+            </a:r>
+            <a:r>
+              <a:rPr lang="en-US" dirty="0" err="1"/>
+              <a:t>Kaim</a:t>
+            </a:r>
             <a:endParaRPr lang="en-US" dirty="0"/>
           </a:p>
-        </p:txBody>
-      </p:sp>
-      <p:sp>
-        <p:nvSpPr>
-          <p:cNvPr id="3" name="Subtitle 2"/>
-          <p:cNvSpPr>
-            <a:spLocks noGrp="1"/>
-          </p:cNvSpPr>
-          <p:nvPr>
-            <p:ph type="subTitle" idx="1"/>
-          </p:nvPr>
-        </p:nvSpPr>
-        <p:spPr/>
-        <p:txBody>
-          <a:bodyPr/>
-          <a:lstStyle/>
-          <a:p>
-            <a:r>
-              <a:rPr lang="en-US" dirty="0" smtClean="0"/>
-              <a:t>RM-URISA </a:t>
-            </a:r>
-          </a:p>
-          <a:p>
-            <a:r>
-              <a:rPr lang="en-US" dirty="0" smtClean="0"/>
-              <a:t>By Luke </a:t>
-            </a:r>
-            <a:r>
-              <a:rPr lang="en-US" dirty="0" err="1" smtClean="0"/>
-              <a:t>Kaim</a:t>
-            </a:r>
-            <a:endParaRPr lang="en-US" dirty="0" smtClean="0"/>
-          </a:p>
-          <a:p>
-            <a:r>
-              <a:rPr lang="en-US" dirty="0" smtClean="0"/>
-              <a:t>04/22/2016</a:t>
-            </a:r>
+          <a:p>
+            <a:r>
+              <a:rPr lang="en-US"/>
+              <a:t>12/09/2016</a:t>
+            </a:r>
+            <a:endParaRPr lang="en-US" dirty="0"/>
           </a:p>
           <a:p>
             <a:endParaRPr lang="en-US" dirty="0"/>
@@ -5086,10 +5069,9 @@
           <a:lstStyle/>
           <a:p>
             <a:r>
-              <a:rPr lang="en-US" dirty="0" smtClean="0"/>
+              <a:rPr lang="en-US" dirty="0"/>
               <a:t>Python data types overview</a:t>
             </a:r>
-            <a:endParaRPr lang="en-US" dirty="0"/>
           </a:p>
         </p:txBody>
       </p:sp>
@@ -5111,27 +5093,27 @@
           <a:lstStyle/>
           <a:p>
             <a:r>
-              <a:rPr lang="en-US" dirty="0" smtClean="0"/>
+              <a:rPr lang="en-US" dirty="0"/>
               <a:t>Numbers (</a:t>
             </a:r>
             <a:r>
-              <a:rPr lang="en-US" dirty="0" err="1" smtClean="0"/>
+              <a:rPr lang="en-US" dirty="0" err="1"/>
               <a:t>int</a:t>
             </a:r>
             <a:r>
-              <a:rPr lang="en-US" dirty="0" smtClean="0"/>
+              <a:rPr lang="en-US" dirty="0"/>
               <a:t>, float, double, long)</a:t>
             </a:r>
           </a:p>
           <a:p>
             <a:r>
-              <a:rPr lang="en-US" dirty="0" smtClean="0"/>
+              <a:rPr lang="en-US" dirty="0"/>
               <a:t>String - are text defined between quotes either single or double quotes </a:t>
             </a:r>
           </a:p>
           <a:p>
             <a:r>
-              <a:rPr lang="en-US" dirty="0" smtClean="0"/>
+              <a:rPr lang="en-US" dirty="0"/>
               <a:t>List is a comma-separated values between brackets</a:t>
             </a:r>
           </a:p>
@@ -5140,13 +5122,13 @@
               <a:buNone/>
             </a:pPr>
             <a:r>
-              <a:rPr lang="en-US" dirty="0" smtClean="0"/>
+              <a:rPr lang="en-US" dirty="0"/>
               <a:t> </a:t>
             </a:r>
           </a:p>
           <a:p>
             <a:r>
-              <a:rPr lang="en-US" dirty="0" smtClean="0"/>
+              <a:rPr lang="en-US" dirty="0"/>
               <a:t>Tuple is a sequence of immutable python objects </a:t>
             </a:r>
           </a:p>
@@ -5154,20 +5136,19 @@
             <a:pPr marL="137160" indent="0">
               <a:buNone/>
             </a:pPr>
-            <a:endParaRPr lang="en-US" dirty="0" smtClean="0"/>
-          </a:p>
-          <a:p>
-            <a:r>
-              <a:rPr lang="en-US" dirty="0" smtClean="0"/>
+            <a:endParaRPr lang="en-US" dirty="0"/>
+          </a:p>
+          <a:p>
+            <a:r>
+              <a:rPr lang="en-US" dirty="0"/>
               <a:t>Sets is a collection of unique elements </a:t>
             </a:r>
           </a:p>
           <a:p>
             <a:r>
-              <a:rPr lang="en-US" dirty="0" smtClean="0"/>
+              <a:rPr lang="en-US" dirty="0"/>
               <a:t>Dictionary stores keys and values. Values can be looked up using the key. Think of the key as a primary key in a database. Keys have to be unique </a:t>
             </a:r>
-            <a:endParaRPr lang="en-US" dirty="0"/>
           </a:p>
         </p:txBody>
       </p:sp>
@@ -5361,10 +5342,9 @@
           <a:lstStyle/>
           <a:p>
             <a:r>
-              <a:rPr lang="en-US" dirty="0" smtClean="0"/>
+              <a:rPr lang="en-US" dirty="0"/>
               <a:t>Python reserved words </a:t>
             </a:r>
-            <a:endParaRPr lang="en-US" dirty="0"/>
           </a:p>
         </p:txBody>
       </p:sp>
@@ -5384,23 +5364,23 @@
           <a:lstStyle/>
           <a:p>
             <a:r>
-              <a:rPr lang="en-US" dirty="0" smtClean="0"/>
+              <a:rPr lang="en-US" dirty="0"/>
               <a:t>Keywords = [and, del, from, not, while, as, </a:t>
             </a:r>
             <a:r>
-              <a:rPr lang="en-US" dirty="0" err="1" smtClean="0"/>
+              <a:rPr lang="en-US" dirty="0" err="1"/>
               <a:t>elif</a:t>
             </a:r>
             <a:r>
-              <a:rPr lang="en-US" dirty="0" smtClean="0"/>
+              <a:rPr lang="en-US" dirty="0"/>
               <a:t>, global, or, with, assert, else, if, pass, yield,  break, except, import, print, class, exec, in, raise, continue, finally, is, return, </a:t>
             </a:r>
             <a:r>
-              <a:rPr lang="en-US" dirty="0" err="1" smtClean="0"/>
+              <a:rPr lang="en-US" dirty="0" err="1"/>
               <a:t>def</a:t>
             </a:r>
             <a:r>
-              <a:rPr lang="en-US" dirty="0" smtClean="0"/>
+              <a:rPr lang="en-US" dirty="0"/>
               <a:t>, for, lambda, try]</a:t>
             </a:r>
           </a:p>
@@ -5412,7 +5392,7 @@
           </a:p>
           <a:p>
             <a:r>
-              <a:rPr lang="en-US" dirty="0" smtClean="0"/>
+              <a:rPr lang="en-US" dirty="0"/>
               <a:t>Backslash allows one to escape. </a:t>
             </a:r>
           </a:p>
@@ -5420,7 +5400,7 @@
             <a:endParaRPr lang="en-US" dirty="0"/>
           </a:p>
           <a:p>
-            <a:endParaRPr lang="en-US" dirty="0" smtClean="0"/>
+            <a:endParaRPr lang="en-US" dirty="0"/>
           </a:p>
           <a:p>
             <a:endParaRPr lang="en-US" dirty="0"/>
@@ -5476,10 +5456,9 @@
           <a:lstStyle/>
           <a:p>
             <a:r>
-              <a:rPr lang="en-US" dirty="0" smtClean="0"/>
+              <a:rPr lang="en-US" dirty="0"/>
               <a:t>Numbers</a:t>
             </a:r>
-            <a:endParaRPr lang="en-US" dirty="0"/>
           </a:p>
         </p:txBody>
       </p:sp>
@@ -5639,10 +5618,9 @@
           <a:lstStyle/>
           <a:p>
             <a:r>
-              <a:rPr lang="en-US" dirty="0" smtClean="0"/>
+              <a:rPr lang="en-US" dirty="0"/>
               <a:t>Python Operators</a:t>
             </a:r>
-            <a:endParaRPr lang="en-US" dirty="0"/>
           </a:p>
         </p:txBody>
       </p:sp>
@@ -5748,10 +5726,9 @@
           <a:lstStyle/>
           <a:p>
             <a:r>
-              <a:rPr lang="en-US" dirty="0" smtClean="0"/>
+              <a:rPr lang="en-US" dirty="0"/>
               <a:t>String</a:t>
             </a:r>
-            <a:endParaRPr lang="en-US" dirty="0"/>
           </a:p>
         </p:txBody>
       </p:sp>
@@ -5779,39 +5756,27 @@
               <a:rPr lang="en-US" dirty="0">
                 <a:hlinkClick r:id="rId3"/>
               </a:rPr>
-              <a:t>https://</a:t>
-            </a:r>
-            <a:r>
-              <a:rPr lang="en-US" dirty="0" smtClean="0">
-                <a:hlinkClick r:id="rId3"/>
-              </a:rPr>
-              <a:t>docs.python.org/2/library/stdtypes.html#string-methods</a:t>
-            </a:r>
-            <a:endParaRPr lang="en-US" dirty="0" smtClean="0"/>
+              <a:t>https://docs.python.org/2/library/stdtypes.html#string-methods</a:t>
+            </a:r>
+            <a:endParaRPr lang="en-US" dirty="0"/>
           </a:p>
           <a:p>
             <a:r>
               <a:rPr lang="en-US" dirty="0">
                 <a:hlinkClick r:id="rId4"/>
               </a:rPr>
-              <a:t>http://</a:t>
-            </a:r>
-            <a:r>
-              <a:rPr lang="en-US" dirty="0" smtClean="0">
-                <a:hlinkClick r:id="rId4"/>
-              </a:rPr>
-              <a:t>www.dotnetperls.com/slice-python</a:t>
-            </a:r>
-            <a:endParaRPr lang="en-US" dirty="0" smtClean="0"/>
-          </a:p>
-          <a:p>
-            <a:endParaRPr lang="en-US" dirty="0" smtClean="0"/>
+              <a:t>http://www.dotnetperls.com/slice-python</a:t>
+            </a:r>
+            <a:endParaRPr lang="en-US" dirty="0"/>
+          </a:p>
+          <a:p>
+            <a:endParaRPr lang="en-US" dirty="0"/>
           </a:p>
           <a:p>
             <a:pPr marL="137160" indent="0">
               <a:buNone/>
             </a:pPr>
-            <a:endParaRPr lang="en-US" dirty="0" smtClean="0"/>
+            <a:endParaRPr lang="en-US" dirty="0"/>
           </a:p>
         </p:txBody>
       </p:sp>
@@ -5915,10 +5880,9 @@
           <a:lstStyle/>
           <a:p>
             <a:r>
-              <a:rPr lang="en-US" dirty="0" smtClean="0"/>
+              <a:rPr lang="en-US" dirty="0"/>
               <a:t>Lists</a:t>
             </a:r>
-            <a:endParaRPr lang="en-US" dirty="0"/>
           </a:p>
         </p:txBody>
       </p:sp>
@@ -5941,15 +5905,9 @@
               <a:rPr lang="en-US" dirty="0">
                 <a:hlinkClick r:id="rId3"/>
               </a:rPr>
-              <a:t>https://</a:t>
-            </a:r>
-            <a:r>
-              <a:rPr lang="en-US" dirty="0" smtClean="0">
-                <a:hlinkClick r:id="rId3"/>
-              </a:rPr>
-              <a:t>docs.python.org/2/tutorial/datastructures.html</a:t>
-            </a:r>
-            <a:endParaRPr lang="en-US" dirty="0" smtClean="0"/>
+              <a:t>https://docs.python.org/2/tutorial/datastructures.html</a:t>
+            </a:r>
+            <a:endParaRPr lang="en-US" dirty="0"/>
           </a:p>
           <a:p>
             <a:endParaRPr lang="en-US" dirty="0"/>
@@ -6056,10 +6014,9 @@
           <a:lstStyle/>
           <a:p>
             <a:r>
-              <a:rPr lang="en-US" dirty="0" smtClean="0"/>
+              <a:rPr lang="en-US" dirty="0"/>
               <a:t>Tuple</a:t>
             </a:r>
-            <a:endParaRPr lang="en-US" dirty="0"/>
           </a:p>
         </p:txBody>
       </p:sp>
@@ -6082,15 +6039,9 @@
               <a:rPr lang="en-US" dirty="0">
                 <a:hlinkClick r:id="rId2"/>
               </a:rPr>
-              <a:t>http://</a:t>
-            </a:r>
-            <a:r>
-              <a:rPr lang="en-US" dirty="0" smtClean="0">
-                <a:hlinkClick r:id="rId2"/>
-              </a:rPr>
-              <a:t>www.tutorialspoint.com/python/python_tuples.htm</a:t>
-            </a:r>
-            <a:endParaRPr lang="en-US" dirty="0" smtClean="0"/>
+              <a:t>http://www.tutorialspoint.com/python/python_tuples.htm</a:t>
+            </a:r>
+            <a:endParaRPr lang="en-US" dirty="0"/>
           </a:p>
           <a:p>
             <a:pPr marL="137160" indent="0">
@@ -6200,10 +6151,9 @@
           <a:lstStyle/>
           <a:p>
             <a:r>
-              <a:rPr lang="en-US" dirty="0" smtClean="0"/>
+              <a:rPr lang="en-US" dirty="0"/>
               <a:t>Dictionary</a:t>
             </a:r>
-            <a:endParaRPr lang="en-US" dirty="0"/>
           </a:p>
         </p:txBody>
       </p:sp>
@@ -6226,19 +6176,13 @@
               <a:rPr lang="en-US" dirty="0">
                 <a:hlinkClick r:id="rId2"/>
               </a:rPr>
-              <a:t>https://</a:t>
-            </a:r>
-            <a:r>
-              <a:rPr lang="en-US" dirty="0" smtClean="0">
-                <a:hlinkClick r:id="rId2"/>
-              </a:rPr>
-              <a:t>docs.python.org/2/library/stdtypes.html#typesmapping</a:t>
-            </a:r>
-            <a:endParaRPr lang="en-US" dirty="0" smtClean="0"/>
-          </a:p>
-          <a:p>
-            <a:r>
-              <a:rPr lang="en-US" dirty="0" smtClean="0"/>
+              <a:t>https://docs.python.org/2/library/stdtypes.html#typesmapping</a:t>
+            </a:r>
+            <a:endParaRPr lang="en-US" dirty="0"/>
+          </a:p>
+          <a:p>
+            <a:r>
+              <a:rPr lang="en-US" dirty="0"/>
               <a:t>Order does not matter in a dictionary</a:t>
             </a:r>
           </a:p>
@@ -6246,7 +6190,7 @@
             <a:pPr marL="137160" indent="0">
               <a:buNone/>
             </a:pPr>
-            <a:endParaRPr lang="en-US" dirty="0" smtClean="0"/>
+            <a:endParaRPr lang="en-US" dirty="0"/>
           </a:p>
           <a:p>
             <a:pPr marL="137160" indent="0">
@@ -6356,10 +6300,9 @@
           <a:lstStyle/>
           <a:p>
             <a:r>
-              <a:rPr lang="en-US" dirty="0" smtClean="0"/>
+              <a:rPr lang="en-US" dirty="0"/>
               <a:t>Truth Table </a:t>
             </a:r>
-            <a:endParaRPr lang="en-US" dirty="0"/>
           </a:p>
         </p:txBody>
       </p:sp>
@@ -6437,17 +6380,16 @@
           <a:lstStyle/>
           <a:p>
             <a:r>
-              <a:rPr lang="en-US" dirty="0" smtClean="0"/>
+              <a:rPr lang="en-US" dirty="0"/>
               <a:t>If else Boolean logic</a:t>
             </a:r>
             <a:br>
-              <a:rPr lang="en-US" dirty="0" smtClean="0"/>
+              <a:rPr lang="en-US" dirty="0"/>
             </a:br>
             <a:r>
-              <a:rPr lang="en-US" dirty="0" smtClean="0"/>
+              <a:rPr lang="en-US" dirty="0"/>
               <a:t>Control flow</a:t>
             </a:r>
-            <a:endParaRPr lang="en-US" dirty="0"/>
           </a:p>
         </p:txBody>
       </p:sp>
@@ -6472,7 +6414,7 @@
           <a:lstStyle/>
           <a:p>
             <a:r>
-              <a:rPr lang="en-US" dirty="0" smtClean="0"/>
+              <a:rPr lang="en-US" dirty="0"/>
               <a:t>Boolean logic using if else logic is a way of making decisions with code</a:t>
             </a:r>
           </a:p>
@@ -6480,7 +6422,7 @@
             <a:endParaRPr lang="en-US" dirty="0"/>
           </a:p>
           <a:p>
-            <a:endParaRPr lang="en-US" dirty="0" smtClean="0"/>
+            <a:endParaRPr lang="en-US" dirty="0"/>
           </a:p>
         </p:txBody>
       </p:sp>
@@ -6640,12 +6582,8 @@
           <a:lstStyle/>
           <a:p>
             <a:r>
-              <a:rPr lang="en-US" dirty="0" smtClean="0"/>
-              <a:t>Useful links </a:t>
-            </a:r>
-            <a:r>
-              <a:rPr lang="en-US" dirty="0"/>
-              <a:t>and resources</a:t>
+              <a:rPr lang="en-US" dirty="0"/>
+              <a:t>Useful links and resources</a:t>
             </a:r>
           </a:p>
         </p:txBody>
@@ -6687,64 +6625,50 @@
           </a:p>
           <a:p>
             <a:r>
-              <a:rPr lang="en-US" dirty="0" err="1" smtClean="0">
+              <a:rPr lang="en-US" dirty="0" err="1">
                 <a:hlinkClick r:id="rId2"/>
               </a:rPr>
               <a:t>PennState</a:t>
             </a:r>
             <a:r>
-              <a:rPr lang="en-US" dirty="0" smtClean="0">
+              <a:rPr lang="en-US" dirty="0">
                 <a:hlinkClick r:id="rId2"/>
               </a:rPr>
               <a:t> GEOG 485 - GIS Programming and Automation</a:t>
             </a:r>
-            <a:endParaRPr lang="en-US" dirty="0" smtClean="0"/>
-          </a:p>
-          <a:p>
-            <a:r>
-              <a:rPr lang="en-US" dirty="0" smtClean="0">
+            <a:endParaRPr lang="en-US" dirty="0"/>
+          </a:p>
+          <a:p>
+            <a:r>
+              <a:rPr lang="en-US" dirty="0">
                 <a:hlinkClick r:id="rId4"/>
               </a:rPr>
               <a:t>Learning Python the Hard Way</a:t>
             </a:r>
-            <a:endParaRPr lang="en-US" dirty="0" smtClean="0"/>
-          </a:p>
-          <a:p>
-            <a:r>
-              <a:rPr lang="en-US" dirty="0" smtClean="0">
+            <a:endParaRPr lang="en-US" dirty="0"/>
+          </a:p>
+          <a:p>
+            <a:r>
+              <a:rPr lang="en-US" dirty="0">
                 <a:hlinkClick r:id="rId5"/>
               </a:rPr>
               <a:t>tutorials point</a:t>
             </a:r>
-            <a:endParaRPr lang="en-US" dirty="0" smtClean="0"/>
+            <a:endParaRPr lang="en-US" dirty="0"/>
           </a:p>
           <a:p>
             <a:r>
               <a:rPr lang="en-US" dirty="0">
                 <a:hlinkClick r:id="rId6"/>
               </a:rPr>
-              <a:t>https://</a:t>
-            </a:r>
-            <a:r>
-              <a:rPr lang="en-US" dirty="0" smtClean="0">
-                <a:hlinkClick r:id="rId6"/>
-              </a:rPr>
-              <a:t>geonet.esri.com/community/discussions-lobby/overview</a:t>
-            </a:r>
-            <a:endParaRPr lang="en-US" dirty="0" smtClean="0"/>
-          </a:p>
-          <a:p>
-            <a:r>
-              <a:rPr lang="en-US" dirty="0" smtClean="0"/>
-              <a:t>GIS </a:t>
-            </a:r>
-            <a:r>
-              <a:rPr lang="en-US" dirty="0"/>
-              <a:t>Colorado listserv (list@giscolorado.org </a:t>
-            </a:r>
-            <a:r>
-              <a:rPr lang="en-US" dirty="0" smtClean="0"/>
-              <a:t>)</a:t>
+              <a:t>https://geonet.esri.com/community/discussions-lobby/overview</a:t>
+            </a:r>
+            <a:endParaRPr lang="en-US" dirty="0"/>
+          </a:p>
+          <a:p>
+            <a:r>
+              <a:rPr lang="en-US" dirty="0"/>
+              <a:t>GIS Colorado listserv (list@giscolorado.org )</a:t>
             </a:r>
           </a:p>
           <a:p>
@@ -6756,60 +6680,38 @@
               <a:rPr lang="en-US" dirty="0">
                 <a:hlinkClick r:id="rId7"/>
               </a:rPr>
-              <a:t>http://stackoverflow.com</a:t>
-            </a:r>
-            <a:r>
-              <a:rPr lang="en-US" dirty="0" smtClean="0">
-                <a:hlinkClick r:id="rId7"/>
-              </a:rPr>
-              <a:t>/</a:t>
-            </a:r>
-            <a:endParaRPr lang="en-US" dirty="0" smtClean="0"/>
+              <a:t>http://stackoverflow.com/</a:t>
+            </a:r>
+            <a:endParaRPr lang="en-US" dirty="0"/>
           </a:p>
           <a:p>
             <a:r>
               <a:rPr lang="en-US" dirty="0">
                 <a:hlinkClick r:id="rId8"/>
               </a:rPr>
-              <a:t>http://www.meetup.com/Geospatial-Amateurs-Denver</a:t>
-            </a:r>
-            <a:r>
-              <a:rPr lang="en-US" dirty="0" smtClean="0">
-                <a:hlinkClick r:id="rId8"/>
-              </a:rPr>
-              <a:t>/</a:t>
-            </a:r>
-            <a:endParaRPr lang="en-US" dirty="0" smtClean="0"/>
+              <a:t>http://www.meetup.com/Geospatial-Amateurs-Denver/</a:t>
+            </a:r>
+            <a:endParaRPr lang="en-US" dirty="0"/>
           </a:p>
           <a:p>
             <a:r>
               <a:rPr lang="en-US" dirty="0">
                 <a:hlinkClick r:id="rId9"/>
               </a:rPr>
-              <a:t>http://</a:t>
-            </a:r>
-            <a:r>
-              <a:rPr lang="en-US" dirty="0" smtClean="0">
-                <a:hlinkClick r:id="rId9"/>
-              </a:rPr>
-              <a:t>www.diveintopython.net/toc/index.html</a:t>
-            </a:r>
-            <a:endParaRPr lang="en-US" dirty="0" smtClean="0"/>
-          </a:p>
-          <a:p>
-            <a:r>
-              <a:rPr lang="en-US" dirty="0" smtClean="0"/>
+              <a:t>http://www.diveintopython.net/toc/index.html</a:t>
+            </a:r>
+            <a:endParaRPr lang="en-US" dirty="0"/>
+          </a:p>
+          <a:p>
+            <a:r>
+              <a:rPr lang="en-US" dirty="0"/>
               <a:t>Google</a:t>
             </a:r>
           </a:p>
           <a:p>
             <a:r>
-              <a:rPr lang="en-US" dirty="0" smtClean="0"/>
-              <a:t>Use your network. “How </a:t>
-            </a:r>
-            <a:r>
-              <a:rPr lang="en-US" dirty="0"/>
-              <a:t>do you get people to help you? You can’t get there alone. People have to help you and I do believe in karma. I believe in paybacks. You get people to help you by telling the </a:t>
+              <a:rPr lang="en-US" dirty="0"/>
+              <a:t>Use your network. “How do you get people to help you? You can’t get there alone. People have to help you and I do believe in karma. I believe in paybacks. You get people to help you by telling the </a:t>
             </a:r>
             <a:r>
               <a:rPr lang="en-US" i="1" dirty="0"/>
@@ -6817,44 +6719,31 @@
             </a:r>
             <a:r>
               <a:rPr lang="en-US" dirty="0"/>
-              <a:t>. Being earnest. I’ll take an earnest person over a hip person any day, because hip is short term. Earnest is long </a:t>
-            </a:r>
-            <a:r>
-              <a:rPr lang="en-US" dirty="0" smtClean="0"/>
-              <a:t>term.” </a:t>
-            </a:r>
-            <a:r>
-              <a:rPr lang="en-US" dirty="0"/>
-              <a:t>(Randy </a:t>
-            </a:r>
-            <a:r>
-              <a:rPr lang="en-US" dirty="0" err="1" smtClean="0"/>
+              <a:t>. Being earnest. I’ll take an earnest person over a hip person any day, because hip is short term. Earnest is long term.” (Randy </a:t>
+            </a:r>
+            <a:r>
+              <a:rPr lang="en-US" dirty="0" err="1"/>
               <a:t>Pausch</a:t>
             </a:r>
             <a:r>
-              <a:rPr lang="en-US" dirty="0" smtClean="0"/>
+              <a:rPr lang="en-US" dirty="0"/>
               <a:t>)</a:t>
             </a:r>
-            <a:endParaRPr lang="en-US" dirty="0"/>
           </a:p>
           <a:p>
             <a:pPr marL="137160" indent="0">
               <a:buNone/>
             </a:pPr>
-            <a:endParaRPr lang="en-US" dirty="0" smtClean="0"/>
+            <a:endParaRPr lang="en-US" dirty="0"/>
           </a:p>
           <a:p>
             <a:pPr marL="137160" indent="0">
               <a:buNone/>
             </a:pPr>
-            <a:r>
-              <a:rPr lang="en-US" dirty="0" smtClean="0"/>
-              <a:t/>
-            </a:r>
             <a:br>
-              <a:rPr lang="en-US" dirty="0" smtClean="0"/>
+              <a:rPr lang="en-US" dirty="0"/>
             </a:br>
-            <a:endParaRPr lang="en-US" dirty="0" smtClean="0"/>
+            <a:endParaRPr lang="en-US" dirty="0"/>
           </a:p>
           <a:p>
             <a:endParaRPr lang="en-US" dirty="0"/>
@@ -6871,13 +6760,6 @@
   <p:clrMapOvr>
     <a:masterClrMapping/>
   </p:clrMapOvr>
-  <p:timing>
-    <p:tnLst>
-      <p:par>
-        <p:cTn id="1" dur="indefinite" restart="never" nodeType="tmRoot"/>
-      </p:par>
-    </p:tnLst>
-  </p:timing>
 </p:sld>
 </file>
 
@@ -6914,10 +6796,9 @@
           <a:lstStyle/>
           <a:p>
             <a:r>
-              <a:rPr lang="en-US" dirty="0" smtClean="0"/>
+              <a:rPr lang="en-US" dirty="0"/>
               <a:t>Error Handling</a:t>
             </a:r>
-            <a:endParaRPr lang="en-US" dirty="0"/>
           </a:p>
         </p:txBody>
       </p:sp>
@@ -6938,14 +6819,10 @@
           <a:p>
             <a:r>
               <a:rPr lang="en-US" dirty="0"/>
-              <a:t>An exception is an error that happens during the execution of a program</a:t>
-            </a:r>
-            <a:r>
-              <a:rPr lang="en-US" dirty="0" smtClean="0"/>
-              <a:t>.</a:t>
+              <a:t>An exception is an error that happens during the execution of a program.</a:t>
             </a:r>
             <a:br>
-              <a:rPr lang="en-US" dirty="0" smtClean="0"/>
+              <a:rPr lang="en-US" dirty="0"/>
             </a:br>
             <a:endParaRPr lang="en-US" dirty="0"/>
           </a:p>
@@ -7051,10 +6928,9 @@
           <a:lstStyle/>
           <a:p>
             <a:r>
-              <a:rPr lang="en-US" dirty="0" smtClean="0"/>
+              <a:rPr lang="en-US" dirty="0"/>
               <a:t>Exercise 1</a:t>
             </a:r>
-            <a:endParaRPr lang="en-US" dirty="0"/>
           </a:p>
         </p:txBody>
       </p:sp>
@@ -7083,72 +6959,40 @@
             <a:pPr marL="137160" indent="0">
               <a:buNone/>
             </a:pPr>
-            <a:endParaRPr lang="en-US" dirty="0" smtClean="0"/>
-          </a:p>
-          <a:p>
-            <a:r>
-              <a:rPr lang="en-US" dirty="0" smtClean="0"/>
+            <a:endParaRPr lang="en-US" dirty="0"/>
+          </a:p>
+          <a:p>
+            <a:r>
+              <a:rPr lang="en-US" dirty="0"/>
               <a:t>Create code to test if a feature class exists or not. </a:t>
             </a:r>
           </a:p>
           <a:p>
             <a:r>
-              <a:rPr lang="en-US" dirty="0" smtClean="0"/>
-              <a:t>If </a:t>
-            </a:r>
-            <a:r>
-              <a:rPr lang="en-US" dirty="0"/>
-              <a:t>the file exists then test the features shape type. </a:t>
-            </a:r>
-            <a:r>
-              <a:rPr lang="en-US" dirty="0" smtClean="0"/>
-              <a:t>If the shape type is not a point, line or polygon, then print message stating the user must select new file. If the shape type is </a:t>
-            </a:r>
-            <a:r>
-              <a:rPr lang="en-US" dirty="0"/>
-              <a:t>point, line or </a:t>
-            </a:r>
-            <a:r>
-              <a:rPr lang="en-US" dirty="0" smtClean="0"/>
-              <a:t>polygon, then print the shape type. </a:t>
-            </a:r>
-          </a:p>
-          <a:p>
-            <a:r>
-              <a:rPr lang="en-US" dirty="0"/>
-              <a:t>If the file does not exist then print </a:t>
-            </a:r>
-            <a:r>
-              <a:rPr lang="en-US" dirty="0" smtClean="0"/>
-              <a:t>message.</a:t>
-            </a:r>
-          </a:p>
-          <a:p>
-            <a:r>
-              <a:rPr lang="en-US" dirty="0" smtClean="0">
-                <a:hlinkClick r:id="rId2"/>
-              </a:rPr>
-              <a:t>http</a:t>
-            </a:r>
+              <a:rPr lang="en-US" dirty="0"/>
+              <a:t>If the file exists then test the features shape type. If the shape type is not a point, line or polygon, then print message stating the user must select new file. If the shape type is point, line or polygon, then print the shape type. </a:t>
+            </a:r>
+          </a:p>
+          <a:p>
+            <a:r>
+              <a:rPr lang="en-US" dirty="0"/>
+              <a:t>If the file does not exist then print message.</a:t>
+            </a:r>
+          </a:p>
+          <a:p>
             <a:r>
               <a:rPr lang="en-US" dirty="0">
                 <a:hlinkClick r:id="rId2"/>
               </a:rPr>
-              <a:t>://resources.arcgis.com/EN/HELP/MAIN/10.1/index.html#/FeatureClass_properties/018v00000011000000</a:t>
-            </a:r>
-            <a:r>
-              <a:rPr lang="en-US" dirty="0" smtClean="0">
-                <a:hlinkClick r:id="rId2"/>
-              </a:rPr>
-              <a:t>/</a:t>
-            </a:r>
-            <a:endParaRPr lang="en-US" dirty="0" smtClean="0"/>
-          </a:p>
-          <a:p>
+              <a:t>http://resources.arcgis.com/EN/HELP/MAIN/10.1/index.html#/FeatureClass_properties/018v00000011000000/</a:t>
+            </a:r>
             <a:endParaRPr lang="en-US" dirty="0"/>
           </a:p>
           <a:p>
-            <a:endParaRPr lang="en-US" dirty="0" smtClean="0"/>
+            <a:endParaRPr lang="en-US" dirty="0"/>
+          </a:p>
+          <a:p>
+            <a:endParaRPr lang="en-US" dirty="0"/>
           </a:p>
           <a:p>
             <a:endParaRPr lang="en-US" dirty="0"/>
@@ -7201,10 +7045,9 @@
           <a:lstStyle/>
           <a:p>
             <a:r>
-              <a:rPr lang="en-US" dirty="0" smtClean="0"/>
+              <a:rPr lang="en-US" dirty="0"/>
               <a:t>Exercise 1</a:t>
             </a:r>
-            <a:endParaRPr lang="en-US" dirty="0"/>
           </a:p>
         </p:txBody>
       </p:sp>
@@ -7229,10 +7072,9 @@
           <a:lstStyle/>
           <a:p>
             <a:r>
-              <a:rPr lang="en-US" dirty="0" smtClean="0"/>
+              <a:rPr lang="en-US" dirty="0"/>
               <a:t>Expand the logic to handle if a feature class exists and test the shape type of a feature class.</a:t>
             </a:r>
-            <a:endParaRPr lang="en-US" dirty="0"/>
           </a:p>
         </p:txBody>
       </p:sp>
@@ -7336,10 +7178,9 @@
           <a:lstStyle/>
           <a:p>
             <a:r>
-              <a:rPr lang="en-US" dirty="0" smtClean="0"/>
+              <a:rPr lang="en-US" dirty="0"/>
               <a:t>Exercise 1 Answer</a:t>
             </a:r>
-            <a:endParaRPr lang="en-US" dirty="0"/>
           </a:p>
         </p:txBody>
       </p:sp>
@@ -7370,21 +7211,8 @@
                   <a:prstClr val="white"/>
                 </a:solidFill>
               </a:rPr>
-              <a:t>Both answers are technically correct. Why is one answer better then another</a:t>
-            </a:r>
-            <a:r>
-              <a:rPr lang="en-US" dirty="0" smtClean="0">
-                <a:solidFill>
-                  <a:prstClr val="white"/>
-                </a:solidFill>
-              </a:rPr>
-              <a:t>?</a:t>
-            </a:r>
-            <a:endParaRPr lang="en-US" dirty="0">
-              <a:solidFill>
-                <a:prstClr val="white"/>
-              </a:solidFill>
-            </a:endParaRPr>
+              <a:t>Both answers are technically correct. Why is one answer better then another?</a:t>
+            </a:r>
           </a:p>
         </p:txBody>
       </p:sp>
@@ -7542,10 +7370,9 @@
           <a:lstStyle/>
           <a:p>
             <a:r>
-              <a:rPr lang="en-US" dirty="0" smtClean="0"/>
+              <a:rPr lang="en-US" dirty="0"/>
               <a:t>File path locations </a:t>
             </a:r>
-            <a:endParaRPr lang="en-US" dirty="0"/>
           </a:p>
         </p:txBody>
       </p:sp>
@@ -7651,10 +7478,9 @@
           <a:lstStyle/>
           <a:p>
             <a:r>
-              <a:rPr lang="en-US" dirty="0" smtClean="0"/>
+              <a:rPr lang="en-US" dirty="0"/>
               <a:t>Loops</a:t>
             </a:r>
-            <a:endParaRPr lang="en-US" dirty="0"/>
           </a:p>
         </p:txBody>
       </p:sp>
@@ -7679,13 +7505,13 @@
           <a:lstStyle/>
           <a:p>
             <a:r>
-              <a:rPr lang="en-US" dirty="0" smtClean="0"/>
+              <a:rPr lang="en-US" dirty="0"/>
               <a:t>Loops allow one to iterate over a group of statements multiple times</a:t>
             </a:r>
           </a:p>
           <a:p>
             <a:r>
-              <a:rPr lang="en-US" dirty="0" smtClean="0"/>
+              <a:rPr lang="en-US" dirty="0"/>
               <a:t>For loop</a:t>
             </a:r>
           </a:p>
@@ -7694,13 +7520,13 @@
           </a:p>
           <a:p>
             <a:r>
-              <a:rPr lang="en-US" dirty="0" smtClean="0"/>
+              <a:rPr lang="en-US" dirty="0"/>
               <a:t>While loop </a:t>
             </a:r>
             <a:br>
-              <a:rPr lang="en-US" dirty="0" smtClean="0"/>
+              <a:rPr lang="en-US" dirty="0"/>
             </a:br>
-            <a:endParaRPr lang="en-US" dirty="0" smtClean="0"/>
+            <a:endParaRPr lang="en-US" dirty="0"/>
           </a:p>
         </p:txBody>
       </p:sp>
@@ -7912,10 +7738,9 @@
           <a:lstStyle/>
           <a:p>
             <a:r>
-              <a:rPr lang="en-US" dirty="0" smtClean="0"/>
+              <a:rPr lang="en-US" dirty="0"/>
               <a:t>Loops: For else</a:t>
             </a:r>
-            <a:endParaRPr lang="en-US" dirty="0"/>
           </a:p>
         </p:txBody>
       </p:sp>
@@ -7935,10 +7760,9 @@
           <a:lstStyle/>
           <a:p>
             <a:r>
-              <a:rPr lang="en-US" dirty="0" smtClean="0"/>
+              <a:rPr lang="en-US" dirty="0"/>
               <a:t>For else tests if the loop finishes. This can be useful because sometimes one wants to know if the loop finishes. </a:t>
             </a:r>
-            <a:endParaRPr lang="en-US" dirty="0"/>
           </a:p>
         </p:txBody>
       </p:sp>
@@ -8042,10 +7866,9 @@
           <a:lstStyle/>
           <a:p>
             <a:r>
-              <a:rPr lang="en-US" dirty="0" smtClean="0"/>
+              <a:rPr lang="en-US" dirty="0"/>
               <a:t>Continue </a:t>
             </a:r>
-            <a:endParaRPr lang="en-US" dirty="0"/>
           </a:p>
         </p:txBody>
       </p:sp>
@@ -8151,10 +7974,9 @@
           <a:lstStyle/>
           <a:p>
             <a:r>
-              <a:rPr lang="en-US" dirty="0" smtClean="0"/>
+              <a:rPr lang="en-US" dirty="0"/>
               <a:t>Exercise 2</a:t>
             </a:r>
-            <a:endParaRPr lang="en-US" dirty="0"/>
           </a:p>
         </p:txBody>
       </p:sp>
@@ -8177,85 +7999,49 @@
           <a:p>
             <a:r>
               <a:rPr lang="en-US" dirty="0"/>
-              <a:t>Use a for loop or while loop </a:t>
-            </a:r>
-            <a:r>
-              <a:rPr lang="en-US" dirty="0" smtClean="0"/>
-              <a:t>to iterate over a list</a:t>
-            </a:r>
-          </a:p>
-          <a:p>
-            <a:r>
-              <a:rPr lang="en-US" dirty="0" smtClean="0"/>
+              <a:t>Use a for loop or while loop to iterate over a list</a:t>
+            </a:r>
+          </a:p>
+          <a:p>
+            <a:r>
+              <a:rPr lang="en-US" dirty="0"/>
               <a:t>Project the data to State plane north</a:t>
             </a:r>
           </a:p>
           <a:p>
             <a:r>
-              <a:rPr lang="en-US" dirty="0" smtClean="0"/>
+              <a:rPr lang="en-US" dirty="0"/>
               <a:t>Test if the feature class exists</a:t>
             </a:r>
           </a:p>
           <a:p>
             <a:r>
-              <a:rPr lang="en-US" dirty="0" smtClean="0"/>
+              <a:rPr lang="en-US" dirty="0"/>
               <a:t>If the feature class is a point feature class, then buffer each point by 50 meters</a:t>
             </a:r>
           </a:p>
           <a:p>
             <a:r>
-              <a:rPr lang="en-US" dirty="0" smtClean="0"/>
+              <a:rPr lang="en-US" dirty="0"/>
               <a:t>If the feature class is a line shapefile, then buffer the line by 100 feet</a:t>
             </a:r>
           </a:p>
           <a:p>
             <a:r>
               <a:rPr lang="en-US" dirty="0"/>
-              <a:t>If the </a:t>
-            </a:r>
-            <a:r>
-              <a:rPr lang="en-US" dirty="0" smtClean="0"/>
-              <a:t>feature class </a:t>
-            </a:r>
-            <a:r>
-              <a:rPr lang="en-US" dirty="0"/>
-              <a:t>is a </a:t>
-            </a:r>
-            <a:r>
-              <a:rPr lang="en-US" dirty="0" smtClean="0"/>
-              <a:t>polygon </a:t>
-            </a:r>
-            <a:r>
-              <a:rPr lang="en-US" dirty="0"/>
-              <a:t>shapefile, then buffer the </a:t>
-            </a:r>
-            <a:r>
-              <a:rPr lang="en-US" dirty="0" smtClean="0"/>
-              <a:t>polygon </a:t>
-            </a:r>
-            <a:r>
-              <a:rPr lang="en-US" dirty="0"/>
-              <a:t>by </a:t>
-            </a:r>
-            <a:r>
-              <a:rPr lang="en-US" dirty="0" smtClean="0"/>
-              <a:t>200 feet</a:t>
-            </a:r>
-          </a:p>
-          <a:p>
-            <a:r>
-              <a:rPr lang="en-US" dirty="0" smtClean="0"/>
+              <a:t>If the feature class is a polygon shapefile, then buffer the polygon by 200 feet</a:t>
+            </a:r>
+          </a:p>
+          <a:p>
+            <a:r>
+              <a:rPr lang="en-US" dirty="0"/>
               <a:t>Code must be commented. </a:t>
             </a:r>
           </a:p>
           <a:p>
             <a:r>
               <a:rPr lang="en-US" dirty="0"/>
-              <a:t>Hint combine the code from </a:t>
-            </a:r>
-            <a:r>
-              <a:rPr lang="en-US" dirty="0" smtClean="0"/>
-              <a:t>exercise 1.</a:t>
+              <a:t>Hint combine the code from exercise 1.</a:t>
             </a:r>
           </a:p>
           <a:p>
@@ -8322,22 +8108,18 @@
             </a:r>
             <a:r>
               <a:rPr lang="en-US" dirty="0"/>
-              <a:t>="Distance", method=None</a:t>
-            </a:r>
-            <a:r>
-              <a:rPr lang="en-US" dirty="0" smtClean="0"/>
-              <a:t>)</a:t>
+              <a:t>="Distance", method=None)</a:t>
             </a:r>
           </a:p>
           <a:p>
             <a:pPr lvl="1"/>
             <a:r>
-              <a:rPr lang="en-US" dirty="0" smtClean="0">
+              <a:rPr lang="en-US" dirty="0">
                 <a:hlinkClick r:id="rId3"/>
               </a:rPr>
               <a:t>buffer tool</a:t>
             </a:r>
-            <a:endParaRPr lang="en-US" dirty="0" smtClean="0"/>
+            <a:endParaRPr lang="en-US" dirty="0"/>
           </a:p>
           <a:p>
             <a:pPr lvl="1"/>
@@ -8345,7 +8127,7 @@
           </a:p>
           <a:p>
             <a:pPr lvl="1"/>
-            <a:endParaRPr lang="en-US" dirty="0" smtClean="0"/>
+            <a:endParaRPr lang="en-US" dirty="0"/>
           </a:p>
         </p:txBody>
       </p:sp>
@@ -8359,13 +8141,6 @@
   <p:clrMapOvr>
     <a:masterClrMapping/>
   </p:clrMapOvr>
-  <p:timing>
-    <p:tnLst>
-      <p:par>
-        <p:cTn id="1" dur="indefinite" restart="never" nodeType="tmRoot"/>
-      </p:par>
-    </p:tnLst>
-  </p:timing>
 </p:sld>
 </file>
 
@@ -8402,10 +8177,9 @@
           <a:lstStyle/>
           <a:p>
             <a:r>
-              <a:rPr lang="en-US" dirty="0" smtClean="0"/>
+              <a:rPr lang="en-US" dirty="0"/>
               <a:t>Exercise 2 </a:t>
             </a:r>
-            <a:endParaRPr lang="en-US" dirty="0"/>
           </a:p>
         </p:txBody>
       </p:sp>
@@ -8511,10 +8285,9 @@
           <a:lstStyle/>
           <a:p>
             <a:r>
-              <a:rPr lang="en-US" dirty="0" smtClean="0"/>
+              <a:rPr lang="en-US" dirty="0"/>
               <a:t>Introduction </a:t>
             </a:r>
-            <a:endParaRPr lang="en-US" dirty="0"/>
           </a:p>
         </p:txBody>
       </p:sp>
@@ -8534,30 +8307,21 @@
           <a:lstStyle/>
           <a:p>
             <a:r>
-              <a:rPr lang="en-US" dirty="0" smtClean="0"/>
-              <a:t>Python is an </a:t>
-            </a:r>
-            <a:r>
-              <a:rPr lang="en-US" dirty="0"/>
-              <a:t>Object-oriented </a:t>
-            </a:r>
-            <a:r>
-              <a:rPr lang="en-US" dirty="0" smtClean="0"/>
-              <a:t>programming language. </a:t>
-            </a:r>
-          </a:p>
-          <a:p>
-            <a:r>
-              <a:rPr lang="en-US" dirty="0" smtClean="0"/>
+              <a:rPr lang="en-US" dirty="0"/>
+              <a:t>Python is an Object-oriented programming language. </a:t>
+            </a:r>
+          </a:p>
+          <a:p>
+            <a:r>
+              <a:rPr lang="en-US" dirty="0"/>
               <a:t>Everything is an object.</a:t>
             </a:r>
           </a:p>
           <a:p>
             <a:r>
-              <a:rPr lang="en-US" dirty="0" smtClean="0"/>
+              <a:rPr lang="en-US" dirty="0"/>
               <a:t>Python is very flexible because of this fact.  </a:t>
             </a:r>
-            <a:endParaRPr lang="en-US" dirty="0"/>
           </a:p>
         </p:txBody>
       </p:sp>
@@ -8607,10 +8371,9 @@
           <a:lstStyle/>
           <a:p>
             <a:r>
-              <a:rPr lang="en-US" dirty="0" smtClean="0"/>
+              <a:rPr lang="en-US" dirty="0"/>
               <a:t>Exercise 2 Answer </a:t>
             </a:r>
-            <a:endParaRPr lang="en-US" dirty="0"/>
           </a:p>
         </p:txBody>
       </p:sp>
@@ -8734,13 +8497,6 @@
   <p:clrMapOvr>
     <a:masterClrMapping/>
   </p:clrMapOvr>
-  <p:timing>
-    <p:tnLst>
-      <p:par>
-        <p:cTn id="1" dur="indefinite" restart="never" nodeType="tmRoot"/>
-      </p:par>
-    </p:tnLst>
-  </p:timing>
 </p:sld>
 </file>
 
@@ -8778,13 +8534,8 @@
           <a:p>
             <a:r>
               <a:rPr lang="en-US" dirty="0"/>
-              <a:t>F</a:t>
-            </a:r>
-            <a:r>
-              <a:rPr lang="en-US" dirty="0" smtClean="0"/>
-              <a:t>unctions</a:t>
-            </a:r>
-            <a:endParaRPr lang="en-US" dirty="0"/>
+              <a:t>Functions</a:t>
+            </a:r>
           </a:p>
         </p:txBody>
       </p:sp>
@@ -8806,48 +8557,22 @@
           <a:lstStyle/>
           <a:p>
             <a:r>
-              <a:rPr lang="en-US" dirty="0" smtClean="0"/>
-              <a:t>Functions are organized blocks of code that are used to preform a single action. Functions allow code to be reused. We have already called functions. Now we will learn more about functions and how to create user-defined </a:t>
-            </a:r>
-            <a:r>
-              <a:rPr lang="en-US" dirty="0" smtClean="0"/>
-              <a:t>functions.</a:t>
-            </a:r>
-            <a:endParaRPr lang="en-US" dirty="0" smtClean="0"/>
-          </a:p>
-          <a:p>
-            <a:r>
-              <a:rPr lang="en-US" dirty="0" smtClean="0"/>
-              <a:t>When dealing with function variable scope is very important. Variables within functions are local. Variable outside of functions are global. This is a very important concept because one does not want another function to be able to modify that </a:t>
-            </a:r>
-            <a:r>
-              <a:rPr lang="en-US" dirty="0" smtClean="0"/>
-              <a:t>variable.</a:t>
+              <a:rPr lang="en-US" dirty="0"/>
+              <a:t>Functions are organized blocks of code that are used to preform a single action. Functions allow code to be reused. We have already called functions. Now we will learn more about functions and how to create user-defined functions.</a:t>
+            </a:r>
+          </a:p>
+          <a:p>
+            <a:r>
+              <a:rPr lang="en-US" dirty="0"/>
+              <a:t>When dealing with function variable scope is very important. Variables within functions are local. Variable outside of functions are global. This is a very important concept because one does not want another function to be able to modify that variable.</a:t>
             </a:r>
           </a:p>
           <a:p>
             <a:pPr lvl="1"/>
             <a:r>
-              <a:rPr lang="en-US" dirty="0" smtClean="0"/>
-              <a:t>This is known </a:t>
-            </a:r>
-            <a:r>
-              <a:rPr lang="en-US" dirty="0"/>
-              <a:t>as </a:t>
-            </a:r>
-            <a:r>
-              <a:rPr lang="en-US" dirty="0" smtClean="0"/>
-              <a:t>encapsulation. </a:t>
-            </a:r>
-            <a:r>
-              <a:rPr lang="en-US" dirty="0"/>
-              <a:t>Generally speaking encapsulation is the mechanism for restricting the access to some of an object's </a:t>
-            </a:r>
-            <a:r>
-              <a:rPr lang="en-US" dirty="0" smtClean="0"/>
-              <a:t>components.</a:t>
-            </a:r>
-            <a:endParaRPr lang="en-US" dirty="0"/>
+              <a:rPr lang="en-US" dirty="0"/>
+              <a:t>This is known as encapsulation. Generally speaking encapsulation is the mechanism for restricting the access to some of an object's components.</a:t>
+            </a:r>
           </a:p>
         </p:txBody>
       </p:sp>
@@ -8897,10 +8622,9 @@
           <a:lstStyle/>
           <a:p>
             <a:r>
-              <a:rPr lang="en-US" dirty="0" smtClean="0"/>
+              <a:rPr lang="en-US" dirty="0"/>
               <a:t>Functions </a:t>
             </a:r>
-            <a:endParaRPr lang="en-US" dirty="0"/>
           </a:p>
         </p:txBody>
       </p:sp>
@@ -8920,20 +8644,15 @@
           <a:lstStyle/>
           <a:p>
             <a:r>
-              <a:rPr lang="en-US" dirty="0" smtClean="0"/>
+              <a:rPr lang="en-US" dirty="0"/>
               <a:t>Functions can be imported into other scripts. This prevents having the same logic in every script. If we had an error function and we had that function in every script that would be bad because if that function ever changes, then one would have to update it in every script</a:t>
             </a:r>
           </a:p>
           <a:p>
             <a:r>
-              <a:rPr lang="en-US" dirty="0" smtClean="0"/>
-              <a:t>We will now go through how to import a user-defined </a:t>
-            </a:r>
-            <a:r>
-              <a:rPr lang="en-US" dirty="0" smtClean="0"/>
-              <a:t>function.</a:t>
-            </a:r>
-            <a:endParaRPr lang="en-US" dirty="0"/>
+              <a:rPr lang="en-US" dirty="0"/>
+              <a:t>We will now go through how to import a user-defined function.</a:t>
+            </a:r>
           </a:p>
         </p:txBody>
       </p:sp>
@@ -8983,10 +8702,9 @@
           <a:lstStyle/>
           <a:p>
             <a:r>
-              <a:rPr lang="en-US" dirty="0" smtClean="0"/>
+              <a:rPr lang="en-US" dirty="0"/>
               <a:t>Exercise 3</a:t>
             </a:r>
-            <a:endParaRPr lang="en-US" dirty="0"/>
           </a:p>
         </p:txBody>
       </p:sp>
@@ -9006,32 +8724,22 @@
           <a:lstStyle/>
           <a:p>
             <a:r>
-              <a:rPr lang="en-US" dirty="0" smtClean="0"/>
-              <a:t>Take exercise 2 and modify the code to create a function with two parameters. The first parameter should be an input list. The second parameter should </a:t>
-            </a:r>
-            <a:r>
-              <a:rPr lang="en-US" dirty="0" smtClean="0"/>
-              <a:t>be the projection code.</a:t>
-            </a:r>
-            <a:endParaRPr lang="en-US" dirty="0" smtClean="0"/>
-          </a:p>
-          <a:p>
-            <a:r>
-              <a:rPr lang="en-US" dirty="0" smtClean="0"/>
+              <a:rPr lang="en-US" dirty="0"/>
+              <a:t>Take exercise 2 and modify the code to create a function with two parameters. The first parameter should be an input list. The second parameter should be the projection code.</a:t>
+            </a:r>
+          </a:p>
+          <a:p>
+            <a:r>
+              <a:rPr lang="en-US" dirty="0"/>
               <a:t>Call the function</a:t>
             </a:r>
           </a:p>
           <a:p>
             <a:pPr lvl="1"/>
             <a:r>
-              <a:rPr lang="en-US" dirty="0" smtClean="0"/>
-              <a:t>Bonus points if you write the files to a different </a:t>
-            </a:r>
-            <a:r>
-              <a:rPr lang="en-US" dirty="0" smtClean="0"/>
-              <a:t>workspace.</a:t>
-            </a:r>
-            <a:endParaRPr lang="en-US" dirty="0"/>
+              <a:rPr lang="en-US" dirty="0"/>
+              <a:t>Bonus points if you write the files to a different workspace.</a:t>
+            </a:r>
           </a:p>
         </p:txBody>
       </p:sp>
@@ -9081,10 +8789,9 @@
           <a:lstStyle/>
           <a:p>
             <a:r>
-              <a:rPr lang="en-US" dirty="0" smtClean="0"/>
+              <a:rPr lang="en-US" dirty="0"/>
               <a:t>Function answer</a:t>
             </a:r>
-            <a:endParaRPr lang="en-US" dirty="0"/>
           </a:p>
         </p:txBody>
       </p:sp>
@@ -9190,10 +8897,9 @@
           <a:lstStyle/>
           <a:p>
             <a:r>
-              <a:rPr lang="en-US" dirty="0" smtClean="0"/>
+              <a:rPr lang="en-US" dirty="0"/>
               <a:t>Classes</a:t>
             </a:r>
-            <a:endParaRPr lang="en-US" dirty="0"/>
           </a:p>
         </p:txBody>
       </p:sp>
@@ -9216,44 +8922,25 @@
           <a:p>
             <a:r>
               <a:rPr lang="en-US" dirty="0"/>
-              <a:t>Simply a logical grouping of data and functions (the latter of which are frequently referred to as "methods" when defined within a class</a:t>
-            </a:r>
-            <a:r>
-              <a:rPr lang="en-US" dirty="0" smtClean="0"/>
-              <a:t>).</a:t>
-            </a:r>
-            <a:endParaRPr lang="en-US" dirty="0" smtClean="0"/>
-          </a:p>
-          <a:p>
-            <a:r>
-              <a:rPr lang="en-US" dirty="0" smtClean="0"/>
-              <a:t>Classes allow one to create their own data containers and model the real </a:t>
-            </a:r>
-            <a:r>
-              <a:rPr lang="en-US" dirty="0" smtClean="0"/>
-              <a:t>world.</a:t>
-            </a:r>
-            <a:endParaRPr lang="en-US" dirty="0" smtClean="0"/>
-          </a:p>
-          <a:p>
-            <a:r>
-              <a:rPr lang="en-US" dirty="0" smtClean="0"/>
-              <a:t>Vehicles (SUV, sedan, truck, and bike) or bank accounts. With vehicles each type has special </a:t>
-            </a:r>
-            <a:r>
-              <a:rPr lang="en-US" dirty="0" smtClean="0"/>
-              <a:t>attributes.</a:t>
-            </a:r>
-            <a:endParaRPr lang="en-US" dirty="0" smtClean="0"/>
-          </a:p>
-          <a:p>
-            <a:r>
-              <a:rPr lang="en-US" dirty="0"/>
-              <a:t>Classes can be thought of as blueprints for creating </a:t>
-            </a:r>
-            <a:r>
-              <a:rPr lang="en-US" dirty="0" smtClean="0"/>
-              <a:t>objects </a:t>
+              <a:t>Simply a logical grouping of data and functions (the latter of which are frequently referred to as "methods" when defined within a class).</a:t>
+            </a:r>
+          </a:p>
+          <a:p>
+            <a:r>
+              <a:rPr lang="en-US" dirty="0"/>
+              <a:t>Classes allow one to create their own data containers and model the real world.</a:t>
+            </a:r>
+          </a:p>
+          <a:p>
+            <a:r>
+              <a:rPr lang="en-US" dirty="0"/>
+              <a:t>Vehicles (SUV, sedan, truck, and bike) or bank accounts. With vehicles each type has special attributes.</a:t>
+            </a:r>
+          </a:p>
+          <a:p>
+            <a:r>
+              <a:rPr lang="en-US" dirty="0"/>
+              <a:t>Classes can be thought of as blueprints for creating objects </a:t>
             </a:r>
           </a:p>
           <a:p>
@@ -9261,15 +8948,9 @@
               <a:rPr lang="en-US" dirty="0">
                 <a:hlinkClick r:id="rId2"/>
               </a:rPr>
-              <a:t>http://</a:t>
-            </a:r>
-            <a:r>
-              <a:rPr lang="en-US" dirty="0" smtClean="0">
-                <a:hlinkClick r:id="rId2"/>
-              </a:rPr>
-              <a:t>www.python-course.eu/python3_multiple_inheritance.php</a:t>
-            </a:r>
-            <a:endParaRPr lang="en-US" dirty="0" smtClean="0"/>
+              <a:t>http://www.python-course.eu/python3_multiple_inheritance.php</a:t>
+            </a:r>
+            <a:endParaRPr lang="en-US" dirty="0"/>
           </a:p>
           <a:p>
             <a:pPr marL="137160" indent="0">
@@ -9325,10 +9006,9 @@
           <a:lstStyle/>
           <a:p>
             <a:r>
-              <a:rPr lang="en-US" dirty="0" smtClean="0"/>
+              <a:rPr lang="en-US" dirty="0"/>
               <a:t>Mapping package</a:t>
             </a:r>
-            <a:endParaRPr lang="en-US" dirty="0"/>
           </a:p>
         </p:txBody>
       </p:sp>
@@ -9348,23 +9028,23 @@
           <a:lstStyle/>
           <a:p>
             <a:r>
-              <a:rPr lang="en-US" dirty="0" smtClean="0"/>
+              <a:rPr lang="en-US" dirty="0"/>
               <a:t>The </a:t>
             </a:r>
             <a:r>
-              <a:rPr lang="en-US" dirty="0" err="1" smtClean="0"/>
+              <a:rPr lang="en-US" dirty="0" err="1"/>
               <a:t>arcpy.mapping</a:t>
             </a:r>
             <a:r>
-              <a:rPr lang="en-US" dirty="0" smtClean="0"/>
+              <a:rPr lang="en-US" dirty="0"/>
               <a:t> package is a way to programmatically modify </a:t>
             </a:r>
             <a:r>
-              <a:rPr lang="en-US" dirty="0" err="1" smtClean="0"/>
+              <a:rPr lang="en-US" dirty="0" err="1"/>
               <a:t>mxd</a:t>
             </a:r>
             <a:r>
-              <a:rPr lang="en-US" dirty="0" smtClean="0"/>
+              <a:rPr lang="en-US" dirty="0"/>
               <a:t> files</a:t>
             </a:r>
           </a:p>
@@ -9443,10 +9123,9 @@
           <a:lstStyle/>
           <a:p>
             <a:r>
-              <a:rPr lang="en-US" dirty="0" smtClean="0"/>
+              <a:rPr lang="en-US" dirty="0"/>
               <a:t>Homework</a:t>
             </a:r>
-            <a:endParaRPr lang="en-US" dirty="0"/>
           </a:p>
         </p:txBody>
       </p:sp>
@@ -9468,87 +9147,57 @@
           <a:lstStyle/>
           <a:p>
             <a:r>
-              <a:rPr lang="en-US" dirty="0" smtClean="0"/>
-              <a:t>Programing is like anything else it takes </a:t>
-            </a:r>
-            <a:r>
-              <a:rPr lang="en-US" dirty="0"/>
-              <a:t>time and p</a:t>
-            </a:r>
-            <a:r>
-              <a:rPr lang="en-US" dirty="0" smtClean="0"/>
-              <a:t>atience</a:t>
-            </a:r>
-            <a:r>
-              <a:rPr lang="en-US" dirty="0"/>
-              <a:t>. </a:t>
-            </a:r>
-            <a:r>
-              <a:rPr lang="en-US" dirty="0" smtClean="0"/>
-              <a:t>I challenge each one of you to program at least 1 hour a week</a:t>
-            </a:r>
-          </a:p>
-          <a:p>
-            <a:r>
-              <a:rPr lang="en-US" dirty="0" smtClean="0"/>
-              <a:t>Research has shown it takes about </a:t>
-            </a:r>
-            <a:r>
-              <a:rPr lang="en-US" dirty="0"/>
-              <a:t>ten years to develop expertise in any of a wide variety of </a:t>
-            </a:r>
-            <a:r>
-              <a:rPr lang="en-US" dirty="0" smtClean="0"/>
-              <a:t>areas </a:t>
-            </a:r>
-            <a:r>
-              <a:rPr lang="en-US" dirty="0" smtClean="0"/>
-              <a:t>.</a:t>
-            </a:r>
-            <a:endParaRPr lang="en-US" dirty="0" smtClean="0"/>
-          </a:p>
-          <a:p>
-            <a:r>
-              <a:rPr lang="en-US" dirty="0" smtClean="0"/>
+              <a:rPr lang="en-US" dirty="0"/>
+              <a:t>Programing is like anything else it takes time and patience. I challenge each one of you to program at least 1 hour a week</a:t>
+            </a:r>
+          </a:p>
+          <a:p>
+            <a:r>
+              <a:rPr lang="en-US" dirty="0"/>
+              <a:t>Research has shown it takes about ten years to develop expertise in any of a wide variety of areas .</a:t>
+            </a:r>
+          </a:p>
+          <a:p>
+            <a:r>
+              <a:rPr lang="en-US" dirty="0"/>
               <a:t>Everyone has taken this class for a reason, take what you have learned today and build on it</a:t>
             </a:r>
           </a:p>
           <a:p>
             <a:r>
-              <a:rPr lang="en-US" dirty="0" smtClean="0"/>
+              <a:rPr lang="en-US" dirty="0"/>
               <a:t>If you don’t have any programming problem to solve then look at </a:t>
             </a:r>
             <a:r>
-              <a:rPr lang="en-US" dirty="0" err="1" smtClean="0"/>
+              <a:rPr lang="en-US" dirty="0" err="1"/>
               <a:t>Esri</a:t>
             </a:r>
             <a:r>
-              <a:rPr lang="en-US" dirty="0" smtClean="0"/>
+              <a:rPr lang="en-US" dirty="0"/>
               <a:t> cursors, unit conversion, </a:t>
             </a:r>
             <a:r>
-              <a:rPr lang="en-US" dirty="0" err="1" smtClean="0"/>
+              <a:rPr lang="en-US" dirty="0" err="1"/>
               <a:t>os</a:t>
             </a:r>
             <a:r>
-              <a:rPr lang="en-US" dirty="0" smtClean="0"/>
+              <a:rPr lang="en-US" dirty="0"/>
               <a:t> module and sys </a:t>
             </a:r>
             <a:r>
-              <a:rPr lang="en-US" smtClean="0"/>
+              <a:rPr lang="en-US"/>
               <a:t>module.</a:t>
             </a:r>
           </a:p>
           <a:p>
             <a:r>
-              <a:rPr lang="en-US" smtClean="0"/>
+              <a:rPr lang="en-US"/>
               <a:t> </a:t>
             </a:r>
             <a:r>
-              <a:rPr lang="en-US" dirty="0" smtClean="0"/>
+              <a:rPr lang="en-US" dirty="0"/>
               <a:t>Look at functions and classes more. </a:t>
             </a:r>
-            <a:endParaRPr lang="en-US" dirty="0"/>
           </a:p>
         </p:txBody>
       </p:sp>
@@ -9598,10 +9247,9 @@
           <a:lstStyle/>
           <a:p>
             <a:r>
-              <a:rPr lang="en-US" dirty="0" smtClean="0"/>
+              <a:rPr lang="en-US" dirty="0"/>
               <a:t>Python basics</a:t>
             </a:r>
-            <a:endParaRPr lang="en-US" dirty="0"/>
           </a:p>
         </p:txBody>
       </p:sp>
@@ -9623,83 +9271,42 @@
           <a:lstStyle/>
           <a:p>
             <a:r>
-              <a:rPr lang="en-US" dirty="0" smtClean="0"/>
+              <a:rPr lang="en-US" dirty="0"/>
               <a:t>Python is case sensitive</a:t>
             </a:r>
           </a:p>
           <a:p>
             <a:r>
-              <a:rPr lang="en-US" dirty="0" smtClean="0"/>
-              <a:t>Python </a:t>
-            </a:r>
-            <a:r>
-              <a:rPr lang="en-US" dirty="0"/>
-              <a:t>is white space insensitive. Python will skip comment </a:t>
-            </a:r>
-            <a:r>
-              <a:rPr lang="en-US" dirty="0" smtClean="0"/>
-              <a:t>lines.</a:t>
-            </a:r>
-          </a:p>
-          <a:p>
-            <a:r>
-              <a:rPr lang="en-US" dirty="0" smtClean="0"/>
-              <a:t>Python </a:t>
-            </a:r>
-            <a:r>
-              <a:rPr lang="en-US" dirty="0"/>
-              <a:t>uses indention to form blocks of code. Other programming languages use </a:t>
-            </a:r>
-            <a:r>
-              <a:rPr lang="en-US" dirty="0" smtClean="0"/>
-              <a:t>braces like Java.</a:t>
-            </a:r>
-          </a:p>
-          <a:p>
-            <a:r>
-              <a:rPr lang="en-US" dirty="0" smtClean="0"/>
-              <a:t>One should not </a:t>
-            </a:r>
-            <a:r>
-              <a:rPr lang="en-US" dirty="0"/>
-              <a:t>go over 80 </a:t>
-            </a:r>
-            <a:r>
-              <a:rPr lang="en-US" dirty="0" smtClean="0"/>
-              <a:t>characters when writing python code. This is for readability.</a:t>
-            </a:r>
-          </a:p>
-          <a:p>
-            <a:r>
-              <a:rPr lang="en-US" dirty="0" smtClean="0"/>
-              <a:t>Test </a:t>
-            </a:r>
-            <a:r>
-              <a:rPr lang="en-US" dirty="0"/>
-              <a:t>code as you go. Do not wait until you are done to debug code. Test code often. One of the best ways to debug code is to add print </a:t>
-            </a:r>
-            <a:r>
-              <a:rPr lang="en-US" dirty="0" smtClean="0"/>
-              <a:t>statements. </a:t>
-            </a:r>
-          </a:p>
-          <a:p>
-            <a:r>
-              <a:rPr lang="en-US" dirty="0" smtClean="0"/>
-              <a:t>Do </a:t>
-            </a:r>
-            <a:r>
-              <a:rPr lang="en-US" dirty="0"/>
-              <a:t>not be afraid to make mistakes. This is how we </a:t>
-            </a:r>
-            <a:r>
-              <a:rPr lang="en-US" dirty="0" smtClean="0"/>
-              <a:t>learn. Never assume the black box is coded correctly. </a:t>
-            </a:r>
+              <a:rPr lang="en-US" dirty="0"/>
+              <a:t>Python is white space insensitive. Python will skip comment lines.</a:t>
+            </a:r>
+          </a:p>
+          <a:p>
+            <a:r>
+              <a:rPr lang="en-US" dirty="0"/>
+              <a:t>Python uses indention to form blocks of code. Other programming languages use braces like Java.</a:t>
+            </a:r>
+          </a:p>
+          <a:p>
+            <a:r>
+              <a:rPr lang="en-US" dirty="0"/>
+              <a:t>One should not go over 80 characters when writing python code. This is for readability.</a:t>
+            </a:r>
+          </a:p>
+          <a:p>
+            <a:r>
+              <a:rPr lang="en-US" dirty="0"/>
+              <a:t>Test code as you go. Do not wait until you are done to debug code. Test code often. One of the best ways to debug code is to add print statements. </a:t>
+            </a:r>
+          </a:p>
+          <a:p>
+            <a:r>
+              <a:rPr lang="en-US" dirty="0"/>
+              <a:t>Do not be afraid to make mistakes. This is how we learn. Never assume the black box is coded correctly. </a:t>
+            </a:r>
+          </a:p>
+          <a:p>
             <a:endParaRPr lang="en-US" dirty="0"/>
-          </a:p>
-          <a:p>
-            <a:endParaRPr lang="en-US" dirty="0" smtClean="0"/>
           </a:p>
         </p:txBody>
       </p:sp>
@@ -9749,10 +9356,9 @@
           <a:lstStyle/>
           <a:p>
             <a:r>
-              <a:rPr lang="en-US" dirty="0" smtClean="0"/>
+              <a:rPr lang="en-US" dirty="0"/>
               <a:t>Update a feature class</a:t>
             </a:r>
-            <a:endParaRPr lang="en-US" dirty="0"/>
           </a:p>
         </p:txBody>
       </p:sp>
@@ -9774,49 +9380,39 @@
           <a:lstStyle/>
           <a:p>
             <a:r>
-              <a:rPr lang="en-US" dirty="0" smtClean="0"/>
+              <a:rPr lang="en-US" dirty="0"/>
               <a:t>How can we update a an attribute value in a feature class? I can think of at least 4 methods to update a value in a feature class. Can you come up with the methods? </a:t>
             </a:r>
           </a:p>
           <a:p>
             <a:r>
               <a:rPr lang="en-US" dirty="0"/>
-              <a:t>Curiosity is critical to programming. </a:t>
-            </a:r>
-            <a:r>
-              <a:rPr lang="en-US" dirty="0" smtClean="0"/>
-              <a:t>Always </a:t>
-            </a:r>
-            <a:r>
-              <a:rPr lang="en-US" dirty="0"/>
-              <a:t>try to understand how the code works. </a:t>
-            </a:r>
-            <a:endParaRPr lang="en-US" dirty="0" smtClean="0"/>
-          </a:p>
-          <a:p>
-            <a:r>
-              <a:rPr lang="en-US" dirty="0" smtClean="0"/>
+              <a:t>Curiosity is critical to programming. Always try to understand how the code works. </a:t>
+            </a:r>
+          </a:p>
+          <a:p>
+            <a:r>
+              <a:rPr lang="en-US" dirty="0"/>
               <a:t>In programing there are many different methods to solve the problem. It is important to understand those methods and choose a solution.</a:t>
             </a:r>
           </a:p>
           <a:p>
             <a:r>
-              <a:rPr lang="en-US" dirty="0" err="1" smtClean="0"/>
+              <a:rPr lang="en-US" dirty="0" err="1"/>
               <a:t>os.walk</a:t>
             </a:r>
             <a:r>
-              <a:rPr lang="en-US" dirty="0" smtClean="0"/>
+              <a:rPr lang="en-US" dirty="0"/>
               <a:t> and </a:t>
             </a:r>
             <a:r>
-              <a:rPr lang="en-US" dirty="0" err="1" smtClean="0"/>
+              <a:rPr lang="en-US" dirty="0" err="1"/>
               <a:t>os.listdir</a:t>
             </a:r>
             <a:r>
-              <a:rPr lang="en-US" dirty="0" smtClean="0"/>
+              <a:rPr lang="en-US" dirty="0"/>
               <a:t> can be used to solve the same problem.  There are many different ways to solve the problem. Never be afraid to test different solutions.  </a:t>
             </a:r>
-            <a:endParaRPr lang="en-US" dirty="0"/>
           </a:p>
         </p:txBody>
       </p:sp>
@@ -9866,10 +9462,9 @@
           <a:lstStyle/>
           <a:p>
             <a:r>
-              <a:rPr lang="en-US" dirty="0" smtClean="0"/>
+              <a:rPr lang="en-US" dirty="0"/>
               <a:t>Things to keep in mind</a:t>
             </a:r>
-            <a:endParaRPr lang="en-US" dirty="0"/>
           </a:p>
         </p:txBody>
       </p:sp>
@@ -9892,68 +9487,52 @@
           <a:p>
             <a:r>
               <a:rPr lang="en-US" dirty="0"/>
-              <a:t>A</a:t>
-            </a:r>
-            <a:r>
-              <a:rPr lang="en-US" dirty="0" smtClean="0"/>
-              <a:t>lways understand the problem one is trying to solve. Have a plan!!</a:t>
+              <a:t>Always understand the problem one is trying to solve. Have a plan!!</a:t>
             </a:r>
           </a:p>
           <a:p>
             <a:pPr lvl="1"/>
             <a:r>
-              <a:rPr lang="en-US" dirty="0" smtClean="0"/>
+              <a:rPr lang="en-US" dirty="0"/>
               <a:t>One would be surprised at how many times people lose sight of the original problem one set out to solve. </a:t>
             </a:r>
           </a:p>
           <a:p>
             <a:pPr lvl="1"/>
             <a:r>
-              <a:rPr lang="en-US" dirty="0" smtClean="0"/>
-              <a:t>It is okay to change the plan because </a:t>
-            </a:r>
-            <a:r>
-              <a:rPr lang="en-US" dirty="0"/>
-              <a:t>one </a:t>
-            </a:r>
-            <a:r>
-              <a:rPr lang="en-US" dirty="0" smtClean="0"/>
-              <a:t>realizes they have over looked some logic that now has to be added, but you have to have a plan in order to change the plan.</a:t>
-            </a:r>
-          </a:p>
-          <a:p>
-            <a:r>
-              <a:rPr lang="en-US" dirty="0"/>
-              <a:t>Always create </a:t>
-            </a:r>
-            <a:r>
-              <a:rPr lang="en-US" dirty="0" smtClean="0"/>
-              <a:t>pseudocode and test the steps manually before starting coding. Test the workflow logic before starting coding and make sure the workflow actually answers the question.</a:t>
+              <a:rPr lang="en-US" dirty="0"/>
+              <a:t>It is okay to change the plan because one realizes they have over looked some logic that now has to be added, but you have to have a plan in order to change the plan.</a:t>
+            </a:r>
+          </a:p>
+          <a:p>
+            <a:r>
+              <a:rPr lang="en-US" dirty="0"/>
+              <a:t>Always create pseudocode and test the steps manually before starting coding. Test the workflow logic before starting coding and make sure the workflow actually answers the question.</a:t>
             </a:r>
           </a:p>
           <a:p>
             <a:pPr lvl="1"/>
             <a:r>
-              <a:rPr lang="en-US" dirty="0" smtClean="0"/>
+              <a:rPr lang="en-US" dirty="0"/>
               <a:t>Ensures that the code is efficiently written</a:t>
             </a:r>
           </a:p>
           <a:p>
             <a:r>
-              <a:rPr lang="en-US" dirty="0" smtClean="0"/>
+              <a:rPr lang="en-US" dirty="0"/>
               <a:t>Writing good clean code the first time is always faster than having to rewrite code later.</a:t>
             </a:r>
           </a:p>
           <a:p>
             <a:r>
-              <a:rPr lang="en-US" dirty="0" smtClean="0"/>
+              <a:rPr lang="en-US" dirty="0"/>
               <a:t>When coding avoid hardcoding</a:t>
             </a:r>
           </a:p>
           <a:p>
             <a:pPr lvl="1"/>
             <a:r>
-              <a:rPr lang="en-US" dirty="0" smtClean="0"/>
+              <a:rPr lang="en-US" dirty="0"/>
               <a:t>Field names change, filenames change </a:t>
             </a:r>
           </a:p>
@@ -10011,10 +9590,9 @@
           <a:lstStyle/>
           <a:p>
             <a:r>
-              <a:rPr lang="en-US" dirty="0" smtClean="0"/>
+              <a:rPr lang="en-US" dirty="0"/>
               <a:t>Things to keep in mind</a:t>
             </a:r>
-            <a:endParaRPr lang="en-US" dirty="0"/>
           </a:p>
         </p:txBody>
       </p:sp>
@@ -10034,43 +9612,43 @@
           <a:lstStyle/>
           <a:p>
             <a:r>
-              <a:rPr lang="en-US" dirty="0" smtClean="0"/>
+              <a:rPr lang="en-US" dirty="0"/>
               <a:t>“It </a:t>
             </a:r>
             <a:r>
-              <a:rPr lang="en-US" dirty="0" err="1" smtClean="0"/>
+              <a:rPr lang="en-US" dirty="0" err="1"/>
               <a:t>ain’t</a:t>
             </a:r>
             <a:r>
-              <a:rPr lang="en-US" dirty="0" smtClean="0"/>
+              <a:rPr lang="en-US" dirty="0"/>
               <a:t> so much the things we don’t know that get us in trouble. It’s the things we know that </a:t>
             </a:r>
             <a:r>
-              <a:rPr lang="en-US" dirty="0" err="1" smtClean="0"/>
+              <a:rPr lang="en-US" dirty="0" err="1"/>
               <a:t>ain’t</a:t>
             </a:r>
             <a:r>
-              <a:rPr lang="en-US" dirty="0" smtClean="0"/>
+              <a:rPr lang="en-US" dirty="0"/>
               <a:t> so.” (</a:t>
             </a:r>
             <a:r>
-              <a:rPr lang="en-US" dirty="0" err="1" smtClean="0"/>
+              <a:rPr lang="en-US" dirty="0" err="1"/>
               <a:t>Artemus</a:t>
             </a:r>
             <a:r>
-              <a:rPr lang="en-US" dirty="0" smtClean="0"/>
+              <a:rPr lang="en-US" dirty="0"/>
               <a:t> Ward)</a:t>
             </a:r>
           </a:p>
           <a:p>
             <a:r>
-              <a:rPr lang="en-US" dirty="0" smtClean="0"/>
+              <a:rPr lang="en-US" dirty="0"/>
               <a:t>How many sides does a raster cell have?</a:t>
             </a:r>
           </a:p>
           <a:p>
             <a:r>
-              <a:rPr lang="en-US" dirty="0" smtClean="0"/>
+              <a:rPr lang="en-US" dirty="0"/>
               <a:t>Which map would show more area a large scale map or a small scale map? </a:t>
             </a:r>
           </a:p>
@@ -10122,10 +9700,9 @@
           <a:lstStyle/>
           <a:p>
             <a:r>
-              <a:rPr lang="en-US" dirty="0" smtClean="0"/>
+              <a:rPr lang="en-US" dirty="0"/>
               <a:t>Comment code and test</a:t>
             </a:r>
-            <a:endParaRPr lang="en-US" dirty="0"/>
           </a:p>
         </p:txBody>
       </p:sp>
@@ -10145,37 +9722,36 @@
           <a:lstStyle/>
           <a:p>
             <a:r>
-              <a:rPr lang="en-US" dirty="0" smtClean="0"/>
+              <a:rPr lang="en-US" dirty="0"/>
               <a:t>Always comment code. Code is not complete unless it is commented. Use </a:t>
             </a:r>
             <a:r>
-              <a:rPr lang="en-US" dirty="0" err="1" smtClean="0"/>
+              <a:rPr lang="en-US" dirty="0" err="1"/>
               <a:t>docstrings</a:t>
             </a:r>
             <a:r>
-              <a:rPr lang="en-US" dirty="0" smtClean="0"/>
+              <a:rPr lang="en-US" dirty="0"/>
               <a:t> and inline comments</a:t>
             </a:r>
           </a:p>
           <a:p>
             <a:pPr lvl="1"/>
             <a:r>
-              <a:rPr lang="en-US" dirty="0" smtClean="0"/>
+              <a:rPr lang="en-US" dirty="0"/>
               <a:t>When coding in Python 90 percent of your time will be spent reading code and 10 percent of your time will be spent writing code. That is why documenting your code is so important</a:t>
             </a:r>
           </a:p>
           <a:p>
             <a:pPr lvl="1"/>
             <a:r>
-              <a:rPr lang="en-US" dirty="0" smtClean="0"/>
+              <a:rPr lang="en-US" dirty="0"/>
               <a:t>Commenting as you code is faster and easier then commenting at the end</a:t>
             </a:r>
-            <a:endParaRPr lang="en-US" dirty="0"/>
           </a:p>
           <a:p>
             <a:pPr lvl="1"/>
             <a:r>
-              <a:rPr lang="en-US" dirty="0" smtClean="0"/>
+              <a:rPr lang="en-US" dirty="0"/>
               <a:t>Documenting code is a way of telling other programmers what you did and why </a:t>
             </a:r>
           </a:p>
@@ -10197,13 +9773,6 @@
   <p:clrMapOvr>
     <a:masterClrMapping/>
   </p:clrMapOvr>
-  <p:timing>
-    <p:tnLst>
-      <p:par>
-        <p:cTn id="1" dur="indefinite" restart="never" nodeType="tmRoot"/>
-      </p:par>
-    </p:tnLst>
-  </p:timing>
 </p:sld>
 </file>
 
@@ -10242,10 +9811,9 @@
           <a:lstStyle/>
           <a:p>
             <a:r>
-              <a:rPr lang="en-US" dirty="0" smtClean="0"/>
+              <a:rPr lang="en-US" dirty="0"/>
               <a:t>Do not ever duplicate code</a:t>
             </a:r>
-            <a:endParaRPr lang="en-US" dirty="0"/>
           </a:p>
         </p:txBody>
       </p:sp>
@@ -10267,104 +9835,47 @@
           <a:lstStyle/>
           <a:p>
             <a:r>
-              <a:rPr lang="en-US" dirty="0" smtClean="0"/>
-              <a:t>Don't </a:t>
-            </a:r>
-            <a:r>
-              <a:rPr lang="en-US" dirty="0"/>
-              <a:t>repeat </a:t>
-            </a:r>
-            <a:r>
-              <a:rPr lang="en-US" dirty="0" smtClean="0"/>
-              <a:t>yourself (DRY)</a:t>
-            </a:r>
-            <a:endParaRPr lang="en-US" dirty="0"/>
-          </a:p>
-          <a:p>
-            <a:r>
-              <a:rPr lang="en-US" dirty="0" smtClean="0"/>
-              <a:t>“The </a:t>
-            </a:r>
-            <a:r>
-              <a:rPr lang="en-US" dirty="0"/>
-              <a:t>computing scientist’s main challenge is not to get confused by the complexities of his own </a:t>
-            </a:r>
-            <a:r>
-              <a:rPr lang="en-US" dirty="0" smtClean="0"/>
-              <a:t>making”(E</a:t>
-            </a:r>
-            <a:r>
-              <a:rPr lang="en-US" dirty="0"/>
-              <a:t>. W. </a:t>
-            </a:r>
-            <a:r>
-              <a:rPr lang="en-US" dirty="0" smtClean="0"/>
-              <a:t>Dijkstra)</a:t>
-            </a:r>
-            <a:endParaRPr lang="en-US" dirty="0"/>
-          </a:p>
-          <a:p>
-            <a:r>
-              <a:rPr lang="en-US" dirty="0" smtClean="0"/>
-              <a:t>“One </a:t>
-            </a:r>
-            <a:r>
-              <a:rPr lang="en-US" dirty="0"/>
-              <a:t>of my most productive days was throwing away 1000 lines of </a:t>
-            </a:r>
-            <a:r>
-              <a:rPr lang="en-US" dirty="0" smtClean="0"/>
-              <a:t>code” (Ken Thompson)</a:t>
-            </a:r>
-            <a:endParaRPr lang="en-US" dirty="0"/>
-          </a:p>
-          <a:p>
-            <a:r>
-              <a:rPr lang="en-US" dirty="0" smtClean="0"/>
-              <a:t>“Deleted </a:t>
-            </a:r>
-            <a:r>
-              <a:rPr lang="en-US" dirty="0"/>
-              <a:t>code is debugged </a:t>
-            </a:r>
-            <a:r>
-              <a:rPr lang="en-US" dirty="0" smtClean="0"/>
-              <a:t>code” (Jeff </a:t>
-            </a:r>
-            <a:r>
-              <a:rPr lang="en-US" dirty="0" err="1" smtClean="0"/>
+              <a:rPr lang="en-US" dirty="0"/>
+              <a:t>Don't repeat yourself (DRY)</a:t>
+            </a:r>
+          </a:p>
+          <a:p>
+            <a:r>
+              <a:rPr lang="en-US" dirty="0"/>
+              <a:t>“The computing scientist’s main challenge is not to get confused by the complexities of his own making”(E. W. Dijkstra)</a:t>
+            </a:r>
+          </a:p>
+          <a:p>
+            <a:r>
+              <a:rPr lang="en-US" dirty="0"/>
+              <a:t>“One of my most productive days was throwing away 1000 lines of code” (Ken Thompson)</a:t>
+            </a:r>
+          </a:p>
+          <a:p>
+            <a:r>
+              <a:rPr lang="en-US" dirty="0"/>
+              <a:t>“Deleted code is debugged code” (Jeff </a:t>
+            </a:r>
+            <a:r>
+              <a:rPr lang="en-US" dirty="0" err="1"/>
               <a:t>Sickel</a:t>
             </a:r>
             <a:r>
-              <a:rPr lang="en-US" dirty="0" smtClean="0"/>
+              <a:rPr lang="en-US" dirty="0"/>
               <a:t>)</a:t>
             </a:r>
-            <a:endParaRPr lang="en-US" dirty="0"/>
-          </a:p>
-          <a:p>
-            <a:r>
-              <a:rPr lang="en-US" dirty="0" smtClean="0"/>
-              <a:t>“Every </a:t>
-            </a:r>
-            <a:r>
-              <a:rPr lang="en-US" dirty="0"/>
-              <a:t>methodology I’ve come across has, at its kernel, a very small section labelled “do magic here</a:t>
-            </a:r>
-            <a:r>
-              <a:rPr lang="en-US" dirty="0" smtClean="0"/>
-              <a:t>” (Katie)</a:t>
-            </a:r>
-          </a:p>
-          <a:p>
-            <a:r>
-              <a:rPr lang="en-US" dirty="0"/>
-              <a:t>“Everything should be made as simple as possible, but no simpler.” or “Make things as simple as possible, but not </a:t>
-            </a:r>
-            <a:r>
-              <a:rPr lang="en-US" dirty="0" smtClean="0"/>
-              <a:t>simpler”(Albert Einstein)</a:t>
-            </a:r>
-            <a:endParaRPr lang="en-US" dirty="0"/>
+          </a:p>
+          <a:p>
+            <a:r>
+              <a:rPr lang="en-US" dirty="0"/>
+              <a:t>“Every methodology I’ve come across has, at its kernel, a very small section labelled “do magic here” (Katie)</a:t>
+            </a:r>
+          </a:p>
+          <a:p>
+            <a:r>
+              <a:rPr lang="en-US" dirty="0"/>
+              <a:t>“Everything should be made as simple as possible, but no simpler.” or “Make things as simple as possible, but not simpler”(Albert Einstein)</a:t>
+            </a:r>
           </a:p>
         </p:txBody>
       </p:sp>
@@ -10925,7 +10436,7 @@
   <a:extraClrSchemeLst/>
   <a:extLst>
     <a:ext uri="{05A4C25C-085E-4340-85A3-A5531E510DB2}">
-      <thm15:themeFamily xmlns:thm15="http://schemas.microsoft.com/office/thememl/2012/main" xmlns="" name="Office Theme" id="{62F939B6-93AF-4DB8-9C6B-D6C7DFDC589F}" vid="{4A3C46E8-61CC-4603-A589-7422A47A8E4A}"/>
+      <thm15:themeFamily xmlns:thm15="http://schemas.microsoft.com/office/thememl/2012/main" name="Office Theme" id="{62F939B6-93AF-4DB8-9C6B-D6C7DFDC589F}" vid="{4A3C46E8-61CC-4603-A589-7422A47A8E4A}"/>
     </a:ext>
   </a:extLst>
 </a:theme>

--- a/introduction to python_1.pptx
+++ b/introduction to python_1.pptx
@@ -5,7 +5,7 @@
     <p:sldMasterId id="2147483660" r:id="rId1"/>
   </p:sldMasterIdLst>
   <p:notesMasterIdLst>
-    <p:notesMasterId r:id="rId39"/>
+    <p:notesMasterId r:id="rId40"/>
   </p:notesMasterIdLst>
   <p:sldIdLst>
     <p:sldId id="256" r:id="rId2"/>
@@ -43,8 +43,9 @@
     <p:sldId id="285" r:id="rId34"/>
     <p:sldId id="293" r:id="rId35"/>
     <p:sldId id="287" r:id="rId36"/>
-    <p:sldId id="286" r:id="rId37"/>
-    <p:sldId id="265" r:id="rId38"/>
+    <p:sldId id="294" r:id="rId37"/>
+    <p:sldId id="286" r:id="rId38"/>
+    <p:sldId id="265" r:id="rId39"/>
   </p:sldIdLst>
   <p:sldSz cx="9144000" cy="6858000" type="screen4x3"/>
   <p:notesSz cx="6858000" cy="9144000"/>
@@ -9006,6 +9007,78 @@
           <a:lstStyle/>
           <a:p>
             <a:r>
+              <a:rPr lang="en-US"/>
+              <a:t>Classes</a:t>
+            </a:r>
+            <a:endParaRPr lang="en-US"/>
+          </a:p>
+        </p:txBody>
+      </p:sp>
+      <p:sp>
+        <p:nvSpPr>
+          <p:cNvPr id="3" name="Content Placeholder 2"/>
+          <p:cNvSpPr>
+            <a:spLocks noGrp="1"/>
+          </p:cNvSpPr>
+          <p:nvPr>
+            <p:ph idx="1"/>
+          </p:nvPr>
+        </p:nvSpPr>
+        <p:spPr/>
+        <p:txBody>
+          <a:bodyPr/>
+          <a:lstStyle/>
+          <a:p>
+            <a:endParaRPr lang="en-US"/>
+          </a:p>
+        </p:txBody>
+      </p:sp>
+    </p:spTree>
+    <p:extLst>
+      <p:ext uri="{BB962C8B-B14F-4D97-AF65-F5344CB8AC3E}">
+        <p14:creationId xmlns:p14="http://schemas.microsoft.com/office/powerpoint/2010/main" val="2445343577"/>
+      </p:ext>
+    </p:extLst>
+  </p:cSld>
+  <p:clrMapOvr>
+    <a:masterClrMapping/>
+  </p:clrMapOvr>
+</p:sld>
+</file>
+
+<file path=ppt/slides/slide37.xml><?xml version="1.0" encoding="utf-8"?>
+<p:sld xmlns:a="http://schemas.openxmlformats.org/drawingml/2006/main" xmlns:r="http://schemas.openxmlformats.org/officeDocument/2006/relationships" xmlns:p="http://schemas.openxmlformats.org/presentationml/2006/main">
+  <p:cSld>
+    <p:spTree>
+      <p:nvGrpSpPr>
+        <p:cNvPr id="1" name=""/>
+        <p:cNvGrpSpPr/>
+        <p:nvPr/>
+      </p:nvGrpSpPr>
+      <p:grpSpPr>
+        <a:xfrm>
+          <a:off x="0" y="0"/>
+          <a:ext cx="0" cy="0"/>
+          <a:chOff x="0" y="0"/>
+          <a:chExt cx="0" cy="0"/>
+        </a:xfrm>
+      </p:grpSpPr>
+      <p:sp>
+        <p:nvSpPr>
+          <p:cNvPr id="2" name="Title 1"/>
+          <p:cNvSpPr>
+            <a:spLocks noGrp="1"/>
+          </p:cNvSpPr>
+          <p:nvPr>
+            <p:ph type="title"/>
+          </p:nvPr>
+        </p:nvSpPr>
+        <p:spPr/>
+        <p:txBody>
+          <a:bodyPr/>
+          <a:lstStyle/>
+          <a:p>
+            <a:r>
               <a:rPr lang="en-US" dirty="0"/>
               <a:t>Mapping package</a:t>
             </a:r>
@@ -9090,7 +9163,7 @@
 </p:sld>
 </file>
 
-<file path=ppt/slides/slide37.xml><?xml version="1.0" encoding="utf-8"?>
+<file path=ppt/slides/slide38.xml><?xml version="1.0" encoding="utf-8"?>
 <p:sld xmlns:a="http://schemas.openxmlformats.org/drawingml/2006/main" xmlns:r="http://schemas.openxmlformats.org/officeDocument/2006/relationships" xmlns:p="http://schemas.openxmlformats.org/presentationml/2006/main">
   <p:cSld>
     <p:spTree>

--- a/introduction to python_1.pptx
+++ b/introduction to python_1.pptx
@@ -9010,7 +9010,6 @@
               <a:rPr lang="en-US"/>
               <a:t>Classes</a:t>
             </a:r>
-            <a:endParaRPr lang="en-US"/>
           </a:p>
         </p:txBody>
       </p:sp>
@@ -9029,7 +9028,14 @@
           <a:bodyPr/>
           <a:lstStyle/>
           <a:p>
-            <a:endParaRPr lang="en-US"/>
+            <a:r>
+              <a:rPr lang="en-US" dirty="0"/>
+              <a:t>Need </a:t>
+            </a:r>
+            <a:r>
+              <a:rPr lang="en-US"/>
+              <a:t>to finish</a:t>
+            </a:r>
           </a:p>
         </p:txBody>
       </p:sp>

--- a/introduction to python_1.pptx
+++ b/introduction to python_1.pptx
@@ -9034,7 +9034,7 @@
             </a:r>
             <a:r>
               <a:rPr lang="en-US"/>
-              <a:t>to finish</a:t>
+              <a:t>to finish.</a:t>
             </a:r>
           </a:p>
         </p:txBody>

--- a/introduction to python_1.pptx
+++ b/introduction to python_1.pptx
@@ -9034,8 +9034,9 @@
             </a:r>
             <a:r>
               <a:rPr lang="en-US"/>
-              <a:t>to finish.</a:t>
-            </a:r>
+              <a:t>to finish</a:t>
+            </a:r>
+            <a:endParaRPr lang="en-US" dirty="0"/>
           </a:p>
         </p:txBody>
       </p:sp>

--- a/introduction to python_1.pptx
+++ b/introduction to python_1.pptx
@@ -9034,7 +9034,7 @@
             </a:r>
             <a:r>
               <a:rPr lang="en-US"/>
-              <a:t>to finish</a:t>
+              <a:t>to finish.</a:t>
             </a:r>
             <a:endParaRPr lang="en-US" dirty="0"/>
           </a:p>

--- a/introduction to python_1.pptx
+++ b/introduction to python_1.pptx
@@ -9034,7 +9034,7 @@
             </a:r>
             <a:r>
               <a:rPr lang="en-US"/>
-              <a:t>to finish.</a:t>
+              <a:t>to finish</a:t>
             </a:r>
             <a:endParaRPr lang="en-US" dirty="0"/>
           </a:p>

--- a/introduction to python_1.pptx
+++ b/introduction to python_1.pptx
@@ -5,7 +5,7 @@
     <p:sldMasterId id="2147483660" r:id="rId1"/>
   </p:sldMasterIdLst>
   <p:notesMasterIdLst>
-    <p:notesMasterId r:id="rId40"/>
+    <p:notesMasterId r:id="rId39"/>
   </p:notesMasterIdLst>
   <p:sldIdLst>
     <p:sldId id="256" r:id="rId2"/>
@@ -43,9 +43,8 @@
     <p:sldId id="285" r:id="rId34"/>
     <p:sldId id="293" r:id="rId35"/>
     <p:sldId id="287" r:id="rId36"/>
-    <p:sldId id="294" r:id="rId37"/>
-    <p:sldId id="286" r:id="rId38"/>
-    <p:sldId id="265" r:id="rId39"/>
+    <p:sldId id="286" r:id="rId37"/>
+    <p:sldId id="265" r:id="rId38"/>
   </p:sldIdLst>
   <p:sldSz cx="9144000" cy="6858000" type="screen4x3"/>
   <p:notesSz cx="6858000" cy="9144000"/>
@@ -9007,85 +9006,6 @@
           <a:lstStyle/>
           <a:p>
             <a:r>
-              <a:rPr lang="en-US"/>
-              <a:t>Classes</a:t>
-            </a:r>
-          </a:p>
-        </p:txBody>
-      </p:sp>
-      <p:sp>
-        <p:nvSpPr>
-          <p:cNvPr id="3" name="Content Placeholder 2"/>
-          <p:cNvSpPr>
-            <a:spLocks noGrp="1"/>
-          </p:cNvSpPr>
-          <p:nvPr>
-            <p:ph idx="1"/>
-          </p:nvPr>
-        </p:nvSpPr>
-        <p:spPr/>
-        <p:txBody>
-          <a:bodyPr/>
-          <a:lstStyle/>
-          <a:p>
-            <a:r>
-              <a:rPr lang="en-US" dirty="0"/>
-              <a:t>Need </a:t>
-            </a:r>
-            <a:r>
-              <a:rPr lang="en-US"/>
-              <a:t>to finish</a:t>
-            </a:r>
-            <a:endParaRPr lang="en-US" dirty="0"/>
-          </a:p>
-        </p:txBody>
-      </p:sp>
-    </p:spTree>
-    <p:extLst>
-      <p:ext uri="{BB962C8B-B14F-4D97-AF65-F5344CB8AC3E}">
-        <p14:creationId xmlns:p14="http://schemas.microsoft.com/office/powerpoint/2010/main" val="2445343577"/>
-      </p:ext>
-    </p:extLst>
-  </p:cSld>
-  <p:clrMapOvr>
-    <a:masterClrMapping/>
-  </p:clrMapOvr>
-</p:sld>
-</file>
-
-<file path=ppt/slides/slide37.xml><?xml version="1.0" encoding="utf-8"?>
-<p:sld xmlns:a="http://schemas.openxmlformats.org/drawingml/2006/main" xmlns:r="http://schemas.openxmlformats.org/officeDocument/2006/relationships" xmlns:p="http://schemas.openxmlformats.org/presentationml/2006/main">
-  <p:cSld>
-    <p:spTree>
-      <p:nvGrpSpPr>
-        <p:cNvPr id="1" name=""/>
-        <p:cNvGrpSpPr/>
-        <p:nvPr/>
-      </p:nvGrpSpPr>
-      <p:grpSpPr>
-        <a:xfrm>
-          <a:off x="0" y="0"/>
-          <a:ext cx="0" cy="0"/>
-          <a:chOff x="0" y="0"/>
-          <a:chExt cx="0" cy="0"/>
-        </a:xfrm>
-      </p:grpSpPr>
-      <p:sp>
-        <p:nvSpPr>
-          <p:cNvPr id="2" name="Title 1"/>
-          <p:cNvSpPr>
-            <a:spLocks noGrp="1"/>
-          </p:cNvSpPr>
-          <p:nvPr>
-            <p:ph type="title"/>
-          </p:nvPr>
-        </p:nvSpPr>
-        <p:spPr/>
-        <p:txBody>
-          <a:bodyPr/>
-          <a:lstStyle/>
-          <a:p>
-            <a:r>
               <a:rPr lang="en-US" dirty="0"/>
               <a:t>Mapping package</a:t>
             </a:r>
@@ -9170,7 +9090,7 @@
 </p:sld>
 </file>
 
-<file path=ppt/slides/slide38.xml><?xml version="1.0" encoding="utf-8"?>
+<file path=ppt/slides/slide37.xml><?xml version="1.0" encoding="utf-8"?>
 <p:sld xmlns:a="http://schemas.openxmlformats.org/drawingml/2006/main" xmlns:r="http://schemas.openxmlformats.org/officeDocument/2006/relationships" xmlns:p="http://schemas.openxmlformats.org/presentationml/2006/main">
   <p:cSld>
     <p:spTree>

--- a/introduction to python_1.pptx
+++ b/introduction to python_1.pptx
@@ -6680,24 +6680,44 @@
               <a:rPr lang="en-US" dirty="0">
                 <a:hlinkClick r:id="rId7"/>
               </a:rPr>
-              <a:t>http://stackoverflow.com/</a:t>
+              <a:t>http://stackexchange.com/sites</a:t>
             </a:r>
             <a:endParaRPr lang="en-US" dirty="0"/>
           </a:p>
           <a:p>
+            <a:pPr lvl="1"/>
             <a:r>
               <a:rPr lang="en-US" dirty="0">
                 <a:hlinkClick r:id="rId8"/>
               </a:rPr>
-              <a:t>http://www.meetup.com/Geospatial-Amateurs-Denver/</a:t>
+              <a:t>http://gis.stackexchange.com/</a:t>
             </a:r>
             <a:endParaRPr lang="en-US" dirty="0"/>
           </a:p>
           <a:p>
+            <a:pPr lvl="1"/>
             <a:r>
               <a:rPr lang="en-US" dirty="0">
                 <a:hlinkClick r:id="rId9"/>
               </a:rPr>
+              <a:t>http://stackoverflow.com/</a:t>
+            </a:r>
+            <a:endParaRPr lang="en-US" dirty="0"/>
+          </a:p>
+          <a:p>
+            <a:r>
+              <a:rPr lang="en-US" dirty="0">
+                <a:hlinkClick r:id="rId10"/>
+              </a:rPr>
+              <a:t>http://www.meetup.com/Geospatial-Amateurs-Denver/</a:t>
+            </a:r>
+            <a:endParaRPr lang="en-US" dirty="0"/>
+          </a:p>
+          <a:p>
+            <a:r>
+              <a:rPr lang="en-US" dirty="0">
+                <a:hlinkClick r:id="rId11"/>
+              </a:rPr>
               <a:t>http://www.diveintopython.net/toc/index.html</a:t>
             </a:r>
             <a:endParaRPr lang="en-US" dirty="0"/>
@@ -6707,6 +6727,15 @@
               <a:rPr lang="en-US" dirty="0"/>
               <a:t>Google</a:t>
             </a:r>
+          </a:p>
+          <a:p>
+            <a:r>
+              <a:rPr lang="en-US" dirty="0">
+                <a:hlinkClick r:id="rId12"/>
+              </a:rPr>
+              <a:t>https://www.youtube.com/channel/UCjGzNLUkTOFzWdD_5MzNIqg/feed</a:t>
+            </a:r>
+            <a:endParaRPr lang="en-US" dirty="0"/>
           </a:p>
           <a:p>
             <a:r>
@@ -6970,13 +6999,13 @@
           <a:p>
             <a:r>
               <a:rPr lang="en-US" dirty="0"/>
-              <a:t>If the file exists then test the features shape type. If the shape type is not a point, line or polygon, then print message stating the user must select new file. If the shape type is point, line or polygon, then print the shape type. </a:t>
-            </a:r>
-          </a:p>
-          <a:p>
-            <a:r>
-              <a:rPr lang="en-US" dirty="0"/>
               <a:t>If the file does not exist then print message.</a:t>
+            </a:r>
+          </a:p>
+          <a:p>
+            <a:r>
+              <a:rPr lang="en-US" dirty="0"/>
+              <a:t>If the file exists then test the features shape type. If the shape type is not a point, line or polygon, then print message stating the user must select a new file. If the shape type is point, line or polygon, then print the shape type. </a:t>
             </a:r>
           </a:p>
           <a:p>
@@ -7761,7 +7790,7 @@
           <a:p>
             <a:r>
               <a:rPr lang="en-US" dirty="0"/>
-              <a:t>For else tests if the loop finishes. This can be useful because sometimes one wants to know if the loop finishes. </a:t>
+              <a:t>For else tests if the loop finishes. This can be useful because sometimes one wants to know if the loop finishes or not. </a:t>
             </a:r>
           </a:p>
         </p:txBody>
@@ -8005,13 +8034,13 @@
           <a:p>
             <a:r>
               <a:rPr lang="en-US" dirty="0"/>
+              <a:t>Test if the feature class exists</a:t>
+            </a:r>
+          </a:p>
+          <a:p>
+            <a:r>
+              <a:rPr lang="en-US" dirty="0"/>
               <a:t>Project the data to State plane north</a:t>
-            </a:r>
-          </a:p>
-          <a:p>
-            <a:r>
-              <a:rPr lang="en-US" dirty="0"/>
-              <a:t>Test if the feature class exists</a:t>
             </a:r>
           </a:p>
           <a:p>
@@ -8308,7 +8337,7 @@
           <a:p>
             <a:r>
               <a:rPr lang="en-US" dirty="0"/>
-              <a:t>Python is an Object-oriented programming language. </a:t>
+              <a:t>Python is an object-oriented programming language. </a:t>
             </a:r>
           </a:p>
           <a:p>
@@ -8645,7 +8674,7 @@
           <a:p>
             <a:r>
               <a:rPr lang="en-US" dirty="0"/>
-              <a:t>Functions can be imported into other scripts. This prevents having the same logic in every script. If we had an error function and we had that function in every script that would be bad because if that function ever changes, then one would have to update it in every script</a:t>
+              <a:t>Functions can be imported into other scripts. This prevents having the same logic in every script. If we had an error function and we had that function in every script that would be bad design if that function ever changes, then one would have to update it in every script</a:t>
             </a:r>
           </a:p>
           <a:p>
@@ -8725,7 +8754,7 @@
           <a:p>
             <a:r>
               <a:rPr lang="en-US" dirty="0"/>
-              <a:t>Take exercise 2 and modify the code to create a function with two parameters. The first parameter should be an input list. The second parameter should be the projection code.</a:t>
+              <a:t>Take exercise two and modify the code to create a function with two parameters. The first parameter should be an input list. The second parameter should be the projection code.</a:t>
             </a:r>
           </a:p>
           <a:p>
@@ -8797,58 +8826,28 @@
       </p:sp>
       <p:pic>
         <p:nvPicPr>
-          <p:cNvPr id="2050" name="Picture 2"/>
+          <p:cNvPr id="5" name="Content Placeholder 4"/>
           <p:cNvPicPr>
-            <a:picLocks noGrp="1" noChangeAspect="1" noChangeArrowheads="1"/>
+            <a:picLocks noGrp="1" noChangeAspect="1"/>
           </p:cNvPicPr>
           <p:nvPr>
             <p:ph idx="1"/>
           </p:nvPr>
         </p:nvPicPr>
         <p:blipFill>
-          <a:blip r:embed="rId2">
-            <a:extLst>
-              <a:ext uri="{28A0092B-C50C-407E-A947-70E740481C1C}">
-                <a14:useLocalDpi xmlns:a14="http://schemas.microsoft.com/office/drawing/2010/main" val="0"/>
-              </a:ext>
-            </a:extLst>
-          </a:blip>
-          <a:srcRect/>
+          <a:blip r:embed="rId2"/>
           <a:stretch>
             <a:fillRect/>
           </a:stretch>
         </p:blipFill>
-        <p:spPr bwMode="auto">
+        <p:spPr>
           <a:xfrm>
-            <a:off x="2209800" y="1600200"/>
-            <a:ext cx="4871370" cy="5028780"/>
+            <a:off x="1878405" y="1219200"/>
+            <a:ext cx="5387190" cy="5421902"/>
           </a:xfrm>
           <a:prstGeom prst="rect">
             <a:avLst/>
           </a:prstGeom>
-          <a:noFill/>
-          <a:ln>
-            <a:noFill/>
-          </a:ln>
-          <a:extLst>
-            <a:ext uri="{909E8E84-426E-40DD-AFC4-6F175D3DCCD1}">
-              <a14:hiddenFill xmlns:a14="http://schemas.microsoft.com/office/drawing/2010/main">
-                <a:solidFill>
-                  <a:schemeClr val="accent1"/>
-                </a:solidFill>
-              </a14:hiddenFill>
-            </a:ext>
-            <a:ext uri="{91240B29-F687-4F45-9708-019B960494DF}">
-              <a14:hiddenLine xmlns:a14="http://schemas.microsoft.com/office/drawing/2010/main" w="9525">
-                <a:solidFill>
-                  <a:schemeClr val="tx1"/>
-                </a:solidFill>
-                <a:miter lim="800000"/>
-                <a:headEnd/>
-                <a:tailEnd/>
-              </a14:hiddenLine>
-            </a:ext>
-          </a:extLst>
         </p:spPr>
       </p:pic>
     </p:spTree>
@@ -8934,7 +8933,7 @@
           <a:p>
             <a:r>
               <a:rPr lang="en-US" dirty="0"/>
-              <a:t>Vehicles (SUV, sedan, truck, and bike) or bank accounts. With vehicles each type has special attributes.</a:t>
+              <a:t>One could model vehicles (SUV, sedan, truck, and bike) or bank accounts with classes. With vehicles each type has special attributes.</a:t>
             </a:r>
           </a:p>
           <a:p>
@@ -9154,8 +9153,13 @@
           <a:p>
             <a:r>
               <a:rPr lang="en-US" dirty="0"/>
-              <a:t>Research has shown it takes about ten years to develop expertise in any of a wide variety of areas .</a:t>
-            </a:r>
+              <a:t>Research has shown it takes about ten years to develop expertise in any of a wide variety </a:t>
+            </a:r>
+            <a:r>
+              <a:rPr lang="en-US"/>
+              <a:t>of areas.</a:t>
+            </a:r>
+            <a:endParaRPr lang="en-US" dirty="0"/>
           </a:p>
           <a:p>
             <a:r>
@@ -9182,21 +9186,13 @@
             </a:r>
             <a:r>
               <a:rPr lang="en-US" dirty="0"/>
-              <a:t> module and sys </a:t>
-            </a:r>
-            <a:r>
-              <a:rPr lang="en-US"/>
-              <a:t>module.</a:t>
-            </a:r>
-          </a:p>
-          <a:p>
-            <a:r>
-              <a:rPr lang="en-US"/>
-              <a:t> </a:t>
-            </a:r>
-            <a:r>
-              <a:rPr lang="en-US" dirty="0"/>
-              <a:t>Look at functions and classes more. </a:t>
+              <a:t> module and sys module.</a:t>
+            </a:r>
+          </a:p>
+          <a:p>
+            <a:r>
+              <a:rPr lang="en-US" dirty="0"/>
+              <a:t> Look at functions and classes more. </a:t>
             </a:r>
           </a:p>
         </p:txBody>

--- a/introduction to python_1.pptx
+++ b/introduction to python_1.pptx
@@ -244,7 +244,7 @@
           <a:p>
             <a:fld id="{431389F4-8C7F-4118-9384-A80B74CB90FA}" type="datetimeFigureOut">
               <a:rPr lang="en-US" smtClean="0"/>
-              <a:t>12/7/2016</a:t>
+              <a:t>12/9/2016</a:t>
             </a:fld>
             <a:endParaRPr lang="en-US"/>
           </a:p>
@@ -2150,7 +2150,7 @@
           <a:p>
             <a:fld id="{9508567B-B8CC-4477-AED9-11BA2E0DD480}" type="datetimeFigureOut">
               <a:rPr lang="en-US" smtClean="0"/>
-              <a:t>12/7/2016</a:t>
+              <a:t>12/9/2016</a:t>
             </a:fld>
             <a:endParaRPr lang="en-US"/>
           </a:p>
@@ -2374,7 +2374,7 @@
           <a:p>
             <a:fld id="{9508567B-B8CC-4477-AED9-11BA2E0DD480}" type="datetimeFigureOut">
               <a:rPr lang="en-US" smtClean="0"/>
-              <a:t>12/7/2016</a:t>
+              <a:t>12/9/2016</a:t>
             </a:fld>
             <a:endParaRPr lang="en-US"/>
           </a:p>
@@ -2548,7 +2548,7 @@
           <a:p>
             <a:fld id="{9508567B-B8CC-4477-AED9-11BA2E0DD480}" type="datetimeFigureOut">
               <a:rPr lang="en-US" smtClean="0"/>
-              <a:t>12/7/2016</a:t>
+              <a:t>12/9/2016</a:t>
             </a:fld>
             <a:endParaRPr lang="en-US"/>
           </a:p>
@@ -2712,7 +2712,7 @@
           <a:p>
             <a:fld id="{9508567B-B8CC-4477-AED9-11BA2E0DD480}" type="datetimeFigureOut">
               <a:rPr lang="en-US" smtClean="0"/>
-              <a:t>12/7/2016</a:t>
+              <a:t>12/9/2016</a:t>
             </a:fld>
             <a:endParaRPr lang="en-US"/>
           </a:p>
@@ -2955,7 +2955,7 @@
           <a:p>
             <a:fld id="{9508567B-B8CC-4477-AED9-11BA2E0DD480}" type="datetimeFigureOut">
               <a:rPr lang="en-US" smtClean="0"/>
-              <a:t>12/7/2016</a:t>
+              <a:t>12/9/2016</a:t>
             </a:fld>
             <a:endParaRPr lang="en-US"/>
           </a:p>
@@ -3218,7 +3218,7 @@
           <a:p>
             <a:fld id="{9508567B-B8CC-4477-AED9-11BA2E0DD480}" type="datetimeFigureOut">
               <a:rPr lang="en-US" smtClean="0"/>
-              <a:t>12/7/2016</a:t>
+              <a:t>12/9/2016</a:t>
             </a:fld>
             <a:endParaRPr lang="en-US"/>
           </a:p>
@@ -3591,7 +3591,7 @@
           <a:p>
             <a:fld id="{9508567B-B8CC-4477-AED9-11BA2E0DD480}" type="datetimeFigureOut">
               <a:rPr lang="en-US" smtClean="0"/>
-              <a:t>12/7/2016</a:t>
+              <a:t>12/9/2016</a:t>
             </a:fld>
             <a:endParaRPr lang="en-US"/>
           </a:p>
@@ -3703,7 +3703,7 @@
           <a:p>
             <a:fld id="{9508567B-B8CC-4477-AED9-11BA2E0DD480}" type="datetimeFigureOut">
               <a:rPr lang="en-US" smtClean="0"/>
-              <a:t>12/7/2016</a:t>
+              <a:t>12/9/2016</a:t>
             </a:fld>
             <a:endParaRPr lang="en-US"/>
           </a:p>
@@ -3793,7 +3793,7 @@
           <a:p>
             <a:fld id="{9508567B-B8CC-4477-AED9-11BA2E0DD480}" type="datetimeFigureOut">
               <a:rPr lang="en-US" smtClean="0"/>
-              <a:t>12/7/2016</a:t>
+              <a:t>12/9/2016</a:t>
             </a:fld>
             <a:endParaRPr lang="en-US"/>
           </a:p>
@@ -4050,7 +4050,7 @@
           <a:p>
             <a:fld id="{9508567B-B8CC-4477-AED9-11BA2E0DD480}" type="datetimeFigureOut">
               <a:rPr lang="en-US" smtClean="0"/>
-              <a:t>12/7/2016</a:t>
+              <a:t>12/9/2016</a:t>
             </a:fld>
             <a:endParaRPr lang="en-US"/>
           </a:p>
@@ -4313,7 +4313,7 @@
           <a:p>
             <a:fld id="{9508567B-B8CC-4477-AED9-11BA2E0DD480}" type="datetimeFigureOut">
               <a:rPr lang="en-US" smtClean="0"/>
-              <a:t>12/7/2016</a:t>
+              <a:t>12/9/2016</a:t>
             </a:fld>
             <a:endParaRPr lang="en-US"/>
           </a:p>
@@ -4528,7 +4528,7 @@
           <a:p>
             <a:fld id="{9508567B-B8CC-4477-AED9-11BA2E0DD480}" type="datetimeFigureOut">
               <a:rPr lang="en-US" smtClean="0"/>
-              <a:t>12/7/2016</a:t>
+              <a:t>12/9/2016</a:t>
             </a:fld>
             <a:endParaRPr lang="en-US"/>
           </a:p>
@@ -7901,60 +7901,47 @@
           </a:p>
         </p:txBody>
       </p:sp>
+      <p:sp>
+        <p:nvSpPr>
+          <p:cNvPr id="3" name="Content Placeholder 2"/>
+          <p:cNvSpPr>
+            <a:spLocks noGrp="1"/>
+          </p:cNvSpPr>
+          <p:nvPr>
+            <p:ph idx="1"/>
+          </p:nvPr>
+        </p:nvSpPr>
+        <p:spPr/>
+        <p:txBody>
+          <a:bodyPr/>
+          <a:lstStyle/>
+          <a:p>
+            <a:endParaRPr lang="en-US"/>
+          </a:p>
+        </p:txBody>
+      </p:sp>
       <p:pic>
         <p:nvPicPr>
-          <p:cNvPr id="11266" name="Picture 2"/>
+          <p:cNvPr id="4" name="Picture 3"/>
           <p:cNvPicPr>
-            <a:picLocks noGrp="1" noChangeAspect="1" noChangeArrowheads="1"/>
+            <a:picLocks noChangeAspect="1"/>
           </p:cNvPicPr>
-          <p:nvPr>
-            <p:ph idx="1"/>
-          </p:nvPr>
+          <p:nvPr/>
         </p:nvPicPr>
         <p:blipFill>
-          <a:blip r:embed="rId2">
-            <a:extLst>
-              <a:ext uri="{28A0092B-C50C-407E-A947-70E740481C1C}">
-                <a14:useLocalDpi xmlns:a14="http://schemas.microsoft.com/office/drawing/2010/main" val="0"/>
-              </a:ext>
-            </a:extLst>
-          </a:blip>
-          <a:srcRect/>
+          <a:blip r:embed="rId2"/>
           <a:stretch>
             <a:fillRect/>
           </a:stretch>
         </p:blipFill>
-        <p:spPr bwMode="auto">
+        <p:spPr>
           <a:xfrm>
-            <a:off x="1981200" y="1828800"/>
-            <a:ext cx="5390477" cy="2392281"/>
+            <a:off x="1752600" y="1393393"/>
+            <a:ext cx="5877928" cy="5000625"/>
           </a:xfrm>
           <a:prstGeom prst="rect">
             <a:avLst/>
           </a:prstGeom>
-          <a:noFill/>
-          <a:ln>
-            <a:noFill/>
-          </a:ln>
-          <a:extLst>
-            <a:ext uri="{909E8E84-426E-40DD-AFC4-6F175D3DCCD1}">
-              <a14:hiddenFill xmlns:a14="http://schemas.microsoft.com/office/drawing/2010/main">
-                <a:solidFill>
-                  <a:schemeClr val="accent1"/>
-                </a:solidFill>
-              </a14:hiddenFill>
-            </a:ext>
-            <a:ext uri="{91240B29-F687-4F45-9708-019B960494DF}">
-              <a14:hiddenLine xmlns:a14="http://schemas.microsoft.com/office/drawing/2010/main" w="9525">
-                <a:solidFill>
-                  <a:schemeClr val="tx1"/>
-                </a:solidFill>
-                <a:miter lim="800000"/>
-                <a:headEnd/>
-                <a:tailEnd/>
-              </a14:hiddenLine>
-            </a:ext>
-          </a:extLst>
         </p:spPr>
       </p:pic>
     </p:spTree>
@@ -9141,7 +9128,7 @@
         <p:spPr/>
         <p:txBody>
           <a:bodyPr>
-            <a:normAutofit fontScale="92500" lnSpcReduction="10000"/>
+            <a:normAutofit fontScale="92500" lnSpcReduction="20000"/>
           </a:bodyPr>
           <a:lstStyle/>
           <a:p>
@@ -9153,13 +9140,8 @@
           <a:p>
             <a:r>
               <a:rPr lang="en-US" dirty="0"/>
-              <a:t>Research has shown it takes about ten years to develop expertise in any of a wide variety </a:t>
-            </a:r>
-            <a:r>
-              <a:rPr lang="en-US"/>
-              <a:t>of areas.</a:t>
-            </a:r>
-            <a:endParaRPr lang="en-US" dirty="0"/>
+              <a:t>Research has shown it takes about ten years to develop expertise in any of a wide variety of areas.</a:t>
+            </a:r>
           </a:p>
           <a:p>
             <a:r>
@@ -9193,6 +9175,44 @@
             <a:r>
               <a:rPr lang="en-US" dirty="0"/>
               <a:t> Look at functions and classes more. </a:t>
+            </a:r>
+          </a:p>
+          <a:p>
+            <a:r>
+              <a:rPr lang="en-US" dirty="0"/>
+              <a:t>Look into </a:t>
+            </a:r>
+            <a:r>
+              <a:rPr lang="en-US" dirty="0" err="1"/>
+              <a:t>Git</a:t>
+            </a:r>
+            <a:r>
+              <a:rPr lang="en-US" dirty="0"/>
+              <a:t>, </a:t>
+            </a:r>
+            <a:r>
+              <a:rPr lang="en-US" dirty="0" err="1"/>
+              <a:t>virtualenv</a:t>
+            </a:r>
+            <a:r>
+              <a:rPr lang="en-US" dirty="0"/>
+              <a:t>, </a:t>
+            </a:r>
+            <a:r>
+              <a:rPr lang="en-US" dirty="0" err="1"/>
+              <a:t>virtualenvwrapper</a:t>
+            </a:r>
+            <a:r>
+              <a:rPr lang="en-US" dirty="0"/>
+              <a:t> and </a:t>
+            </a:r>
+            <a:r>
+              <a:rPr lang="en-US" dirty="0" err="1"/>
+              <a:t>Powershell</a:t>
+            </a:r>
+            <a:r>
+              <a:rPr lang="en-US" dirty="0"/>
+              <a:t> </a:t>
             </a:r>
           </a:p>
         </p:txBody>
